--- a/result/Presentation1.pptx
+++ b/result/Presentation1.pptx
@@ -6,6 +6,8 @@
   </p:sldMasterIdLst>
   <p:sldIdLst>
     <p:sldId id="256" r:id="rId2"/>
+    <p:sldId id="257" r:id="rId3"/>
+    <p:sldId id="258" r:id="rId4"/>
   </p:sldIdLst>
   <p:sldSz cx="12192000" cy="6858000"/>
   <p:notesSz cx="6858000" cy="9144000"/>
@@ -3124,6 +3126,6187 @@
   <p:clrMapOvr>
     <a:masterClrMapping/>
   </p:clrMapOvr>
+</p:sld>
+</file>
+
+<file path=ppt/slides/slide2.xml><?xml version="1.0" encoding="utf-8"?>
+<p:sld xmlns:a="http://schemas.openxmlformats.org/drawingml/2006/main" xmlns:r="http://schemas.openxmlformats.org/officeDocument/2006/relationships" xmlns:p="http://schemas.openxmlformats.org/presentationml/2006/main">
+  <p:cSld>
+    <p:spTree>
+      <p:nvGrpSpPr>
+        <p:cNvPr id="1" name=""/>
+        <p:cNvGrpSpPr/>
+        <p:nvPr/>
+      </p:nvGrpSpPr>
+      <p:grpSpPr>
+        <a:xfrm>
+          <a:off x="0" y="0"/>
+          <a:ext cx="0" cy="0"/>
+          <a:chOff x="0" y="0"/>
+          <a:chExt cx="0" cy="0"/>
+        </a:xfrm>
+      </p:grpSpPr>
+      <p:sp>
+        <p:nvSpPr>
+          <p:cNvPr id="14" name="Oval 13"/>
+          <p:cNvSpPr/>
+          <p:nvPr/>
+        </p:nvSpPr>
+        <p:spPr>
+          <a:xfrm>
+            <a:off x="3241943" y="2974710"/>
+            <a:ext cx="432590" cy="389469"/>
+          </a:xfrm>
+          <a:prstGeom prst="ellipse">
+            <a:avLst/>
+          </a:prstGeom>
+          <a:noFill/>
+        </p:spPr>
+        <p:style>
+          <a:lnRef idx="2">
+            <a:schemeClr val="accent1">
+              <a:shade val="50000"/>
+            </a:schemeClr>
+          </a:lnRef>
+          <a:fillRef idx="1">
+            <a:schemeClr val="accent1"/>
+          </a:fillRef>
+          <a:effectRef idx="0">
+            <a:schemeClr val="accent1"/>
+          </a:effectRef>
+          <a:fontRef idx="minor">
+            <a:schemeClr val="lt1"/>
+          </a:fontRef>
+        </p:style>
+        <p:txBody>
+          <a:bodyPr rtlCol="0" anchor="ctr"/>
+          <a:lstStyle/>
+          <a:p>
+            <a:pPr algn="ctr"/>
+            <a:endParaRPr lang="en-US"/>
+          </a:p>
+        </p:txBody>
+      </p:sp>
+      <p:sp>
+        <p:nvSpPr>
+          <p:cNvPr id="29" name="Oval 28"/>
+          <p:cNvSpPr/>
+          <p:nvPr/>
+        </p:nvSpPr>
+        <p:spPr>
+          <a:xfrm>
+            <a:off x="3241943" y="2319864"/>
+            <a:ext cx="432590" cy="389469"/>
+          </a:xfrm>
+          <a:prstGeom prst="ellipse">
+            <a:avLst/>
+          </a:prstGeom>
+          <a:noFill/>
+        </p:spPr>
+        <p:style>
+          <a:lnRef idx="2">
+            <a:schemeClr val="accent1">
+              <a:shade val="50000"/>
+            </a:schemeClr>
+          </a:lnRef>
+          <a:fillRef idx="1">
+            <a:schemeClr val="accent1"/>
+          </a:fillRef>
+          <a:effectRef idx="0">
+            <a:schemeClr val="accent1"/>
+          </a:effectRef>
+          <a:fontRef idx="minor">
+            <a:schemeClr val="lt1"/>
+          </a:fontRef>
+        </p:style>
+        <p:txBody>
+          <a:bodyPr rtlCol="0" anchor="ctr"/>
+          <a:lstStyle/>
+          <a:p>
+            <a:pPr algn="ctr"/>
+            <a:endParaRPr lang="en-US"/>
+          </a:p>
+        </p:txBody>
+      </p:sp>
+      <p:sp>
+        <p:nvSpPr>
+          <p:cNvPr id="30" name="Oval 29"/>
+          <p:cNvSpPr/>
+          <p:nvPr/>
+        </p:nvSpPr>
+        <p:spPr>
+          <a:xfrm>
+            <a:off x="3241943" y="4261643"/>
+            <a:ext cx="432590" cy="389469"/>
+          </a:xfrm>
+          <a:prstGeom prst="ellipse">
+            <a:avLst/>
+          </a:prstGeom>
+          <a:noFill/>
+        </p:spPr>
+        <p:style>
+          <a:lnRef idx="2">
+            <a:schemeClr val="accent1">
+              <a:shade val="50000"/>
+            </a:schemeClr>
+          </a:lnRef>
+          <a:fillRef idx="1">
+            <a:schemeClr val="accent1"/>
+          </a:fillRef>
+          <a:effectRef idx="0">
+            <a:schemeClr val="accent1"/>
+          </a:effectRef>
+          <a:fontRef idx="minor">
+            <a:schemeClr val="lt1"/>
+          </a:fontRef>
+        </p:style>
+        <p:txBody>
+          <a:bodyPr rtlCol="0" anchor="ctr"/>
+          <a:lstStyle/>
+          <a:p>
+            <a:pPr algn="ctr"/>
+            <a:endParaRPr lang="en-US"/>
+          </a:p>
+        </p:txBody>
+      </p:sp>
+      <p:sp>
+        <p:nvSpPr>
+          <p:cNvPr id="33" name="Oval 32"/>
+          <p:cNvSpPr/>
+          <p:nvPr/>
+        </p:nvSpPr>
+        <p:spPr>
+          <a:xfrm>
+            <a:off x="4596609" y="2974713"/>
+            <a:ext cx="432590" cy="389469"/>
+          </a:xfrm>
+          <a:prstGeom prst="ellipse">
+            <a:avLst/>
+          </a:prstGeom>
+          <a:noFill/>
+        </p:spPr>
+        <p:style>
+          <a:lnRef idx="2">
+            <a:schemeClr val="accent1">
+              <a:shade val="50000"/>
+            </a:schemeClr>
+          </a:lnRef>
+          <a:fillRef idx="1">
+            <a:schemeClr val="accent1"/>
+          </a:fillRef>
+          <a:effectRef idx="0">
+            <a:schemeClr val="accent1"/>
+          </a:effectRef>
+          <a:fontRef idx="minor">
+            <a:schemeClr val="lt1"/>
+          </a:fontRef>
+        </p:style>
+        <p:txBody>
+          <a:bodyPr rtlCol="0" anchor="ctr"/>
+          <a:lstStyle/>
+          <a:p>
+            <a:pPr algn="ctr"/>
+            <a:endParaRPr lang="en-US"/>
+          </a:p>
+        </p:txBody>
+      </p:sp>
+      <p:sp>
+        <p:nvSpPr>
+          <p:cNvPr id="34" name="Oval 33"/>
+          <p:cNvSpPr/>
+          <p:nvPr/>
+        </p:nvSpPr>
+        <p:spPr>
+          <a:xfrm>
+            <a:off x="4596609" y="2319867"/>
+            <a:ext cx="432590" cy="389469"/>
+          </a:xfrm>
+          <a:prstGeom prst="ellipse">
+            <a:avLst/>
+          </a:prstGeom>
+          <a:noFill/>
+        </p:spPr>
+        <p:style>
+          <a:lnRef idx="2">
+            <a:schemeClr val="accent1">
+              <a:shade val="50000"/>
+            </a:schemeClr>
+          </a:lnRef>
+          <a:fillRef idx="1">
+            <a:schemeClr val="accent1"/>
+          </a:fillRef>
+          <a:effectRef idx="0">
+            <a:schemeClr val="accent1"/>
+          </a:effectRef>
+          <a:fontRef idx="minor">
+            <a:schemeClr val="lt1"/>
+          </a:fontRef>
+        </p:style>
+        <p:txBody>
+          <a:bodyPr rtlCol="0" anchor="ctr"/>
+          <a:lstStyle/>
+          <a:p>
+            <a:pPr algn="ctr"/>
+            <a:endParaRPr lang="en-US"/>
+          </a:p>
+        </p:txBody>
+      </p:sp>
+      <p:sp>
+        <p:nvSpPr>
+          <p:cNvPr id="35" name="Oval 34"/>
+          <p:cNvSpPr/>
+          <p:nvPr/>
+        </p:nvSpPr>
+        <p:spPr>
+          <a:xfrm>
+            <a:off x="4816742" y="3635115"/>
+            <a:ext cx="45719" cy="67733"/>
+          </a:xfrm>
+          <a:prstGeom prst="ellipse">
+            <a:avLst/>
+          </a:prstGeom>
+          <a:noFill/>
+        </p:spPr>
+        <p:style>
+          <a:lnRef idx="2">
+            <a:schemeClr val="accent1">
+              <a:shade val="50000"/>
+            </a:schemeClr>
+          </a:lnRef>
+          <a:fillRef idx="1">
+            <a:schemeClr val="accent1"/>
+          </a:fillRef>
+          <a:effectRef idx="0">
+            <a:schemeClr val="accent1"/>
+          </a:effectRef>
+          <a:fontRef idx="minor">
+            <a:schemeClr val="lt1"/>
+          </a:fontRef>
+        </p:style>
+        <p:txBody>
+          <a:bodyPr rtlCol="0" anchor="ctr"/>
+          <a:lstStyle/>
+          <a:p>
+            <a:pPr algn="ctr"/>
+            <a:endParaRPr lang="en-US"/>
+          </a:p>
+        </p:txBody>
+      </p:sp>
+      <p:sp>
+        <p:nvSpPr>
+          <p:cNvPr id="36" name="Oval 35"/>
+          <p:cNvSpPr/>
+          <p:nvPr/>
+        </p:nvSpPr>
+        <p:spPr>
+          <a:xfrm>
+            <a:off x="8914610" y="2923910"/>
+            <a:ext cx="432590" cy="389469"/>
+          </a:xfrm>
+          <a:prstGeom prst="ellipse">
+            <a:avLst/>
+          </a:prstGeom>
+          <a:noFill/>
+        </p:spPr>
+        <p:style>
+          <a:lnRef idx="2">
+            <a:schemeClr val="accent1">
+              <a:shade val="50000"/>
+            </a:schemeClr>
+          </a:lnRef>
+          <a:fillRef idx="1">
+            <a:schemeClr val="accent1"/>
+          </a:fillRef>
+          <a:effectRef idx="0">
+            <a:schemeClr val="accent1"/>
+          </a:effectRef>
+          <a:fontRef idx="minor">
+            <a:schemeClr val="lt1"/>
+          </a:fontRef>
+        </p:style>
+        <p:txBody>
+          <a:bodyPr rtlCol="0" anchor="ctr"/>
+          <a:lstStyle/>
+          <a:p>
+            <a:pPr algn="ctr"/>
+            <a:endParaRPr lang="en-US"/>
+          </a:p>
+        </p:txBody>
+      </p:sp>
+      <p:sp>
+        <p:nvSpPr>
+          <p:cNvPr id="37" name="Oval 36"/>
+          <p:cNvSpPr/>
+          <p:nvPr/>
+        </p:nvSpPr>
+        <p:spPr>
+          <a:xfrm>
+            <a:off x="8914610" y="2269064"/>
+            <a:ext cx="432590" cy="389469"/>
+          </a:xfrm>
+          <a:prstGeom prst="ellipse">
+            <a:avLst/>
+          </a:prstGeom>
+          <a:noFill/>
+        </p:spPr>
+        <p:style>
+          <a:lnRef idx="2">
+            <a:schemeClr val="accent1">
+              <a:shade val="50000"/>
+            </a:schemeClr>
+          </a:lnRef>
+          <a:fillRef idx="1">
+            <a:schemeClr val="accent1"/>
+          </a:fillRef>
+          <a:effectRef idx="0">
+            <a:schemeClr val="accent1"/>
+          </a:effectRef>
+          <a:fontRef idx="minor">
+            <a:schemeClr val="lt1"/>
+          </a:fontRef>
+        </p:style>
+        <p:txBody>
+          <a:bodyPr rtlCol="0" anchor="ctr"/>
+          <a:lstStyle/>
+          <a:p>
+            <a:pPr algn="ctr"/>
+            <a:endParaRPr lang="en-US"/>
+          </a:p>
+        </p:txBody>
+      </p:sp>
+      <p:sp>
+        <p:nvSpPr>
+          <p:cNvPr id="38" name="Oval 37"/>
+          <p:cNvSpPr/>
+          <p:nvPr/>
+        </p:nvSpPr>
+        <p:spPr>
+          <a:xfrm>
+            <a:off x="8914610" y="3584311"/>
+            <a:ext cx="432590" cy="389469"/>
+          </a:xfrm>
+          <a:prstGeom prst="ellipse">
+            <a:avLst/>
+          </a:prstGeom>
+          <a:noFill/>
+        </p:spPr>
+        <p:style>
+          <a:lnRef idx="2">
+            <a:schemeClr val="accent1">
+              <a:shade val="50000"/>
+            </a:schemeClr>
+          </a:lnRef>
+          <a:fillRef idx="1">
+            <a:schemeClr val="accent1"/>
+          </a:fillRef>
+          <a:effectRef idx="0">
+            <a:schemeClr val="accent1"/>
+          </a:effectRef>
+          <a:fontRef idx="minor">
+            <a:schemeClr val="lt1"/>
+          </a:fontRef>
+        </p:style>
+        <p:txBody>
+          <a:bodyPr rtlCol="0" anchor="ctr"/>
+          <a:lstStyle/>
+          <a:p>
+            <a:pPr algn="ctr"/>
+            <a:endParaRPr lang="en-US"/>
+          </a:p>
+        </p:txBody>
+      </p:sp>
+      <p:sp>
+        <p:nvSpPr>
+          <p:cNvPr id="39" name="Oval 38"/>
+          <p:cNvSpPr/>
+          <p:nvPr/>
+        </p:nvSpPr>
+        <p:spPr>
+          <a:xfrm>
+            <a:off x="4613541" y="1727200"/>
+            <a:ext cx="432590" cy="389469"/>
+          </a:xfrm>
+          <a:prstGeom prst="ellipse">
+            <a:avLst/>
+          </a:prstGeom>
+          <a:noFill/>
+        </p:spPr>
+        <p:style>
+          <a:lnRef idx="2">
+            <a:schemeClr val="accent1">
+              <a:shade val="50000"/>
+            </a:schemeClr>
+          </a:lnRef>
+          <a:fillRef idx="1">
+            <a:schemeClr val="accent1"/>
+          </a:fillRef>
+          <a:effectRef idx="0">
+            <a:schemeClr val="accent1"/>
+          </a:effectRef>
+          <a:fontRef idx="minor">
+            <a:schemeClr val="lt1"/>
+          </a:fontRef>
+        </p:style>
+        <p:txBody>
+          <a:bodyPr rtlCol="0" anchor="ctr"/>
+          <a:lstStyle/>
+          <a:p>
+            <a:pPr algn="ctr"/>
+            <a:endParaRPr lang="en-US"/>
+          </a:p>
+        </p:txBody>
+      </p:sp>
+      <p:sp>
+        <p:nvSpPr>
+          <p:cNvPr id="40" name="Oval 39"/>
+          <p:cNvSpPr/>
+          <p:nvPr/>
+        </p:nvSpPr>
+        <p:spPr>
+          <a:xfrm>
+            <a:off x="4613541" y="4295515"/>
+            <a:ext cx="432590" cy="389469"/>
+          </a:xfrm>
+          <a:prstGeom prst="ellipse">
+            <a:avLst/>
+          </a:prstGeom>
+          <a:noFill/>
+        </p:spPr>
+        <p:style>
+          <a:lnRef idx="2">
+            <a:schemeClr val="accent1">
+              <a:shade val="50000"/>
+            </a:schemeClr>
+          </a:lnRef>
+          <a:fillRef idx="1">
+            <a:schemeClr val="accent1"/>
+          </a:fillRef>
+          <a:effectRef idx="0">
+            <a:schemeClr val="accent1"/>
+          </a:effectRef>
+          <a:fontRef idx="minor">
+            <a:schemeClr val="lt1"/>
+          </a:fontRef>
+        </p:style>
+        <p:txBody>
+          <a:bodyPr rtlCol="0" anchor="ctr"/>
+          <a:lstStyle/>
+          <a:p>
+            <a:pPr algn="ctr"/>
+            <a:endParaRPr lang="en-US"/>
+          </a:p>
+        </p:txBody>
+      </p:sp>
+      <p:sp>
+        <p:nvSpPr>
+          <p:cNvPr id="41" name="Oval 40"/>
+          <p:cNvSpPr/>
+          <p:nvPr/>
+        </p:nvSpPr>
+        <p:spPr>
+          <a:xfrm>
+            <a:off x="4816740" y="3821382"/>
+            <a:ext cx="45719" cy="67733"/>
+          </a:xfrm>
+          <a:prstGeom prst="ellipse">
+            <a:avLst/>
+          </a:prstGeom>
+          <a:noFill/>
+        </p:spPr>
+        <p:style>
+          <a:lnRef idx="2">
+            <a:schemeClr val="accent1">
+              <a:shade val="50000"/>
+            </a:schemeClr>
+          </a:lnRef>
+          <a:fillRef idx="1">
+            <a:schemeClr val="accent1"/>
+          </a:fillRef>
+          <a:effectRef idx="0">
+            <a:schemeClr val="accent1"/>
+          </a:effectRef>
+          <a:fontRef idx="minor">
+            <a:schemeClr val="lt1"/>
+          </a:fontRef>
+        </p:style>
+        <p:txBody>
+          <a:bodyPr rtlCol="0" anchor="ctr"/>
+          <a:lstStyle/>
+          <a:p>
+            <a:pPr algn="ctr"/>
+            <a:endParaRPr lang="en-US"/>
+          </a:p>
+        </p:txBody>
+      </p:sp>
+      <p:sp>
+        <p:nvSpPr>
+          <p:cNvPr id="42" name="Oval 41"/>
+          <p:cNvSpPr/>
+          <p:nvPr/>
+        </p:nvSpPr>
+        <p:spPr>
+          <a:xfrm>
+            <a:off x="4816742" y="3990715"/>
+            <a:ext cx="45719" cy="67733"/>
+          </a:xfrm>
+          <a:prstGeom prst="ellipse">
+            <a:avLst/>
+          </a:prstGeom>
+          <a:noFill/>
+        </p:spPr>
+        <p:style>
+          <a:lnRef idx="2">
+            <a:schemeClr val="accent1">
+              <a:shade val="50000"/>
+            </a:schemeClr>
+          </a:lnRef>
+          <a:fillRef idx="1">
+            <a:schemeClr val="accent1"/>
+          </a:fillRef>
+          <a:effectRef idx="0">
+            <a:schemeClr val="accent1"/>
+          </a:effectRef>
+          <a:fontRef idx="minor">
+            <a:schemeClr val="lt1"/>
+          </a:fontRef>
+        </p:style>
+        <p:txBody>
+          <a:bodyPr rtlCol="0" anchor="ctr"/>
+          <a:lstStyle/>
+          <a:p>
+            <a:pPr algn="ctr"/>
+            <a:endParaRPr lang="en-US"/>
+          </a:p>
+        </p:txBody>
+      </p:sp>
+      <p:sp>
+        <p:nvSpPr>
+          <p:cNvPr id="43" name="Oval 42"/>
+          <p:cNvSpPr/>
+          <p:nvPr/>
+        </p:nvSpPr>
+        <p:spPr>
+          <a:xfrm>
+            <a:off x="5815805" y="2957779"/>
+            <a:ext cx="432590" cy="389469"/>
+          </a:xfrm>
+          <a:prstGeom prst="ellipse">
+            <a:avLst/>
+          </a:prstGeom>
+          <a:noFill/>
+        </p:spPr>
+        <p:style>
+          <a:lnRef idx="2">
+            <a:schemeClr val="accent1">
+              <a:shade val="50000"/>
+            </a:schemeClr>
+          </a:lnRef>
+          <a:fillRef idx="1">
+            <a:schemeClr val="accent1"/>
+          </a:fillRef>
+          <a:effectRef idx="0">
+            <a:schemeClr val="accent1"/>
+          </a:effectRef>
+          <a:fontRef idx="minor">
+            <a:schemeClr val="lt1"/>
+          </a:fontRef>
+        </p:style>
+        <p:txBody>
+          <a:bodyPr rtlCol="0" anchor="ctr"/>
+          <a:lstStyle/>
+          <a:p>
+            <a:pPr algn="ctr"/>
+            <a:endParaRPr lang="en-US"/>
+          </a:p>
+        </p:txBody>
+      </p:sp>
+      <p:sp>
+        <p:nvSpPr>
+          <p:cNvPr id="44" name="Oval 43"/>
+          <p:cNvSpPr/>
+          <p:nvPr/>
+        </p:nvSpPr>
+        <p:spPr>
+          <a:xfrm>
+            <a:off x="5815805" y="2302933"/>
+            <a:ext cx="432590" cy="389469"/>
+          </a:xfrm>
+          <a:prstGeom prst="ellipse">
+            <a:avLst/>
+          </a:prstGeom>
+          <a:noFill/>
+        </p:spPr>
+        <p:style>
+          <a:lnRef idx="2">
+            <a:schemeClr val="accent1">
+              <a:shade val="50000"/>
+            </a:schemeClr>
+          </a:lnRef>
+          <a:fillRef idx="1">
+            <a:schemeClr val="accent1"/>
+          </a:fillRef>
+          <a:effectRef idx="0">
+            <a:schemeClr val="accent1"/>
+          </a:effectRef>
+          <a:fontRef idx="minor">
+            <a:schemeClr val="lt1"/>
+          </a:fontRef>
+        </p:style>
+        <p:txBody>
+          <a:bodyPr rtlCol="0" anchor="ctr"/>
+          <a:lstStyle/>
+          <a:p>
+            <a:pPr algn="ctr"/>
+            <a:endParaRPr lang="en-US"/>
+          </a:p>
+        </p:txBody>
+      </p:sp>
+      <p:sp>
+        <p:nvSpPr>
+          <p:cNvPr id="45" name="Oval 44"/>
+          <p:cNvSpPr/>
+          <p:nvPr/>
+        </p:nvSpPr>
+        <p:spPr>
+          <a:xfrm>
+            <a:off x="6035938" y="3618181"/>
+            <a:ext cx="45719" cy="67733"/>
+          </a:xfrm>
+          <a:prstGeom prst="ellipse">
+            <a:avLst/>
+          </a:prstGeom>
+          <a:noFill/>
+        </p:spPr>
+        <p:style>
+          <a:lnRef idx="2">
+            <a:schemeClr val="accent1">
+              <a:shade val="50000"/>
+            </a:schemeClr>
+          </a:lnRef>
+          <a:fillRef idx="1">
+            <a:schemeClr val="accent1"/>
+          </a:fillRef>
+          <a:effectRef idx="0">
+            <a:schemeClr val="accent1"/>
+          </a:effectRef>
+          <a:fontRef idx="minor">
+            <a:schemeClr val="lt1"/>
+          </a:fontRef>
+        </p:style>
+        <p:txBody>
+          <a:bodyPr rtlCol="0" anchor="ctr"/>
+          <a:lstStyle/>
+          <a:p>
+            <a:pPr algn="ctr"/>
+            <a:endParaRPr lang="en-US"/>
+          </a:p>
+        </p:txBody>
+      </p:sp>
+      <p:sp>
+        <p:nvSpPr>
+          <p:cNvPr id="46" name="Oval 45"/>
+          <p:cNvSpPr/>
+          <p:nvPr/>
+        </p:nvSpPr>
+        <p:spPr>
+          <a:xfrm>
+            <a:off x="5832737" y="1710266"/>
+            <a:ext cx="432590" cy="389469"/>
+          </a:xfrm>
+          <a:prstGeom prst="ellipse">
+            <a:avLst/>
+          </a:prstGeom>
+          <a:noFill/>
+        </p:spPr>
+        <p:style>
+          <a:lnRef idx="2">
+            <a:schemeClr val="accent1">
+              <a:shade val="50000"/>
+            </a:schemeClr>
+          </a:lnRef>
+          <a:fillRef idx="1">
+            <a:schemeClr val="accent1"/>
+          </a:fillRef>
+          <a:effectRef idx="0">
+            <a:schemeClr val="accent1"/>
+          </a:effectRef>
+          <a:fontRef idx="minor">
+            <a:schemeClr val="lt1"/>
+          </a:fontRef>
+        </p:style>
+        <p:txBody>
+          <a:bodyPr rtlCol="0" anchor="ctr"/>
+          <a:lstStyle/>
+          <a:p>
+            <a:pPr algn="ctr"/>
+            <a:endParaRPr lang="en-US"/>
+          </a:p>
+        </p:txBody>
+      </p:sp>
+      <p:sp>
+        <p:nvSpPr>
+          <p:cNvPr id="47" name="Oval 46"/>
+          <p:cNvSpPr/>
+          <p:nvPr/>
+        </p:nvSpPr>
+        <p:spPr>
+          <a:xfrm>
+            <a:off x="5832737" y="4278581"/>
+            <a:ext cx="432590" cy="389469"/>
+          </a:xfrm>
+          <a:prstGeom prst="ellipse">
+            <a:avLst/>
+          </a:prstGeom>
+          <a:noFill/>
+        </p:spPr>
+        <p:style>
+          <a:lnRef idx="2">
+            <a:schemeClr val="accent1">
+              <a:shade val="50000"/>
+            </a:schemeClr>
+          </a:lnRef>
+          <a:fillRef idx="1">
+            <a:schemeClr val="accent1"/>
+          </a:fillRef>
+          <a:effectRef idx="0">
+            <a:schemeClr val="accent1"/>
+          </a:effectRef>
+          <a:fontRef idx="minor">
+            <a:schemeClr val="lt1"/>
+          </a:fontRef>
+        </p:style>
+        <p:txBody>
+          <a:bodyPr rtlCol="0" anchor="ctr"/>
+          <a:lstStyle/>
+          <a:p>
+            <a:pPr algn="ctr"/>
+            <a:endParaRPr lang="en-US"/>
+          </a:p>
+        </p:txBody>
+      </p:sp>
+      <p:sp>
+        <p:nvSpPr>
+          <p:cNvPr id="48" name="Oval 47"/>
+          <p:cNvSpPr/>
+          <p:nvPr/>
+        </p:nvSpPr>
+        <p:spPr>
+          <a:xfrm>
+            <a:off x="6035936" y="3804448"/>
+            <a:ext cx="45719" cy="67733"/>
+          </a:xfrm>
+          <a:prstGeom prst="ellipse">
+            <a:avLst/>
+          </a:prstGeom>
+          <a:noFill/>
+        </p:spPr>
+        <p:style>
+          <a:lnRef idx="2">
+            <a:schemeClr val="accent1">
+              <a:shade val="50000"/>
+            </a:schemeClr>
+          </a:lnRef>
+          <a:fillRef idx="1">
+            <a:schemeClr val="accent1"/>
+          </a:fillRef>
+          <a:effectRef idx="0">
+            <a:schemeClr val="accent1"/>
+          </a:effectRef>
+          <a:fontRef idx="minor">
+            <a:schemeClr val="lt1"/>
+          </a:fontRef>
+        </p:style>
+        <p:txBody>
+          <a:bodyPr rtlCol="0" anchor="ctr"/>
+          <a:lstStyle/>
+          <a:p>
+            <a:pPr algn="ctr"/>
+            <a:endParaRPr lang="en-US"/>
+          </a:p>
+        </p:txBody>
+      </p:sp>
+      <p:sp>
+        <p:nvSpPr>
+          <p:cNvPr id="49" name="Oval 48"/>
+          <p:cNvSpPr/>
+          <p:nvPr/>
+        </p:nvSpPr>
+        <p:spPr>
+          <a:xfrm>
+            <a:off x="6035938" y="3973781"/>
+            <a:ext cx="45719" cy="67733"/>
+          </a:xfrm>
+          <a:prstGeom prst="ellipse">
+            <a:avLst/>
+          </a:prstGeom>
+          <a:noFill/>
+        </p:spPr>
+        <p:style>
+          <a:lnRef idx="2">
+            <a:schemeClr val="accent1">
+              <a:shade val="50000"/>
+            </a:schemeClr>
+          </a:lnRef>
+          <a:fillRef idx="1">
+            <a:schemeClr val="accent1"/>
+          </a:fillRef>
+          <a:effectRef idx="0">
+            <a:schemeClr val="accent1"/>
+          </a:effectRef>
+          <a:fontRef idx="minor">
+            <a:schemeClr val="lt1"/>
+          </a:fontRef>
+        </p:style>
+        <p:txBody>
+          <a:bodyPr rtlCol="0" anchor="ctr"/>
+          <a:lstStyle/>
+          <a:p>
+            <a:pPr algn="ctr"/>
+            <a:endParaRPr lang="en-US"/>
+          </a:p>
+        </p:txBody>
+      </p:sp>
+      <p:sp>
+        <p:nvSpPr>
+          <p:cNvPr id="50" name="Rectangle 49"/>
+          <p:cNvSpPr/>
+          <p:nvPr/>
+        </p:nvSpPr>
+        <p:spPr>
+          <a:xfrm>
+            <a:off x="2675467" y="1075765"/>
+            <a:ext cx="1625600" cy="4258235"/>
+          </a:xfrm>
+          <a:prstGeom prst="rect">
+            <a:avLst/>
+          </a:prstGeom>
+          <a:noFill/>
+        </p:spPr>
+        <p:style>
+          <a:lnRef idx="2">
+            <a:schemeClr val="accent1">
+              <a:shade val="50000"/>
+            </a:schemeClr>
+          </a:lnRef>
+          <a:fillRef idx="1">
+            <a:schemeClr val="accent1"/>
+          </a:fillRef>
+          <a:effectRef idx="0">
+            <a:schemeClr val="accent1"/>
+          </a:effectRef>
+          <a:fontRef idx="minor">
+            <a:schemeClr val="lt1"/>
+          </a:fontRef>
+        </p:style>
+        <p:txBody>
+          <a:bodyPr rtlCol="0" anchor="ctr"/>
+          <a:lstStyle/>
+          <a:p>
+            <a:pPr algn="ctr"/>
+            <a:endParaRPr lang="en-US"/>
+          </a:p>
+        </p:txBody>
+      </p:sp>
+      <p:sp>
+        <p:nvSpPr>
+          <p:cNvPr id="51" name="TextBox 50"/>
+          <p:cNvSpPr txBox="1"/>
+          <p:nvPr/>
+        </p:nvSpPr>
+        <p:spPr>
+          <a:xfrm>
+            <a:off x="2868802" y="1267644"/>
+            <a:ext cx="1238929" cy="369332"/>
+          </a:xfrm>
+          <a:prstGeom prst="rect">
+            <a:avLst/>
+          </a:prstGeom>
+          <a:noFill/>
+        </p:spPr>
+        <p:txBody>
+          <a:bodyPr wrap="none" rtlCol="0">
+            <a:spAutoFit/>
+          </a:bodyPr>
+          <a:lstStyle/>
+          <a:p>
+            <a:r>
+              <a:rPr lang="en-US" dirty="0" smtClean="0"/>
+              <a:t>Input Layer</a:t>
+            </a:r>
+            <a:endParaRPr lang="en-US" dirty="0"/>
+          </a:p>
+        </p:txBody>
+      </p:sp>
+      <p:sp>
+        <p:nvSpPr>
+          <p:cNvPr id="52" name="Oval 51"/>
+          <p:cNvSpPr/>
+          <p:nvPr/>
+        </p:nvSpPr>
+        <p:spPr>
+          <a:xfrm>
+            <a:off x="6645537" y="2585250"/>
+            <a:ext cx="45719" cy="67733"/>
+          </a:xfrm>
+          <a:prstGeom prst="ellipse">
+            <a:avLst/>
+          </a:prstGeom>
+          <a:noFill/>
+        </p:spPr>
+        <p:style>
+          <a:lnRef idx="2">
+            <a:schemeClr val="accent1">
+              <a:shade val="50000"/>
+            </a:schemeClr>
+          </a:lnRef>
+          <a:fillRef idx="1">
+            <a:schemeClr val="accent1"/>
+          </a:fillRef>
+          <a:effectRef idx="0">
+            <a:schemeClr val="accent1"/>
+          </a:effectRef>
+          <a:fontRef idx="minor">
+            <a:schemeClr val="lt1"/>
+          </a:fontRef>
+        </p:style>
+        <p:txBody>
+          <a:bodyPr rtlCol="0" anchor="ctr"/>
+          <a:lstStyle/>
+          <a:p>
+            <a:pPr algn="ctr"/>
+            <a:endParaRPr lang="en-US"/>
+          </a:p>
+        </p:txBody>
+      </p:sp>
+      <p:sp>
+        <p:nvSpPr>
+          <p:cNvPr id="53" name="Oval 52"/>
+          <p:cNvSpPr/>
+          <p:nvPr/>
+        </p:nvSpPr>
+        <p:spPr>
+          <a:xfrm>
+            <a:off x="6645535" y="2771517"/>
+            <a:ext cx="45719" cy="67733"/>
+          </a:xfrm>
+          <a:prstGeom prst="ellipse">
+            <a:avLst/>
+          </a:prstGeom>
+          <a:noFill/>
+        </p:spPr>
+        <p:style>
+          <a:lnRef idx="2">
+            <a:schemeClr val="accent1">
+              <a:shade val="50000"/>
+            </a:schemeClr>
+          </a:lnRef>
+          <a:fillRef idx="1">
+            <a:schemeClr val="accent1"/>
+          </a:fillRef>
+          <a:effectRef idx="0">
+            <a:schemeClr val="accent1"/>
+          </a:effectRef>
+          <a:fontRef idx="minor">
+            <a:schemeClr val="lt1"/>
+          </a:fontRef>
+        </p:style>
+        <p:txBody>
+          <a:bodyPr rtlCol="0" anchor="ctr"/>
+          <a:lstStyle/>
+          <a:p>
+            <a:pPr algn="ctr"/>
+            <a:endParaRPr lang="en-US"/>
+          </a:p>
+        </p:txBody>
+      </p:sp>
+      <p:sp>
+        <p:nvSpPr>
+          <p:cNvPr id="54" name="Oval 53"/>
+          <p:cNvSpPr/>
+          <p:nvPr/>
+        </p:nvSpPr>
+        <p:spPr>
+          <a:xfrm>
+            <a:off x="6645537" y="2940850"/>
+            <a:ext cx="45719" cy="67733"/>
+          </a:xfrm>
+          <a:prstGeom prst="ellipse">
+            <a:avLst/>
+          </a:prstGeom>
+          <a:noFill/>
+        </p:spPr>
+        <p:style>
+          <a:lnRef idx="2">
+            <a:schemeClr val="accent1">
+              <a:shade val="50000"/>
+            </a:schemeClr>
+          </a:lnRef>
+          <a:fillRef idx="1">
+            <a:schemeClr val="accent1"/>
+          </a:fillRef>
+          <a:effectRef idx="0">
+            <a:schemeClr val="accent1"/>
+          </a:effectRef>
+          <a:fontRef idx="minor">
+            <a:schemeClr val="lt1"/>
+          </a:fontRef>
+        </p:style>
+        <p:txBody>
+          <a:bodyPr rtlCol="0" anchor="ctr"/>
+          <a:lstStyle/>
+          <a:p>
+            <a:pPr algn="ctr"/>
+            <a:endParaRPr lang="en-US"/>
+          </a:p>
+        </p:txBody>
+      </p:sp>
+      <p:sp>
+        <p:nvSpPr>
+          <p:cNvPr id="55" name="Oval 54"/>
+          <p:cNvSpPr/>
+          <p:nvPr/>
+        </p:nvSpPr>
+        <p:spPr>
+          <a:xfrm>
+            <a:off x="6645537" y="3144049"/>
+            <a:ext cx="45719" cy="67733"/>
+          </a:xfrm>
+          <a:prstGeom prst="ellipse">
+            <a:avLst/>
+          </a:prstGeom>
+          <a:noFill/>
+        </p:spPr>
+        <p:style>
+          <a:lnRef idx="2">
+            <a:schemeClr val="accent1">
+              <a:shade val="50000"/>
+            </a:schemeClr>
+          </a:lnRef>
+          <a:fillRef idx="1">
+            <a:schemeClr val="accent1"/>
+          </a:fillRef>
+          <a:effectRef idx="0">
+            <a:schemeClr val="accent1"/>
+          </a:effectRef>
+          <a:fontRef idx="minor">
+            <a:schemeClr val="lt1"/>
+          </a:fontRef>
+        </p:style>
+        <p:txBody>
+          <a:bodyPr rtlCol="0" anchor="ctr"/>
+          <a:lstStyle/>
+          <a:p>
+            <a:pPr algn="ctr"/>
+            <a:endParaRPr lang="en-US"/>
+          </a:p>
+        </p:txBody>
+      </p:sp>
+      <p:sp>
+        <p:nvSpPr>
+          <p:cNvPr id="56" name="Oval 55"/>
+          <p:cNvSpPr/>
+          <p:nvPr/>
+        </p:nvSpPr>
+        <p:spPr>
+          <a:xfrm>
+            <a:off x="6645535" y="3330316"/>
+            <a:ext cx="45719" cy="67733"/>
+          </a:xfrm>
+          <a:prstGeom prst="ellipse">
+            <a:avLst/>
+          </a:prstGeom>
+          <a:noFill/>
+        </p:spPr>
+        <p:style>
+          <a:lnRef idx="2">
+            <a:schemeClr val="accent1">
+              <a:shade val="50000"/>
+            </a:schemeClr>
+          </a:lnRef>
+          <a:fillRef idx="1">
+            <a:schemeClr val="accent1"/>
+          </a:fillRef>
+          <a:effectRef idx="0">
+            <a:schemeClr val="accent1"/>
+          </a:effectRef>
+          <a:fontRef idx="minor">
+            <a:schemeClr val="lt1"/>
+          </a:fontRef>
+        </p:style>
+        <p:txBody>
+          <a:bodyPr rtlCol="0" anchor="ctr"/>
+          <a:lstStyle/>
+          <a:p>
+            <a:pPr algn="ctr"/>
+            <a:endParaRPr lang="en-US"/>
+          </a:p>
+        </p:txBody>
+      </p:sp>
+      <p:sp>
+        <p:nvSpPr>
+          <p:cNvPr id="57" name="Oval 56"/>
+          <p:cNvSpPr/>
+          <p:nvPr/>
+        </p:nvSpPr>
+        <p:spPr>
+          <a:xfrm>
+            <a:off x="6645537" y="3499649"/>
+            <a:ext cx="45719" cy="67733"/>
+          </a:xfrm>
+          <a:prstGeom prst="ellipse">
+            <a:avLst/>
+          </a:prstGeom>
+          <a:noFill/>
+        </p:spPr>
+        <p:style>
+          <a:lnRef idx="2">
+            <a:schemeClr val="accent1">
+              <a:shade val="50000"/>
+            </a:schemeClr>
+          </a:lnRef>
+          <a:fillRef idx="1">
+            <a:schemeClr val="accent1"/>
+          </a:fillRef>
+          <a:effectRef idx="0">
+            <a:schemeClr val="accent1"/>
+          </a:effectRef>
+          <a:fontRef idx="minor">
+            <a:schemeClr val="lt1"/>
+          </a:fontRef>
+        </p:style>
+        <p:txBody>
+          <a:bodyPr rtlCol="0" anchor="ctr"/>
+          <a:lstStyle/>
+          <a:p>
+            <a:pPr algn="ctr"/>
+            <a:endParaRPr lang="en-US"/>
+          </a:p>
+        </p:txBody>
+      </p:sp>
+      <p:sp>
+        <p:nvSpPr>
+          <p:cNvPr id="58" name="Oval 57"/>
+          <p:cNvSpPr/>
+          <p:nvPr/>
+        </p:nvSpPr>
+        <p:spPr>
+          <a:xfrm>
+            <a:off x="6933403" y="2568319"/>
+            <a:ext cx="45719" cy="67733"/>
+          </a:xfrm>
+          <a:prstGeom prst="ellipse">
+            <a:avLst/>
+          </a:prstGeom>
+          <a:noFill/>
+        </p:spPr>
+        <p:style>
+          <a:lnRef idx="2">
+            <a:schemeClr val="accent1">
+              <a:shade val="50000"/>
+            </a:schemeClr>
+          </a:lnRef>
+          <a:fillRef idx="1">
+            <a:schemeClr val="accent1"/>
+          </a:fillRef>
+          <a:effectRef idx="0">
+            <a:schemeClr val="accent1"/>
+          </a:effectRef>
+          <a:fontRef idx="minor">
+            <a:schemeClr val="lt1"/>
+          </a:fontRef>
+        </p:style>
+        <p:txBody>
+          <a:bodyPr rtlCol="0" anchor="ctr"/>
+          <a:lstStyle/>
+          <a:p>
+            <a:pPr algn="ctr"/>
+            <a:endParaRPr lang="en-US"/>
+          </a:p>
+        </p:txBody>
+      </p:sp>
+      <p:sp>
+        <p:nvSpPr>
+          <p:cNvPr id="59" name="Oval 58"/>
+          <p:cNvSpPr/>
+          <p:nvPr/>
+        </p:nvSpPr>
+        <p:spPr>
+          <a:xfrm>
+            <a:off x="6933401" y="2754586"/>
+            <a:ext cx="45719" cy="67733"/>
+          </a:xfrm>
+          <a:prstGeom prst="ellipse">
+            <a:avLst/>
+          </a:prstGeom>
+          <a:noFill/>
+        </p:spPr>
+        <p:style>
+          <a:lnRef idx="2">
+            <a:schemeClr val="accent1">
+              <a:shade val="50000"/>
+            </a:schemeClr>
+          </a:lnRef>
+          <a:fillRef idx="1">
+            <a:schemeClr val="accent1"/>
+          </a:fillRef>
+          <a:effectRef idx="0">
+            <a:schemeClr val="accent1"/>
+          </a:effectRef>
+          <a:fontRef idx="minor">
+            <a:schemeClr val="lt1"/>
+          </a:fontRef>
+        </p:style>
+        <p:txBody>
+          <a:bodyPr rtlCol="0" anchor="ctr"/>
+          <a:lstStyle/>
+          <a:p>
+            <a:pPr algn="ctr"/>
+            <a:endParaRPr lang="en-US"/>
+          </a:p>
+        </p:txBody>
+      </p:sp>
+      <p:sp>
+        <p:nvSpPr>
+          <p:cNvPr id="60" name="Oval 59"/>
+          <p:cNvSpPr/>
+          <p:nvPr/>
+        </p:nvSpPr>
+        <p:spPr>
+          <a:xfrm>
+            <a:off x="6933403" y="2923919"/>
+            <a:ext cx="45719" cy="67733"/>
+          </a:xfrm>
+          <a:prstGeom prst="ellipse">
+            <a:avLst/>
+          </a:prstGeom>
+          <a:noFill/>
+        </p:spPr>
+        <p:style>
+          <a:lnRef idx="2">
+            <a:schemeClr val="accent1">
+              <a:shade val="50000"/>
+            </a:schemeClr>
+          </a:lnRef>
+          <a:fillRef idx="1">
+            <a:schemeClr val="accent1"/>
+          </a:fillRef>
+          <a:effectRef idx="0">
+            <a:schemeClr val="accent1"/>
+          </a:effectRef>
+          <a:fontRef idx="minor">
+            <a:schemeClr val="lt1"/>
+          </a:fontRef>
+        </p:style>
+        <p:txBody>
+          <a:bodyPr rtlCol="0" anchor="ctr"/>
+          <a:lstStyle/>
+          <a:p>
+            <a:pPr algn="ctr"/>
+            <a:endParaRPr lang="en-US"/>
+          </a:p>
+        </p:txBody>
+      </p:sp>
+      <p:sp>
+        <p:nvSpPr>
+          <p:cNvPr id="61" name="Oval 60"/>
+          <p:cNvSpPr/>
+          <p:nvPr/>
+        </p:nvSpPr>
+        <p:spPr>
+          <a:xfrm>
+            <a:off x="6933403" y="3127118"/>
+            <a:ext cx="45719" cy="67733"/>
+          </a:xfrm>
+          <a:prstGeom prst="ellipse">
+            <a:avLst/>
+          </a:prstGeom>
+          <a:noFill/>
+        </p:spPr>
+        <p:style>
+          <a:lnRef idx="2">
+            <a:schemeClr val="accent1">
+              <a:shade val="50000"/>
+            </a:schemeClr>
+          </a:lnRef>
+          <a:fillRef idx="1">
+            <a:schemeClr val="accent1"/>
+          </a:fillRef>
+          <a:effectRef idx="0">
+            <a:schemeClr val="accent1"/>
+          </a:effectRef>
+          <a:fontRef idx="minor">
+            <a:schemeClr val="lt1"/>
+          </a:fontRef>
+        </p:style>
+        <p:txBody>
+          <a:bodyPr rtlCol="0" anchor="ctr"/>
+          <a:lstStyle/>
+          <a:p>
+            <a:pPr algn="ctr"/>
+            <a:endParaRPr lang="en-US"/>
+          </a:p>
+        </p:txBody>
+      </p:sp>
+      <p:sp>
+        <p:nvSpPr>
+          <p:cNvPr id="62" name="Oval 61"/>
+          <p:cNvSpPr/>
+          <p:nvPr/>
+        </p:nvSpPr>
+        <p:spPr>
+          <a:xfrm>
+            <a:off x="6933401" y="3313385"/>
+            <a:ext cx="45719" cy="67733"/>
+          </a:xfrm>
+          <a:prstGeom prst="ellipse">
+            <a:avLst/>
+          </a:prstGeom>
+          <a:noFill/>
+        </p:spPr>
+        <p:style>
+          <a:lnRef idx="2">
+            <a:schemeClr val="accent1">
+              <a:shade val="50000"/>
+            </a:schemeClr>
+          </a:lnRef>
+          <a:fillRef idx="1">
+            <a:schemeClr val="accent1"/>
+          </a:fillRef>
+          <a:effectRef idx="0">
+            <a:schemeClr val="accent1"/>
+          </a:effectRef>
+          <a:fontRef idx="minor">
+            <a:schemeClr val="lt1"/>
+          </a:fontRef>
+        </p:style>
+        <p:txBody>
+          <a:bodyPr rtlCol="0" anchor="ctr"/>
+          <a:lstStyle/>
+          <a:p>
+            <a:pPr algn="ctr"/>
+            <a:endParaRPr lang="en-US"/>
+          </a:p>
+        </p:txBody>
+      </p:sp>
+      <p:sp>
+        <p:nvSpPr>
+          <p:cNvPr id="63" name="Oval 62"/>
+          <p:cNvSpPr/>
+          <p:nvPr/>
+        </p:nvSpPr>
+        <p:spPr>
+          <a:xfrm>
+            <a:off x="6933403" y="3482718"/>
+            <a:ext cx="45719" cy="67733"/>
+          </a:xfrm>
+          <a:prstGeom prst="ellipse">
+            <a:avLst/>
+          </a:prstGeom>
+          <a:noFill/>
+        </p:spPr>
+        <p:style>
+          <a:lnRef idx="2">
+            <a:schemeClr val="accent1">
+              <a:shade val="50000"/>
+            </a:schemeClr>
+          </a:lnRef>
+          <a:fillRef idx="1">
+            <a:schemeClr val="accent1"/>
+          </a:fillRef>
+          <a:effectRef idx="0">
+            <a:schemeClr val="accent1"/>
+          </a:effectRef>
+          <a:fontRef idx="minor">
+            <a:schemeClr val="lt1"/>
+          </a:fontRef>
+        </p:style>
+        <p:txBody>
+          <a:bodyPr rtlCol="0" anchor="ctr"/>
+          <a:lstStyle/>
+          <a:p>
+            <a:pPr algn="ctr"/>
+            <a:endParaRPr lang="en-US"/>
+          </a:p>
+        </p:txBody>
+      </p:sp>
+      <p:sp>
+        <p:nvSpPr>
+          <p:cNvPr id="64" name="Oval 63"/>
+          <p:cNvSpPr/>
+          <p:nvPr/>
+        </p:nvSpPr>
+        <p:spPr>
+          <a:xfrm>
+            <a:off x="7813935" y="2957782"/>
+            <a:ext cx="432590" cy="389469"/>
+          </a:xfrm>
+          <a:prstGeom prst="ellipse">
+            <a:avLst/>
+          </a:prstGeom>
+          <a:noFill/>
+        </p:spPr>
+        <p:style>
+          <a:lnRef idx="2">
+            <a:schemeClr val="accent1">
+              <a:shade val="50000"/>
+            </a:schemeClr>
+          </a:lnRef>
+          <a:fillRef idx="1">
+            <a:schemeClr val="accent1"/>
+          </a:fillRef>
+          <a:effectRef idx="0">
+            <a:schemeClr val="accent1"/>
+          </a:effectRef>
+          <a:fontRef idx="minor">
+            <a:schemeClr val="lt1"/>
+          </a:fontRef>
+        </p:style>
+        <p:txBody>
+          <a:bodyPr rtlCol="0" anchor="ctr"/>
+          <a:lstStyle/>
+          <a:p>
+            <a:pPr algn="ctr"/>
+            <a:endParaRPr lang="en-US"/>
+          </a:p>
+        </p:txBody>
+      </p:sp>
+      <p:sp>
+        <p:nvSpPr>
+          <p:cNvPr id="65" name="Oval 64"/>
+          <p:cNvSpPr/>
+          <p:nvPr/>
+        </p:nvSpPr>
+        <p:spPr>
+          <a:xfrm>
+            <a:off x="7813935" y="2302936"/>
+            <a:ext cx="432590" cy="389469"/>
+          </a:xfrm>
+          <a:prstGeom prst="ellipse">
+            <a:avLst/>
+          </a:prstGeom>
+          <a:noFill/>
+        </p:spPr>
+        <p:style>
+          <a:lnRef idx="2">
+            <a:schemeClr val="accent1">
+              <a:shade val="50000"/>
+            </a:schemeClr>
+          </a:lnRef>
+          <a:fillRef idx="1">
+            <a:schemeClr val="accent1"/>
+          </a:fillRef>
+          <a:effectRef idx="0">
+            <a:schemeClr val="accent1"/>
+          </a:effectRef>
+          <a:fontRef idx="minor">
+            <a:schemeClr val="lt1"/>
+          </a:fontRef>
+        </p:style>
+        <p:txBody>
+          <a:bodyPr rtlCol="0" anchor="ctr"/>
+          <a:lstStyle/>
+          <a:p>
+            <a:pPr algn="ctr"/>
+            <a:endParaRPr lang="en-US"/>
+          </a:p>
+        </p:txBody>
+      </p:sp>
+      <p:sp>
+        <p:nvSpPr>
+          <p:cNvPr id="66" name="Oval 65"/>
+          <p:cNvSpPr/>
+          <p:nvPr/>
+        </p:nvSpPr>
+        <p:spPr>
+          <a:xfrm>
+            <a:off x="8034068" y="3618184"/>
+            <a:ext cx="45719" cy="67733"/>
+          </a:xfrm>
+          <a:prstGeom prst="ellipse">
+            <a:avLst/>
+          </a:prstGeom>
+          <a:noFill/>
+        </p:spPr>
+        <p:style>
+          <a:lnRef idx="2">
+            <a:schemeClr val="accent1">
+              <a:shade val="50000"/>
+            </a:schemeClr>
+          </a:lnRef>
+          <a:fillRef idx="1">
+            <a:schemeClr val="accent1"/>
+          </a:fillRef>
+          <a:effectRef idx="0">
+            <a:schemeClr val="accent1"/>
+          </a:effectRef>
+          <a:fontRef idx="minor">
+            <a:schemeClr val="lt1"/>
+          </a:fontRef>
+        </p:style>
+        <p:txBody>
+          <a:bodyPr rtlCol="0" anchor="ctr"/>
+          <a:lstStyle/>
+          <a:p>
+            <a:pPr algn="ctr"/>
+            <a:endParaRPr lang="en-US"/>
+          </a:p>
+        </p:txBody>
+      </p:sp>
+      <p:sp>
+        <p:nvSpPr>
+          <p:cNvPr id="67" name="Oval 66"/>
+          <p:cNvSpPr/>
+          <p:nvPr/>
+        </p:nvSpPr>
+        <p:spPr>
+          <a:xfrm>
+            <a:off x="7830867" y="1710269"/>
+            <a:ext cx="432590" cy="389469"/>
+          </a:xfrm>
+          <a:prstGeom prst="ellipse">
+            <a:avLst/>
+          </a:prstGeom>
+          <a:noFill/>
+        </p:spPr>
+        <p:style>
+          <a:lnRef idx="2">
+            <a:schemeClr val="accent1">
+              <a:shade val="50000"/>
+            </a:schemeClr>
+          </a:lnRef>
+          <a:fillRef idx="1">
+            <a:schemeClr val="accent1"/>
+          </a:fillRef>
+          <a:effectRef idx="0">
+            <a:schemeClr val="accent1"/>
+          </a:effectRef>
+          <a:fontRef idx="minor">
+            <a:schemeClr val="lt1"/>
+          </a:fontRef>
+        </p:style>
+        <p:txBody>
+          <a:bodyPr rtlCol="0" anchor="ctr"/>
+          <a:lstStyle/>
+          <a:p>
+            <a:pPr algn="ctr"/>
+            <a:endParaRPr lang="en-US"/>
+          </a:p>
+        </p:txBody>
+      </p:sp>
+      <p:sp>
+        <p:nvSpPr>
+          <p:cNvPr id="68" name="Oval 67"/>
+          <p:cNvSpPr/>
+          <p:nvPr/>
+        </p:nvSpPr>
+        <p:spPr>
+          <a:xfrm>
+            <a:off x="7830867" y="4278584"/>
+            <a:ext cx="432590" cy="389469"/>
+          </a:xfrm>
+          <a:prstGeom prst="ellipse">
+            <a:avLst/>
+          </a:prstGeom>
+          <a:noFill/>
+        </p:spPr>
+        <p:style>
+          <a:lnRef idx="2">
+            <a:schemeClr val="accent1">
+              <a:shade val="50000"/>
+            </a:schemeClr>
+          </a:lnRef>
+          <a:fillRef idx="1">
+            <a:schemeClr val="accent1"/>
+          </a:fillRef>
+          <a:effectRef idx="0">
+            <a:schemeClr val="accent1"/>
+          </a:effectRef>
+          <a:fontRef idx="minor">
+            <a:schemeClr val="lt1"/>
+          </a:fontRef>
+        </p:style>
+        <p:txBody>
+          <a:bodyPr rtlCol="0" anchor="ctr"/>
+          <a:lstStyle/>
+          <a:p>
+            <a:pPr algn="ctr"/>
+            <a:endParaRPr lang="en-US"/>
+          </a:p>
+        </p:txBody>
+      </p:sp>
+      <p:sp>
+        <p:nvSpPr>
+          <p:cNvPr id="69" name="Oval 68"/>
+          <p:cNvSpPr/>
+          <p:nvPr/>
+        </p:nvSpPr>
+        <p:spPr>
+          <a:xfrm>
+            <a:off x="8034066" y="3804451"/>
+            <a:ext cx="45719" cy="67733"/>
+          </a:xfrm>
+          <a:prstGeom prst="ellipse">
+            <a:avLst/>
+          </a:prstGeom>
+          <a:noFill/>
+        </p:spPr>
+        <p:style>
+          <a:lnRef idx="2">
+            <a:schemeClr val="accent1">
+              <a:shade val="50000"/>
+            </a:schemeClr>
+          </a:lnRef>
+          <a:fillRef idx="1">
+            <a:schemeClr val="accent1"/>
+          </a:fillRef>
+          <a:effectRef idx="0">
+            <a:schemeClr val="accent1"/>
+          </a:effectRef>
+          <a:fontRef idx="minor">
+            <a:schemeClr val="lt1"/>
+          </a:fontRef>
+        </p:style>
+        <p:txBody>
+          <a:bodyPr rtlCol="0" anchor="ctr"/>
+          <a:lstStyle/>
+          <a:p>
+            <a:pPr algn="ctr"/>
+            <a:endParaRPr lang="en-US"/>
+          </a:p>
+        </p:txBody>
+      </p:sp>
+      <p:sp>
+        <p:nvSpPr>
+          <p:cNvPr id="70" name="Oval 69"/>
+          <p:cNvSpPr/>
+          <p:nvPr/>
+        </p:nvSpPr>
+        <p:spPr>
+          <a:xfrm>
+            <a:off x="8034068" y="3973784"/>
+            <a:ext cx="45719" cy="67733"/>
+          </a:xfrm>
+          <a:prstGeom prst="ellipse">
+            <a:avLst/>
+          </a:prstGeom>
+          <a:noFill/>
+        </p:spPr>
+        <p:style>
+          <a:lnRef idx="2">
+            <a:schemeClr val="accent1">
+              <a:shade val="50000"/>
+            </a:schemeClr>
+          </a:lnRef>
+          <a:fillRef idx="1">
+            <a:schemeClr val="accent1"/>
+          </a:fillRef>
+          <a:effectRef idx="0">
+            <a:schemeClr val="accent1"/>
+          </a:effectRef>
+          <a:fontRef idx="minor">
+            <a:schemeClr val="lt1"/>
+          </a:fontRef>
+        </p:style>
+        <p:txBody>
+          <a:bodyPr rtlCol="0" anchor="ctr"/>
+          <a:lstStyle/>
+          <a:p>
+            <a:pPr algn="ctr"/>
+            <a:endParaRPr lang="en-US"/>
+          </a:p>
+        </p:txBody>
+      </p:sp>
+      <p:sp>
+        <p:nvSpPr>
+          <p:cNvPr id="71" name="Oval 70"/>
+          <p:cNvSpPr/>
+          <p:nvPr/>
+        </p:nvSpPr>
+        <p:spPr>
+          <a:xfrm>
+            <a:off x="3479006" y="3601251"/>
+            <a:ext cx="45719" cy="67733"/>
+          </a:xfrm>
+          <a:prstGeom prst="ellipse">
+            <a:avLst/>
+          </a:prstGeom>
+          <a:noFill/>
+        </p:spPr>
+        <p:style>
+          <a:lnRef idx="2">
+            <a:schemeClr val="accent1">
+              <a:shade val="50000"/>
+            </a:schemeClr>
+          </a:lnRef>
+          <a:fillRef idx="1">
+            <a:schemeClr val="accent1"/>
+          </a:fillRef>
+          <a:effectRef idx="0">
+            <a:schemeClr val="accent1"/>
+          </a:effectRef>
+          <a:fontRef idx="minor">
+            <a:schemeClr val="lt1"/>
+          </a:fontRef>
+        </p:style>
+        <p:txBody>
+          <a:bodyPr rtlCol="0" anchor="ctr"/>
+          <a:lstStyle/>
+          <a:p>
+            <a:pPr algn="ctr"/>
+            <a:endParaRPr lang="en-US"/>
+          </a:p>
+        </p:txBody>
+      </p:sp>
+      <p:sp>
+        <p:nvSpPr>
+          <p:cNvPr id="72" name="Oval 71"/>
+          <p:cNvSpPr/>
+          <p:nvPr/>
+        </p:nvSpPr>
+        <p:spPr>
+          <a:xfrm>
+            <a:off x="3479004" y="3787518"/>
+            <a:ext cx="45719" cy="67733"/>
+          </a:xfrm>
+          <a:prstGeom prst="ellipse">
+            <a:avLst/>
+          </a:prstGeom>
+          <a:noFill/>
+        </p:spPr>
+        <p:style>
+          <a:lnRef idx="2">
+            <a:schemeClr val="accent1">
+              <a:shade val="50000"/>
+            </a:schemeClr>
+          </a:lnRef>
+          <a:fillRef idx="1">
+            <a:schemeClr val="accent1"/>
+          </a:fillRef>
+          <a:effectRef idx="0">
+            <a:schemeClr val="accent1"/>
+          </a:effectRef>
+          <a:fontRef idx="minor">
+            <a:schemeClr val="lt1"/>
+          </a:fontRef>
+        </p:style>
+        <p:txBody>
+          <a:bodyPr rtlCol="0" anchor="ctr"/>
+          <a:lstStyle/>
+          <a:p>
+            <a:pPr algn="ctr"/>
+            <a:endParaRPr lang="en-US"/>
+          </a:p>
+        </p:txBody>
+      </p:sp>
+      <p:sp>
+        <p:nvSpPr>
+          <p:cNvPr id="73" name="Oval 72"/>
+          <p:cNvSpPr/>
+          <p:nvPr/>
+        </p:nvSpPr>
+        <p:spPr>
+          <a:xfrm>
+            <a:off x="3479006" y="3956851"/>
+            <a:ext cx="45719" cy="67733"/>
+          </a:xfrm>
+          <a:prstGeom prst="ellipse">
+            <a:avLst/>
+          </a:prstGeom>
+          <a:noFill/>
+        </p:spPr>
+        <p:style>
+          <a:lnRef idx="2">
+            <a:schemeClr val="accent1">
+              <a:shade val="50000"/>
+            </a:schemeClr>
+          </a:lnRef>
+          <a:fillRef idx="1">
+            <a:schemeClr val="accent1"/>
+          </a:fillRef>
+          <a:effectRef idx="0">
+            <a:schemeClr val="accent1"/>
+          </a:effectRef>
+          <a:fontRef idx="minor">
+            <a:schemeClr val="lt1"/>
+          </a:fontRef>
+        </p:style>
+        <p:txBody>
+          <a:bodyPr rtlCol="0" anchor="ctr"/>
+          <a:lstStyle/>
+          <a:p>
+            <a:pPr algn="ctr"/>
+            <a:endParaRPr lang="en-US"/>
+          </a:p>
+        </p:txBody>
+      </p:sp>
+      <p:sp>
+        <p:nvSpPr>
+          <p:cNvPr id="74" name="Oval 73"/>
+          <p:cNvSpPr/>
+          <p:nvPr/>
+        </p:nvSpPr>
+        <p:spPr>
+          <a:xfrm>
+            <a:off x="7204335" y="2585253"/>
+            <a:ext cx="45719" cy="67733"/>
+          </a:xfrm>
+          <a:prstGeom prst="ellipse">
+            <a:avLst/>
+          </a:prstGeom>
+          <a:noFill/>
+        </p:spPr>
+        <p:style>
+          <a:lnRef idx="2">
+            <a:schemeClr val="accent1">
+              <a:shade val="50000"/>
+            </a:schemeClr>
+          </a:lnRef>
+          <a:fillRef idx="1">
+            <a:schemeClr val="accent1"/>
+          </a:fillRef>
+          <a:effectRef idx="0">
+            <a:schemeClr val="accent1"/>
+          </a:effectRef>
+          <a:fontRef idx="minor">
+            <a:schemeClr val="lt1"/>
+          </a:fontRef>
+        </p:style>
+        <p:txBody>
+          <a:bodyPr rtlCol="0" anchor="ctr"/>
+          <a:lstStyle/>
+          <a:p>
+            <a:pPr algn="ctr"/>
+            <a:endParaRPr lang="en-US"/>
+          </a:p>
+        </p:txBody>
+      </p:sp>
+      <p:sp>
+        <p:nvSpPr>
+          <p:cNvPr id="75" name="Oval 74"/>
+          <p:cNvSpPr/>
+          <p:nvPr/>
+        </p:nvSpPr>
+        <p:spPr>
+          <a:xfrm>
+            <a:off x="7204333" y="2771520"/>
+            <a:ext cx="45719" cy="67733"/>
+          </a:xfrm>
+          <a:prstGeom prst="ellipse">
+            <a:avLst/>
+          </a:prstGeom>
+          <a:noFill/>
+        </p:spPr>
+        <p:style>
+          <a:lnRef idx="2">
+            <a:schemeClr val="accent1">
+              <a:shade val="50000"/>
+            </a:schemeClr>
+          </a:lnRef>
+          <a:fillRef idx="1">
+            <a:schemeClr val="accent1"/>
+          </a:fillRef>
+          <a:effectRef idx="0">
+            <a:schemeClr val="accent1"/>
+          </a:effectRef>
+          <a:fontRef idx="minor">
+            <a:schemeClr val="lt1"/>
+          </a:fontRef>
+        </p:style>
+        <p:txBody>
+          <a:bodyPr rtlCol="0" anchor="ctr"/>
+          <a:lstStyle/>
+          <a:p>
+            <a:pPr algn="ctr"/>
+            <a:endParaRPr lang="en-US"/>
+          </a:p>
+        </p:txBody>
+      </p:sp>
+      <p:sp>
+        <p:nvSpPr>
+          <p:cNvPr id="76" name="Oval 75"/>
+          <p:cNvSpPr/>
+          <p:nvPr/>
+        </p:nvSpPr>
+        <p:spPr>
+          <a:xfrm>
+            <a:off x="7204335" y="2940853"/>
+            <a:ext cx="45719" cy="67733"/>
+          </a:xfrm>
+          <a:prstGeom prst="ellipse">
+            <a:avLst/>
+          </a:prstGeom>
+          <a:noFill/>
+        </p:spPr>
+        <p:style>
+          <a:lnRef idx="2">
+            <a:schemeClr val="accent1">
+              <a:shade val="50000"/>
+            </a:schemeClr>
+          </a:lnRef>
+          <a:fillRef idx="1">
+            <a:schemeClr val="accent1"/>
+          </a:fillRef>
+          <a:effectRef idx="0">
+            <a:schemeClr val="accent1"/>
+          </a:effectRef>
+          <a:fontRef idx="minor">
+            <a:schemeClr val="lt1"/>
+          </a:fontRef>
+        </p:style>
+        <p:txBody>
+          <a:bodyPr rtlCol="0" anchor="ctr"/>
+          <a:lstStyle/>
+          <a:p>
+            <a:pPr algn="ctr"/>
+            <a:endParaRPr lang="en-US"/>
+          </a:p>
+        </p:txBody>
+      </p:sp>
+      <p:sp>
+        <p:nvSpPr>
+          <p:cNvPr id="77" name="Oval 76"/>
+          <p:cNvSpPr/>
+          <p:nvPr/>
+        </p:nvSpPr>
+        <p:spPr>
+          <a:xfrm>
+            <a:off x="7204335" y="3144052"/>
+            <a:ext cx="45719" cy="67733"/>
+          </a:xfrm>
+          <a:prstGeom prst="ellipse">
+            <a:avLst/>
+          </a:prstGeom>
+          <a:noFill/>
+        </p:spPr>
+        <p:style>
+          <a:lnRef idx="2">
+            <a:schemeClr val="accent1">
+              <a:shade val="50000"/>
+            </a:schemeClr>
+          </a:lnRef>
+          <a:fillRef idx="1">
+            <a:schemeClr val="accent1"/>
+          </a:fillRef>
+          <a:effectRef idx="0">
+            <a:schemeClr val="accent1"/>
+          </a:effectRef>
+          <a:fontRef idx="minor">
+            <a:schemeClr val="lt1"/>
+          </a:fontRef>
+        </p:style>
+        <p:txBody>
+          <a:bodyPr rtlCol="0" anchor="ctr"/>
+          <a:lstStyle/>
+          <a:p>
+            <a:pPr algn="ctr"/>
+            <a:endParaRPr lang="en-US"/>
+          </a:p>
+        </p:txBody>
+      </p:sp>
+      <p:sp>
+        <p:nvSpPr>
+          <p:cNvPr id="78" name="Oval 77"/>
+          <p:cNvSpPr/>
+          <p:nvPr/>
+        </p:nvSpPr>
+        <p:spPr>
+          <a:xfrm>
+            <a:off x="7204333" y="3330319"/>
+            <a:ext cx="45719" cy="67733"/>
+          </a:xfrm>
+          <a:prstGeom prst="ellipse">
+            <a:avLst/>
+          </a:prstGeom>
+          <a:noFill/>
+        </p:spPr>
+        <p:style>
+          <a:lnRef idx="2">
+            <a:schemeClr val="accent1">
+              <a:shade val="50000"/>
+            </a:schemeClr>
+          </a:lnRef>
+          <a:fillRef idx="1">
+            <a:schemeClr val="accent1"/>
+          </a:fillRef>
+          <a:effectRef idx="0">
+            <a:schemeClr val="accent1"/>
+          </a:effectRef>
+          <a:fontRef idx="minor">
+            <a:schemeClr val="lt1"/>
+          </a:fontRef>
+        </p:style>
+        <p:txBody>
+          <a:bodyPr rtlCol="0" anchor="ctr"/>
+          <a:lstStyle/>
+          <a:p>
+            <a:pPr algn="ctr"/>
+            <a:endParaRPr lang="en-US"/>
+          </a:p>
+        </p:txBody>
+      </p:sp>
+      <p:sp>
+        <p:nvSpPr>
+          <p:cNvPr id="79" name="Oval 78"/>
+          <p:cNvSpPr/>
+          <p:nvPr/>
+        </p:nvSpPr>
+        <p:spPr>
+          <a:xfrm>
+            <a:off x="7204335" y="3499652"/>
+            <a:ext cx="45719" cy="67733"/>
+          </a:xfrm>
+          <a:prstGeom prst="ellipse">
+            <a:avLst/>
+          </a:prstGeom>
+          <a:noFill/>
+        </p:spPr>
+        <p:style>
+          <a:lnRef idx="2">
+            <a:schemeClr val="accent1">
+              <a:shade val="50000"/>
+            </a:schemeClr>
+          </a:lnRef>
+          <a:fillRef idx="1">
+            <a:schemeClr val="accent1"/>
+          </a:fillRef>
+          <a:effectRef idx="0">
+            <a:schemeClr val="accent1"/>
+          </a:effectRef>
+          <a:fontRef idx="minor">
+            <a:schemeClr val="lt1"/>
+          </a:fontRef>
+        </p:style>
+        <p:txBody>
+          <a:bodyPr rtlCol="0" anchor="ctr"/>
+          <a:lstStyle/>
+          <a:p>
+            <a:pPr algn="ctr"/>
+            <a:endParaRPr lang="en-US"/>
+          </a:p>
+        </p:txBody>
+      </p:sp>
+      <p:sp>
+        <p:nvSpPr>
+          <p:cNvPr id="80" name="Rectangle 79"/>
+          <p:cNvSpPr/>
+          <p:nvPr/>
+        </p:nvSpPr>
+        <p:spPr>
+          <a:xfrm>
+            <a:off x="4487335" y="1075765"/>
+            <a:ext cx="4013197" cy="4258237"/>
+          </a:xfrm>
+          <a:prstGeom prst="rect">
+            <a:avLst/>
+          </a:prstGeom>
+          <a:noFill/>
+        </p:spPr>
+        <p:style>
+          <a:lnRef idx="2">
+            <a:schemeClr val="accent1">
+              <a:shade val="50000"/>
+            </a:schemeClr>
+          </a:lnRef>
+          <a:fillRef idx="1">
+            <a:schemeClr val="accent1"/>
+          </a:fillRef>
+          <a:effectRef idx="0">
+            <a:schemeClr val="accent1"/>
+          </a:effectRef>
+          <a:fontRef idx="minor">
+            <a:schemeClr val="lt1"/>
+          </a:fontRef>
+        </p:style>
+        <p:txBody>
+          <a:bodyPr rtlCol="0" anchor="ctr"/>
+          <a:lstStyle/>
+          <a:p>
+            <a:pPr algn="ctr"/>
+            <a:endParaRPr lang="en-US"/>
+          </a:p>
+        </p:txBody>
+      </p:sp>
+      <p:sp>
+        <p:nvSpPr>
+          <p:cNvPr id="81" name="Rectangle 80"/>
+          <p:cNvSpPr/>
+          <p:nvPr/>
+        </p:nvSpPr>
+        <p:spPr>
+          <a:xfrm>
+            <a:off x="8635998" y="1075766"/>
+            <a:ext cx="1430074" cy="4258234"/>
+          </a:xfrm>
+          <a:prstGeom prst="rect">
+            <a:avLst/>
+          </a:prstGeom>
+          <a:noFill/>
+        </p:spPr>
+        <p:style>
+          <a:lnRef idx="2">
+            <a:schemeClr val="accent1">
+              <a:shade val="50000"/>
+            </a:schemeClr>
+          </a:lnRef>
+          <a:fillRef idx="1">
+            <a:schemeClr val="accent1"/>
+          </a:fillRef>
+          <a:effectRef idx="0">
+            <a:schemeClr val="accent1"/>
+          </a:effectRef>
+          <a:fontRef idx="minor">
+            <a:schemeClr val="lt1"/>
+          </a:fontRef>
+        </p:style>
+        <p:txBody>
+          <a:bodyPr rtlCol="0" anchor="ctr"/>
+          <a:lstStyle/>
+          <a:p>
+            <a:pPr algn="ctr"/>
+            <a:endParaRPr lang="en-US"/>
+          </a:p>
+        </p:txBody>
+      </p:sp>
+      <p:sp>
+        <p:nvSpPr>
+          <p:cNvPr id="82" name="TextBox 81"/>
+          <p:cNvSpPr txBox="1"/>
+          <p:nvPr/>
+        </p:nvSpPr>
+        <p:spPr>
+          <a:xfrm>
+            <a:off x="5486045" y="1135351"/>
+            <a:ext cx="1416863" cy="369332"/>
+          </a:xfrm>
+          <a:prstGeom prst="rect">
+            <a:avLst/>
+          </a:prstGeom>
+          <a:noFill/>
+        </p:spPr>
+        <p:txBody>
+          <a:bodyPr wrap="none" rtlCol="0">
+            <a:spAutoFit/>
+          </a:bodyPr>
+          <a:lstStyle/>
+          <a:p>
+            <a:r>
+              <a:rPr lang="en-US" dirty="0" smtClean="0"/>
+              <a:t>Hidden Layer</a:t>
+            </a:r>
+            <a:endParaRPr lang="en-US" dirty="0"/>
+          </a:p>
+        </p:txBody>
+      </p:sp>
+      <p:sp>
+        <p:nvSpPr>
+          <p:cNvPr id="83" name="TextBox 82"/>
+          <p:cNvSpPr txBox="1"/>
+          <p:nvPr/>
+        </p:nvSpPr>
+        <p:spPr>
+          <a:xfrm>
+            <a:off x="8604566" y="1137665"/>
+            <a:ext cx="1410451" cy="369332"/>
+          </a:xfrm>
+          <a:prstGeom prst="rect">
+            <a:avLst/>
+          </a:prstGeom>
+          <a:noFill/>
+        </p:spPr>
+        <p:txBody>
+          <a:bodyPr wrap="none" rtlCol="0">
+            <a:spAutoFit/>
+          </a:bodyPr>
+          <a:lstStyle/>
+          <a:p>
+            <a:r>
+              <a:rPr lang="en-US" dirty="0" smtClean="0"/>
+              <a:t>Output Layer</a:t>
+            </a:r>
+            <a:endParaRPr lang="en-US" dirty="0"/>
+          </a:p>
+        </p:txBody>
+      </p:sp>
+      <p:cxnSp>
+        <p:nvCxnSpPr>
+          <p:cNvPr id="85" name="Straight Connector 84"/>
+          <p:cNvCxnSpPr>
+            <a:stCxn id="29" idx="6"/>
+            <a:endCxn id="34" idx="2"/>
+          </p:cNvCxnSpPr>
+          <p:nvPr/>
+        </p:nvCxnSpPr>
+        <p:spPr>
+          <a:xfrm>
+            <a:off x="3674533" y="2514599"/>
+            <a:ext cx="922076" cy="3"/>
+          </a:xfrm>
+          <a:prstGeom prst="line">
+            <a:avLst/>
+          </a:prstGeom>
+        </p:spPr>
+        <p:style>
+          <a:lnRef idx="1">
+            <a:schemeClr val="accent1"/>
+          </a:lnRef>
+          <a:fillRef idx="0">
+            <a:schemeClr val="accent1"/>
+          </a:fillRef>
+          <a:effectRef idx="0">
+            <a:schemeClr val="accent1"/>
+          </a:effectRef>
+          <a:fontRef idx="minor">
+            <a:schemeClr val="tx1"/>
+          </a:fontRef>
+        </p:style>
+      </p:cxnSp>
+      <p:cxnSp>
+        <p:nvCxnSpPr>
+          <p:cNvPr id="87" name="Straight Connector 86"/>
+          <p:cNvCxnSpPr>
+            <a:stCxn id="29" idx="6"/>
+            <a:endCxn id="33" idx="2"/>
+          </p:cNvCxnSpPr>
+          <p:nvPr/>
+        </p:nvCxnSpPr>
+        <p:spPr>
+          <a:xfrm>
+            <a:off x="3674533" y="2514599"/>
+            <a:ext cx="922076" cy="654849"/>
+          </a:xfrm>
+          <a:prstGeom prst="line">
+            <a:avLst/>
+          </a:prstGeom>
+        </p:spPr>
+        <p:style>
+          <a:lnRef idx="1">
+            <a:schemeClr val="accent1"/>
+          </a:lnRef>
+          <a:fillRef idx="0">
+            <a:schemeClr val="accent1"/>
+          </a:fillRef>
+          <a:effectRef idx="0">
+            <a:schemeClr val="accent1"/>
+          </a:effectRef>
+          <a:fontRef idx="minor">
+            <a:schemeClr val="tx1"/>
+          </a:fontRef>
+        </p:style>
+      </p:cxnSp>
+      <p:cxnSp>
+        <p:nvCxnSpPr>
+          <p:cNvPr id="89" name="Straight Connector 88"/>
+          <p:cNvCxnSpPr>
+            <a:stCxn id="29" idx="6"/>
+            <a:endCxn id="40" idx="2"/>
+          </p:cNvCxnSpPr>
+          <p:nvPr/>
+        </p:nvCxnSpPr>
+        <p:spPr>
+          <a:xfrm>
+            <a:off x="3674533" y="2514599"/>
+            <a:ext cx="939008" cy="1975651"/>
+          </a:xfrm>
+          <a:prstGeom prst="line">
+            <a:avLst/>
+          </a:prstGeom>
+        </p:spPr>
+        <p:style>
+          <a:lnRef idx="1">
+            <a:schemeClr val="accent1"/>
+          </a:lnRef>
+          <a:fillRef idx="0">
+            <a:schemeClr val="accent1"/>
+          </a:fillRef>
+          <a:effectRef idx="0">
+            <a:schemeClr val="accent1"/>
+          </a:effectRef>
+          <a:fontRef idx="minor">
+            <a:schemeClr val="tx1"/>
+          </a:fontRef>
+        </p:style>
+      </p:cxnSp>
+      <p:cxnSp>
+        <p:nvCxnSpPr>
+          <p:cNvPr id="93" name="Straight Connector 92"/>
+          <p:cNvCxnSpPr>
+            <a:stCxn id="14" idx="6"/>
+            <a:endCxn id="34" idx="2"/>
+          </p:cNvCxnSpPr>
+          <p:nvPr/>
+        </p:nvCxnSpPr>
+        <p:spPr>
+          <a:xfrm flipV="1">
+            <a:off x="3674533" y="2514602"/>
+            <a:ext cx="922076" cy="654843"/>
+          </a:xfrm>
+          <a:prstGeom prst="line">
+            <a:avLst/>
+          </a:prstGeom>
+        </p:spPr>
+        <p:style>
+          <a:lnRef idx="1">
+            <a:schemeClr val="accent1"/>
+          </a:lnRef>
+          <a:fillRef idx="0">
+            <a:schemeClr val="accent1"/>
+          </a:fillRef>
+          <a:effectRef idx="0">
+            <a:schemeClr val="accent1"/>
+          </a:effectRef>
+          <a:fontRef idx="minor">
+            <a:schemeClr val="tx1"/>
+          </a:fontRef>
+        </p:style>
+      </p:cxnSp>
+      <p:cxnSp>
+        <p:nvCxnSpPr>
+          <p:cNvPr id="95" name="Straight Connector 94"/>
+          <p:cNvCxnSpPr>
+            <a:stCxn id="14" idx="6"/>
+            <a:endCxn id="33" idx="2"/>
+          </p:cNvCxnSpPr>
+          <p:nvPr/>
+        </p:nvCxnSpPr>
+        <p:spPr>
+          <a:xfrm>
+            <a:off x="3674533" y="3169445"/>
+            <a:ext cx="922076" cy="3"/>
+          </a:xfrm>
+          <a:prstGeom prst="line">
+            <a:avLst/>
+          </a:prstGeom>
+        </p:spPr>
+        <p:style>
+          <a:lnRef idx="1">
+            <a:schemeClr val="accent1"/>
+          </a:lnRef>
+          <a:fillRef idx="0">
+            <a:schemeClr val="accent1"/>
+          </a:fillRef>
+          <a:effectRef idx="0">
+            <a:schemeClr val="accent1"/>
+          </a:effectRef>
+          <a:fontRef idx="minor">
+            <a:schemeClr val="tx1"/>
+          </a:fontRef>
+        </p:style>
+      </p:cxnSp>
+      <p:cxnSp>
+        <p:nvCxnSpPr>
+          <p:cNvPr id="98" name="Straight Connector 97"/>
+          <p:cNvCxnSpPr>
+            <a:stCxn id="14" idx="6"/>
+            <a:endCxn id="40" idx="2"/>
+          </p:cNvCxnSpPr>
+          <p:nvPr/>
+        </p:nvCxnSpPr>
+        <p:spPr>
+          <a:xfrm>
+            <a:off x="3674533" y="3169445"/>
+            <a:ext cx="939008" cy="1320805"/>
+          </a:xfrm>
+          <a:prstGeom prst="line">
+            <a:avLst/>
+          </a:prstGeom>
+        </p:spPr>
+        <p:style>
+          <a:lnRef idx="1">
+            <a:schemeClr val="accent1"/>
+          </a:lnRef>
+          <a:fillRef idx="0">
+            <a:schemeClr val="accent1"/>
+          </a:fillRef>
+          <a:effectRef idx="0">
+            <a:schemeClr val="accent1"/>
+          </a:effectRef>
+          <a:fontRef idx="minor">
+            <a:schemeClr val="tx1"/>
+          </a:fontRef>
+        </p:style>
+      </p:cxnSp>
+      <p:cxnSp>
+        <p:nvCxnSpPr>
+          <p:cNvPr id="99" name="Straight Connector 98"/>
+          <p:cNvCxnSpPr>
+            <a:stCxn id="30" idx="6"/>
+            <a:endCxn id="34" idx="2"/>
+          </p:cNvCxnSpPr>
+          <p:nvPr/>
+        </p:nvCxnSpPr>
+        <p:spPr>
+          <a:xfrm flipV="1">
+            <a:off x="3674533" y="2514602"/>
+            <a:ext cx="922076" cy="1941776"/>
+          </a:xfrm>
+          <a:prstGeom prst="line">
+            <a:avLst/>
+          </a:prstGeom>
+        </p:spPr>
+        <p:style>
+          <a:lnRef idx="1">
+            <a:schemeClr val="accent1"/>
+          </a:lnRef>
+          <a:fillRef idx="0">
+            <a:schemeClr val="accent1"/>
+          </a:fillRef>
+          <a:effectRef idx="0">
+            <a:schemeClr val="accent1"/>
+          </a:effectRef>
+          <a:fontRef idx="minor">
+            <a:schemeClr val="tx1"/>
+          </a:fontRef>
+        </p:style>
+      </p:cxnSp>
+      <p:cxnSp>
+        <p:nvCxnSpPr>
+          <p:cNvPr id="100" name="Straight Connector 99"/>
+          <p:cNvCxnSpPr>
+            <a:stCxn id="30" idx="6"/>
+            <a:endCxn id="40" idx="2"/>
+          </p:cNvCxnSpPr>
+          <p:nvPr/>
+        </p:nvCxnSpPr>
+        <p:spPr>
+          <a:xfrm>
+            <a:off x="3674533" y="4456378"/>
+            <a:ext cx="939008" cy="33872"/>
+          </a:xfrm>
+          <a:prstGeom prst="line">
+            <a:avLst/>
+          </a:prstGeom>
+        </p:spPr>
+        <p:style>
+          <a:lnRef idx="1">
+            <a:schemeClr val="accent1"/>
+          </a:lnRef>
+          <a:fillRef idx="0">
+            <a:schemeClr val="accent1"/>
+          </a:fillRef>
+          <a:effectRef idx="0">
+            <a:schemeClr val="accent1"/>
+          </a:effectRef>
+          <a:fontRef idx="minor">
+            <a:schemeClr val="tx1"/>
+          </a:fontRef>
+        </p:style>
+      </p:cxnSp>
+      <p:cxnSp>
+        <p:nvCxnSpPr>
+          <p:cNvPr id="101" name="Straight Connector 100"/>
+          <p:cNvCxnSpPr>
+            <a:stCxn id="30" idx="6"/>
+            <a:endCxn id="33" idx="2"/>
+          </p:cNvCxnSpPr>
+          <p:nvPr/>
+        </p:nvCxnSpPr>
+        <p:spPr>
+          <a:xfrm flipV="1">
+            <a:off x="3674533" y="3169448"/>
+            <a:ext cx="922076" cy="1286930"/>
+          </a:xfrm>
+          <a:prstGeom prst="line">
+            <a:avLst/>
+          </a:prstGeom>
+        </p:spPr>
+        <p:style>
+          <a:lnRef idx="1">
+            <a:schemeClr val="accent1"/>
+          </a:lnRef>
+          <a:fillRef idx="0">
+            <a:schemeClr val="accent1"/>
+          </a:fillRef>
+          <a:effectRef idx="0">
+            <a:schemeClr val="accent1"/>
+          </a:effectRef>
+          <a:fontRef idx="minor">
+            <a:schemeClr val="tx1"/>
+          </a:fontRef>
+        </p:style>
+      </p:cxnSp>
+      <p:cxnSp>
+        <p:nvCxnSpPr>
+          <p:cNvPr id="121" name="Straight Connector 120"/>
+          <p:cNvCxnSpPr>
+            <a:stCxn id="34" idx="6"/>
+            <a:endCxn id="44" idx="2"/>
+          </p:cNvCxnSpPr>
+          <p:nvPr/>
+        </p:nvCxnSpPr>
+        <p:spPr>
+          <a:xfrm flipV="1">
+            <a:off x="5029199" y="2497668"/>
+            <a:ext cx="786606" cy="16934"/>
+          </a:xfrm>
+          <a:prstGeom prst="line">
+            <a:avLst/>
+          </a:prstGeom>
+        </p:spPr>
+        <p:style>
+          <a:lnRef idx="1">
+            <a:schemeClr val="accent1"/>
+          </a:lnRef>
+          <a:fillRef idx="0">
+            <a:schemeClr val="accent1"/>
+          </a:fillRef>
+          <a:effectRef idx="0">
+            <a:schemeClr val="accent1"/>
+          </a:effectRef>
+          <a:fontRef idx="minor">
+            <a:schemeClr val="tx1"/>
+          </a:fontRef>
+        </p:style>
+      </p:cxnSp>
+      <p:cxnSp>
+        <p:nvCxnSpPr>
+          <p:cNvPr id="122" name="Straight Connector 121"/>
+          <p:cNvCxnSpPr>
+            <a:stCxn id="34" idx="6"/>
+            <a:endCxn id="43" idx="2"/>
+          </p:cNvCxnSpPr>
+          <p:nvPr/>
+        </p:nvCxnSpPr>
+        <p:spPr>
+          <a:xfrm>
+            <a:off x="5029199" y="2514602"/>
+            <a:ext cx="786606" cy="637912"/>
+          </a:xfrm>
+          <a:prstGeom prst="line">
+            <a:avLst/>
+          </a:prstGeom>
+        </p:spPr>
+        <p:style>
+          <a:lnRef idx="1">
+            <a:schemeClr val="accent1"/>
+          </a:lnRef>
+          <a:fillRef idx="0">
+            <a:schemeClr val="accent1"/>
+          </a:fillRef>
+          <a:effectRef idx="0">
+            <a:schemeClr val="accent1"/>
+          </a:effectRef>
+          <a:fontRef idx="minor">
+            <a:schemeClr val="tx1"/>
+          </a:fontRef>
+        </p:style>
+      </p:cxnSp>
+      <p:cxnSp>
+        <p:nvCxnSpPr>
+          <p:cNvPr id="123" name="Straight Connector 122"/>
+          <p:cNvCxnSpPr>
+            <a:stCxn id="34" idx="6"/>
+            <a:endCxn id="47" idx="2"/>
+          </p:cNvCxnSpPr>
+          <p:nvPr/>
+        </p:nvCxnSpPr>
+        <p:spPr>
+          <a:xfrm>
+            <a:off x="5029199" y="2514602"/>
+            <a:ext cx="803538" cy="1958714"/>
+          </a:xfrm>
+          <a:prstGeom prst="line">
+            <a:avLst/>
+          </a:prstGeom>
+        </p:spPr>
+        <p:style>
+          <a:lnRef idx="1">
+            <a:schemeClr val="accent1"/>
+          </a:lnRef>
+          <a:fillRef idx="0">
+            <a:schemeClr val="accent1"/>
+          </a:fillRef>
+          <a:effectRef idx="0">
+            <a:schemeClr val="accent1"/>
+          </a:effectRef>
+          <a:fontRef idx="minor">
+            <a:schemeClr val="tx1"/>
+          </a:fontRef>
+        </p:style>
+      </p:cxnSp>
+      <p:cxnSp>
+        <p:nvCxnSpPr>
+          <p:cNvPr id="124" name="Straight Connector 123"/>
+          <p:cNvCxnSpPr>
+            <a:stCxn id="33" idx="6"/>
+            <a:endCxn id="44" idx="2"/>
+          </p:cNvCxnSpPr>
+          <p:nvPr/>
+        </p:nvCxnSpPr>
+        <p:spPr>
+          <a:xfrm flipV="1">
+            <a:off x="5029199" y="2497668"/>
+            <a:ext cx="786606" cy="671780"/>
+          </a:xfrm>
+          <a:prstGeom prst="line">
+            <a:avLst/>
+          </a:prstGeom>
+        </p:spPr>
+        <p:style>
+          <a:lnRef idx="1">
+            <a:schemeClr val="accent1"/>
+          </a:lnRef>
+          <a:fillRef idx="0">
+            <a:schemeClr val="accent1"/>
+          </a:fillRef>
+          <a:effectRef idx="0">
+            <a:schemeClr val="accent1"/>
+          </a:effectRef>
+          <a:fontRef idx="minor">
+            <a:schemeClr val="tx1"/>
+          </a:fontRef>
+        </p:style>
+      </p:cxnSp>
+      <p:cxnSp>
+        <p:nvCxnSpPr>
+          <p:cNvPr id="125" name="Straight Connector 124"/>
+          <p:cNvCxnSpPr>
+            <a:stCxn id="33" idx="6"/>
+            <a:endCxn id="43" idx="2"/>
+          </p:cNvCxnSpPr>
+          <p:nvPr/>
+        </p:nvCxnSpPr>
+        <p:spPr>
+          <a:xfrm flipV="1">
+            <a:off x="5029199" y="3152514"/>
+            <a:ext cx="786606" cy="16934"/>
+          </a:xfrm>
+          <a:prstGeom prst="line">
+            <a:avLst/>
+          </a:prstGeom>
+        </p:spPr>
+        <p:style>
+          <a:lnRef idx="1">
+            <a:schemeClr val="accent1"/>
+          </a:lnRef>
+          <a:fillRef idx="0">
+            <a:schemeClr val="accent1"/>
+          </a:fillRef>
+          <a:effectRef idx="0">
+            <a:schemeClr val="accent1"/>
+          </a:effectRef>
+          <a:fontRef idx="minor">
+            <a:schemeClr val="tx1"/>
+          </a:fontRef>
+        </p:style>
+      </p:cxnSp>
+      <p:cxnSp>
+        <p:nvCxnSpPr>
+          <p:cNvPr id="126" name="Straight Connector 125"/>
+          <p:cNvCxnSpPr>
+            <a:stCxn id="33" idx="6"/>
+            <a:endCxn id="47" idx="2"/>
+          </p:cNvCxnSpPr>
+          <p:nvPr/>
+        </p:nvCxnSpPr>
+        <p:spPr>
+          <a:xfrm>
+            <a:off x="5029199" y="3169448"/>
+            <a:ext cx="803538" cy="1303868"/>
+          </a:xfrm>
+          <a:prstGeom prst="line">
+            <a:avLst/>
+          </a:prstGeom>
+        </p:spPr>
+        <p:style>
+          <a:lnRef idx="1">
+            <a:schemeClr val="accent1"/>
+          </a:lnRef>
+          <a:fillRef idx="0">
+            <a:schemeClr val="accent1"/>
+          </a:fillRef>
+          <a:effectRef idx="0">
+            <a:schemeClr val="accent1"/>
+          </a:effectRef>
+          <a:fontRef idx="minor">
+            <a:schemeClr val="tx1"/>
+          </a:fontRef>
+        </p:style>
+      </p:cxnSp>
+      <p:cxnSp>
+        <p:nvCxnSpPr>
+          <p:cNvPr id="127" name="Straight Connector 126"/>
+          <p:cNvCxnSpPr>
+            <a:stCxn id="40" idx="6"/>
+            <a:endCxn id="44" idx="2"/>
+          </p:cNvCxnSpPr>
+          <p:nvPr/>
+        </p:nvCxnSpPr>
+        <p:spPr>
+          <a:xfrm flipV="1">
+            <a:off x="5046131" y="2497668"/>
+            <a:ext cx="769674" cy="1992582"/>
+          </a:xfrm>
+          <a:prstGeom prst="line">
+            <a:avLst/>
+          </a:prstGeom>
+        </p:spPr>
+        <p:style>
+          <a:lnRef idx="1">
+            <a:schemeClr val="accent1"/>
+          </a:lnRef>
+          <a:fillRef idx="0">
+            <a:schemeClr val="accent1"/>
+          </a:fillRef>
+          <a:effectRef idx="0">
+            <a:schemeClr val="accent1"/>
+          </a:effectRef>
+          <a:fontRef idx="minor">
+            <a:schemeClr val="tx1"/>
+          </a:fontRef>
+        </p:style>
+      </p:cxnSp>
+      <p:cxnSp>
+        <p:nvCxnSpPr>
+          <p:cNvPr id="128" name="Straight Connector 127"/>
+          <p:cNvCxnSpPr>
+            <a:stCxn id="40" idx="6"/>
+            <a:endCxn id="47" idx="2"/>
+          </p:cNvCxnSpPr>
+          <p:nvPr/>
+        </p:nvCxnSpPr>
+        <p:spPr>
+          <a:xfrm flipV="1">
+            <a:off x="5046131" y="4473316"/>
+            <a:ext cx="786606" cy="16934"/>
+          </a:xfrm>
+          <a:prstGeom prst="line">
+            <a:avLst/>
+          </a:prstGeom>
+        </p:spPr>
+        <p:style>
+          <a:lnRef idx="1">
+            <a:schemeClr val="accent1"/>
+          </a:lnRef>
+          <a:fillRef idx="0">
+            <a:schemeClr val="accent1"/>
+          </a:fillRef>
+          <a:effectRef idx="0">
+            <a:schemeClr val="accent1"/>
+          </a:effectRef>
+          <a:fontRef idx="minor">
+            <a:schemeClr val="tx1"/>
+          </a:fontRef>
+        </p:style>
+      </p:cxnSp>
+      <p:cxnSp>
+        <p:nvCxnSpPr>
+          <p:cNvPr id="129" name="Straight Connector 128"/>
+          <p:cNvCxnSpPr>
+            <a:stCxn id="40" idx="6"/>
+            <a:endCxn id="43" idx="2"/>
+          </p:cNvCxnSpPr>
+          <p:nvPr/>
+        </p:nvCxnSpPr>
+        <p:spPr>
+          <a:xfrm flipV="1">
+            <a:off x="5046131" y="3152514"/>
+            <a:ext cx="769674" cy="1337736"/>
+          </a:xfrm>
+          <a:prstGeom prst="line">
+            <a:avLst/>
+          </a:prstGeom>
+        </p:spPr>
+        <p:style>
+          <a:lnRef idx="1">
+            <a:schemeClr val="accent1"/>
+          </a:lnRef>
+          <a:fillRef idx="0">
+            <a:schemeClr val="accent1"/>
+          </a:fillRef>
+          <a:effectRef idx="0">
+            <a:schemeClr val="accent1"/>
+          </a:effectRef>
+          <a:fontRef idx="minor">
+            <a:schemeClr val="tx1"/>
+          </a:fontRef>
+        </p:style>
+      </p:cxnSp>
+      <p:cxnSp>
+        <p:nvCxnSpPr>
+          <p:cNvPr id="150" name="Straight Connector 149"/>
+          <p:cNvCxnSpPr>
+            <a:stCxn id="39" idx="6"/>
+            <a:endCxn id="44" idx="2"/>
+          </p:cNvCxnSpPr>
+          <p:nvPr/>
+        </p:nvCxnSpPr>
+        <p:spPr>
+          <a:xfrm>
+            <a:off x="5046131" y="1921935"/>
+            <a:ext cx="769674" cy="575733"/>
+          </a:xfrm>
+          <a:prstGeom prst="line">
+            <a:avLst/>
+          </a:prstGeom>
+        </p:spPr>
+        <p:style>
+          <a:lnRef idx="1">
+            <a:schemeClr val="accent1"/>
+          </a:lnRef>
+          <a:fillRef idx="0">
+            <a:schemeClr val="accent1"/>
+          </a:fillRef>
+          <a:effectRef idx="0">
+            <a:schemeClr val="accent1"/>
+          </a:effectRef>
+          <a:fontRef idx="minor">
+            <a:schemeClr val="tx1"/>
+          </a:fontRef>
+        </p:style>
+      </p:cxnSp>
+      <p:cxnSp>
+        <p:nvCxnSpPr>
+          <p:cNvPr id="153" name="Straight Connector 152"/>
+          <p:cNvCxnSpPr>
+            <a:stCxn id="39" idx="6"/>
+            <a:endCxn id="43" idx="2"/>
+          </p:cNvCxnSpPr>
+          <p:nvPr/>
+        </p:nvCxnSpPr>
+        <p:spPr>
+          <a:xfrm>
+            <a:off x="5046131" y="1921935"/>
+            <a:ext cx="769674" cy="1230579"/>
+          </a:xfrm>
+          <a:prstGeom prst="line">
+            <a:avLst/>
+          </a:prstGeom>
+        </p:spPr>
+        <p:style>
+          <a:lnRef idx="1">
+            <a:schemeClr val="accent1"/>
+          </a:lnRef>
+          <a:fillRef idx="0">
+            <a:schemeClr val="accent1"/>
+          </a:fillRef>
+          <a:effectRef idx="0">
+            <a:schemeClr val="accent1"/>
+          </a:effectRef>
+          <a:fontRef idx="minor">
+            <a:schemeClr val="tx1"/>
+          </a:fontRef>
+        </p:style>
+      </p:cxnSp>
+      <p:cxnSp>
+        <p:nvCxnSpPr>
+          <p:cNvPr id="156" name="Straight Connector 155"/>
+          <p:cNvCxnSpPr>
+            <a:stCxn id="67" idx="6"/>
+            <a:endCxn id="37" idx="2"/>
+          </p:cNvCxnSpPr>
+          <p:nvPr/>
+        </p:nvCxnSpPr>
+        <p:spPr>
+          <a:xfrm>
+            <a:off x="8263457" y="1905004"/>
+            <a:ext cx="651153" cy="558795"/>
+          </a:xfrm>
+          <a:prstGeom prst="line">
+            <a:avLst/>
+          </a:prstGeom>
+        </p:spPr>
+        <p:style>
+          <a:lnRef idx="1">
+            <a:schemeClr val="accent1"/>
+          </a:lnRef>
+          <a:fillRef idx="0">
+            <a:schemeClr val="accent1"/>
+          </a:fillRef>
+          <a:effectRef idx="0">
+            <a:schemeClr val="accent1"/>
+          </a:effectRef>
+          <a:fontRef idx="minor">
+            <a:schemeClr val="tx1"/>
+          </a:fontRef>
+        </p:style>
+      </p:cxnSp>
+      <p:cxnSp>
+        <p:nvCxnSpPr>
+          <p:cNvPr id="157" name="Straight Connector 156"/>
+          <p:cNvCxnSpPr>
+            <a:stCxn id="39" idx="6"/>
+            <a:endCxn id="47" idx="2"/>
+          </p:cNvCxnSpPr>
+          <p:nvPr/>
+        </p:nvCxnSpPr>
+        <p:spPr>
+          <a:xfrm>
+            <a:off x="5046131" y="1921935"/>
+            <a:ext cx="786606" cy="2551381"/>
+          </a:xfrm>
+          <a:prstGeom prst="line">
+            <a:avLst/>
+          </a:prstGeom>
+        </p:spPr>
+        <p:style>
+          <a:lnRef idx="1">
+            <a:schemeClr val="accent1"/>
+          </a:lnRef>
+          <a:fillRef idx="0">
+            <a:schemeClr val="accent1"/>
+          </a:fillRef>
+          <a:effectRef idx="0">
+            <a:schemeClr val="accent1"/>
+          </a:effectRef>
+          <a:fontRef idx="minor">
+            <a:schemeClr val="tx1"/>
+          </a:fontRef>
+        </p:style>
+      </p:cxnSp>
+      <p:cxnSp>
+        <p:nvCxnSpPr>
+          <p:cNvPr id="162" name="Straight Connector 161"/>
+          <p:cNvCxnSpPr>
+            <a:stCxn id="65" idx="6"/>
+            <a:endCxn id="37" idx="2"/>
+          </p:cNvCxnSpPr>
+          <p:nvPr/>
+        </p:nvCxnSpPr>
+        <p:spPr>
+          <a:xfrm flipV="1">
+            <a:off x="8246525" y="2463799"/>
+            <a:ext cx="668085" cy="33872"/>
+          </a:xfrm>
+          <a:prstGeom prst="line">
+            <a:avLst/>
+          </a:prstGeom>
+        </p:spPr>
+        <p:style>
+          <a:lnRef idx="1">
+            <a:schemeClr val="accent1"/>
+          </a:lnRef>
+          <a:fillRef idx="0">
+            <a:schemeClr val="accent1"/>
+          </a:fillRef>
+          <a:effectRef idx="0">
+            <a:schemeClr val="accent1"/>
+          </a:effectRef>
+          <a:fontRef idx="minor">
+            <a:schemeClr val="tx1"/>
+          </a:fontRef>
+        </p:style>
+      </p:cxnSp>
+      <p:cxnSp>
+        <p:nvCxnSpPr>
+          <p:cNvPr id="163" name="Straight Connector 162"/>
+          <p:cNvCxnSpPr>
+            <a:stCxn id="65" idx="6"/>
+            <a:endCxn id="36" idx="2"/>
+          </p:cNvCxnSpPr>
+          <p:nvPr/>
+        </p:nvCxnSpPr>
+        <p:spPr>
+          <a:xfrm>
+            <a:off x="8246525" y="2497671"/>
+            <a:ext cx="668085" cy="620974"/>
+          </a:xfrm>
+          <a:prstGeom prst="line">
+            <a:avLst/>
+          </a:prstGeom>
+        </p:spPr>
+        <p:style>
+          <a:lnRef idx="1">
+            <a:schemeClr val="accent1"/>
+          </a:lnRef>
+          <a:fillRef idx="0">
+            <a:schemeClr val="accent1"/>
+          </a:fillRef>
+          <a:effectRef idx="0">
+            <a:schemeClr val="accent1"/>
+          </a:effectRef>
+          <a:fontRef idx="minor">
+            <a:schemeClr val="tx1"/>
+          </a:fontRef>
+        </p:style>
+      </p:cxnSp>
+      <p:cxnSp>
+        <p:nvCxnSpPr>
+          <p:cNvPr id="164" name="Straight Connector 163"/>
+          <p:cNvCxnSpPr>
+            <a:stCxn id="65" idx="6"/>
+            <a:endCxn id="38" idx="2"/>
+          </p:cNvCxnSpPr>
+          <p:nvPr/>
+        </p:nvCxnSpPr>
+        <p:spPr>
+          <a:xfrm>
+            <a:off x="8246525" y="2497671"/>
+            <a:ext cx="668085" cy="1281375"/>
+          </a:xfrm>
+          <a:prstGeom prst="line">
+            <a:avLst/>
+          </a:prstGeom>
+        </p:spPr>
+        <p:style>
+          <a:lnRef idx="1">
+            <a:schemeClr val="accent1"/>
+          </a:lnRef>
+          <a:fillRef idx="0">
+            <a:schemeClr val="accent1"/>
+          </a:fillRef>
+          <a:effectRef idx="0">
+            <a:schemeClr val="accent1"/>
+          </a:effectRef>
+          <a:fontRef idx="minor">
+            <a:schemeClr val="tx1"/>
+          </a:fontRef>
+        </p:style>
+      </p:cxnSp>
+      <p:cxnSp>
+        <p:nvCxnSpPr>
+          <p:cNvPr id="165" name="Straight Connector 164"/>
+          <p:cNvCxnSpPr>
+            <a:stCxn id="64" idx="6"/>
+            <a:endCxn id="37" idx="2"/>
+          </p:cNvCxnSpPr>
+          <p:nvPr/>
+        </p:nvCxnSpPr>
+        <p:spPr>
+          <a:xfrm flipV="1">
+            <a:off x="8246525" y="2463799"/>
+            <a:ext cx="668085" cy="688718"/>
+          </a:xfrm>
+          <a:prstGeom prst="line">
+            <a:avLst/>
+          </a:prstGeom>
+        </p:spPr>
+        <p:style>
+          <a:lnRef idx="1">
+            <a:schemeClr val="accent1"/>
+          </a:lnRef>
+          <a:fillRef idx="0">
+            <a:schemeClr val="accent1"/>
+          </a:fillRef>
+          <a:effectRef idx="0">
+            <a:schemeClr val="accent1"/>
+          </a:effectRef>
+          <a:fontRef idx="minor">
+            <a:schemeClr val="tx1"/>
+          </a:fontRef>
+        </p:style>
+      </p:cxnSp>
+      <p:cxnSp>
+        <p:nvCxnSpPr>
+          <p:cNvPr id="166" name="Straight Connector 165"/>
+          <p:cNvCxnSpPr>
+            <a:stCxn id="64" idx="6"/>
+            <a:endCxn id="36" idx="2"/>
+          </p:cNvCxnSpPr>
+          <p:nvPr/>
+        </p:nvCxnSpPr>
+        <p:spPr>
+          <a:xfrm flipV="1">
+            <a:off x="8246525" y="3118645"/>
+            <a:ext cx="668085" cy="33872"/>
+          </a:xfrm>
+          <a:prstGeom prst="line">
+            <a:avLst/>
+          </a:prstGeom>
+        </p:spPr>
+        <p:style>
+          <a:lnRef idx="1">
+            <a:schemeClr val="accent1"/>
+          </a:lnRef>
+          <a:fillRef idx="0">
+            <a:schemeClr val="accent1"/>
+          </a:fillRef>
+          <a:effectRef idx="0">
+            <a:schemeClr val="accent1"/>
+          </a:effectRef>
+          <a:fontRef idx="minor">
+            <a:schemeClr val="tx1"/>
+          </a:fontRef>
+        </p:style>
+      </p:cxnSp>
+      <p:cxnSp>
+        <p:nvCxnSpPr>
+          <p:cNvPr id="167" name="Straight Connector 166"/>
+          <p:cNvCxnSpPr>
+            <a:stCxn id="64" idx="6"/>
+            <a:endCxn id="38" idx="2"/>
+          </p:cNvCxnSpPr>
+          <p:nvPr/>
+        </p:nvCxnSpPr>
+        <p:spPr>
+          <a:xfrm>
+            <a:off x="8246525" y="3152517"/>
+            <a:ext cx="668085" cy="626529"/>
+          </a:xfrm>
+          <a:prstGeom prst="line">
+            <a:avLst/>
+          </a:prstGeom>
+        </p:spPr>
+        <p:style>
+          <a:lnRef idx="1">
+            <a:schemeClr val="accent1"/>
+          </a:lnRef>
+          <a:fillRef idx="0">
+            <a:schemeClr val="accent1"/>
+          </a:fillRef>
+          <a:effectRef idx="0">
+            <a:schemeClr val="accent1"/>
+          </a:effectRef>
+          <a:fontRef idx="minor">
+            <a:schemeClr val="tx1"/>
+          </a:fontRef>
+        </p:style>
+      </p:cxnSp>
+      <p:cxnSp>
+        <p:nvCxnSpPr>
+          <p:cNvPr id="168" name="Straight Connector 167"/>
+          <p:cNvCxnSpPr>
+            <a:stCxn id="68" idx="6"/>
+            <a:endCxn id="37" idx="2"/>
+          </p:cNvCxnSpPr>
+          <p:nvPr/>
+        </p:nvCxnSpPr>
+        <p:spPr>
+          <a:xfrm flipV="1">
+            <a:off x="8263457" y="2463799"/>
+            <a:ext cx="651153" cy="2009520"/>
+          </a:xfrm>
+          <a:prstGeom prst="line">
+            <a:avLst/>
+          </a:prstGeom>
+        </p:spPr>
+        <p:style>
+          <a:lnRef idx="1">
+            <a:schemeClr val="accent1"/>
+          </a:lnRef>
+          <a:fillRef idx="0">
+            <a:schemeClr val="accent1"/>
+          </a:fillRef>
+          <a:effectRef idx="0">
+            <a:schemeClr val="accent1"/>
+          </a:effectRef>
+          <a:fontRef idx="minor">
+            <a:schemeClr val="tx1"/>
+          </a:fontRef>
+        </p:style>
+      </p:cxnSp>
+      <p:cxnSp>
+        <p:nvCxnSpPr>
+          <p:cNvPr id="169" name="Straight Connector 168"/>
+          <p:cNvCxnSpPr>
+            <a:stCxn id="68" idx="6"/>
+            <a:endCxn id="38" idx="2"/>
+          </p:cNvCxnSpPr>
+          <p:nvPr/>
+        </p:nvCxnSpPr>
+        <p:spPr>
+          <a:xfrm flipV="1">
+            <a:off x="8263457" y="3779046"/>
+            <a:ext cx="651153" cy="694273"/>
+          </a:xfrm>
+          <a:prstGeom prst="line">
+            <a:avLst/>
+          </a:prstGeom>
+        </p:spPr>
+        <p:style>
+          <a:lnRef idx="1">
+            <a:schemeClr val="accent1"/>
+          </a:lnRef>
+          <a:fillRef idx="0">
+            <a:schemeClr val="accent1"/>
+          </a:fillRef>
+          <a:effectRef idx="0">
+            <a:schemeClr val="accent1"/>
+          </a:effectRef>
+          <a:fontRef idx="minor">
+            <a:schemeClr val="tx1"/>
+          </a:fontRef>
+        </p:style>
+      </p:cxnSp>
+      <p:cxnSp>
+        <p:nvCxnSpPr>
+          <p:cNvPr id="170" name="Straight Connector 169"/>
+          <p:cNvCxnSpPr>
+            <a:stCxn id="68" idx="6"/>
+            <a:endCxn id="36" idx="2"/>
+          </p:cNvCxnSpPr>
+          <p:nvPr/>
+        </p:nvCxnSpPr>
+        <p:spPr>
+          <a:xfrm flipV="1">
+            <a:off x="8263457" y="3118645"/>
+            <a:ext cx="651153" cy="1354674"/>
+          </a:xfrm>
+          <a:prstGeom prst="line">
+            <a:avLst/>
+          </a:prstGeom>
+        </p:spPr>
+        <p:style>
+          <a:lnRef idx="1">
+            <a:schemeClr val="accent1"/>
+          </a:lnRef>
+          <a:fillRef idx="0">
+            <a:schemeClr val="accent1"/>
+          </a:fillRef>
+          <a:effectRef idx="0">
+            <a:schemeClr val="accent1"/>
+          </a:effectRef>
+          <a:fontRef idx="minor">
+            <a:schemeClr val="tx1"/>
+          </a:fontRef>
+        </p:style>
+      </p:cxnSp>
+      <p:cxnSp>
+        <p:nvCxnSpPr>
+          <p:cNvPr id="172" name="Straight Connector 171"/>
+          <p:cNvCxnSpPr>
+            <a:stCxn id="67" idx="6"/>
+            <a:endCxn id="36" idx="2"/>
+          </p:cNvCxnSpPr>
+          <p:nvPr/>
+        </p:nvCxnSpPr>
+        <p:spPr>
+          <a:xfrm>
+            <a:off x="8263457" y="1905004"/>
+            <a:ext cx="651153" cy="1213641"/>
+          </a:xfrm>
+          <a:prstGeom prst="line">
+            <a:avLst/>
+          </a:prstGeom>
+        </p:spPr>
+        <p:style>
+          <a:lnRef idx="1">
+            <a:schemeClr val="accent1"/>
+          </a:lnRef>
+          <a:fillRef idx="0">
+            <a:schemeClr val="accent1"/>
+          </a:fillRef>
+          <a:effectRef idx="0">
+            <a:schemeClr val="accent1"/>
+          </a:effectRef>
+          <a:fontRef idx="minor">
+            <a:schemeClr val="tx1"/>
+          </a:fontRef>
+        </p:style>
+      </p:cxnSp>
+      <p:cxnSp>
+        <p:nvCxnSpPr>
+          <p:cNvPr id="173" name="Straight Connector 172"/>
+          <p:cNvCxnSpPr>
+            <a:stCxn id="67" idx="6"/>
+            <a:endCxn id="38" idx="2"/>
+          </p:cNvCxnSpPr>
+          <p:nvPr/>
+        </p:nvCxnSpPr>
+        <p:spPr>
+          <a:xfrm>
+            <a:off x="8263457" y="1905004"/>
+            <a:ext cx="651153" cy="1874042"/>
+          </a:xfrm>
+          <a:prstGeom prst="line">
+            <a:avLst/>
+          </a:prstGeom>
+        </p:spPr>
+        <p:style>
+          <a:lnRef idx="1">
+            <a:schemeClr val="accent1"/>
+          </a:lnRef>
+          <a:fillRef idx="0">
+            <a:schemeClr val="accent1"/>
+          </a:fillRef>
+          <a:effectRef idx="0">
+            <a:schemeClr val="accent1"/>
+          </a:effectRef>
+          <a:fontRef idx="minor">
+            <a:schemeClr val="tx1"/>
+          </a:fontRef>
+        </p:style>
+      </p:cxnSp>
+    </p:spTree>
+    <p:extLst>
+      <p:ext uri="{BB962C8B-B14F-4D97-AF65-F5344CB8AC3E}">
+        <p14:creationId xmlns:p14="http://schemas.microsoft.com/office/powerpoint/2010/main" val="1345707210"/>
+      </p:ext>
+    </p:extLst>
+  </p:cSld>
+  <p:clrMapOvr>
+    <a:masterClrMapping/>
+  </p:clrMapOvr>
+  <p:timing>
+    <p:tnLst>
+      <p:par>
+        <p:cTn id="1" dur="indefinite" restart="never" nodeType="tmRoot"/>
+      </p:par>
+    </p:tnLst>
+  </p:timing>
+</p:sld>
+</file>
+
+<file path=ppt/slides/slide3.xml><?xml version="1.0" encoding="utf-8"?>
+<p:sld xmlns:a="http://schemas.openxmlformats.org/drawingml/2006/main" xmlns:r="http://schemas.openxmlformats.org/officeDocument/2006/relationships" xmlns:p="http://schemas.openxmlformats.org/presentationml/2006/main">
+  <p:cSld>
+    <p:spTree>
+      <p:nvGrpSpPr>
+        <p:cNvPr id="1" name=""/>
+        <p:cNvGrpSpPr/>
+        <p:nvPr/>
+      </p:nvGrpSpPr>
+      <p:grpSpPr>
+        <a:xfrm>
+          <a:off x="0" y="0"/>
+          <a:ext cx="0" cy="0"/>
+          <a:chOff x="0" y="0"/>
+          <a:chExt cx="0" cy="0"/>
+        </a:xfrm>
+      </p:grpSpPr>
+      <p:sp>
+        <p:nvSpPr>
+          <p:cNvPr id="14" name="Oval 13"/>
+          <p:cNvSpPr/>
+          <p:nvPr/>
+        </p:nvSpPr>
+        <p:spPr>
+          <a:xfrm>
+            <a:off x="3241943" y="2974710"/>
+            <a:ext cx="432590" cy="389469"/>
+          </a:xfrm>
+          <a:prstGeom prst="ellipse">
+            <a:avLst/>
+          </a:prstGeom>
+          <a:noFill/>
+        </p:spPr>
+        <p:style>
+          <a:lnRef idx="2">
+            <a:schemeClr val="accent1">
+              <a:shade val="50000"/>
+            </a:schemeClr>
+          </a:lnRef>
+          <a:fillRef idx="1">
+            <a:schemeClr val="accent1"/>
+          </a:fillRef>
+          <a:effectRef idx="0">
+            <a:schemeClr val="accent1"/>
+          </a:effectRef>
+          <a:fontRef idx="minor">
+            <a:schemeClr val="lt1"/>
+          </a:fontRef>
+        </p:style>
+        <p:txBody>
+          <a:bodyPr rtlCol="0" anchor="ctr"/>
+          <a:lstStyle/>
+          <a:p>
+            <a:pPr algn="ctr"/>
+            <a:endParaRPr lang="en-US"/>
+          </a:p>
+        </p:txBody>
+      </p:sp>
+      <p:sp>
+        <p:nvSpPr>
+          <p:cNvPr id="29" name="Oval 28"/>
+          <p:cNvSpPr/>
+          <p:nvPr/>
+        </p:nvSpPr>
+        <p:spPr>
+          <a:xfrm>
+            <a:off x="3241943" y="2319864"/>
+            <a:ext cx="432590" cy="389469"/>
+          </a:xfrm>
+          <a:prstGeom prst="ellipse">
+            <a:avLst/>
+          </a:prstGeom>
+          <a:noFill/>
+        </p:spPr>
+        <p:style>
+          <a:lnRef idx="2">
+            <a:schemeClr val="accent1">
+              <a:shade val="50000"/>
+            </a:schemeClr>
+          </a:lnRef>
+          <a:fillRef idx="1">
+            <a:schemeClr val="accent1"/>
+          </a:fillRef>
+          <a:effectRef idx="0">
+            <a:schemeClr val="accent1"/>
+          </a:effectRef>
+          <a:fontRef idx="minor">
+            <a:schemeClr val="lt1"/>
+          </a:fontRef>
+        </p:style>
+        <p:txBody>
+          <a:bodyPr rtlCol="0" anchor="ctr"/>
+          <a:lstStyle/>
+          <a:p>
+            <a:pPr algn="ctr"/>
+            <a:endParaRPr lang="en-US"/>
+          </a:p>
+        </p:txBody>
+      </p:sp>
+      <p:sp>
+        <p:nvSpPr>
+          <p:cNvPr id="30" name="Oval 29"/>
+          <p:cNvSpPr/>
+          <p:nvPr/>
+        </p:nvSpPr>
+        <p:spPr>
+          <a:xfrm>
+            <a:off x="3241943" y="3718705"/>
+            <a:ext cx="432590" cy="389469"/>
+          </a:xfrm>
+          <a:prstGeom prst="ellipse">
+            <a:avLst/>
+          </a:prstGeom>
+          <a:noFill/>
+        </p:spPr>
+        <p:style>
+          <a:lnRef idx="2">
+            <a:schemeClr val="accent1">
+              <a:shade val="50000"/>
+            </a:schemeClr>
+          </a:lnRef>
+          <a:fillRef idx="1">
+            <a:schemeClr val="accent1"/>
+          </a:fillRef>
+          <a:effectRef idx="0">
+            <a:schemeClr val="accent1"/>
+          </a:effectRef>
+          <a:fontRef idx="minor">
+            <a:schemeClr val="lt1"/>
+          </a:fontRef>
+        </p:style>
+        <p:txBody>
+          <a:bodyPr rtlCol="0" anchor="ctr"/>
+          <a:lstStyle/>
+          <a:p>
+            <a:pPr algn="ctr"/>
+            <a:endParaRPr lang="en-US"/>
+          </a:p>
+        </p:txBody>
+      </p:sp>
+      <p:sp>
+        <p:nvSpPr>
+          <p:cNvPr id="33" name="Oval 32"/>
+          <p:cNvSpPr/>
+          <p:nvPr/>
+        </p:nvSpPr>
+        <p:spPr>
+          <a:xfrm>
+            <a:off x="4596609" y="2974713"/>
+            <a:ext cx="432590" cy="389469"/>
+          </a:xfrm>
+          <a:prstGeom prst="ellipse">
+            <a:avLst/>
+          </a:prstGeom>
+          <a:noFill/>
+        </p:spPr>
+        <p:style>
+          <a:lnRef idx="2">
+            <a:schemeClr val="accent1">
+              <a:shade val="50000"/>
+            </a:schemeClr>
+          </a:lnRef>
+          <a:fillRef idx="1">
+            <a:schemeClr val="accent1"/>
+          </a:fillRef>
+          <a:effectRef idx="0">
+            <a:schemeClr val="accent1"/>
+          </a:effectRef>
+          <a:fontRef idx="minor">
+            <a:schemeClr val="lt1"/>
+          </a:fontRef>
+        </p:style>
+        <p:txBody>
+          <a:bodyPr rtlCol="0" anchor="ctr"/>
+          <a:lstStyle/>
+          <a:p>
+            <a:pPr algn="ctr"/>
+            <a:endParaRPr lang="en-US"/>
+          </a:p>
+        </p:txBody>
+      </p:sp>
+      <p:sp>
+        <p:nvSpPr>
+          <p:cNvPr id="34" name="Oval 33"/>
+          <p:cNvSpPr/>
+          <p:nvPr/>
+        </p:nvSpPr>
+        <p:spPr>
+          <a:xfrm>
+            <a:off x="4596609" y="2319867"/>
+            <a:ext cx="432590" cy="389469"/>
+          </a:xfrm>
+          <a:prstGeom prst="ellipse">
+            <a:avLst/>
+          </a:prstGeom>
+          <a:noFill/>
+        </p:spPr>
+        <p:style>
+          <a:lnRef idx="2">
+            <a:schemeClr val="accent1">
+              <a:shade val="50000"/>
+            </a:schemeClr>
+          </a:lnRef>
+          <a:fillRef idx="1">
+            <a:schemeClr val="accent1"/>
+          </a:fillRef>
+          <a:effectRef idx="0">
+            <a:schemeClr val="accent1"/>
+          </a:effectRef>
+          <a:fontRef idx="minor">
+            <a:schemeClr val="lt1"/>
+          </a:fontRef>
+        </p:style>
+        <p:txBody>
+          <a:bodyPr rtlCol="0" anchor="ctr"/>
+          <a:lstStyle/>
+          <a:p>
+            <a:pPr algn="ctr"/>
+            <a:endParaRPr lang="en-US"/>
+          </a:p>
+        </p:txBody>
+      </p:sp>
+      <p:sp>
+        <p:nvSpPr>
+          <p:cNvPr id="37" name="Oval 36"/>
+          <p:cNvSpPr/>
+          <p:nvPr/>
+        </p:nvSpPr>
+        <p:spPr>
+          <a:xfrm>
+            <a:off x="8961551" y="2536687"/>
+            <a:ext cx="432590" cy="389469"/>
+          </a:xfrm>
+          <a:prstGeom prst="ellipse">
+            <a:avLst/>
+          </a:prstGeom>
+          <a:noFill/>
+        </p:spPr>
+        <p:style>
+          <a:lnRef idx="2">
+            <a:schemeClr val="accent1">
+              <a:shade val="50000"/>
+            </a:schemeClr>
+          </a:lnRef>
+          <a:fillRef idx="1">
+            <a:schemeClr val="accent1"/>
+          </a:fillRef>
+          <a:effectRef idx="0">
+            <a:schemeClr val="accent1"/>
+          </a:effectRef>
+          <a:fontRef idx="minor">
+            <a:schemeClr val="lt1"/>
+          </a:fontRef>
+        </p:style>
+        <p:txBody>
+          <a:bodyPr rtlCol="0" anchor="ctr"/>
+          <a:lstStyle/>
+          <a:p>
+            <a:pPr algn="ctr"/>
+            <a:endParaRPr lang="en-US"/>
+          </a:p>
+        </p:txBody>
+      </p:sp>
+      <p:sp>
+        <p:nvSpPr>
+          <p:cNvPr id="38" name="Oval 37"/>
+          <p:cNvSpPr/>
+          <p:nvPr/>
+        </p:nvSpPr>
+        <p:spPr>
+          <a:xfrm>
+            <a:off x="8928088" y="3316613"/>
+            <a:ext cx="432590" cy="389469"/>
+          </a:xfrm>
+          <a:prstGeom prst="ellipse">
+            <a:avLst/>
+          </a:prstGeom>
+          <a:noFill/>
+        </p:spPr>
+        <p:style>
+          <a:lnRef idx="2">
+            <a:schemeClr val="accent1">
+              <a:shade val="50000"/>
+            </a:schemeClr>
+          </a:lnRef>
+          <a:fillRef idx="1">
+            <a:schemeClr val="accent1"/>
+          </a:fillRef>
+          <a:effectRef idx="0">
+            <a:schemeClr val="accent1"/>
+          </a:effectRef>
+          <a:fontRef idx="minor">
+            <a:schemeClr val="lt1"/>
+          </a:fontRef>
+        </p:style>
+        <p:txBody>
+          <a:bodyPr rtlCol="0" anchor="ctr"/>
+          <a:lstStyle/>
+          <a:p>
+            <a:pPr algn="ctr"/>
+            <a:endParaRPr lang="en-US"/>
+          </a:p>
+        </p:txBody>
+      </p:sp>
+      <p:sp>
+        <p:nvSpPr>
+          <p:cNvPr id="39" name="Oval 38"/>
+          <p:cNvSpPr/>
+          <p:nvPr/>
+        </p:nvSpPr>
+        <p:spPr>
+          <a:xfrm>
+            <a:off x="4613541" y="1727200"/>
+            <a:ext cx="432590" cy="389469"/>
+          </a:xfrm>
+          <a:prstGeom prst="ellipse">
+            <a:avLst/>
+          </a:prstGeom>
+          <a:noFill/>
+        </p:spPr>
+        <p:style>
+          <a:lnRef idx="2">
+            <a:schemeClr val="accent1">
+              <a:shade val="50000"/>
+            </a:schemeClr>
+          </a:lnRef>
+          <a:fillRef idx="1">
+            <a:schemeClr val="accent1"/>
+          </a:fillRef>
+          <a:effectRef idx="0">
+            <a:schemeClr val="accent1"/>
+          </a:effectRef>
+          <a:fontRef idx="minor">
+            <a:schemeClr val="lt1"/>
+          </a:fontRef>
+        </p:style>
+        <p:txBody>
+          <a:bodyPr rtlCol="0" anchor="ctr"/>
+          <a:lstStyle/>
+          <a:p>
+            <a:pPr algn="ctr"/>
+            <a:endParaRPr lang="en-US"/>
+          </a:p>
+        </p:txBody>
+      </p:sp>
+      <p:sp>
+        <p:nvSpPr>
+          <p:cNvPr id="40" name="Oval 39"/>
+          <p:cNvSpPr/>
+          <p:nvPr/>
+        </p:nvSpPr>
+        <p:spPr>
+          <a:xfrm>
+            <a:off x="4613541" y="3752577"/>
+            <a:ext cx="432590" cy="389469"/>
+          </a:xfrm>
+          <a:prstGeom prst="ellipse">
+            <a:avLst/>
+          </a:prstGeom>
+          <a:noFill/>
+        </p:spPr>
+        <p:style>
+          <a:lnRef idx="2">
+            <a:schemeClr val="accent1">
+              <a:shade val="50000"/>
+            </a:schemeClr>
+          </a:lnRef>
+          <a:fillRef idx="1">
+            <a:schemeClr val="accent1"/>
+          </a:fillRef>
+          <a:effectRef idx="0">
+            <a:schemeClr val="accent1"/>
+          </a:effectRef>
+          <a:fontRef idx="minor">
+            <a:schemeClr val="lt1"/>
+          </a:fontRef>
+        </p:style>
+        <p:txBody>
+          <a:bodyPr rtlCol="0" anchor="ctr"/>
+          <a:lstStyle/>
+          <a:p>
+            <a:pPr algn="ctr"/>
+            <a:endParaRPr lang="en-US"/>
+          </a:p>
+        </p:txBody>
+      </p:sp>
+      <p:sp>
+        <p:nvSpPr>
+          <p:cNvPr id="43" name="Oval 42"/>
+          <p:cNvSpPr/>
+          <p:nvPr/>
+        </p:nvSpPr>
+        <p:spPr>
+          <a:xfrm>
+            <a:off x="5815805" y="2957779"/>
+            <a:ext cx="432590" cy="389469"/>
+          </a:xfrm>
+          <a:prstGeom prst="ellipse">
+            <a:avLst/>
+          </a:prstGeom>
+          <a:noFill/>
+        </p:spPr>
+        <p:style>
+          <a:lnRef idx="2">
+            <a:schemeClr val="accent1">
+              <a:shade val="50000"/>
+            </a:schemeClr>
+          </a:lnRef>
+          <a:fillRef idx="1">
+            <a:schemeClr val="accent1"/>
+          </a:fillRef>
+          <a:effectRef idx="0">
+            <a:schemeClr val="accent1"/>
+          </a:effectRef>
+          <a:fontRef idx="minor">
+            <a:schemeClr val="lt1"/>
+          </a:fontRef>
+        </p:style>
+        <p:txBody>
+          <a:bodyPr rtlCol="0" anchor="ctr"/>
+          <a:lstStyle/>
+          <a:p>
+            <a:pPr algn="ctr"/>
+            <a:endParaRPr lang="en-US"/>
+          </a:p>
+        </p:txBody>
+      </p:sp>
+      <p:sp>
+        <p:nvSpPr>
+          <p:cNvPr id="44" name="Oval 43"/>
+          <p:cNvSpPr/>
+          <p:nvPr/>
+        </p:nvSpPr>
+        <p:spPr>
+          <a:xfrm>
+            <a:off x="5815805" y="2302933"/>
+            <a:ext cx="432590" cy="389469"/>
+          </a:xfrm>
+          <a:prstGeom prst="ellipse">
+            <a:avLst/>
+          </a:prstGeom>
+          <a:noFill/>
+        </p:spPr>
+        <p:style>
+          <a:lnRef idx="2">
+            <a:schemeClr val="accent1">
+              <a:shade val="50000"/>
+            </a:schemeClr>
+          </a:lnRef>
+          <a:fillRef idx="1">
+            <a:schemeClr val="accent1"/>
+          </a:fillRef>
+          <a:effectRef idx="0">
+            <a:schemeClr val="accent1"/>
+          </a:effectRef>
+          <a:fontRef idx="minor">
+            <a:schemeClr val="lt1"/>
+          </a:fontRef>
+        </p:style>
+        <p:txBody>
+          <a:bodyPr rtlCol="0" anchor="ctr"/>
+          <a:lstStyle/>
+          <a:p>
+            <a:pPr algn="ctr"/>
+            <a:endParaRPr lang="en-US"/>
+          </a:p>
+        </p:txBody>
+      </p:sp>
+      <p:sp>
+        <p:nvSpPr>
+          <p:cNvPr id="46" name="Oval 45"/>
+          <p:cNvSpPr/>
+          <p:nvPr/>
+        </p:nvSpPr>
+        <p:spPr>
+          <a:xfrm>
+            <a:off x="5832737" y="1710266"/>
+            <a:ext cx="432590" cy="389469"/>
+          </a:xfrm>
+          <a:prstGeom prst="ellipse">
+            <a:avLst/>
+          </a:prstGeom>
+          <a:noFill/>
+        </p:spPr>
+        <p:style>
+          <a:lnRef idx="2">
+            <a:schemeClr val="accent1">
+              <a:shade val="50000"/>
+            </a:schemeClr>
+          </a:lnRef>
+          <a:fillRef idx="1">
+            <a:schemeClr val="accent1"/>
+          </a:fillRef>
+          <a:effectRef idx="0">
+            <a:schemeClr val="accent1"/>
+          </a:effectRef>
+          <a:fontRef idx="minor">
+            <a:schemeClr val="lt1"/>
+          </a:fontRef>
+        </p:style>
+        <p:txBody>
+          <a:bodyPr rtlCol="0" anchor="ctr"/>
+          <a:lstStyle/>
+          <a:p>
+            <a:pPr algn="ctr"/>
+            <a:endParaRPr lang="en-US"/>
+          </a:p>
+        </p:txBody>
+      </p:sp>
+      <p:sp>
+        <p:nvSpPr>
+          <p:cNvPr id="47" name="Oval 46"/>
+          <p:cNvSpPr/>
+          <p:nvPr/>
+        </p:nvSpPr>
+        <p:spPr>
+          <a:xfrm>
+            <a:off x="5832737" y="3735643"/>
+            <a:ext cx="432590" cy="389469"/>
+          </a:xfrm>
+          <a:prstGeom prst="ellipse">
+            <a:avLst/>
+          </a:prstGeom>
+          <a:noFill/>
+        </p:spPr>
+        <p:style>
+          <a:lnRef idx="2">
+            <a:schemeClr val="accent1">
+              <a:shade val="50000"/>
+            </a:schemeClr>
+          </a:lnRef>
+          <a:fillRef idx="1">
+            <a:schemeClr val="accent1"/>
+          </a:fillRef>
+          <a:effectRef idx="0">
+            <a:schemeClr val="accent1"/>
+          </a:effectRef>
+          <a:fontRef idx="minor">
+            <a:schemeClr val="lt1"/>
+          </a:fontRef>
+        </p:style>
+        <p:txBody>
+          <a:bodyPr rtlCol="0" anchor="ctr"/>
+          <a:lstStyle/>
+          <a:p>
+            <a:pPr algn="ctr"/>
+            <a:endParaRPr lang="en-US"/>
+          </a:p>
+        </p:txBody>
+      </p:sp>
+      <p:sp>
+        <p:nvSpPr>
+          <p:cNvPr id="50" name="Rectangle 49"/>
+          <p:cNvSpPr/>
+          <p:nvPr/>
+        </p:nvSpPr>
+        <p:spPr>
+          <a:xfrm>
+            <a:off x="2998985" y="1075765"/>
+            <a:ext cx="1302082" cy="3346333"/>
+          </a:xfrm>
+          <a:prstGeom prst="rect">
+            <a:avLst/>
+          </a:prstGeom>
+          <a:noFill/>
+        </p:spPr>
+        <p:style>
+          <a:lnRef idx="2">
+            <a:schemeClr val="accent1">
+              <a:shade val="50000"/>
+            </a:schemeClr>
+          </a:lnRef>
+          <a:fillRef idx="1">
+            <a:schemeClr val="accent1"/>
+          </a:fillRef>
+          <a:effectRef idx="0">
+            <a:schemeClr val="accent1"/>
+          </a:effectRef>
+          <a:fontRef idx="minor">
+            <a:schemeClr val="lt1"/>
+          </a:fontRef>
+        </p:style>
+        <p:txBody>
+          <a:bodyPr rtlCol="0" anchor="ctr"/>
+          <a:lstStyle/>
+          <a:p>
+            <a:pPr algn="ctr"/>
+            <a:endParaRPr lang="en-US"/>
+          </a:p>
+        </p:txBody>
+      </p:sp>
+      <p:sp>
+        <p:nvSpPr>
+          <p:cNvPr id="51" name="TextBox 50"/>
+          <p:cNvSpPr txBox="1"/>
+          <p:nvPr/>
+        </p:nvSpPr>
+        <p:spPr>
+          <a:xfrm>
+            <a:off x="3150719" y="1120312"/>
+            <a:ext cx="737702" cy="646331"/>
+          </a:xfrm>
+          <a:prstGeom prst="rect">
+            <a:avLst/>
+          </a:prstGeom>
+          <a:noFill/>
+        </p:spPr>
+        <p:txBody>
+          <a:bodyPr wrap="none" rtlCol="0">
+            <a:spAutoFit/>
+          </a:bodyPr>
+          <a:lstStyle/>
+          <a:p>
+            <a:r>
+              <a:rPr lang="en-US" dirty="0" smtClean="0"/>
+              <a:t>Input </a:t>
+            </a:r>
+            <a:endParaRPr lang="en-US" dirty="0" smtClean="0"/>
+          </a:p>
+          <a:p>
+            <a:r>
+              <a:rPr lang="en-US" dirty="0" smtClean="0"/>
+              <a:t>Layer</a:t>
+            </a:r>
+            <a:endParaRPr lang="en-US" dirty="0"/>
+          </a:p>
+        </p:txBody>
+      </p:sp>
+      <p:sp>
+        <p:nvSpPr>
+          <p:cNvPr id="64" name="Oval 63"/>
+          <p:cNvSpPr/>
+          <p:nvPr/>
+        </p:nvSpPr>
+        <p:spPr>
+          <a:xfrm>
+            <a:off x="7813935" y="2929206"/>
+            <a:ext cx="432590" cy="389469"/>
+          </a:xfrm>
+          <a:prstGeom prst="ellipse">
+            <a:avLst/>
+          </a:prstGeom>
+          <a:noFill/>
+        </p:spPr>
+        <p:style>
+          <a:lnRef idx="2">
+            <a:schemeClr val="accent1">
+              <a:shade val="50000"/>
+            </a:schemeClr>
+          </a:lnRef>
+          <a:fillRef idx="1">
+            <a:schemeClr val="accent1"/>
+          </a:fillRef>
+          <a:effectRef idx="0">
+            <a:schemeClr val="accent1"/>
+          </a:effectRef>
+          <a:fontRef idx="minor">
+            <a:schemeClr val="lt1"/>
+          </a:fontRef>
+        </p:style>
+        <p:txBody>
+          <a:bodyPr rtlCol="0" anchor="ctr"/>
+          <a:lstStyle/>
+          <a:p>
+            <a:pPr algn="ctr"/>
+            <a:endParaRPr lang="en-US"/>
+          </a:p>
+        </p:txBody>
+      </p:sp>
+      <p:sp>
+        <p:nvSpPr>
+          <p:cNvPr id="65" name="Oval 64"/>
+          <p:cNvSpPr/>
+          <p:nvPr/>
+        </p:nvSpPr>
+        <p:spPr>
+          <a:xfrm>
+            <a:off x="7813935" y="2274360"/>
+            <a:ext cx="432590" cy="389469"/>
+          </a:xfrm>
+          <a:prstGeom prst="ellipse">
+            <a:avLst/>
+          </a:prstGeom>
+          <a:noFill/>
+        </p:spPr>
+        <p:style>
+          <a:lnRef idx="2">
+            <a:schemeClr val="accent1">
+              <a:shade val="50000"/>
+            </a:schemeClr>
+          </a:lnRef>
+          <a:fillRef idx="1">
+            <a:schemeClr val="accent1"/>
+          </a:fillRef>
+          <a:effectRef idx="0">
+            <a:schemeClr val="accent1"/>
+          </a:effectRef>
+          <a:fontRef idx="minor">
+            <a:schemeClr val="lt1"/>
+          </a:fontRef>
+        </p:style>
+        <p:txBody>
+          <a:bodyPr rtlCol="0" anchor="ctr"/>
+          <a:lstStyle/>
+          <a:p>
+            <a:pPr algn="ctr"/>
+            <a:endParaRPr lang="en-US"/>
+          </a:p>
+        </p:txBody>
+      </p:sp>
+      <p:sp>
+        <p:nvSpPr>
+          <p:cNvPr id="67" name="Oval 66"/>
+          <p:cNvSpPr/>
+          <p:nvPr/>
+        </p:nvSpPr>
+        <p:spPr>
+          <a:xfrm>
+            <a:off x="7830867" y="1681693"/>
+            <a:ext cx="432590" cy="389469"/>
+          </a:xfrm>
+          <a:prstGeom prst="ellipse">
+            <a:avLst/>
+          </a:prstGeom>
+          <a:noFill/>
+        </p:spPr>
+        <p:style>
+          <a:lnRef idx="2">
+            <a:schemeClr val="accent1">
+              <a:shade val="50000"/>
+            </a:schemeClr>
+          </a:lnRef>
+          <a:fillRef idx="1">
+            <a:schemeClr val="accent1"/>
+          </a:fillRef>
+          <a:effectRef idx="0">
+            <a:schemeClr val="accent1"/>
+          </a:effectRef>
+          <a:fontRef idx="minor">
+            <a:schemeClr val="lt1"/>
+          </a:fontRef>
+        </p:style>
+        <p:txBody>
+          <a:bodyPr rtlCol="0" anchor="ctr"/>
+          <a:lstStyle/>
+          <a:p>
+            <a:pPr algn="ctr"/>
+            <a:endParaRPr lang="en-US"/>
+          </a:p>
+        </p:txBody>
+      </p:sp>
+      <p:sp>
+        <p:nvSpPr>
+          <p:cNvPr id="68" name="Oval 67"/>
+          <p:cNvSpPr/>
+          <p:nvPr/>
+        </p:nvSpPr>
+        <p:spPr>
+          <a:xfrm>
+            <a:off x="7830867" y="3707070"/>
+            <a:ext cx="432590" cy="389469"/>
+          </a:xfrm>
+          <a:prstGeom prst="ellipse">
+            <a:avLst/>
+          </a:prstGeom>
+          <a:noFill/>
+        </p:spPr>
+        <p:style>
+          <a:lnRef idx="2">
+            <a:schemeClr val="accent1">
+              <a:shade val="50000"/>
+            </a:schemeClr>
+          </a:lnRef>
+          <a:fillRef idx="1">
+            <a:schemeClr val="accent1"/>
+          </a:fillRef>
+          <a:effectRef idx="0">
+            <a:schemeClr val="accent1"/>
+          </a:effectRef>
+          <a:fontRef idx="minor">
+            <a:schemeClr val="lt1"/>
+          </a:fontRef>
+        </p:style>
+        <p:txBody>
+          <a:bodyPr rtlCol="0" anchor="ctr"/>
+          <a:lstStyle/>
+          <a:p>
+            <a:pPr algn="ctr"/>
+            <a:endParaRPr lang="en-US"/>
+          </a:p>
+        </p:txBody>
+      </p:sp>
+      <p:sp>
+        <p:nvSpPr>
+          <p:cNvPr id="80" name="Rectangle 79"/>
+          <p:cNvSpPr/>
+          <p:nvPr/>
+        </p:nvSpPr>
+        <p:spPr>
+          <a:xfrm>
+            <a:off x="4487335" y="1075765"/>
+            <a:ext cx="4013197" cy="3346333"/>
+          </a:xfrm>
+          <a:prstGeom prst="rect">
+            <a:avLst/>
+          </a:prstGeom>
+          <a:noFill/>
+        </p:spPr>
+        <p:style>
+          <a:lnRef idx="2">
+            <a:schemeClr val="accent1">
+              <a:shade val="50000"/>
+            </a:schemeClr>
+          </a:lnRef>
+          <a:fillRef idx="1">
+            <a:schemeClr val="accent1"/>
+          </a:fillRef>
+          <a:effectRef idx="0">
+            <a:schemeClr val="accent1"/>
+          </a:effectRef>
+          <a:fontRef idx="minor">
+            <a:schemeClr val="lt1"/>
+          </a:fontRef>
+        </p:style>
+        <p:txBody>
+          <a:bodyPr rtlCol="0" anchor="ctr"/>
+          <a:lstStyle/>
+          <a:p>
+            <a:pPr algn="ctr"/>
+            <a:endParaRPr lang="en-US"/>
+          </a:p>
+        </p:txBody>
+      </p:sp>
+      <p:sp>
+        <p:nvSpPr>
+          <p:cNvPr id="81" name="Rectangle 80"/>
+          <p:cNvSpPr/>
+          <p:nvPr/>
+        </p:nvSpPr>
+        <p:spPr>
+          <a:xfrm>
+            <a:off x="8635998" y="1075766"/>
+            <a:ext cx="1070133" cy="3346332"/>
+          </a:xfrm>
+          <a:prstGeom prst="rect">
+            <a:avLst/>
+          </a:prstGeom>
+          <a:noFill/>
+        </p:spPr>
+        <p:style>
+          <a:lnRef idx="2">
+            <a:schemeClr val="accent1">
+              <a:shade val="50000"/>
+            </a:schemeClr>
+          </a:lnRef>
+          <a:fillRef idx="1">
+            <a:schemeClr val="accent1"/>
+          </a:fillRef>
+          <a:effectRef idx="0">
+            <a:schemeClr val="accent1"/>
+          </a:effectRef>
+          <a:fontRef idx="minor">
+            <a:schemeClr val="lt1"/>
+          </a:fontRef>
+        </p:style>
+        <p:txBody>
+          <a:bodyPr rtlCol="0" anchor="ctr"/>
+          <a:lstStyle/>
+          <a:p>
+            <a:pPr algn="ctr"/>
+            <a:endParaRPr lang="en-US"/>
+          </a:p>
+        </p:txBody>
+      </p:sp>
+      <p:sp>
+        <p:nvSpPr>
+          <p:cNvPr id="82" name="TextBox 81"/>
+          <p:cNvSpPr txBox="1"/>
+          <p:nvPr/>
+        </p:nvSpPr>
+        <p:spPr>
+          <a:xfrm>
+            <a:off x="5486045" y="1135351"/>
+            <a:ext cx="1416863" cy="369332"/>
+          </a:xfrm>
+          <a:prstGeom prst="rect">
+            <a:avLst/>
+          </a:prstGeom>
+          <a:noFill/>
+        </p:spPr>
+        <p:txBody>
+          <a:bodyPr wrap="none" rtlCol="0">
+            <a:spAutoFit/>
+          </a:bodyPr>
+          <a:lstStyle/>
+          <a:p>
+            <a:r>
+              <a:rPr lang="en-US" dirty="0" smtClean="0"/>
+              <a:t>Hidden Layer</a:t>
+            </a:r>
+            <a:endParaRPr lang="en-US" dirty="0"/>
+          </a:p>
+        </p:txBody>
+      </p:sp>
+      <p:sp>
+        <p:nvSpPr>
+          <p:cNvPr id="83" name="TextBox 82"/>
+          <p:cNvSpPr txBox="1"/>
+          <p:nvPr/>
+        </p:nvSpPr>
+        <p:spPr>
+          <a:xfrm>
+            <a:off x="8686800" y="1169469"/>
+            <a:ext cx="909223" cy="646331"/>
+          </a:xfrm>
+          <a:prstGeom prst="rect">
+            <a:avLst/>
+          </a:prstGeom>
+          <a:noFill/>
+        </p:spPr>
+        <p:txBody>
+          <a:bodyPr wrap="none" rtlCol="0">
+            <a:spAutoFit/>
+          </a:bodyPr>
+          <a:lstStyle/>
+          <a:p>
+            <a:r>
+              <a:rPr lang="en-US" dirty="0" smtClean="0"/>
+              <a:t>Output </a:t>
+            </a:r>
+            <a:endParaRPr lang="en-US" dirty="0" smtClean="0"/>
+          </a:p>
+          <a:p>
+            <a:r>
+              <a:rPr lang="en-US" dirty="0" smtClean="0"/>
+              <a:t>Layer</a:t>
+            </a:r>
+            <a:endParaRPr lang="en-US" dirty="0"/>
+          </a:p>
+        </p:txBody>
+      </p:sp>
+      <p:cxnSp>
+        <p:nvCxnSpPr>
+          <p:cNvPr id="85" name="Straight Connector 84"/>
+          <p:cNvCxnSpPr>
+            <a:stCxn id="29" idx="6"/>
+            <a:endCxn id="34" idx="2"/>
+          </p:cNvCxnSpPr>
+          <p:nvPr/>
+        </p:nvCxnSpPr>
+        <p:spPr>
+          <a:xfrm>
+            <a:off x="3674533" y="2514599"/>
+            <a:ext cx="922076" cy="3"/>
+          </a:xfrm>
+          <a:prstGeom prst="line">
+            <a:avLst/>
+          </a:prstGeom>
+        </p:spPr>
+        <p:style>
+          <a:lnRef idx="1">
+            <a:schemeClr val="accent1"/>
+          </a:lnRef>
+          <a:fillRef idx="0">
+            <a:schemeClr val="accent1"/>
+          </a:fillRef>
+          <a:effectRef idx="0">
+            <a:schemeClr val="accent1"/>
+          </a:effectRef>
+          <a:fontRef idx="minor">
+            <a:schemeClr val="tx1"/>
+          </a:fontRef>
+        </p:style>
+      </p:cxnSp>
+      <p:cxnSp>
+        <p:nvCxnSpPr>
+          <p:cNvPr id="87" name="Straight Connector 86"/>
+          <p:cNvCxnSpPr>
+            <a:stCxn id="29" idx="6"/>
+            <a:endCxn id="33" idx="2"/>
+          </p:cNvCxnSpPr>
+          <p:nvPr/>
+        </p:nvCxnSpPr>
+        <p:spPr>
+          <a:xfrm>
+            <a:off x="3674533" y="2514599"/>
+            <a:ext cx="922076" cy="654849"/>
+          </a:xfrm>
+          <a:prstGeom prst="line">
+            <a:avLst/>
+          </a:prstGeom>
+        </p:spPr>
+        <p:style>
+          <a:lnRef idx="1">
+            <a:schemeClr val="accent1"/>
+          </a:lnRef>
+          <a:fillRef idx="0">
+            <a:schemeClr val="accent1"/>
+          </a:fillRef>
+          <a:effectRef idx="0">
+            <a:schemeClr val="accent1"/>
+          </a:effectRef>
+          <a:fontRef idx="minor">
+            <a:schemeClr val="tx1"/>
+          </a:fontRef>
+        </p:style>
+      </p:cxnSp>
+      <p:cxnSp>
+        <p:nvCxnSpPr>
+          <p:cNvPr id="89" name="Straight Connector 88"/>
+          <p:cNvCxnSpPr>
+            <a:stCxn id="29" idx="6"/>
+            <a:endCxn id="40" idx="2"/>
+          </p:cNvCxnSpPr>
+          <p:nvPr/>
+        </p:nvCxnSpPr>
+        <p:spPr>
+          <a:xfrm>
+            <a:off x="3674533" y="2514599"/>
+            <a:ext cx="939008" cy="1432713"/>
+          </a:xfrm>
+          <a:prstGeom prst="line">
+            <a:avLst/>
+          </a:prstGeom>
+        </p:spPr>
+        <p:style>
+          <a:lnRef idx="1">
+            <a:schemeClr val="accent1"/>
+          </a:lnRef>
+          <a:fillRef idx="0">
+            <a:schemeClr val="accent1"/>
+          </a:fillRef>
+          <a:effectRef idx="0">
+            <a:schemeClr val="accent1"/>
+          </a:effectRef>
+          <a:fontRef idx="minor">
+            <a:schemeClr val="tx1"/>
+          </a:fontRef>
+        </p:style>
+      </p:cxnSp>
+      <p:cxnSp>
+        <p:nvCxnSpPr>
+          <p:cNvPr id="93" name="Straight Connector 92"/>
+          <p:cNvCxnSpPr>
+            <a:stCxn id="14" idx="6"/>
+            <a:endCxn id="34" idx="2"/>
+          </p:cNvCxnSpPr>
+          <p:nvPr/>
+        </p:nvCxnSpPr>
+        <p:spPr>
+          <a:xfrm flipV="1">
+            <a:off x="3674533" y="2514602"/>
+            <a:ext cx="922076" cy="654843"/>
+          </a:xfrm>
+          <a:prstGeom prst="line">
+            <a:avLst/>
+          </a:prstGeom>
+        </p:spPr>
+        <p:style>
+          <a:lnRef idx="1">
+            <a:schemeClr val="accent1"/>
+          </a:lnRef>
+          <a:fillRef idx="0">
+            <a:schemeClr val="accent1"/>
+          </a:fillRef>
+          <a:effectRef idx="0">
+            <a:schemeClr val="accent1"/>
+          </a:effectRef>
+          <a:fontRef idx="minor">
+            <a:schemeClr val="tx1"/>
+          </a:fontRef>
+        </p:style>
+      </p:cxnSp>
+      <p:cxnSp>
+        <p:nvCxnSpPr>
+          <p:cNvPr id="95" name="Straight Connector 94"/>
+          <p:cNvCxnSpPr>
+            <a:stCxn id="14" idx="6"/>
+            <a:endCxn id="33" idx="2"/>
+          </p:cNvCxnSpPr>
+          <p:nvPr/>
+        </p:nvCxnSpPr>
+        <p:spPr>
+          <a:xfrm>
+            <a:off x="3674533" y="3169445"/>
+            <a:ext cx="922076" cy="3"/>
+          </a:xfrm>
+          <a:prstGeom prst="line">
+            <a:avLst/>
+          </a:prstGeom>
+        </p:spPr>
+        <p:style>
+          <a:lnRef idx="1">
+            <a:schemeClr val="accent1"/>
+          </a:lnRef>
+          <a:fillRef idx="0">
+            <a:schemeClr val="accent1"/>
+          </a:fillRef>
+          <a:effectRef idx="0">
+            <a:schemeClr val="accent1"/>
+          </a:effectRef>
+          <a:fontRef idx="minor">
+            <a:schemeClr val="tx1"/>
+          </a:fontRef>
+        </p:style>
+      </p:cxnSp>
+      <p:cxnSp>
+        <p:nvCxnSpPr>
+          <p:cNvPr id="98" name="Straight Connector 97"/>
+          <p:cNvCxnSpPr>
+            <a:stCxn id="14" idx="6"/>
+            <a:endCxn id="40" idx="2"/>
+          </p:cNvCxnSpPr>
+          <p:nvPr/>
+        </p:nvCxnSpPr>
+        <p:spPr>
+          <a:xfrm>
+            <a:off x="3674533" y="3169445"/>
+            <a:ext cx="939008" cy="777867"/>
+          </a:xfrm>
+          <a:prstGeom prst="line">
+            <a:avLst/>
+          </a:prstGeom>
+        </p:spPr>
+        <p:style>
+          <a:lnRef idx="1">
+            <a:schemeClr val="accent1"/>
+          </a:lnRef>
+          <a:fillRef idx="0">
+            <a:schemeClr val="accent1"/>
+          </a:fillRef>
+          <a:effectRef idx="0">
+            <a:schemeClr val="accent1"/>
+          </a:effectRef>
+          <a:fontRef idx="minor">
+            <a:schemeClr val="tx1"/>
+          </a:fontRef>
+        </p:style>
+      </p:cxnSp>
+      <p:cxnSp>
+        <p:nvCxnSpPr>
+          <p:cNvPr id="99" name="Straight Connector 98"/>
+          <p:cNvCxnSpPr>
+            <a:stCxn id="30" idx="6"/>
+            <a:endCxn id="34" idx="2"/>
+          </p:cNvCxnSpPr>
+          <p:nvPr/>
+        </p:nvCxnSpPr>
+        <p:spPr>
+          <a:xfrm flipV="1">
+            <a:off x="3674533" y="2514602"/>
+            <a:ext cx="922076" cy="1398838"/>
+          </a:xfrm>
+          <a:prstGeom prst="line">
+            <a:avLst/>
+          </a:prstGeom>
+        </p:spPr>
+        <p:style>
+          <a:lnRef idx="1">
+            <a:schemeClr val="accent1"/>
+          </a:lnRef>
+          <a:fillRef idx="0">
+            <a:schemeClr val="accent1"/>
+          </a:fillRef>
+          <a:effectRef idx="0">
+            <a:schemeClr val="accent1"/>
+          </a:effectRef>
+          <a:fontRef idx="minor">
+            <a:schemeClr val="tx1"/>
+          </a:fontRef>
+        </p:style>
+      </p:cxnSp>
+      <p:cxnSp>
+        <p:nvCxnSpPr>
+          <p:cNvPr id="100" name="Straight Connector 99"/>
+          <p:cNvCxnSpPr>
+            <a:stCxn id="30" idx="6"/>
+            <a:endCxn id="40" idx="2"/>
+          </p:cNvCxnSpPr>
+          <p:nvPr/>
+        </p:nvCxnSpPr>
+        <p:spPr>
+          <a:xfrm>
+            <a:off x="3674533" y="3913440"/>
+            <a:ext cx="939008" cy="33872"/>
+          </a:xfrm>
+          <a:prstGeom prst="line">
+            <a:avLst/>
+          </a:prstGeom>
+        </p:spPr>
+        <p:style>
+          <a:lnRef idx="1">
+            <a:schemeClr val="accent1"/>
+          </a:lnRef>
+          <a:fillRef idx="0">
+            <a:schemeClr val="accent1"/>
+          </a:fillRef>
+          <a:effectRef idx="0">
+            <a:schemeClr val="accent1"/>
+          </a:effectRef>
+          <a:fontRef idx="minor">
+            <a:schemeClr val="tx1"/>
+          </a:fontRef>
+        </p:style>
+      </p:cxnSp>
+      <p:cxnSp>
+        <p:nvCxnSpPr>
+          <p:cNvPr id="101" name="Straight Connector 100"/>
+          <p:cNvCxnSpPr>
+            <a:stCxn id="30" idx="6"/>
+            <a:endCxn id="33" idx="2"/>
+          </p:cNvCxnSpPr>
+          <p:nvPr/>
+        </p:nvCxnSpPr>
+        <p:spPr>
+          <a:xfrm flipV="1">
+            <a:off x="3674533" y="3169448"/>
+            <a:ext cx="922076" cy="743992"/>
+          </a:xfrm>
+          <a:prstGeom prst="line">
+            <a:avLst/>
+          </a:prstGeom>
+        </p:spPr>
+        <p:style>
+          <a:lnRef idx="1">
+            <a:schemeClr val="accent1"/>
+          </a:lnRef>
+          <a:fillRef idx="0">
+            <a:schemeClr val="accent1"/>
+          </a:fillRef>
+          <a:effectRef idx="0">
+            <a:schemeClr val="accent1"/>
+          </a:effectRef>
+          <a:fontRef idx="minor">
+            <a:schemeClr val="tx1"/>
+          </a:fontRef>
+        </p:style>
+      </p:cxnSp>
+      <p:cxnSp>
+        <p:nvCxnSpPr>
+          <p:cNvPr id="121" name="Straight Connector 120"/>
+          <p:cNvCxnSpPr>
+            <a:stCxn id="34" idx="6"/>
+            <a:endCxn id="44" idx="2"/>
+          </p:cNvCxnSpPr>
+          <p:nvPr/>
+        </p:nvCxnSpPr>
+        <p:spPr>
+          <a:xfrm flipV="1">
+            <a:off x="5029199" y="2497668"/>
+            <a:ext cx="786606" cy="16934"/>
+          </a:xfrm>
+          <a:prstGeom prst="line">
+            <a:avLst/>
+          </a:prstGeom>
+        </p:spPr>
+        <p:style>
+          <a:lnRef idx="1">
+            <a:schemeClr val="accent1"/>
+          </a:lnRef>
+          <a:fillRef idx="0">
+            <a:schemeClr val="accent1"/>
+          </a:fillRef>
+          <a:effectRef idx="0">
+            <a:schemeClr val="accent1"/>
+          </a:effectRef>
+          <a:fontRef idx="minor">
+            <a:schemeClr val="tx1"/>
+          </a:fontRef>
+        </p:style>
+      </p:cxnSp>
+      <p:cxnSp>
+        <p:nvCxnSpPr>
+          <p:cNvPr id="122" name="Straight Connector 121"/>
+          <p:cNvCxnSpPr>
+            <a:stCxn id="34" idx="6"/>
+            <a:endCxn id="43" idx="2"/>
+          </p:cNvCxnSpPr>
+          <p:nvPr/>
+        </p:nvCxnSpPr>
+        <p:spPr>
+          <a:xfrm>
+            <a:off x="5029199" y="2514602"/>
+            <a:ext cx="786606" cy="637912"/>
+          </a:xfrm>
+          <a:prstGeom prst="line">
+            <a:avLst/>
+          </a:prstGeom>
+        </p:spPr>
+        <p:style>
+          <a:lnRef idx="1">
+            <a:schemeClr val="accent1"/>
+          </a:lnRef>
+          <a:fillRef idx="0">
+            <a:schemeClr val="accent1"/>
+          </a:fillRef>
+          <a:effectRef idx="0">
+            <a:schemeClr val="accent1"/>
+          </a:effectRef>
+          <a:fontRef idx="minor">
+            <a:schemeClr val="tx1"/>
+          </a:fontRef>
+        </p:style>
+      </p:cxnSp>
+      <p:cxnSp>
+        <p:nvCxnSpPr>
+          <p:cNvPr id="123" name="Straight Connector 122"/>
+          <p:cNvCxnSpPr>
+            <a:stCxn id="34" idx="6"/>
+            <a:endCxn id="47" idx="2"/>
+          </p:cNvCxnSpPr>
+          <p:nvPr/>
+        </p:nvCxnSpPr>
+        <p:spPr>
+          <a:xfrm>
+            <a:off x="5029199" y="2514602"/>
+            <a:ext cx="803538" cy="1415776"/>
+          </a:xfrm>
+          <a:prstGeom prst="line">
+            <a:avLst/>
+          </a:prstGeom>
+        </p:spPr>
+        <p:style>
+          <a:lnRef idx="1">
+            <a:schemeClr val="accent1"/>
+          </a:lnRef>
+          <a:fillRef idx="0">
+            <a:schemeClr val="accent1"/>
+          </a:fillRef>
+          <a:effectRef idx="0">
+            <a:schemeClr val="accent1"/>
+          </a:effectRef>
+          <a:fontRef idx="minor">
+            <a:schemeClr val="tx1"/>
+          </a:fontRef>
+        </p:style>
+      </p:cxnSp>
+      <p:cxnSp>
+        <p:nvCxnSpPr>
+          <p:cNvPr id="124" name="Straight Connector 123"/>
+          <p:cNvCxnSpPr>
+            <a:stCxn id="33" idx="6"/>
+            <a:endCxn id="44" idx="2"/>
+          </p:cNvCxnSpPr>
+          <p:nvPr/>
+        </p:nvCxnSpPr>
+        <p:spPr>
+          <a:xfrm flipV="1">
+            <a:off x="5029199" y="2497668"/>
+            <a:ext cx="786606" cy="671780"/>
+          </a:xfrm>
+          <a:prstGeom prst="line">
+            <a:avLst/>
+          </a:prstGeom>
+        </p:spPr>
+        <p:style>
+          <a:lnRef idx="1">
+            <a:schemeClr val="accent1"/>
+          </a:lnRef>
+          <a:fillRef idx="0">
+            <a:schemeClr val="accent1"/>
+          </a:fillRef>
+          <a:effectRef idx="0">
+            <a:schemeClr val="accent1"/>
+          </a:effectRef>
+          <a:fontRef idx="minor">
+            <a:schemeClr val="tx1"/>
+          </a:fontRef>
+        </p:style>
+      </p:cxnSp>
+      <p:cxnSp>
+        <p:nvCxnSpPr>
+          <p:cNvPr id="125" name="Straight Connector 124"/>
+          <p:cNvCxnSpPr>
+            <a:stCxn id="33" idx="6"/>
+            <a:endCxn id="43" idx="2"/>
+          </p:cNvCxnSpPr>
+          <p:nvPr/>
+        </p:nvCxnSpPr>
+        <p:spPr>
+          <a:xfrm flipV="1">
+            <a:off x="5029199" y="3152514"/>
+            <a:ext cx="786606" cy="16934"/>
+          </a:xfrm>
+          <a:prstGeom prst="line">
+            <a:avLst/>
+          </a:prstGeom>
+        </p:spPr>
+        <p:style>
+          <a:lnRef idx="1">
+            <a:schemeClr val="accent1"/>
+          </a:lnRef>
+          <a:fillRef idx="0">
+            <a:schemeClr val="accent1"/>
+          </a:fillRef>
+          <a:effectRef idx="0">
+            <a:schemeClr val="accent1"/>
+          </a:effectRef>
+          <a:fontRef idx="minor">
+            <a:schemeClr val="tx1"/>
+          </a:fontRef>
+        </p:style>
+      </p:cxnSp>
+      <p:cxnSp>
+        <p:nvCxnSpPr>
+          <p:cNvPr id="126" name="Straight Connector 125"/>
+          <p:cNvCxnSpPr>
+            <a:stCxn id="33" idx="6"/>
+            <a:endCxn id="47" idx="2"/>
+          </p:cNvCxnSpPr>
+          <p:nvPr/>
+        </p:nvCxnSpPr>
+        <p:spPr>
+          <a:xfrm>
+            <a:off x="5029199" y="3169448"/>
+            <a:ext cx="803538" cy="760930"/>
+          </a:xfrm>
+          <a:prstGeom prst="line">
+            <a:avLst/>
+          </a:prstGeom>
+        </p:spPr>
+        <p:style>
+          <a:lnRef idx="1">
+            <a:schemeClr val="accent1"/>
+          </a:lnRef>
+          <a:fillRef idx="0">
+            <a:schemeClr val="accent1"/>
+          </a:fillRef>
+          <a:effectRef idx="0">
+            <a:schemeClr val="accent1"/>
+          </a:effectRef>
+          <a:fontRef idx="minor">
+            <a:schemeClr val="tx1"/>
+          </a:fontRef>
+        </p:style>
+      </p:cxnSp>
+      <p:cxnSp>
+        <p:nvCxnSpPr>
+          <p:cNvPr id="127" name="Straight Connector 126"/>
+          <p:cNvCxnSpPr>
+            <a:stCxn id="40" idx="6"/>
+            <a:endCxn id="44" idx="2"/>
+          </p:cNvCxnSpPr>
+          <p:nvPr/>
+        </p:nvCxnSpPr>
+        <p:spPr>
+          <a:xfrm flipV="1">
+            <a:off x="5046131" y="2497668"/>
+            <a:ext cx="769674" cy="1449644"/>
+          </a:xfrm>
+          <a:prstGeom prst="line">
+            <a:avLst/>
+          </a:prstGeom>
+        </p:spPr>
+        <p:style>
+          <a:lnRef idx="1">
+            <a:schemeClr val="accent1"/>
+          </a:lnRef>
+          <a:fillRef idx="0">
+            <a:schemeClr val="accent1"/>
+          </a:fillRef>
+          <a:effectRef idx="0">
+            <a:schemeClr val="accent1"/>
+          </a:effectRef>
+          <a:fontRef idx="minor">
+            <a:schemeClr val="tx1"/>
+          </a:fontRef>
+        </p:style>
+      </p:cxnSp>
+      <p:cxnSp>
+        <p:nvCxnSpPr>
+          <p:cNvPr id="128" name="Straight Connector 127"/>
+          <p:cNvCxnSpPr>
+            <a:stCxn id="40" idx="6"/>
+            <a:endCxn id="47" idx="2"/>
+          </p:cNvCxnSpPr>
+          <p:nvPr/>
+        </p:nvCxnSpPr>
+        <p:spPr>
+          <a:xfrm flipV="1">
+            <a:off x="5046131" y="3930378"/>
+            <a:ext cx="786606" cy="16934"/>
+          </a:xfrm>
+          <a:prstGeom prst="line">
+            <a:avLst/>
+          </a:prstGeom>
+        </p:spPr>
+        <p:style>
+          <a:lnRef idx="1">
+            <a:schemeClr val="accent1"/>
+          </a:lnRef>
+          <a:fillRef idx="0">
+            <a:schemeClr val="accent1"/>
+          </a:fillRef>
+          <a:effectRef idx="0">
+            <a:schemeClr val="accent1"/>
+          </a:effectRef>
+          <a:fontRef idx="minor">
+            <a:schemeClr val="tx1"/>
+          </a:fontRef>
+        </p:style>
+      </p:cxnSp>
+      <p:cxnSp>
+        <p:nvCxnSpPr>
+          <p:cNvPr id="129" name="Straight Connector 128"/>
+          <p:cNvCxnSpPr>
+            <a:stCxn id="40" idx="6"/>
+            <a:endCxn id="43" idx="2"/>
+          </p:cNvCxnSpPr>
+          <p:nvPr/>
+        </p:nvCxnSpPr>
+        <p:spPr>
+          <a:xfrm flipV="1">
+            <a:off x="5046131" y="3152514"/>
+            <a:ext cx="769674" cy="794798"/>
+          </a:xfrm>
+          <a:prstGeom prst="line">
+            <a:avLst/>
+          </a:prstGeom>
+        </p:spPr>
+        <p:style>
+          <a:lnRef idx="1">
+            <a:schemeClr val="accent1"/>
+          </a:lnRef>
+          <a:fillRef idx="0">
+            <a:schemeClr val="accent1"/>
+          </a:fillRef>
+          <a:effectRef idx="0">
+            <a:schemeClr val="accent1"/>
+          </a:effectRef>
+          <a:fontRef idx="minor">
+            <a:schemeClr val="tx1"/>
+          </a:fontRef>
+        </p:style>
+      </p:cxnSp>
+      <p:cxnSp>
+        <p:nvCxnSpPr>
+          <p:cNvPr id="150" name="Straight Connector 149"/>
+          <p:cNvCxnSpPr>
+            <a:stCxn id="39" idx="6"/>
+            <a:endCxn id="44" idx="2"/>
+          </p:cNvCxnSpPr>
+          <p:nvPr/>
+        </p:nvCxnSpPr>
+        <p:spPr>
+          <a:xfrm>
+            <a:off x="5046131" y="1921935"/>
+            <a:ext cx="769674" cy="575733"/>
+          </a:xfrm>
+          <a:prstGeom prst="line">
+            <a:avLst/>
+          </a:prstGeom>
+        </p:spPr>
+        <p:style>
+          <a:lnRef idx="1">
+            <a:schemeClr val="accent1"/>
+          </a:lnRef>
+          <a:fillRef idx="0">
+            <a:schemeClr val="accent1"/>
+          </a:fillRef>
+          <a:effectRef idx="0">
+            <a:schemeClr val="accent1"/>
+          </a:effectRef>
+          <a:fontRef idx="minor">
+            <a:schemeClr val="tx1"/>
+          </a:fontRef>
+        </p:style>
+      </p:cxnSp>
+      <p:cxnSp>
+        <p:nvCxnSpPr>
+          <p:cNvPr id="153" name="Straight Connector 152"/>
+          <p:cNvCxnSpPr>
+            <a:stCxn id="39" idx="6"/>
+            <a:endCxn id="43" idx="2"/>
+          </p:cNvCxnSpPr>
+          <p:nvPr/>
+        </p:nvCxnSpPr>
+        <p:spPr>
+          <a:xfrm>
+            <a:off x="5046131" y="1921935"/>
+            <a:ext cx="769674" cy="1230579"/>
+          </a:xfrm>
+          <a:prstGeom prst="line">
+            <a:avLst/>
+          </a:prstGeom>
+        </p:spPr>
+        <p:style>
+          <a:lnRef idx="1">
+            <a:schemeClr val="accent1"/>
+          </a:lnRef>
+          <a:fillRef idx="0">
+            <a:schemeClr val="accent1"/>
+          </a:fillRef>
+          <a:effectRef idx="0">
+            <a:schemeClr val="accent1"/>
+          </a:effectRef>
+          <a:fontRef idx="minor">
+            <a:schemeClr val="tx1"/>
+          </a:fontRef>
+        </p:style>
+      </p:cxnSp>
+      <p:cxnSp>
+        <p:nvCxnSpPr>
+          <p:cNvPr id="156" name="Straight Connector 155"/>
+          <p:cNvCxnSpPr>
+            <a:stCxn id="67" idx="6"/>
+            <a:endCxn id="37" idx="2"/>
+          </p:cNvCxnSpPr>
+          <p:nvPr/>
+        </p:nvCxnSpPr>
+        <p:spPr>
+          <a:xfrm>
+            <a:off x="8263457" y="1876428"/>
+            <a:ext cx="698094" cy="854994"/>
+          </a:xfrm>
+          <a:prstGeom prst="line">
+            <a:avLst/>
+          </a:prstGeom>
+        </p:spPr>
+        <p:style>
+          <a:lnRef idx="1">
+            <a:schemeClr val="accent1"/>
+          </a:lnRef>
+          <a:fillRef idx="0">
+            <a:schemeClr val="accent1"/>
+          </a:fillRef>
+          <a:effectRef idx="0">
+            <a:schemeClr val="accent1"/>
+          </a:effectRef>
+          <a:fontRef idx="minor">
+            <a:schemeClr val="tx1"/>
+          </a:fontRef>
+        </p:style>
+      </p:cxnSp>
+      <p:cxnSp>
+        <p:nvCxnSpPr>
+          <p:cNvPr id="157" name="Straight Connector 156"/>
+          <p:cNvCxnSpPr>
+            <a:stCxn id="39" idx="6"/>
+            <a:endCxn id="47" idx="2"/>
+          </p:cNvCxnSpPr>
+          <p:nvPr/>
+        </p:nvCxnSpPr>
+        <p:spPr>
+          <a:xfrm>
+            <a:off x="5046131" y="1921935"/>
+            <a:ext cx="786606" cy="2008443"/>
+          </a:xfrm>
+          <a:prstGeom prst="line">
+            <a:avLst/>
+          </a:prstGeom>
+        </p:spPr>
+        <p:style>
+          <a:lnRef idx="1">
+            <a:schemeClr val="accent1"/>
+          </a:lnRef>
+          <a:fillRef idx="0">
+            <a:schemeClr val="accent1"/>
+          </a:fillRef>
+          <a:effectRef idx="0">
+            <a:schemeClr val="accent1"/>
+          </a:effectRef>
+          <a:fontRef idx="minor">
+            <a:schemeClr val="tx1"/>
+          </a:fontRef>
+        </p:style>
+      </p:cxnSp>
+      <p:cxnSp>
+        <p:nvCxnSpPr>
+          <p:cNvPr id="162" name="Straight Connector 161"/>
+          <p:cNvCxnSpPr>
+            <a:stCxn id="65" idx="6"/>
+            <a:endCxn id="37" idx="2"/>
+          </p:cNvCxnSpPr>
+          <p:nvPr/>
+        </p:nvCxnSpPr>
+        <p:spPr>
+          <a:xfrm>
+            <a:off x="8246525" y="2469095"/>
+            <a:ext cx="715026" cy="262327"/>
+          </a:xfrm>
+          <a:prstGeom prst="line">
+            <a:avLst/>
+          </a:prstGeom>
+        </p:spPr>
+        <p:style>
+          <a:lnRef idx="1">
+            <a:schemeClr val="accent1"/>
+          </a:lnRef>
+          <a:fillRef idx="0">
+            <a:schemeClr val="accent1"/>
+          </a:fillRef>
+          <a:effectRef idx="0">
+            <a:schemeClr val="accent1"/>
+          </a:effectRef>
+          <a:fontRef idx="minor">
+            <a:schemeClr val="tx1"/>
+          </a:fontRef>
+        </p:style>
+      </p:cxnSp>
+      <p:cxnSp>
+        <p:nvCxnSpPr>
+          <p:cNvPr id="164" name="Straight Connector 163"/>
+          <p:cNvCxnSpPr>
+            <a:stCxn id="65" idx="6"/>
+            <a:endCxn id="38" idx="2"/>
+          </p:cNvCxnSpPr>
+          <p:nvPr/>
+        </p:nvCxnSpPr>
+        <p:spPr>
+          <a:xfrm>
+            <a:off x="8246525" y="2469095"/>
+            <a:ext cx="681563" cy="1042253"/>
+          </a:xfrm>
+          <a:prstGeom prst="line">
+            <a:avLst/>
+          </a:prstGeom>
+        </p:spPr>
+        <p:style>
+          <a:lnRef idx="1">
+            <a:schemeClr val="accent1"/>
+          </a:lnRef>
+          <a:fillRef idx="0">
+            <a:schemeClr val="accent1"/>
+          </a:fillRef>
+          <a:effectRef idx="0">
+            <a:schemeClr val="accent1"/>
+          </a:effectRef>
+          <a:fontRef idx="minor">
+            <a:schemeClr val="tx1"/>
+          </a:fontRef>
+        </p:style>
+      </p:cxnSp>
+      <p:cxnSp>
+        <p:nvCxnSpPr>
+          <p:cNvPr id="165" name="Straight Connector 164"/>
+          <p:cNvCxnSpPr>
+            <a:stCxn id="64" idx="6"/>
+            <a:endCxn id="37" idx="2"/>
+          </p:cNvCxnSpPr>
+          <p:nvPr/>
+        </p:nvCxnSpPr>
+        <p:spPr>
+          <a:xfrm flipV="1">
+            <a:off x="8246525" y="2731422"/>
+            <a:ext cx="715026" cy="392519"/>
+          </a:xfrm>
+          <a:prstGeom prst="line">
+            <a:avLst/>
+          </a:prstGeom>
+        </p:spPr>
+        <p:style>
+          <a:lnRef idx="1">
+            <a:schemeClr val="accent1"/>
+          </a:lnRef>
+          <a:fillRef idx="0">
+            <a:schemeClr val="accent1"/>
+          </a:fillRef>
+          <a:effectRef idx="0">
+            <a:schemeClr val="accent1"/>
+          </a:effectRef>
+          <a:fontRef idx="minor">
+            <a:schemeClr val="tx1"/>
+          </a:fontRef>
+        </p:style>
+      </p:cxnSp>
+      <p:cxnSp>
+        <p:nvCxnSpPr>
+          <p:cNvPr id="167" name="Straight Connector 166"/>
+          <p:cNvCxnSpPr>
+            <a:stCxn id="64" idx="6"/>
+            <a:endCxn id="38" idx="2"/>
+          </p:cNvCxnSpPr>
+          <p:nvPr/>
+        </p:nvCxnSpPr>
+        <p:spPr>
+          <a:xfrm>
+            <a:off x="8246525" y="3123941"/>
+            <a:ext cx="681563" cy="387407"/>
+          </a:xfrm>
+          <a:prstGeom prst="line">
+            <a:avLst/>
+          </a:prstGeom>
+        </p:spPr>
+        <p:style>
+          <a:lnRef idx="1">
+            <a:schemeClr val="accent1"/>
+          </a:lnRef>
+          <a:fillRef idx="0">
+            <a:schemeClr val="accent1"/>
+          </a:fillRef>
+          <a:effectRef idx="0">
+            <a:schemeClr val="accent1"/>
+          </a:effectRef>
+          <a:fontRef idx="minor">
+            <a:schemeClr val="tx1"/>
+          </a:fontRef>
+        </p:style>
+      </p:cxnSp>
+      <p:cxnSp>
+        <p:nvCxnSpPr>
+          <p:cNvPr id="168" name="Straight Connector 167"/>
+          <p:cNvCxnSpPr>
+            <a:stCxn id="68" idx="6"/>
+            <a:endCxn id="37" idx="2"/>
+          </p:cNvCxnSpPr>
+          <p:nvPr/>
+        </p:nvCxnSpPr>
+        <p:spPr>
+          <a:xfrm flipV="1">
+            <a:off x="8263457" y="2731422"/>
+            <a:ext cx="698094" cy="1170383"/>
+          </a:xfrm>
+          <a:prstGeom prst="line">
+            <a:avLst/>
+          </a:prstGeom>
+        </p:spPr>
+        <p:style>
+          <a:lnRef idx="1">
+            <a:schemeClr val="accent1"/>
+          </a:lnRef>
+          <a:fillRef idx="0">
+            <a:schemeClr val="accent1"/>
+          </a:fillRef>
+          <a:effectRef idx="0">
+            <a:schemeClr val="accent1"/>
+          </a:effectRef>
+          <a:fontRef idx="minor">
+            <a:schemeClr val="tx1"/>
+          </a:fontRef>
+        </p:style>
+      </p:cxnSp>
+      <p:cxnSp>
+        <p:nvCxnSpPr>
+          <p:cNvPr id="169" name="Straight Connector 168"/>
+          <p:cNvCxnSpPr>
+            <a:stCxn id="68" idx="6"/>
+            <a:endCxn id="38" idx="2"/>
+          </p:cNvCxnSpPr>
+          <p:nvPr/>
+        </p:nvCxnSpPr>
+        <p:spPr>
+          <a:xfrm flipV="1">
+            <a:off x="8263457" y="3511348"/>
+            <a:ext cx="664631" cy="390457"/>
+          </a:xfrm>
+          <a:prstGeom prst="line">
+            <a:avLst/>
+          </a:prstGeom>
+        </p:spPr>
+        <p:style>
+          <a:lnRef idx="1">
+            <a:schemeClr val="accent1"/>
+          </a:lnRef>
+          <a:fillRef idx="0">
+            <a:schemeClr val="accent1"/>
+          </a:fillRef>
+          <a:effectRef idx="0">
+            <a:schemeClr val="accent1"/>
+          </a:effectRef>
+          <a:fontRef idx="minor">
+            <a:schemeClr val="tx1"/>
+          </a:fontRef>
+        </p:style>
+      </p:cxnSp>
+      <p:cxnSp>
+        <p:nvCxnSpPr>
+          <p:cNvPr id="173" name="Straight Connector 172"/>
+          <p:cNvCxnSpPr>
+            <a:stCxn id="67" idx="6"/>
+            <a:endCxn id="38" idx="2"/>
+          </p:cNvCxnSpPr>
+          <p:nvPr/>
+        </p:nvCxnSpPr>
+        <p:spPr>
+          <a:xfrm>
+            <a:off x="8263457" y="1876428"/>
+            <a:ext cx="664631" cy="1634920"/>
+          </a:xfrm>
+          <a:prstGeom prst="line">
+            <a:avLst/>
+          </a:prstGeom>
+        </p:spPr>
+        <p:style>
+          <a:lnRef idx="1">
+            <a:schemeClr val="accent1"/>
+          </a:lnRef>
+          <a:fillRef idx="0">
+            <a:schemeClr val="accent1"/>
+          </a:fillRef>
+          <a:effectRef idx="0">
+            <a:schemeClr val="accent1"/>
+          </a:effectRef>
+          <a:fontRef idx="minor">
+            <a:schemeClr val="tx1"/>
+          </a:fontRef>
+        </p:style>
+      </p:cxnSp>
+      <p:sp>
+        <p:nvSpPr>
+          <p:cNvPr id="90" name="Oval 89"/>
+          <p:cNvSpPr/>
+          <p:nvPr/>
+        </p:nvSpPr>
+        <p:spPr>
+          <a:xfrm>
+            <a:off x="6796888" y="2953011"/>
+            <a:ext cx="432590" cy="389469"/>
+          </a:xfrm>
+          <a:prstGeom prst="ellipse">
+            <a:avLst/>
+          </a:prstGeom>
+          <a:noFill/>
+        </p:spPr>
+        <p:style>
+          <a:lnRef idx="2">
+            <a:schemeClr val="accent1">
+              <a:shade val="50000"/>
+            </a:schemeClr>
+          </a:lnRef>
+          <a:fillRef idx="1">
+            <a:schemeClr val="accent1"/>
+          </a:fillRef>
+          <a:effectRef idx="0">
+            <a:schemeClr val="accent1"/>
+          </a:effectRef>
+          <a:fontRef idx="minor">
+            <a:schemeClr val="lt1"/>
+          </a:fontRef>
+        </p:style>
+        <p:txBody>
+          <a:bodyPr rtlCol="0" anchor="ctr"/>
+          <a:lstStyle/>
+          <a:p>
+            <a:pPr algn="ctr"/>
+            <a:endParaRPr lang="en-US"/>
+          </a:p>
+        </p:txBody>
+      </p:sp>
+      <p:sp>
+        <p:nvSpPr>
+          <p:cNvPr id="91" name="Oval 90"/>
+          <p:cNvSpPr/>
+          <p:nvPr/>
+        </p:nvSpPr>
+        <p:spPr>
+          <a:xfrm>
+            <a:off x="6796888" y="2298165"/>
+            <a:ext cx="432590" cy="389469"/>
+          </a:xfrm>
+          <a:prstGeom prst="ellipse">
+            <a:avLst/>
+          </a:prstGeom>
+          <a:noFill/>
+        </p:spPr>
+        <p:style>
+          <a:lnRef idx="2">
+            <a:schemeClr val="accent1">
+              <a:shade val="50000"/>
+            </a:schemeClr>
+          </a:lnRef>
+          <a:fillRef idx="1">
+            <a:schemeClr val="accent1"/>
+          </a:fillRef>
+          <a:effectRef idx="0">
+            <a:schemeClr val="accent1"/>
+          </a:effectRef>
+          <a:fontRef idx="minor">
+            <a:schemeClr val="lt1"/>
+          </a:fontRef>
+        </p:style>
+        <p:txBody>
+          <a:bodyPr rtlCol="0" anchor="ctr"/>
+          <a:lstStyle/>
+          <a:p>
+            <a:pPr algn="ctr"/>
+            <a:endParaRPr lang="en-US"/>
+          </a:p>
+        </p:txBody>
+      </p:sp>
+      <p:sp>
+        <p:nvSpPr>
+          <p:cNvPr id="92" name="Oval 91"/>
+          <p:cNvSpPr/>
+          <p:nvPr/>
+        </p:nvSpPr>
+        <p:spPr>
+          <a:xfrm>
+            <a:off x="6813820" y="1705498"/>
+            <a:ext cx="432590" cy="389469"/>
+          </a:xfrm>
+          <a:prstGeom prst="ellipse">
+            <a:avLst/>
+          </a:prstGeom>
+          <a:noFill/>
+        </p:spPr>
+        <p:style>
+          <a:lnRef idx="2">
+            <a:schemeClr val="accent1">
+              <a:shade val="50000"/>
+            </a:schemeClr>
+          </a:lnRef>
+          <a:fillRef idx="1">
+            <a:schemeClr val="accent1"/>
+          </a:fillRef>
+          <a:effectRef idx="0">
+            <a:schemeClr val="accent1"/>
+          </a:effectRef>
+          <a:fontRef idx="minor">
+            <a:schemeClr val="lt1"/>
+          </a:fontRef>
+        </p:style>
+        <p:txBody>
+          <a:bodyPr rtlCol="0" anchor="ctr"/>
+          <a:lstStyle/>
+          <a:p>
+            <a:pPr algn="ctr"/>
+            <a:endParaRPr lang="en-US"/>
+          </a:p>
+        </p:txBody>
+      </p:sp>
+      <p:sp>
+        <p:nvSpPr>
+          <p:cNvPr id="94" name="Oval 93"/>
+          <p:cNvSpPr/>
+          <p:nvPr/>
+        </p:nvSpPr>
+        <p:spPr>
+          <a:xfrm>
+            <a:off x="6813820" y="3730875"/>
+            <a:ext cx="432590" cy="389469"/>
+          </a:xfrm>
+          <a:prstGeom prst="ellipse">
+            <a:avLst/>
+          </a:prstGeom>
+          <a:noFill/>
+        </p:spPr>
+        <p:style>
+          <a:lnRef idx="2">
+            <a:schemeClr val="accent1">
+              <a:shade val="50000"/>
+            </a:schemeClr>
+          </a:lnRef>
+          <a:fillRef idx="1">
+            <a:schemeClr val="accent1"/>
+          </a:fillRef>
+          <a:effectRef idx="0">
+            <a:schemeClr val="accent1"/>
+          </a:effectRef>
+          <a:fontRef idx="minor">
+            <a:schemeClr val="lt1"/>
+          </a:fontRef>
+        </p:style>
+        <p:txBody>
+          <a:bodyPr rtlCol="0" anchor="ctr"/>
+          <a:lstStyle/>
+          <a:p>
+            <a:pPr algn="ctr"/>
+            <a:endParaRPr lang="en-US"/>
+          </a:p>
+        </p:txBody>
+      </p:sp>
+      <p:cxnSp>
+        <p:nvCxnSpPr>
+          <p:cNvPr id="96" name="Straight Connector 95"/>
+          <p:cNvCxnSpPr>
+            <a:stCxn id="44" idx="6"/>
+            <a:endCxn id="91" idx="2"/>
+          </p:cNvCxnSpPr>
+          <p:nvPr/>
+        </p:nvCxnSpPr>
+        <p:spPr>
+          <a:xfrm flipV="1">
+            <a:off x="6248395" y="2492900"/>
+            <a:ext cx="548493" cy="4768"/>
+          </a:xfrm>
+          <a:prstGeom prst="line">
+            <a:avLst/>
+          </a:prstGeom>
+        </p:spPr>
+        <p:style>
+          <a:lnRef idx="1">
+            <a:schemeClr val="accent1"/>
+          </a:lnRef>
+          <a:fillRef idx="0">
+            <a:schemeClr val="accent1"/>
+          </a:fillRef>
+          <a:effectRef idx="0">
+            <a:schemeClr val="accent1"/>
+          </a:effectRef>
+          <a:fontRef idx="minor">
+            <a:schemeClr val="tx1"/>
+          </a:fontRef>
+        </p:style>
+      </p:cxnSp>
+      <p:cxnSp>
+        <p:nvCxnSpPr>
+          <p:cNvPr id="97" name="Straight Connector 96"/>
+          <p:cNvCxnSpPr>
+            <a:stCxn id="44" idx="6"/>
+            <a:endCxn id="90" idx="2"/>
+          </p:cNvCxnSpPr>
+          <p:nvPr/>
+        </p:nvCxnSpPr>
+        <p:spPr>
+          <a:xfrm>
+            <a:off x="6248395" y="2497668"/>
+            <a:ext cx="548493" cy="650078"/>
+          </a:xfrm>
+          <a:prstGeom prst="line">
+            <a:avLst/>
+          </a:prstGeom>
+        </p:spPr>
+        <p:style>
+          <a:lnRef idx="1">
+            <a:schemeClr val="accent1"/>
+          </a:lnRef>
+          <a:fillRef idx="0">
+            <a:schemeClr val="accent1"/>
+          </a:fillRef>
+          <a:effectRef idx="0">
+            <a:schemeClr val="accent1"/>
+          </a:effectRef>
+          <a:fontRef idx="minor">
+            <a:schemeClr val="tx1"/>
+          </a:fontRef>
+        </p:style>
+      </p:cxnSp>
+      <p:cxnSp>
+        <p:nvCxnSpPr>
+          <p:cNvPr id="102" name="Straight Connector 101"/>
+          <p:cNvCxnSpPr>
+            <a:stCxn id="44" idx="6"/>
+            <a:endCxn id="94" idx="2"/>
+          </p:cNvCxnSpPr>
+          <p:nvPr/>
+        </p:nvCxnSpPr>
+        <p:spPr>
+          <a:xfrm>
+            <a:off x="6248395" y="2497668"/>
+            <a:ext cx="565425" cy="1427942"/>
+          </a:xfrm>
+          <a:prstGeom prst="line">
+            <a:avLst/>
+          </a:prstGeom>
+        </p:spPr>
+        <p:style>
+          <a:lnRef idx="1">
+            <a:schemeClr val="accent1"/>
+          </a:lnRef>
+          <a:fillRef idx="0">
+            <a:schemeClr val="accent1"/>
+          </a:fillRef>
+          <a:effectRef idx="0">
+            <a:schemeClr val="accent1"/>
+          </a:effectRef>
+          <a:fontRef idx="minor">
+            <a:schemeClr val="tx1"/>
+          </a:fontRef>
+        </p:style>
+      </p:cxnSp>
+      <p:cxnSp>
+        <p:nvCxnSpPr>
+          <p:cNvPr id="103" name="Straight Connector 102"/>
+          <p:cNvCxnSpPr>
+            <a:stCxn id="43" idx="6"/>
+            <a:endCxn id="91" idx="2"/>
+          </p:cNvCxnSpPr>
+          <p:nvPr/>
+        </p:nvCxnSpPr>
+        <p:spPr>
+          <a:xfrm flipV="1">
+            <a:off x="6248395" y="2492900"/>
+            <a:ext cx="548493" cy="659614"/>
+          </a:xfrm>
+          <a:prstGeom prst="line">
+            <a:avLst/>
+          </a:prstGeom>
+        </p:spPr>
+        <p:style>
+          <a:lnRef idx="1">
+            <a:schemeClr val="accent1"/>
+          </a:lnRef>
+          <a:fillRef idx="0">
+            <a:schemeClr val="accent1"/>
+          </a:fillRef>
+          <a:effectRef idx="0">
+            <a:schemeClr val="accent1"/>
+          </a:effectRef>
+          <a:fontRef idx="minor">
+            <a:schemeClr val="tx1"/>
+          </a:fontRef>
+        </p:style>
+      </p:cxnSp>
+      <p:cxnSp>
+        <p:nvCxnSpPr>
+          <p:cNvPr id="104" name="Straight Connector 103"/>
+          <p:cNvCxnSpPr>
+            <a:stCxn id="43" idx="6"/>
+            <a:endCxn id="90" idx="2"/>
+          </p:cNvCxnSpPr>
+          <p:nvPr/>
+        </p:nvCxnSpPr>
+        <p:spPr>
+          <a:xfrm flipV="1">
+            <a:off x="6248395" y="3147746"/>
+            <a:ext cx="548493" cy="4768"/>
+          </a:xfrm>
+          <a:prstGeom prst="line">
+            <a:avLst/>
+          </a:prstGeom>
+        </p:spPr>
+        <p:style>
+          <a:lnRef idx="1">
+            <a:schemeClr val="accent1"/>
+          </a:lnRef>
+          <a:fillRef idx="0">
+            <a:schemeClr val="accent1"/>
+          </a:fillRef>
+          <a:effectRef idx="0">
+            <a:schemeClr val="accent1"/>
+          </a:effectRef>
+          <a:fontRef idx="minor">
+            <a:schemeClr val="tx1"/>
+          </a:fontRef>
+        </p:style>
+      </p:cxnSp>
+      <p:cxnSp>
+        <p:nvCxnSpPr>
+          <p:cNvPr id="105" name="Straight Connector 104"/>
+          <p:cNvCxnSpPr>
+            <a:stCxn id="43" idx="6"/>
+            <a:endCxn id="94" idx="2"/>
+          </p:cNvCxnSpPr>
+          <p:nvPr/>
+        </p:nvCxnSpPr>
+        <p:spPr>
+          <a:xfrm>
+            <a:off x="6248395" y="3152514"/>
+            <a:ext cx="565425" cy="773096"/>
+          </a:xfrm>
+          <a:prstGeom prst="line">
+            <a:avLst/>
+          </a:prstGeom>
+        </p:spPr>
+        <p:style>
+          <a:lnRef idx="1">
+            <a:schemeClr val="accent1"/>
+          </a:lnRef>
+          <a:fillRef idx="0">
+            <a:schemeClr val="accent1"/>
+          </a:fillRef>
+          <a:effectRef idx="0">
+            <a:schemeClr val="accent1"/>
+          </a:effectRef>
+          <a:fontRef idx="minor">
+            <a:schemeClr val="tx1"/>
+          </a:fontRef>
+        </p:style>
+      </p:cxnSp>
+      <p:cxnSp>
+        <p:nvCxnSpPr>
+          <p:cNvPr id="106" name="Straight Connector 105"/>
+          <p:cNvCxnSpPr>
+            <a:stCxn id="47" idx="6"/>
+            <a:endCxn id="91" idx="2"/>
+          </p:cNvCxnSpPr>
+          <p:nvPr/>
+        </p:nvCxnSpPr>
+        <p:spPr>
+          <a:xfrm flipV="1">
+            <a:off x="6265327" y="2492900"/>
+            <a:ext cx="531561" cy="1437478"/>
+          </a:xfrm>
+          <a:prstGeom prst="line">
+            <a:avLst/>
+          </a:prstGeom>
+        </p:spPr>
+        <p:style>
+          <a:lnRef idx="1">
+            <a:schemeClr val="accent1"/>
+          </a:lnRef>
+          <a:fillRef idx="0">
+            <a:schemeClr val="accent1"/>
+          </a:fillRef>
+          <a:effectRef idx="0">
+            <a:schemeClr val="accent1"/>
+          </a:effectRef>
+          <a:fontRef idx="minor">
+            <a:schemeClr val="tx1"/>
+          </a:fontRef>
+        </p:style>
+      </p:cxnSp>
+      <p:cxnSp>
+        <p:nvCxnSpPr>
+          <p:cNvPr id="107" name="Straight Connector 106"/>
+          <p:cNvCxnSpPr>
+            <a:stCxn id="47" idx="6"/>
+            <a:endCxn id="94" idx="2"/>
+          </p:cNvCxnSpPr>
+          <p:nvPr/>
+        </p:nvCxnSpPr>
+        <p:spPr>
+          <a:xfrm flipV="1">
+            <a:off x="6265327" y="3925610"/>
+            <a:ext cx="548493" cy="4768"/>
+          </a:xfrm>
+          <a:prstGeom prst="line">
+            <a:avLst/>
+          </a:prstGeom>
+        </p:spPr>
+        <p:style>
+          <a:lnRef idx="1">
+            <a:schemeClr val="accent1"/>
+          </a:lnRef>
+          <a:fillRef idx="0">
+            <a:schemeClr val="accent1"/>
+          </a:fillRef>
+          <a:effectRef idx="0">
+            <a:schemeClr val="accent1"/>
+          </a:effectRef>
+          <a:fontRef idx="minor">
+            <a:schemeClr val="tx1"/>
+          </a:fontRef>
+        </p:style>
+      </p:cxnSp>
+      <p:cxnSp>
+        <p:nvCxnSpPr>
+          <p:cNvPr id="108" name="Straight Connector 107"/>
+          <p:cNvCxnSpPr>
+            <a:stCxn id="47" idx="6"/>
+            <a:endCxn id="90" idx="2"/>
+          </p:cNvCxnSpPr>
+          <p:nvPr/>
+        </p:nvCxnSpPr>
+        <p:spPr>
+          <a:xfrm flipV="1">
+            <a:off x="6265327" y="3147746"/>
+            <a:ext cx="531561" cy="782632"/>
+          </a:xfrm>
+          <a:prstGeom prst="line">
+            <a:avLst/>
+          </a:prstGeom>
+        </p:spPr>
+        <p:style>
+          <a:lnRef idx="1">
+            <a:schemeClr val="accent1"/>
+          </a:lnRef>
+          <a:fillRef idx="0">
+            <a:schemeClr val="accent1"/>
+          </a:fillRef>
+          <a:effectRef idx="0">
+            <a:schemeClr val="accent1"/>
+          </a:effectRef>
+          <a:fontRef idx="minor">
+            <a:schemeClr val="tx1"/>
+          </a:fontRef>
+        </p:style>
+      </p:cxnSp>
+      <p:cxnSp>
+        <p:nvCxnSpPr>
+          <p:cNvPr id="109" name="Straight Connector 108"/>
+          <p:cNvCxnSpPr>
+            <a:stCxn id="46" idx="6"/>
+            <a:endCxn id="91" idx="2"/>
+          </p:cNvCxnSpPr>
+          <p:nvPr/>
+        </p:nvCxnSpPr>
+        <p:spPr>
+          <a:xfrm>
+            <a:off x="6265327" y="1905001"/>
+            <a:ext cx="531561" cy="587899"/>
+          </a:xfrm>
+          <a:prstGeom prst="line">
+            <a:avLst/>
+          </a:prstGeom>
+        </p:spPr>
+        <p:style>
+          <a:lnRef idx="1">
+            <a:schemeClr val="accent1"/>
+          </a:lnRef>
+          <a:fillRef idx="0">
+            <a:schemeClr val="accent1"/>
+          </a:fillRef>
+          <a:effectRef idx="0">
+            <a:schemeClr val="accent1"/>
+          </a:effectRef>
+          <a:fontRef idx="minor">
+            <a:schemeClr val="tx1"/>
+          </a:fontRef>
+        </p:style>
+      </p:cxnSp>
+      <p:cxnSp>
+        <p:nvCxnSpPr>
+          <p:cNvPr id="110" name="Straight Connector 109"/>
+          <p:cNvCxnSpPr>
+            <a:stCxn id="46" idx="6"/>
+            <a:endCxn id="90" idx="2"/>
+          </p:cNvCxnSpPr>
+          <p:nvPr/>
+        </p:nvCxnSpPr>
+        <p:spPr>
+          <a:xfrm>
+            <a:off x="6265327" y="1905001"/>
+            <a:ext cx="531561" cy="1242745"/>
+          </a:xfrm>
+          <a:prstGeom prst="line">
+            <a:avLst/>
+          </a:prstGeom>
+        </p:spPr>
+        <p:style>
+          <a:lnRef idx="1">
+            <a:schemeClr val="accent1"/>
+          </a:lnRef>
+          <a:fillRef idx="0">
+            <a:schemeClr val="accent1"/>
+          </a:fillRef>
+          <a:effectRef idx="0">
+            <a:schemeClr val="accent1"/>
+          </a:effectRef>
+          <a:fontRef idx="minor">
+            <a:schemeClr val="tx1"/>
+          </a:fontRef>
+        </p:style>
+      </p:cxnSp>
+      <p:cxnSp>
+        <p:nvCxnSpPr>
+          <p:cNvPr id="111" name="Straight Connector 110"/>
+          <p:cNvCxnSpPr>
+            <a:stCxn id="46" idx="6"/>
+            <a:endCxn id="94" idx="2"/>
+          </p:cNvCxnSpPr>
+          <p:nvPr/>
+        </p:nvCxnSpPr>
+        <p:spPr>
+          <a:xfrm>
+            <a:off x="6265327" y="1905001"/>
+            <a:ext cx="548493" cy="2020609"/>
+          </a:xfrm>
+          <a:prstGeom prst="line">
+            <a:avLst/>
+          </a:prstGeom>
+        </p:spPr>
+        <p:style>
+          <a:lnRef idx="1">
+            <a:schemeClr val="accent1"/>
+          </a:lnRef>
+          <a:fillRef idx="0">
+            <a:schemeClr val="accent1"/>
+          </a:fillRef>
+          <a:effectRef idx="0">
+            <a:schemeClr val="accent1"/>
+          </a:effectRef>
+          <a:fontRef idx="minor">
+            <a:schemeClr val="tx1"/>
+          </a:fontRef>
+        </p:style>
+      </p:cxnSp>
+      <p:cxnSp>
+        <p:nvCxnSpPr>
+          <p:cNvPr id="112" name="Straight Connector 111"/>
+          <p:cNvCxnSpPr>
+            <a:stCxn id="91" idx="6"/>
+            <a:endCxn id="65" idx="2"/>
+          </p:cNvCxnSpPr>
+          <p:nvPr/>
+        </p:nvCxnSpPr>
+        <p:spPr>
+          <a:xfrm flipV="1">
+            <a:off x="7229478" y="2469095"/>
+            <a:ext cx="584457" cy="23805"/>
+          </a:xfrm>
+          <a:prstGeom prst="line">
+            <a:avLst/>
+          </a:prstGeom>
+        </p:spPr>
+        <p:style>
+          <a:lnRef idx="1">
+            <a:schemeClr val="accent1"/>
+          </a:lnRef>
+          <a:fillRef idx="0">
+            <a:schemeClr val="accent1"/>
+          </a:fillRef>
+          <a:effectRef idx="0">
+            <a:schemeClr val="accent1"/>
+          </a:effectRef>
+          <a:fontRef idx="minor">
+            <a:schemeClr val="tx1"/>
+          </a:fontRef>
+        </p:style>
+      </p:cxnSp>
+      <p:cxnSp>
+        <p:nvCxnSpPr>
+          <p:cNvPr id="113" name="Straight Connector 112"/>
+          <p:cNvCxnSpPr>
+            <a:stCxn id="91" idx="6"/>
+            <a:endCxn id="64" idx="2"/>
+          </p:cNvCxnSpPr>
+          <p:nvPr/>
+        </p:nvCxnSpPr>
+        <p:spPr>
+          <a:xfrm>
+            <a:off x="7229478" y="2492900"/>
+            <a:ext cx="584457" cy="631041"/>
+          </a:xfrm>
+          <a:prstGeom prst="line">
+            <a:avLst/>
+          </a:prstGeom>
+        </p:spPr>
+        <p:style>
+          <a:lnRef idx="1">
+            <a:schemeClr val="accent1"/>
+          </a:lnRef>
+          <a:fillRef idx="0">
+            <a:schemeClr val="accent1"/>
+          </a:fillRef>
+          <a:effectRef idx="0">
+            <a:schemeClr val="accent1"/>
+          </a:effectRef>
+          <a:fontRef idx="minor">
+            <a:schemeClr val="tx1"/>
+          </a:fontRef>
+        </p:style>
+      </p:cxnSp>
+      <p:cxnSp>
+        <p:nvCxnSpPr>
+          <p:cNvPr id="114" name="Straight Connector 113"/>
+          <p:cNvCxnSpPr>
+            <a:stCxn id="91" idx="6"/>
+            <a:endCxn id="68" idx="2"/>
+          </p:cNvCxnSpPr>
+          <p:nvPr/>
+        </p:nvCxnSpPr>
+        <p:spPr>
+          <a:xfrm>
+            <a:off x="7229478" y="2492900"/>
+            <a:ext cx="601389" cy="1408905"/>
+          </a:xfrm>
+          <a:prstGeom prst="line">
+            <a:avLst/>
+          </a:prstGeom>
+        </p:spPr>
+        <p:style>
+          <a:lnRef idx="1">
+            <a:schemeClr val="accent1"/>
+          </a:lnRef>
+          <a:fillRef idx="0">
+            <a:schemeClr val="accent1"/>
+          </a:fillRef>
+          <a:effectRef idx="0">
+            <a:schemeClr val="accent1"/>
+          </a:effectRef>
+          <a:fontRef idx="minor">
+            <a:schemeClr val="tx1"/>
+          </a:fontRef>
+        </p:style>
+      </p:cxnSp>
+      <p:cxnSp>
+        <p:nvCxnSpPr>
+          <p:cNvPr id="115" name="Straight Connector 114"/>
+          <p:cNvCxnSpPr>
+            <a:stCxn id="90" idx="6"/>
+            <a:endCxn id="65" idx="2"/>
+          </p:cNvCxnSpPr>
+          <p:nvPr/>
+        </p:nvCxnSpPr>
+        <p:spPr>
+          <a:xfrm flipV="1">
+            <a:off x="7229478" y="2469095"/>
+            <a:ext cx="584457" cy="678651"/>
+          </a:xfrm>
+          <a:prstGeom prst="line">
+            <a:avLst/>
+          </a:prstGeom>
+        </p:spPr>
+        <p:style>
+          <a:lnRef idx="1">
+            <a:schemeClr val="accent1"/>
+          </a:lnRef>
+          <a:fillRef idx="0">
+            <a:schemeClr val="accent1"/>
+          </a:fillRef>
+          <a:effectRef idx="0">
+            <a:schemeClr val="accent1"/>
+          </a:effectRef>
+          <a:fontRef idx="minor">
+            <a:schemeClr val="tx1"/>
+          </a:fontRef>
+        </p:style>
+      </p:cxnSp>
+      <p:cxnSp>
+        <p:nvCxnSpPr>
+          <p:cNvPr id="116" name="Straight Connector 115"/>
+          <p:cNvCxnSpPr>
+            <a:stCxn id="90" idx="6"/>
+            <a:endCxn id="64" idx="2"/>
+          </p:cNvCxnSpPr>
+          <p:nvPr/>
+        </p:nvCxnSpPr>
+        <p:spPr>
+          <a:xfrm flipV="1">
+            <a:off x="7229478" y="3123941"/>
+            <a:ext cx="584457" cy="23805"/>
+          </a:xfrm>
+          <a:prstGeom prst="line">
+            <a:avLst/>
+          </a:prstGeom>
+        </p:spPr>
+        <p:style>
+          <a:lnRef idx="1">
+            <a:schemeClr val="accent1"/>
+          </a:lnRef>
+          <a:fillRef idx="0">
+            <a:schemeClr val="accent1"/>
+          </a:fillRef>
+          <a:effectRef idx="0">
+            <a:schemeClr val="accent1"/>
+          </a:effectRef>
+          <a:fontRef idx="minor">
+            <a:schemeClr val="tx1"/>
+          </a:fontRef>
+        </p:style>
+      </p:cxnSp>
+      <p:cxnSp>
+        <p:nvCxnSpPr>
+          <p:cNvPr id="117" name="Straight Connector 116"/>
+          <p:cNvCxnSpPr>
+            <a:stCxn id="90" idx="6"/>
+            <a:endCxn id="68" idx="2"/>
+          </p:cNvCxnSpPr>
+          <p:nvPr/>
+        </p:nvCxnSpPr>
+        <p:spPr>
+          <a:xfrm>
+            <a:off x="7229478" y="3147746"/>
+            <a:ext cx="601389" cy="754059"/>
+          </a:xfrm>
+          <a:prstGeom prst="line">
+            <a:avLst/>
+          </a:prstGeom>
+        </p:spPr>
+        <p:style>
+          <a:lnRef idx="1">
+            <a:schemeClr val="accent1"/>
+          </a:lnRef>
+          <a:fillRef idx="0">
+            <a:schemeClr val="accent1"/>
+          </a:fillRef>
+          <a:effectRef idx="0">
+            <a:schemeClr val="accent1"/>
+          </a:effectRef>
+          <a:fontRef idx="minor">
+            <a:schemeClr val="tx1"/>
+          </a:fontRef>
+        </p:style>
+      </p:cxnSp>
+      <p:cxnSp>
+        <p:nvCxnSpPr>
+          <p:cNvPr id="118" name="Straight Connector 117"/>
+          <p:cNvCxnSpPr>
+            <a:stCxn id="94" idx="6"/>
+            <a:endCxn id="65" idx="2"/>
+          </p:cNvCxnSpPr>
+          <p:nvPr/>
+        </p:nvCxnSpPr>
+        <p:spPr>
+          <a:xfrm flipV="1">
+            <a:off x="7246410" y="2469095"/>
+            <a:ext cx="567525" cy="1456515"/>
+          </a:xfrm>
+          <a:prstGeom prst="line">
+            <a:avLst/>
+          </a:prstGeom>
+        </p:spPr>
+        <p:style>
+          <a:lnRef idx="1">
+            <a:schemeClr val="accent1"/>
+          </a:lnRef>
+          <a:fillRef idx="0">
+            <a:schemeClr val="accent1"/>
+          </a:fillRef>
+          <a:effectRef idx="0">
+            <a:schemeClr val="accent1"/>
+          </a:effectRef>
+          <a:fontRef idx="minor">
+            <a:schemeClr val="tx1"/>
+          </a:fontRef>
+        </p:style>
+      </p:cxnSp>
+      <p:cxnSp>
+        <p:nvCxnSpPr>
+          <p:cNvPr id="119" name="Straight Connector 118"/>
+          <p:cNvCxnSpPr>
+            <a:stCxn id="94" idx="6"/>
+            <a:endCxn id="68" idx="2"/>
+          </p:cNvCxnSpPr>
+          <p:nvPr/>
+        </p:nvCxnSpPr>
+        <p:spPr>
+          <a:xfrm flipV="1">
+            <a:off x="7246410" y="3901805"/>
+            <a:ext cx="584457" cy="23805"/>
+          </a:xfrm>
+          <a:prstGeom prst="line">
+            <a:avLst/>
+          </a:prstGeom>
+        </p:spPr>
+        <p:style>
+          <a:lnRef idx="1">
+            <a:schemeClr val="accent1"/>
+          </a:lnRef>
+          <a:fillRef idx="0">
+            <a:schemeClr val="accent1"/>
+          </a:fillRef>
+          <a:effectRef idx="0">
+            <a:schemeClr val="accent1"/>
+          </a:effectRef>
+          <a:fontRef idx="minor">
+            <a:schemeClr val="tx1"/>
+          </a:fontRef>
+        </p:style>
+      </p:cxnSp>
+      <p:cxnSp>
+        <p:nvCxnSpPr>
+          <p:cNvPr id="120" name="Straight Connector 119"/>
+          <p:cNvCxnSpPr>
+            <a:stCxn id="94" idx="6"/>
+            <a:endCxn id="64" idx="2"/>
+          </p:cNvCxnSpPr>
+          <p:nvPr/>
+        </p:nvCxnSpPr>
+        <p:spPr>
+          <a:xfrm flipV="1">
+            <a:off x="7246410" y="3123941"/>
+            <a:ext cx="567525" cy="801669"/>
+          </a:xfrm>
+          <a:prstGeom prst="line">
+            <a:avLst/>
+          </a:prstGeom>
+        </p:spPr>
+        <p:style>
+          <a:lnRef idx="1">
+            <a:schemeClr val="accent1"/>
+          </a:lnRef>
+          <a:fillRef idx="0">
+            <a:schemeClr val="accent1"/>
+          </a:fillRef>
+          <a:effectRef idx="0">
+            <a:schemeClr val="accent1"/>
+          </a:effectRef>
+          <a:fontRef idx="minor">
+            <a:schemeClr val="tx1"/>
+          </a:fontRef>
+        </p:style>
+      </p:cxnSp>
+      <p:cxnSp>
+        <p:nvCxnSpPr>
+          <p:cNvPr id="130" name="Straight Connector 129"/>
+          <p:cNvCxnSpPr>
+            <a:stCxn id="92" idx="6"/>
+            <a:endCxn id="65" idx="2"/>
+          </p:cNvCxnSpPr>
+          <p:nvPr/>
+        </p:nvCxnSpPr>
+        <p:spPr>
+          <a:xfrm>
+            <a:off x="7246410" y="1900233"/>
+            <a:ext cx="567525" cy="568862"/>
+          </a:xfrm>
+          <a:prstGeom prst="line">
+            <a:avLst/>
+          </a:prstGeom>
+        </p:spPr>
+        <p:style>
+          <a:lnRef idx="1">
+            <a:schemeClr val="accent1"/>
+          </a:lnRef>
+          <a:fillRef idx="0">
+            <a:schemeClr val="accent1"/>
+          </a:fillRef>
+          <a:effectRef idx="0">
+            <a:schemeClr val="accent1"/>
+          </a:effectRef>
+          <a:fontRef idx="minor">
+            <a:schemeClr val="tx1"/>
+          </a:fontRef>
+        </p:style>
+      </p:cxnSp>
+      <p:cxnSp>
+        <p:nvCxnSpPr>
+          <p:cNvPr id="131" name="Straight Connector 130"/>
+          <p:cNvCxnSpPr>
+            <a:stCxn id="92" idx="6"/>
+            <a:endCxn id="64" idx="2"/>
+          </p:cNvCxnSpPr>
+          <p:nvPr/>
+        </p:nvCxnSpPr>
+        <p:spPr>
+          <a:xfrm>
+            <a:off x="7246410" y="1900233"/>
+            <a:ext cx="567525" cy="1223708"/>
+          </a:xfrm>
+          <a:prstGeom prst="line">
+            <a:avLst/>
+          </a:prstGeom>
+        </p:spPr>
+        <p:style>
+          <a:lnRef idx="1">
+            <a:schemeClr val="accent1"/>
+          </a:lnRef>
+          <a:fillRef idx="0">
+            <a:schemeClr val="accent1"/>
+          </a:fillRef>
+          <a:effectRef idx="0">
+            <a:schemeClr val="accent1"/>
+          </a:effectRef>
+          <a:fontRef idx="minor">
+            <a:schemeClr val="tx1"/>
+          </a:fontRef>
+        </p:style>
+      </p:cxnSp>
+      <p:cxnSp>
+        <p:nvCxnSpPr>
+          <p:cNvPr id="132" name="Straight Connector 131"/>
+          <p:cNvCxnSpPr>
+            <a:stCxn id="92" idx="6"/>
+            <a:endCxn id="68" idx="2"/>
+          </p:cNvCxnSpPr>
+          <p:nvPr/>
+        </p:nvCxnSpPr>
+        <p:spPr>
+          <a:xfrm>
+            <a:off x="7246410" y="1900233"/>
+            <a:ext cx="584457" cy="2001572"/>
+          </a:xfrm>
+          <a:prstGeom prst="line">
+            <a:avLst/>
+          </a:prstGeom>
+        </p:spPr>
+        <p:style>
+          <a:lnRef idx="1">
+            <a:schemeClr val="accent1"/>
+          </a:lnRef>
+          <a:fillRef idx="0">
+            <a:schemeClr val="accent1"/>
+          </a:fillRef>
+          <a:effectRef idx="0">
+            <a:schemeClr val="accent1"/>
+          </a:effectRef>
+          <a:fontRef idx="minor">
+            <a:schemeClr val="tx1"/>
+          </a:fontRef>
+        </p:style>
+      </p:cxnSp>
+    </p:spTree>
+    <p:extLst>
+      <p:ext uri="{BB962C8B-B14F-4D97-AF65-F5344CB8AC3E}">
+        <p14:creationId xmlns:p14="http://schemas.microsoft.com/office/powerpoint/2010/main" val="711934951"/>
+      </p:ext>
+    </p:extLst>
+  </p:cSld>
+  <p:clrMapOvr>
+    <a:masterClrMapping/>
+  </p:clrMapOvr>
+  <p:timing>
+    <p:tnLst>
+      <p:par>
+        <p:cTn id="1" dur="indefinite" restart="never" nodeType="tmRoot"/>
+      </p:par>
+    </p:tnLst>
+  </p:timing>
 </p:sld>
 </file>
 

--- a/result/Presentation1.pptx
+++ b/result/Presentation1.pptx
@@ -8,6 +8,8 @@
     <p:sldId id="256" r:id="rId2"/>
     <p:sldId id="257" r:id="rId3"/>
     <p:sldId id="258" r:id="rId4"/>
+    <p:sldId id="260" r:id="rId5"/>
+    <p:sldId id="259" r:id="rId6"/>
   </p:sldIdLst>
   <p:sldSz cx="12192000" cy="6858000"/>
   <p:notesSz cx="6858000" cy="9144000"/>
@@ -106,6 +108,11 @@
       </a:defRPr>
     </a:lvl9pPr>
   </p:defaultTextStyle>
+  <p:extLst>
+    <p:ext uri="{EFAFB233-063F-42B5-8137-9DF3F51BA10A}">
+      <p15:sldGuideLst xmlns:p15="http://schemas.microsoft.com/office/powerpoint/2012/main"/>
+    </p:ext>
+  </p:extLst>
 </p:presentation>
 </file>
 
@@ -240,7 +247,7 @@
           <a:p>
             <a:fld id="{32BDB2A1-A4C8-CA4C-9F8F-D3A387D0C826}" type="datetimeFigureOut">
               <a:rPr lang="en-US" smtClean="0"/>
-              <a:t>9/7/17</a:t>
+              <a:t>9/10/17</a:t>
             </a:fld>
             <a:endParaRPr lang="en-US"/>
           </a:p>
@@ -410,7 +417,7 @@
           <a:p>
             <a:fld id="{32BDB2A1-A4C8-CA4C-9F8F-D3A387D0C826}" type="datetimeFigureOut">
               <a:rPr lang="en-US" smtClean="0"/>
-              <a:t>9/7/17</a:t>
+              <a:t>9/10/17</a:t>
             </a:fld>
             <a:endParaRPr lang="en-US"/>
           </a:p>
@@ -590,7 +597,7 @@
           <a:p>
             <a:fld id="{32BDB2A1-A4C8-CA4C-9F8F-D3A387D0C826}" type="datetimeFigureOut">
               <a:rPr lang="en-US" smtClean="0"/>
-              <a:t>9/7/17</a:t>
+              <a:t>9/10/17</a:t>
             </a:fld>
             <a:endParaRPr lang="en-US"/>
           </a:p>
@@ -760,7 +767,7 @@
           <a:p>
             <a:fld id="{32BDB2A1-A4C8-CA4C-9F8F-D3A387D0C826}" type="datetimeFigureOut">
               <a:rPr lang="en-US" smtClean="0"/>
-              <a:t>9/7/17</a:t>
+              <a:t>9/10/17</a:t>
             </a:fld>
             <a:endParaRPr lang="en-US"/>
           </a:p>
@@ -1006,7 +1013,7 @@
           <a:p>
             <a:fld id="{32BDB2A1-A4C8-CA4C-9F8F-D3A387D0C826}" type="datetimeFigureOut">
               <a:rPr lang="en-US" smtClean="0"/>
-              <a:t>9/7/17</a:t>
+              <a:t>9/10/17</a:t>
             </a:fld>
             <a:endParaRPr lang="en-US"/>
           </a:p>
@@ -1238,7 +1245,7 @@
           <a:p>
             <a:fld id="{32BDB2A1-A4C8-CA4C-9F8F-D3A387D0C826}" type="datetimeFigureOut">
               <a:rPr lang="en-US" smtClean="0"/>
-              <a:t>9/7/17</a:t>
+              <a:t>9/10/17</a:t>
             </a:fld>
             <a:endParaRPr lang="en-US"/>
           </a:p>
@@ -1605,7 +1612,7 @@
           <a:p>
             <a:fld id="{32BDB2A1-A4C8-CA4C-9F8F-D3A387D0C826}" type="datetimeFigureOut">
               <a:rPr lang="en-US" smtClean="0"/>
-              <a:t>9/7/17</a:t>
+              <a:t>9/10/17</a:t>
             </a:fld>
             <a:endParaRPr lang="en-US"/>
           </a:p>
@@ -1723,7 +1730,7 @@
           <a:p>
             <a:fld id="{32BDB2A1-A4C8-CA4C-9F8F-D3A387D0C826}" type="datetimeFigureOut">
               <a:rPr lang="en-US" smtClean="0"/>
-              <a:t>9/7/17</a:t>
+              <a:t>9/10/17</a:t>
             </a:fld>
             <a:endParaRPr lang="en-US"/>
           </a:p>
@@ -1818,7 +1825,7 @@
           <a:p>
             <a:fld id="{32BDB2A1-A4C8-CA4C-9F8F-D3A387D0C826}" type="datetimeFigureOut">
               <a:rPr lang="en-US" smtClean="0"/>
-              <a:t>9/7/17</a:t>
+              <a:t>9/10/17</a:t>
             </a:fld>
             <a:endParaRPr lang="en-US"/>
           </a:p>
@@ -2095,7 +2102,7 @@
           <a:p>
             <a:fld id="{32BDB2A1-A4C8-CA4C-9F8F-D3A387D0C826}" type="datetimeFigureOut">
               <a:rPr lang="en-US" smtClean="0"/>
-              <a:t>9/7/17</a:t>
+              <a:t>9/10/17</a:t>
             </a:fld>
             <a:endParaRPr lang="en-US"/>
           </a:p>
@@ -2348,7 +2355,7 @@
           <a:p>
             <a:fld id="{32BDB2A1-A4C8-CA4C-9F8F-D3A387D0C826}" type="datetimeFigureOut">
               <a:rPr lang="en-US" smtClean="0"/>
-              <a:t>9/7/17</a:t>
+              <a:t>9/10/17</a:t>
             </a:fld>
             <a:endParaRPr lang="en-US"/>
           </a:p>
@@ -2561,7 +2568,7 @@
           <a:p>
             <a:fld id="{32BDB2A1-A4C8-CA4C-9F8F-D3A387D0C826}" type="datetimeFigureOut">
               <a:rPr lang="en-US" smtClean="0"/>
-              <a:t>9/7/17</a:t>
+              <a:t>9/10/17</a:t>
             </a:fld>
             <a:endParaRPr lang="en-US"/>
           </a:p>
@@ -7053,7 +7060,6 @@
               <a:rPr lang="en-US" dirty="0" smtClean="0"/>
               <a:t>Input </a:t>
             </a:r>
-            <a:endParaRPr lang="en-US" dirty="0" smtClean="0"/>
           </a:p>
           <a:p>
             <a:r>
@@ -7366,7 +7372,6 @@
               <a:rPr lang="en-US" dirty="0" smtClean="0"/>
               <a:t>Output </a:t>
             </a:r>
-            <a:endParaRPr lang="en-US" dirty="0" smtClean="0"/>
           </a:p>
           <a:p>
             <a:r>
@@ -9294,6 +9299,6050 @@
     <p:extLst>
       <p:ext uri="{BB962C8B-B14F-4D97-AF65-F5344CB8AC3E}">
         <p14:creationId xmlns:p14="http://schemas.microsoft.com/office/powerpoint/2010/main" val="711934951"/>
+      </p:ext>
+    </p:extLst>
+  </p:cSld>
+  <p:clrMapOvr>
+    <a:masterClrMapping/>
+  </p:clrMapOvr>
+  <p:timing>
+    <p:tnLst>
+      <p:par>
+        <p:cTn id="1" dur="indefinite" restart="never" nodeType="tmRoot"/>
+      </p:par>
+    </p:tnLst>
+  </p:timing>
+</p:sld>
+</file>
+
+<file path=ppt/slides/slide4.xml><?xml version="1.0" encoding="utf-8"?>
+<p:sld xmlns:a="http://schemas.openxmlformats.org/drawingml/2006/main" xmlns:r="http://schemas.openxmlformats.org/officeDocument/2006/relationships" xmlns:p="http://schemas.openxmlformats.org/presentationml/2006/main">
+  <p:cSld>
+    <p:spTree>
+      <p:nvGrpSpPr>
+        <p:cNvPr id="1" name=""/>
+        <p:cNvGrpSpPr/>
+        <p:nvPr/>
+      </p:nvGrpSpPr>
+      <p:grpSpPr>
+        <a:xfrm>
+          <a:off x="0" y="0"/>
+          <a:ext cx="0" cy="0"/>
+          <a:chOff x="0" y="0"/>
+          <a:chExt cx="0" cy="0"/>
+        </a:xfrm>
+      </p:grpSpPr>
+      <p:sp>
+        <p:nvSpPr>
+          <p:cNvPr id="14" name="Oval 13"/>
+          <p:cNvSpPr/>
+          <p:nvPr/>
+        </p:nvSpPr>
+        <p:spPr>
+          <a:xfrm>
+            <a:off x="3241943" y="2974710"/>
+            <a:ext cx="432590" cy="389469"/>
+          </a:xfrm>
+          <a:prstGeom prst="ellipse">
+            <a:avLst/>
+          </a:prstGeom>
+          <a:noFill/>
+        </p:spPr>
+        <p:style>
+          <a:lnRef idx="2">
+            <a:schemeClr val="accent1">
+              <a:shade val="50000"/>
+            </a:schemeClr>
+          </a:lnRef>
+          <a:fillRef idx="1">
+            <a:schemeClr val="accent1"/>
+          </a:fillRef>
+          <a:effectRef idx="0">
+            <a:schemeClr val="accent1"/>
+          </a:effectRef>
+          <a:fontRef idx="minor">
+            <a:schemeClr val="lt1"/>
+          </a:fontRef>
+        </p:style>
+        <p:txBody>
+          <a:bodyPr rtlCol="0" anchor="ctr"/>
+          <a:lstStyle/>
+          <a:p>
+            <a:pPr algn="ctr"/>
+            <a:endParaRPr lang="en-US"/>
+          </a:p>
+        </p:txBody>
+      </p:sp>
+      <p:sp>
+        <p:nvSpPr>
+          <p:cNvPr id="29" name="Oval 28"/>
+          <p:cNvSpPr/>
+          <p:nvPr/>
+        </p:nvSpPr>
+        <p:spPr>
+          <a:xfrm>
+            <a:off x="3241943" y="2319864"/>
+            <a:ext cx="432590" cy="389469"/>
+          </a:xfrm>
+          <a:prstGeom prst="ellipse">
+            <a:avLst/>
+          </a:prstGeom>
+          <a:noFill/>
+        </p:spPr>
+        <p:style>
+          <a:lnRef idx="2">
+            <a:schemeClr val="accent1">
+              <a:shade val="50000"/>
+            </a:schemeClr>
+          </a:lnRef>
+          <a:fillRef idx="1">
+            <a:schemeClr val="accent1"/>
+          </a:fillRef>
+          <a:effectRef idx="0">
+            <a:schemeClr val="accent1"/>
+          </a:effectRef>
+          <a:fontRef idx="minor">
+            <a:schemeClr val="lt1"/>
+          </a:fontRef>
+        </p:style>
+        <p:txBody>
+          <a:bodyPr rtlCol="0" anchor="ctr"/>
+          <a:lstStyle/>
+          <a:p>
+            <a:pPr algn="ctr"/>
+            <a:endParaRPr lang="en-US"/>
+          </a:p>
+        </p:txBody>
+      </p:sp>
+      <p:sp>
+        <p:nvSpPr>
+          <p:cNvPr id="30" name="Oval 29"/>
+          <p:cNvSpPr/>
+          <p:nvPr/>
+        </p:nvSpPr>
+        <p:spPr>
+          <a:xfrm>
+            <a:off x="3241943" y="3718705"/>
+            <a:ext cx="432590" cy="389469"/>
+          </a:xfrm>
+          <a:prstGeom prst="ellipse">
+            <a:avLst/>
+          </a:prstGeom>
+          <a:noFill/>
+        </p:spPr>
+        <p:style>
+          <a:lnRef idx="2">
+            <a:schemeClr val="accent1">
+              <a:shade val="50000"/>
+            </a:schemeClr>
+          </a:lnRef>
+          <a:fillRef idx="1">
+            <a:schemeClr val="accent1"/>
+          </a:fillRef>
+          <a:effectRef idx="0">
+            <a:schemeClr val="accent1"/>
+          </a:effectRef>
+          <a:fontRef idx="minor">
+            <a:schemeClr val="lt1"/>
+          </a:fontRef>
+        </p:style>
+        <p:txBody>
+          <a:bodyPr rtlCol="0" anchor="ctr"/>
+          <a:lstStyle/>
+          <a:p>
+            <a:pPr algn="ctr"/>
+            <a:endParaRPr lang="en-US"/>
+          </a:p>
+        </p:txBody>
+      </p:sp>
+      <p:sp>
+        <p:nvSpPr>
+          <p:cNvPr id="33" name="Oval 32"/>
+          <p:cNvSpPr/>
+          <p:nvPr/>
+        </p:nvSpPr>
+        <p:spPr>
+          <a:xfrm>
+            <a:off x="4596609" y="2974713"/>
+            <a:ext cx="432590" cy="389469"/>
+          </a:xfrm>
+          <a:prstGeom prst="ellipse">
+            <a:avLst/>
+          </a:prstGeom>
+          <a:noFill/>
+        </p:spPr>
+        <p:style>
+          <a:lnRef idx="2">
+            <a:schemeClr val="accent1">
+              <a:shade val="50000"/>
+            </a:schemeClr>
+          </a:lnRef>
+          <a:fillRef idx="1">
+            <a:schemeClr val="accent1"/>
+          </a:fillRef>
+          <a:effectRef idx="0">
+            <a:schemeClr val="accent1"/>
+          </a:effectRef>
+          <a:fontRef idx="minor">
+            <a:schemeClr val="lt1"/>
+          </a:fontRef>
+        </p:style>
+        <p:txBody>
+          <a:bodyPr rtlCol="0" anchor="ctr"/>
+          <a:lstStyle/>
+          <a:p>
+            <a:pPr algn="ctr"/>
+            <a:endParaRPr lang="en-US"/>
+          </a:p>
+        </p:txBody>
+      </p:sp>
+      <p:sp>
+        <p:nvSpPr>
+          <p:cNvPr id="34" name="Oval 33"/>
+          <p:cNvSpPr/>
+          <p:nvPr/>
+        </p:nvSpPr>
+        <p:spPr>
+          <a:xfrm>
+            <a:off x="4596609" y="2319867"/>
+            <a:ext cx="432590" cy="389469"/>
+          </a:xfrm>
+          <a:prstGeom prst="ellipse">
+            <a:avLst/>
+          </a:prstGeom>
+          <a:noFill/>
+        </p:spPr>
+        <p:style>
+          <a:lnRef idx="2">
+            <a:schemeClr val="accent1">
+              <a:shade val="50000"/>
+            </a:schemeClr>
+          </a:lnRef>
+          <a:fillRef idx="1">
+            <a:schemeClr val="accent1"/>
+          </a:fillRef>
+          <a:effectRef idx="0">
+            <a:schemeClr val="accent1"/>
+          </a:effectRef>
+          <a:fontRef idx="minor">
+            <a:schemeClr val="lt1"/>
+          </a:fontRef>
+        </p:style>
+        <p:txBody>
+          <a:bodyPr rtlCol="0" anchor="ctr"/>
+          <a:lstStyle/>
+          <a:p>
+            <a:pPr algn="ctr"/>
+            <a:endParaRPr lang="en-US"/>
+          </a:p>
+        </p:txBody>
+      </p:sp>
+      <p:sp>
+        <p:nvSpPr>
+          <p:cNvPr id="37" name="Oval 36"/>
+          <p:cNvSpPr/>
+          <p:nvPr/>
+        </p:nvSpPr>
+        <p:spPr>
+          <a:xfrm>
+            <a:off x="8961551" y="2536687"/>
+            <a:ext cx="432590" cy="389469"/>
+          </a:xfrm>
+          <a:prstGeom prst="ellipse">
+            <a:avLst/>
+          </a:prstGeom>
+          <a:noFill/>
+        </p:spPr>
+        <p:style>
+          <a:lnRef idx="2">
+            <a:schemeClr val="accent1">
+              <a:shade val="50000"/>
+            </a:schemeClr>
+          </a:lnRef>
+          <a:fillRef idx="1">
+            <a:schemeClr val="accent1"/>
+          </a:fillRef>
+          <a:effectRef idx="0">
+            <a:schemeClr val="accent1"/>
+          </a:effectRef>
+          <a:fontRef idx="minor">
+            <a:schemeClr val="lt1"/>
+          </a:fontRef>
+        </p:style>
+        <p:txBody>
+          <a:bodyPr rtlCol="0" anchor="ctr"/>
+          <a:lstStyle/>
+          <a:p>
+            <a:pPr algn="ctr"/>
+            <a:endParaRPr lang="en-US"/>
+          </a:p>
+        </p:txBody>
+      </p:sp>
+      <p:sp>
+        <p:nvSpPr>
+          <p:cNvPr id="38" name="Oval 37"/>
+          <p:cNvSpPr/>
+          <p:nvPr/>
+        </p:nvSpPr>
+        <p:spPr>
+          <a:xfrm>
+            <a:off x="8928088" y="3316613"/>
+            <a:ext cx="432590" cy="389469"/>
+          </a:xfrm>
+          <a:prstGeom prst="ellipse">
+            <a:avLst/>
+          </a:prstGeom>
+          <a:noFill/>
+        </p:spPr>
+        <p:style>
+          <a:lnRef idx="2">
+            <a:schemeClr val="accent1">
+              <a:shade val="50000"/>
+            </a:schemeClr>
+          </a:lnRef>
+          <a:fillRef idx="1">
+            <a:schemeClr val="accent1"/>
+          </a:fillRef>
+          <a:effectRef idx="0">
+            <a:schemeClr val="accent1"/>
+          </a:effectRef>
+          <a:fontRef idx="minor">
+            <a:schemeClr val="lt1"/>
+          </a:fontRef>
+        </p:style>
+        <p:txBody>
+          <a:bodyPr rtlCol="0" anchor="ctr"/>
+          <a:lstStyle/>
+          <a:p>
+            <a:pPr algn="ctr"/>
+            <a:endParaRPr lang="en-US"/>
+          </a:p>
+        </p:txBody>
+      </p:sp>
+      <p:sp>
+        <p:nvSpPr>
+          <p:cNvPr id="39" name="Oval 38"/>
+          <p:cNvSpPr/>
+          <p:nvPr/>
+        </p:nvSpPr>
+        <p:spPr>
+          <a:xfrm>
+            <a:off x="4613541" y="1727200"/>
+            <a:ext cx="432590" cy="389469"/>
+          </a:xfrm>
+          <a:prstGeom prst="ellipse">
+            <a:avLst/>
+          </a:prstGeom>
+          <a:noFill/>
+        </p:spPr>
+        <p:style>
+          <a:lnRef idx="2">
+            <a:schemeClr val="accent1">
+              <a:shade val="50000"/>
+            </a:schemeClr>
+          </a:lnRef>
+          <a:fillRef idx="1">
+            <a:schemeClr val="accent1"/>
+          </a:fillRef>
+          <a:effectRef idx="0">
+            <a:schemeClr val="accent1"/>
+          </a:effectRef>
+          <a:fontRef idx="minor">
+            <a:schemeClr val="lt1"/>
+          </a:fontRef>
+        </p:style>
+        <p:txBody>
+          <a:bodyPr rtlCol="0" anchor="ctr"/>
+          <a:lstStyle/>
+          <a:p>
+            <a:pPr algn="ctr"/>
+            <a:endParaRPr lang="en-US"/>
+          </a:p>
+        </p:txBody>
+      </p:sp>
+      <p:sp>
+        <p:nvSpPr>
+          <p:cNvPr id="40" name="Oval 39"/>
+          <p:cNvSpPr/>
+          <p:nvPr/>
+        </p:nvSpPr>
+        <p:spPr>
+          <a:xfrm>
+            <a:off x="4613541" y="3752577"/>
+            <a:ext cx="432590" cy="389469"/>
+          </a:xfrm>
+          <a:prstGeom prst="ellipse">
+            <a:avLst/>
+          </a:prstGeom>
+          <a:noFill/>
+        </p:spPr>
+        <p:style>
+          <a:lnRef idx="2">
+            <a:schemeClr val="accent1">
+              <a:shade val="50000"/>
+            </a:schemeClr>
+          </a:lnRef>
+          <a:fillRef idx="1">
+            <a:schemeClr val="accent1"/>
+          </a:fillRef>
+          <a:effectRef idx="0">
+            <a:schemeClr val="accent1"/>
+          </a:effectRef>
+          <a:fontRef idx="minor">
+            <a:schemeClr val="lt1"/>
+          </a:fontRef>
+        </p:style>
+        <p:txBody>
+          <a:bodyPr rtlCol="0" anchor="ctr"/>
+          <a:lstStyle/>
+          <a:p>
+            <a:pPr algn="ctr"/>
+            <a:endParaRPr lang="en-US"/>
+          </a:p>
+        </p:txBody>
+      </p:sp>
+      <p:sp>
+        <p:nvSpPr>
+          <p:cNvPr id="43" name="Oval 42"/>
+          <p:cNvSpPr/>
+          <p:nvPr/>
+        </p:nvSpPr>
+        <p:spPr>
+          <a:xfrm>
+            <a:off x="5815805" y="2957779"/>
+            <a:ext cx="432590" cy="389469"/>
+          </a:xfrm>
+          <a:prstGeom prst="ellipse">
+            <a:avLst/>
+          </a:prstGeom>
+          <a:noFill/>
+        </p:spPr>
+        <p:style>
+          <a:lnRef idx="2">
+            <a:schemeClr val="accent1">
+              <a:shade val="50000"/>
+            </a:schemeClr>
+          </a:lnRef>
+          <a:fillRef idx="1">
+            <a:schemeClr val="accent1"/>
+          </a:fillRef>
+          <a:effectRef idx="0">
+            <a:schemeClr val="accent1"/>
+          </a:effectRef>
+          <a:fontRef idx="minor">
+            <a:schemeClr val="lt1"/>
+          </a:fontRef>
+        </p:style>
+        <p:txBody>
+          <a:bodyPr rtlCol="0" anchor="ctr"/>
+          <a:lstStyle/>
+          <a:p>
+            <a:pPr algn="ctr"/>
+            <a:endParaRPr lang="en-US"/>
+          </a:p>
+        </p:txBody>
+      </p:sp>
+      <p:sp>
+        <p:nvSpPr>
+          <p:cNvPr id="44" name="Oval 43"/>
+          <p:cNvSpPr/>
+          <p:nvPr/>
+        </p:nvSpPr>
+        <p:spPr>
+          <a:xfrm>
+            <a:off x="5815805" y="2302933"/>
+            <a:ext cx="432590" cy="389469"/>
+          </a:xfrm>
+          <a:prstGeom prst="ellipse">
+            <a:avLst/>
+          </a:prstGeom>
+          <a:noFill/>
+        </p:spPr>
+        <p:style>
+          <a:lnRef idx="2">
+            <a:schemeClr val="accent1">
+              <a:shade val="50000"/>
+            </a:schemeClr>
+          </a:lnRef>
+          <a:fillRef idx="1">
+            <a:schemeClr val="accent1"/>
+          </a:fillRef>
+          <a:effectRef idx="0">
+            <a:schemeClr val="accent1"/>
+          </a:effectRef>
+          <a:fontRef idx="minor">
+            <a:schemeClr val="lt1"/>
+          </a:fontRef>
+        </p:style>
+        <p:txBody>
+          <a:bodyPr rtlCol="0" anchor="ctr"/>
+          <a:lstStyle/>
+          <a:p>
+            <a:pPr algn="ctr"/>
+            <a:endParaRPr lang="en-US"/>
+          </a:p>
+        </p:txBody>
+      </p:sp>
+      <p:sp>
+        <p:nvSpPr>
+          <p:cNvPr id="46" name="Oval 45"/>
+          <p:cNvSpPr/>
+          <p:nvPr/>
+        </p:nvSpPr>
+        <p:spPr>
+          <a:xfrm>
+            <a:off x="5832737" y="1710266"/>
+            <a:ext cx="432590" cy="389469"/>
+          </a:xfrm>
+          <a:prstGeom prst="ellipse">
+            <a:avLst/>
+          </a:prstGeom>
+          <a:noFill/>
+        </p:spPr>
+        <p:style>
+          <a:lnRef idx="2">
+            <a:schemeClr val="accent1">
+              <a:shade val="50000"/>
+            </a:schemeClr>
+          </a:lnRef>
+          <a:fillRef idx="1">
+            <a:schemeClr val="accent1"/>
+          </a:fillRef>
+          <a:effectRef idx="0">
+            <a:schemeClr val="accent1"/>
+          </a:effectRef>
+          <a:fontRef idx="minor">
+            <a:schemeClr val="lt1"/>
+          </a:fontRef>
+        </p:style>
+        <p:txBody>
+          <a:bodyPr rtlCol="0" anchor="ctr"/>
+          <a:lstStyle/>
+          <a:p>
+            <a:pPr algn="ctr"/>
+            <a:endParaRPr lang="en-US"/>
+          </a:p>
+        </p:txBody>
+      </p:sp>
+      <p:sp>
+        <p:nvSpPr>
+          <p:cNvPr id="47" name="Oval 46"/>
+          <p:cNvSpPr/>
+          <p:nvPr/>
+        </p:nvSpPr>
+        <p:spPr>
+          <a:xfrm>
+            <a:off x="5832737" y="3735643"/>
+            <a:ext cx="432590" cy="389469"/>
+          </a:xfrm>
+          <a:prstGeom prst="ellipse">
+            <a:avLst/>
+          </a:prstGeom>
+          <a:noFill/>
+        </p:spPr>
+        <p:style>
+          <a:lnRef idx="2">
+            <a:schemeClr val="accent1">
+              <a:shade val="50000"/>
+            </a:schemeClr>
+          </a:lnRef>
+          <a:fillRef idx="1">
+            <a:schemeClr val="accent1"/>
+          </a:fillRef>
+          <a:effectRef idx="0">
+            <a:schemeClr val="accent1"/>
+          </a:effectRef>
+          <a:fontRef idx="minor">
+            <a:schemeClr val="lt1"/>
+          </a:fontRef>
+        </p:style>
+        <p:txBody>
+          <a:bodyPr rtlCol="0" anchor="ctr"/>
+          <a:lstStyle/>
+          <a:p>
+            <a:pPr algn="ctr"/>
+            <a:endParaRPr lang="en-US"/>
+          </a:p>
+        </p:txBody>
+      </p:sp>
+      <p:sp>
+        <p:nvSpPr>
+          <p:cNvPr id="50" name="Rectangle 49"/>
+          <p:cNvSpPr/>
+          <p:nvPr/>
+        </p:nvSpPr>
+        <p:spPr>
+          <a:xfrm>
+            <a:off x="2998985" y="1075765"/>
+            <a:ext cx="1302082" cy="3346333"/>
+          </a:xfrm>
+          <a:prstGeom prst="rect">
+            <a:avLst/>
+          </a:prstGeom>
+          <a:noFill/>
+        </p:spPr>
+        <p:style>
+          <a:lnRef idx="2">
+            <a:schemeClr val="accent1">
+              <a:shade val="50000"/>
+            </a:schemeClr>
+          </a:lnRef>
+          <a:fillRef idx="1">
+            <a:schemeClr val="accent1"/>
+          </a:fillRef>
+          <a:effectRef idx="0">
+            <a:schemeClr val="accent1"/>
+          </a:effectRef>
+          <a:fontRef idx="minor">
+            <a:schemeClr val="lt1"/>
+          </a:fontRef>
+        </p:style>
+        <p:txBody>
+          <a:bodyPr rtlCol="0" anchor="ctr"/>
+          <a:lstStyle/>
+          <a:p>
+            <a:pPr algn="ctr"/>
+            <a:endParaRPr lang="en-US"/>
+          </a:p>
+        </p:txBody>
+      </p:sp>
+      <p:sp>
+        <p:nvSpPr>
+          <p:cNvPr id="51" name="TextBox 50"/>
+          <p:cNvSpPr txBox="1"/>
+          <p:nvPr/>
+        </p:nvSpPr>
+        <p:spPr>
+          <a:xfrm>
+            <a:off x="3150719" y="1120312"/>
+            <a:ext cx="737702" cy="646331"/>
+          </a:xfrm>
+          <a:prstGeom prst="rect">
+            <a:avLst/>
+          </a:prstGeom>
+          <a:noFill/>
+        </p:spPr>
+        <p:txBody>
+          <a:bodyPr wrap="none" rtlCol="0">
+            <a:spAutoFit/>
+          </a:bodyPr>
+          <a:lstStyle/>
+          <a:p>
+            <a:r>
+              <a:rPr lang="en-US" dirty="0" smtClean="0"/>
+              <a:t>Input </a:t>
+            </a:r>
+          </a:p>
+          <a:p>
+            <a:r>
+              <a:rPr lang="en-US" dirty="0" smtClean="0"/>
+              <a:t>Layer</a:t>
+            </a:r>
+            <a:endParaRPr lang="en-US" dirty="0"/>
+          </a:p>
+        </p:txBody>
+      </p:sp>
+      <p:sp>
+        <p:nvSpPr>
+          <p:cNvPr id="64" name="Oval 63"/>
+          <p:cNvSpPr/>
+          <p:nvPr/>
+        </p:nvSpPr>
+        <p:spPr>
+          <a:xfrm>
+            <a:off x="7813935" y="2929206"/>
+            <a:ext cx="432590" cy="389469"/>
+          </a:xfrm>
+          <a:prstGeom prst="ellipse">
+            <a:avLst/>
+          </a:prstGeom>
+          <a:noFill/>
+        </p:spPr>
+        <p:style>
+          <a:lnRef idx="2">
+            <a:schemeClr val="accent1">
+              <a:shade val="50000"/>
+            </a:schemeClr>
+          </a:lnRef>
+          <a:fillRef idx="1">
+            <a:schemeClr val="accent1"/>
+          </a:fillRef>
+          <a:effectRef idx="0">
+            <a:schemeClr val="accent1"/>
+          </a:effectRef>
+          <a:fontRef idx="minor">
+            <a:schemeClr val="lt1"/>
+          </a:fontRef>
+        </p:style>
+        <p:txBody>
+          <a:bodyPr rtlCol="0" anchor="ctr"/>
+          <a:lstStyle/>
+          <a:p>
+            <a:pPr algn="ctr"/>
+            <a:endParaRPr lang="en-US"/>
+          </a:p>
+        </p:txBody>
+      </p:sp>
+      <p:sp>
+        <p:nvSpPr>
+          <p:cNvPr id="65" name="Oval 64"/>
+          <p:cNvSpPr/>
+          <p:nvPr/>
+        </p:nvSpPr>
+        <p:spPr>
+          <a:xfrm>
+            <a:off x="7813935" y="2274360"/>
+            <a:ext cx="432590" cy="389469"/>
+          </a:xfrm>
+          <a:prstGeom prst="ellipse">
+            <a:avLst/>
+          </a:prstGeom>
+          <a:noFill/>
+        </p:spPr>
+        <p:style>
+          <a:lnRef idx="2">
+            <a:schemeClr val="accent1">
+              <a:shade val="50000"/>
+            </a:schemeClr>
+          </a:lnRef>
+          <a:fillRef idx="1">
+            <a:schemeClr val="accent1"/>
+          </a:fillRef>
+          <a:effectRef idx="0">
+            <a:schemeClr val="accent1"/>
+          </a:effectRef>
+          <a:fontRef idx="minor">
+            <a:schemeClr val="lt1"/>
+          </a:fontRef>
+        </p:style>
+        <p:txBody>
+          <a:bodyPr rtlCol="0" anchor="ctr"/>
+          <a:lstStyle/>
+          <a:p>
+            <a:pPr algn="ctr"/>
+            <a:endParaRPr lang="en-US"/>
+          </a:p>
+        </p:txBody>
+      </p:sp>
+      <p:sp>
+        <p:nvSpPr>
+          <p:cNvPr id="67" name="Oval 66"/>
+          <p:cNvSpPr/>
+          <p:nvPr/>
+        </p:nvSpPr>
+        <p:spPr>
+          <a:xfrm>
+            <a:off x="7830867" y="1681693"/>
+            <a:ext cx="432590" cy="389469"/>
+          </a:xfrm>
+          <a:prstGeom prst="ellipse">
+            <a:avLst/>
+          </a:prstGeom>
+          <a:noFill/>
+        </p:spPr>
+        <p:style>
+          <a:lnRef idx="2">
+            <a:schemeClr val="accent1">
+              <a:shade val="50000"/>
+            </a:schemeClr>
+          </a:lnRef>
+          <a:fillRef idx="1">
+            <a:schemeClr val="accent1"/>
+          </a:fillRef>
+          <a:effectRef idx="0">
+            <a:schemeClr val="accent1"/>
+          </a:effectRef>
+          <a:fontRef idx="minor">
+            <a:schemeClr val="lt1"/>
+          </a:fontRef>
+        </p:style>
+        <p:txBody>
+          <a:bodyPr rtlCol="0" anchor="ctr"/>
+          <a:lstStyle/>
+          <a:p>
+            <a:pPr algn="ctr"/>
+            <a:endParaRPr lang="en-US"/>
+          </a:p>
+        </p:txBody>
+      </p:sp>
+      <p:sp>
+        <p:nvSpPr>
+          <p:cNvPr id="68" name="Oval 67"/>
+          <p:cNvSpPr/>
+          <p:nvPr/>
+        </p:nvSpPr>
+        <p:spPr>
+          <a:xfrm>
+            <a:off x="7830867" y="3707070"/>
+            <a:ext cx="432590" cy="389469"/>
+          </a:xfrm>
+          <a:prstGeom prst="ellipse">
+            <a:avLst/>
+          </a:prstGeom>
+          <a:noFill/>
+        </p:spPr>
+        <p:style>
+          <a:lnRef idx="2">
+            <a:schemeClr val="accent1">
+              <a:shade val="50000"/>
+            </a:schemeClr>
+          </a:lnRef>
+          <a:fillRef idx="1">
+            <a:schemeClr val="accent1"/>
+          </a:fillRef>
+          <a:effectRef idx="0">
+            <a:schemeClr val="accent1"/>
+          </a:effectRef>
+          <a:fontRef idx="minor">
+            <a:schemeClr val="lt1"/>
+          </a:fontRef>
+        </p:style>
+        <p:txBody>
+          <a:bodyPr rtlCol="0" anchor="ctr"/>
+          <a:lstStyle/>
+          <a:p>
+            <a:pPr algn="ctr"/>
+            <a:endParaRPr lang="en-US"/>
+          </a:p>
+        </p:txBody>
+      </p:sp>
+      <p:sp>
+        <p:nvSpPr>
+          <p:cNvPr id="80" name="Rectangle 79"/>
+          <p:cNvSpPr/>
+          <p:nvPr/>
+        </p:nvSpPr>
+        <p:spPr>
+          <a:xfrm>
+            <a:off x="4487335" y="1075765"/>
+            <a:ext cx="4013197" cy="3346333"/>
+          </a:xfrm>
+          <a:prstGeom prst="rect">
+            <a:avLst/>
+          </a:prstGeom>
+          <a:noFill/>
+        </p:spPr>
+        <p:style>
+          <a:lnRef idx="2">
+            <a:schemeClr val="accent1">
+              <a:shade val="50000"/>
+            </a:schemeClr>
+          </a:lnRef>
+          <a:fillRef idx="1">
+            <a:schemeClr val="accent1"/>
+          </a:fillRef>
+          <a:effectRef idx="0">
+            <a:schemeClr val="accent1"/>
+          </a:effectRef>
+          <a:fontRef idx="minor">
+            <a:schemeClr val="lt1"/>
+          </a:fontRef>
+        </p:style>
+        <p:txBody>
+          <a:bodyPr rtlCol="0" anchor="ctr"/>
+          <a:lstStyle/>
+          <a:p>
+            <a:pPr algn="ctr"/>
+            <a:endParaRPr lang="en-US"/>
+          </a:p>
+        </p:txBody>
+      </p:sp>
+      <p:sp>
+        <p:nvSpPr>
+          <p:cNvPr id="81" name="Rectangle 80"/>
+          <p:cNvSpPr/>
+          <p:nvPr/>
+        </p:nvSpPr>
+        <p:spPr>
+          <a:xfrm>
+            <a:off x="8635998" y="1075766"/>
+            <a:ext cx="1070133" cy="3346332"/>
+          </a:xfrm>
+          <a:prstGeom prst="rect">
+            <a:avLst/>
+          </a:prstGeom>
+          <a:noFill/>
+        </p:spPr>
+        <p:style>
+          <a:lnRef idx="2">
+            <a:schemeClr val="accent1">
+              <a:shade val="50000"/>
+            </a:schemeClr>
+          </a:lnRef>
+          <a:fillRef idx="1">
+            <a:schemeClr val="accent1"/>
+          </a:fillRef>
+          <a:effectRef idx="0">
+            <a:schemeClr val="accent1"/>
+          </a:effectRef>
+          <a:fontRef idx="minor">
+            <a:schemeClr val="lt1"/>
+          </a:fontRef>
+        </p:style>
+        <p:txBody>
+          <a:bodyPr rtlCol="0" anchor="ctr"/>
+          <a:lstStyle/>
+          <a:p>
+            <a:pPr algn="ctr"/>
+            <a:endParaRPr lang="en-US"/>
+          </a:p>
+        </p:txBody>
+      </p:sp>
+      <p:sp>
+        <p:nvSpPr>
+          <p:cNvPr id="82" name="TextBox 81"/>
+          <p:cNvSpPr txBox="1"/>
+          <p:nvPr/>
+        </p:nvSpPr>
+        <p:spPr>
+          <a:xfrm>
+            <a:off x="5486045" y="1135351"/>
+            <a:ext cx="1416863" cy="369332"/>
+          </a:xfrm>
+          <a:prstGeom prst="rect">
+            <a:avLst/>
+          </a:prstGeom>
+          <a:noFill/>
+        </p:spPr>
+        <p:txBody>
+          <a:bodyPr wrap="none" rtlCol="0">
+            <a:spAutoFit/>
+          </a:bodyPr>
+          <a:lstStyle/>
+          <a:p>
+            <a:r>
+              <a:rPr lang="en-US" dirty="0" smtClean="0"/>
+              <a:t>Hidden Layer</a:t>
+            </a:r>
+            <a:endParaRPr lang="en-US" dirty="0"/>
+          </a:p>
+        </p:txBody>
+      </p:sp>
+      <p:sp>
+        <p:nvSpPr>
+          <p:cNvPr id="83" name="TextBox 82"/>
+          <p:cNvSpPr txBox="1"/>
+          <p:nvPr/>
+        </p:nvSpPr>
+        <p:spPr>
+          <a:xfrm>
+            <a:off x="8686800" y="1169469"/>
+            <a:ext cx="909223" cy="646331"/>
+          </a:xfrm>
+          <a:prstGeom prst="rect">
+            <a:avLst/>
+          </a:prstGeom>
+          <a:noFill/>
+        </p:spPr>
+        <p:txBody>
+          <a:bodyPr wrap="none" rtlCol="0">
+            <a:spAutoFit/>
+          </a:bodyPr>
+          <a:lstStyle/>
+          <a:p>
+            <a:r>
+              <a:rPr lang="en-US" dirty="0" smtClean="0"/>
+              <a:t>Output </a:t>
+            </a:r>
+          </a:p>
+          <a:p>
+            <a:r>
+              <a:rPr lang="en-US" dirty="0" smtClean="0"/>
+              <a:t>Layer</a:t>
+            </a:r>
+            <a:endParaRPr lang="en-US" dirty="0"/>
+          </a:p>
+        </p:txBody>
+      </p:sp>
+      <p:cxnSp>
+        <p:nvCxnSpPr>
+          <p:cNvPr id="85" name="Straight Connector 84"/>
+          <p:cNvCxnSpPr>
+            <a:stCxn id="29" idx="6"/>
+            <a:endCxn id="34" idx="2"/>
+          </p:cNvCxnSpPr>
+          <p:nvPr/>
+        </p:nvCxnSpPr>
+        <p:spPr>
+          <a:xfrm>
+            <a:off x="3674533" y="2514599"/>
+            <a:ext cx="922076" cy="3"/>
+          </a:xfrm>
+          <a:prstGeom prst="line">
+            <a:avLst/>
+          </a:prstGeom>
+        </p:spPr>
+        <p:style>
+          <a:lnRef idx="1">
+            <a:schemeClr val="accent1"/>
+          </a:lnRef>
+          <a:fillRef idx="0">
+            <a:schemeClr val="accent1"/>
+          </a:fillRef>
+          <a:effectRef idx="0">
+            <a:schemeClr val="accent1"/>
+          </a:effectRef>
+          <a:fontRef idx="minor">
+            <a:schemeClr val="tx1"/>
+          </a:fontRef>
+        </p:style>
+      </p:cxnSp>
+      <p:cxnSp>
+        <p:nvCxnSpPr>
+          <p:cNvPr id="87" name="Straight Connector 86"/>
+          <p:cNvCxnSpPr>
+            <a:stCxn id="29" idx="6"/>
+            <a:endCxn id="33" idx="2"/>
+          </p:cNvCxnSpPr>
+          <p:nvPr/>
+        </p:nvCxnSpPr>
+        <p:spPr>
+          <a:xfrm>
+            <a:off x="3674533" y="2514599"/>
+            <a:ext cx="922076" cy="654849"/>
+          </a:xfrm>
+          <a:prstGeom prst="line">
+            <a:avLst/>
+          </a:prstGeom>
+        </p:spPr>
+        <p:style>
+          <a:lnRef idx="1">
+            <a:schemeClr val="accent1"/>
+          </a:lnRef>
+          <a:fillRef idx="0">
+            <a:schemeClr val="accent1"/>
+          </a:fillRef>
+          <a:effectRef idx="0">
+            <a:schemeClr val="accent1"/>
+          </a:effectRef>
+          <a:fontRef idx="minor">
+            <a:schemeClr val="tx1"/>
+          </a:fontRef>
+        </p:style>
+      </p:cxnSp>
+      <p:cxnSp>
+        <p:nvCxnSpPr>
+          <p:cNvPr id="89" name="Straight Connector 88"/>
+          <p:cNvCxnSpPr>
+            <a:stCxn id="29" idx="6"/>
+            <a:endCxn id="40" idx="2"/>
+          </p:cNvCxnSpPr>
+          <p:nvPr/>
+        </p:nvCxnSpPr>
+        <p:spPr>
+          <a:xfrm>
+            <a:off x="3674533" y="2514599"/>
+            <a:ext cx="939008" cy="1432713"/>
+          </a:xfrm>
+          <a:prstGeom prst="line">
+            <a:avLst/>
+          </a:prstGeom>
+        </p:spPr>
+        <p:style>
+          <a:lnRef idx="1">
+            <a:schemeClr val="accent1"/>
+          </a:lnRef>
+          <a:fillRef idx="0">
+            <a:schemeClr val="accent1"/>
+          </a:fillRef>
+          <a:effectRef idx="0">
+            <a:schemeClr val="accent1"/>
+          </a:effectRef>
+          <a:fontRef idx="minor">
+            <a:schemeClr val="tx1"/>
+          </a:fontRef>
+        </p:style>
+      </p:cxnSp>
+      <p:cxnSp>
+        <p:nvCxnSpPr>
+          <p:cNvPr id="93" name="Straight Connector 92"/>
+          <p:cNvCxnSpPr>
+            <a:stCxn id="14" idx="6"/>
+            <a:endCxn id="34" idx="2"/>
+          </p:cNvCxnSpPr>
+          <p:nvPr/>
+        </p:nvCxnSpPr>
+        <p:spPr>
+          <a:xfrm flipV="1">
+            <a:off x="3674533" y="2514602"/>
+            <a:ext cx="922076" cy="654843"/>
+          </a:xfrm>
+          <a:prstGeom prst="line">
+            <a:avLst/>
+          </a:prstGeom>
+        </p:spPr>
+        <p:style>
+          <a:lnRef idx="1">
+            <a:schemeClr val="accent1"/>
+          </a:lnRef>
+          <a:fillRef idx="0">
+            <a:schemeClr val="accent1"/>
+          </a:fillRef>
+          <a:effectRef idx="0">
+            <a:schemeClr val="accent1"/>
+          </a:effectRef>
+          <a:fontRef idx="minor">
+            <a:schemeClr val="tx1"/>
+          </a:fontRef>
+        </p:style>
+      </p:cxnSp>
+      <p:cxnSp>
+        <p:nvCxnSpPr>
+          <p:cNvPr id="95" name="Straight Connector 94"/>
+          <p:cNvCxnSpPr>
+            <a:stCxn id="14" idx="6"/>
+            <a:endCxn id="33" idx="2"/>
+          </p:cNvCxnSpPr>
+          <p:nvPr/>
+        </p:nvCxnSpPr>
+        <p:spPr>
+          <a:xfrm>
+            <a:off x="3674533" y="3169445"/>
+            <a:ext cx="922076" cy="3"/>
+          </a:xfrm>
+          <a:prstGeom prst="line">
+            <a:avLst/>
+          </a:prstGeom>
+        </p:spPr>
+        <p:style>
+          <a:lnRef idx="1">
+            <a:schemeClr val="accent1"/>
+          </a:lnRef>
+          <a:fillRef idx="0">
+            <a:schemeClr val="accent1"/>
+          </a:fillRef>
+          <a:effectRef idx="0">
+            <a:schemeClr val="accent1"/>
+          </a:effectRef>
+          <a:fontRef idx="minor">
+            <a:schemeClr val="tx1"/>
+          </a:fontRef>
+        </p:style>
+      </p:cxnSp>
+      <p:cxnSp>
+        <p:nvCxnSpPr>
+          <p:cNvPr id="98" name="Straight Connector 97"/>
+          <p:cNvCxnSpPr>
+            <a:stCxn id="14" idx="6"/>
+            <a:endCxn id="40" idx="2"/>
+          </p:cNvCxnSpPr>
+          <p:nvPr/>
+        </p:nvCxnSpPr>
+        <p:spPr>
+          <a:xfrm>
+            <a:off x="3674533" y="3169445"/>
+            <a:ext cx="939008" cy="777867"/>
+          </a:xfrm>
+          <a:prstGeom prst="line">
+            <a:avLst/>
+          </a:prstGeom>
+        </p:spPr>
+        <p:style>
+          <a:lnRef idx="1">
+            <a:schemeClr val="accent1"/>
+          </a:lnRef>
+          <a:fillRef idx="0">
+            <a:schemeClr val="accent1"/>
+          </a:fillRef>
+          <a:effectRef idx="0">
+            <a:schemeClr val="accent1"/>
+          </a:effectRef>
+          <a:fontRef idx="minor">
+            <a:schemeClr val="tx1"/>
+          </a:fontRef>
+        </p:style>
+      </p:cxnSp>
+      <p:cxnSp>
+        <p:nvCxnSpPr>
+          <p:cNvPr id="99" name="Straight Connector 98"/>
+          <p:cNvCxnSpPr>
+            <a:stCxn id="30" idx="6"/>
+            <a:endCxn id="34" idx="2"/>
+          </p:cNvCxnSpPr>
+          <p:nvPr/>
+        </p:nvCxnSpPr>
+        <p:spPr>
+          <a:xfrm flipV="1">
+            <a:off x="3674533" y="2514602"/>
+            <a:ext cx="922076" cy="1398838"/>
+          </a:xfrm>
+          <a:prstGeom prst="line">
+            <a:avLst/>
+          </a:prstGeom>
+        </p:spPr>
+        <p:style>
+          <a:lnRef idx="1">
+            <a:schemeClr val="accent1"/>
+          </a:lnRef>
+          <a:fillRef idx="0">
+            <a:schemeClr val="accent1"/>
+          </a:fillRef>
+          <a:effectRef idx="0">
+            <a:schemeClr val="accent1"/>
+          </a:effectRef>
+          <a:fontRef idx="minor">
+            <a:schemeClr val="tx1"/>
+          </a:fontRef>
+        </p:style>
+      </p:cxnSp>
+      <p:cxnSp>
+        <p:nvCxnSpPr>
+          <p:cNvPr id="100" name="Straight Connector 99"/>
+          <p:cNvCxnSpPr>
+            <a:stCxn id="30" idx="6"/>
+            <a:endCxn id="40" idx="2"/>
+          </p:cNvCxnSpPr>
+          <p:nvPr/>
+        </p:nvCxnSpPr>
+        <p:spPr>
+          <a:xfrm>
+            <a:off x="3674533" y="3913440"/>
+            <a:ext cx="939008" cy="33872"/>
+          </a:xfrm>
+          <a:prstGeom prst="line">
+            <a:avLst/>
+          </a:prstGeom>
+        </p:spPr>
+        <p:style>
+          <a:lnRef idx="1">
+            <a:schemeClr val="accent1"/>
+          </a:lnRef>
+          <a:fillRef idx="0">
+            <a:schemeClr val="accent1"/>
+          </a:fillRef>
+          <a:effectRef idx="0">
+            <a:schemeClr val="accent1"/>
+          </a:effectRef>
+          <a:fontRef idx="minor">
+            <a:schemeClr val="tx1"/>
+          </a:fontRef>
+        </p:style>
+      </p:cxnSp>
+      <p:cxnSp>
+        <p:nvCxnSpPr>
+          <p:cNvPr id="101" name="Straight Connector 100"/>
+          <p:cNvCxnSpPr>
+            <a:stCxn id="30" idx="6"/>
+            <a:endCxn id="33" idx="2"/>
+          </p:cNvCxnSpPr>
+          <p:nvPr/>
+        </p:nvCxnSpPr>
+        <p:spPr>
+          <a:xfrm flipV="1">
+            <a:off x="3674533" y="3169448"/>
+            <a:ext cx="922076" cy="743992"/>
+          </a:xfrm>
+          <a:prstGeom prst="line">
+            <a:avLst/>
+          </a:prstGeom>
+        </p:spPr>
+        <p:style>
+          <a:lnRef idx="1">
+            <a:schemeClr val="accent1"/>
+          </a:lnRef>
+          <a:fillRef idx="0">
+            <a:schemeClr val="accent1"/>
+          </a:fillRef>
+          <a:effectRef idx="0">
+            <a:schemeClr val="accent1"/>
+          </a:effectRef>
+          <a:fontRef idx="minor">
+            <a:schemeClr val="tx1"/>
+          </a:fontRef>
+        </p:style>
+      </p:cxnSp>
+      <p:cxnSp>
+        <p:nvCxnSpPr>
+          <p:cNvPr id="121" name="Straight Connector 120"/>
+          <p:cNvCxnSpPr>
+            <a:stCxn id="34" idx="6"/>
+            <a:endCxn id="44" idx="2"/>
+          </p:cNvCxnSpPr>
+          <p:nvPr/>
+        </p:nvCxnSpPr>
+        <p:spPr>
+          <a:xfrm flipV="1">
+            <a:off x="5029199" y="2497668"/>
+            <a:ext cx="786606" cy="16934"/>
+          </a:xfrm>
+          <a:prstGeom prst="line">
+            <a:avLst/>
+          </a:prstGeom>
+        </p:spPr>
+        <p:style>
+          <a:lnRef idx="1">
+            <a:schemeClr val="accent1"/>
+          </a:lnRef>
+          <a:fillRef idx="0">
+            <a:schemeClr val="accent1"/>
+          </a:fillRef>
+          <a:effectRef idx="0">
+            <a:schemeClr val="accent1"/>
+          </a:effectRef>
+          <a:fontRef idx="minor">
+            <a:schemeClr val="tx1"/>
+          </a:fontRef>
+        </p:style>
+      </p:cxnSp>
+      <p:cxnSp>
+        <p:nvCxnSpPr>
+          <p:cNvPr id="122" name="Straight Connector 121"/>
+          <p:cNvCxnSpPr>
+            <a:stCxn id="34" idx="6"/>
+            <a:endCxn id="43" idx="2"/>
+          </p:cNvCxnSpPr>
+          <p:nvPr/>
+        </p:nvCxnSpPr>
+        <p:spPr>
+          <a:xfrm>
+            <a:off x="5029199" y="2514602"/>
+            <a:ext cx="786606" cy="637912"/>
+          </a:xfrm>
+          <a:prstGeom prst="line">
+            <a:avLst/>
+          </a:prstGeom>
+        </p:spPr>
+        <p:style>
+          <a:lnRef idx="1">
+            <a:schemeClr val="accent1"/>
+          </a:lnRef>
+          <a:fillRef idx="0">
+            <a:schemeClr val="accent1"/>
+          </a:fillRef>
+          <a:effectRef idx="0">
+            <a:schemeClr val="accent1"/>
+          </a:effectRef>
+          <a:fontRef idx="minor">
+            <a:schemeClr val="tx1"/>
+          </a:fontRef>
+        </p:style>
+      </p:cxnSp>
+      <p:cxnSp>
+        <p:nvCxnSpPr>
+          <p:cNvPr id="123" name="Straight Connector 122"/>
+          <p:cNvCxnSpPr>
+            <a:stCxn id="34" idx="6"/>
+            <a:endCxn id="47" idx="2"/>
+          </p:cNvCxnSpPr>
+          <p:nvPr/>
+        </p:nvCxnSpPr>
+        <p:spPr>
+          <a:xfrm>
+            <a:off x="5029199" y="2514602"/>
+            <a:ext cx="803538" cy="1415776"/>
+          </a:xfrm>
+          <a:prstGeom prst="line">
+            <a:avLst/>
+          </a:prstGeom>
+        </p:spPr>
+        <p:style>
+          <a:lnRef idx="1">
+            <a:schemeClr val="accent1"/>
+          </a:lnRef>
+          <a:fillRef idx="0">
+            <a:schemeClr val="accent1"/>
+          </a:fillRef>
+          <a:effectRef idx="0">
+            <a:schemeClr val="accent1"/>
+          </a:effectRef>
+          <a:fontRef idx="minor">
+            <a:schemeClr val="tx1"/>
+          </a:fontRef>
+        </p:style>
+      </p:cxnSp>
+      <p:cxnSp>
+        <p:nvCxnSpPr>
+          <p:cNvPr id="124" name="Straight Connector 123"/>
+          <p:cNvCxnSpPr>
+            <a:stCxn id="33" idx="6"/>
+            <a:endCxn id="44" idx="2"/>
+          </p:cNvCxnSpPr>
+          <p:nvPr/>
+        </p:nvCxnSpPr>
+        <p:spPr>
+          <a:xfrm flipV="1">
+            <a:off x="5029199" y="2497668"/>
+            <a:ext cx="786606" cy="671780"/>
+          </a:xfrm>
+          <a:prstGeom prst="line">
+            <a:avLst/>
+          </a:prstGeom>
+        </p:spPr>
+        <p:style>
+          <a:lnRef idx="1">
+            <a:schemeClr val="accent1"/>
+          </a:lnRef>
+          <a:fillRef idx="0">
+            <a:schemeClr val="accent1"/>
+          </a:fillRef>
+          <a:effectRef idx="0">
+            <a:schemeClr val="accent1"/>
+          </a:effectRef>
+          <a:fontRef idx="minor">
+            <a:schemeClr val="tx1"/>
+          </a:fontRef>
+        </p:style>
+      </p:cxnSp>
+      <p:cxnSp>
+        <p:nvCxnSpPr>
+          <p:cNvPr id="125" name="Straight Connector 124"/>
+          <p:cNvCxnSpPr>
+            <a:stCxn id="33" idx="6"/>
+            <a:endCxn id="43" idx="2"/>
+          </p:cNvCxnSpPr>
+          <p:nvPr/>
+        </p:nvCxnSpPr>
+        <p:spPr>
+          <a:xfrm flipV="1">
+            <a:off x="5029199" y="3152514"/>
+            <a:ext cx="786606" cy="16934"/>
+          </a:xfrm>
+          <a:prstGeom prst="line">
+            <a:avLst/>
+          </a:prstGeom>
+        </p:spPr>
+        <p:style>
+          <a:lnRef idx="1">
+            <a:schemeClr val="accent1"/>
+          </a:lnRef>
+          <a:fillRef idx="0">
+            <a:schemeClr val="accent1"/>
+          </a:fillRef>
+          <a:effectRef idx="0">
+            <a:schemeClr val="accent1"/>
+          </a:effectRef>
+          <a:fontRef idx="minor">
+            <a:schemeClr val="tx1"/>
+          </a:fontRef>
+        </p:style>
+      </p:cxnSp>
+      <p:cxnSp>
+        <p:nvCxnSpPr>
+          <p:cNvPr id="126" name="Straight Connector 125"/>
+          <p:cNvCxnSpPr>
+            <a:stCxn id="33" idx="6"/>
+            <a:endCxn id="47" idx="2"/>
+          </p:cNvCxnSpPr>
+          <p:nvPr/>
+        </p:nvCxnSpPr>
+        <p:spPr>
+          <a:xfrm>
+            <a:off x="5029199" y="3169448"/>
+            <a:ext cx="803538" cy="760930"/>
+          </a:xfrm>
+          <a:prstGeom prst="line">
+            <a:avLst/>
+          </a:prstGeom>
+        </p:spPr>
+        <p:style>
+          <a:lnRef idx="1">
+            <a:schemeClr val="accent1"/>
+          </a:lnRef>
+          <a:fillRef idx="0">
+            <a:schemeClr val="accent1"/>
+          </a:fillRef>
+          <a:effectRef idx="0">
+            <a:schemeClr val="accent1"/>
+          </a:effectRef>
+          <a:fontRef idx="minor">
+            <a:schemeClr val="tx1"/>
+          </a:fontRef>
+        </p:style>
+      </p:cxnSp>
+      <p:cxnSp>
+        <p:nvCxnSpPr>
+          <p:cNvPr id="127" name="Straight Connector 126"/>
+          <p:cNvCxnSpPr>
+            <a:stCxn id="40" idx="6"/>
+            <a:endCxn id="44" idx="2"/>
+          </p:cNvCxnSpPr>
+          <p:nvPr/>
+        </p:nvCxnSpPr>
+        <p:spPr>
+          <a:xfrm flipV="1">
+            <a:off x="5046131" y="2497668"/>
+            <a:ext cx="769674" cy="1449644"/>
+          </a:xfrm>
+          <a:prstGeom prst="line">
+            <a:avLst/>
+          </a:prstGeom>
+        </p:spPr>
+        <p:style>
+          <a:lnRef idx="1">
+            <a:schemeClr val="accent1"/>
+          </a:lnRef>
+          <a:fillRef idx="0">
+            <a:schemeClr val="accent1"/>
+          </a:fillRef>
+          <a:effectRef idx="0">
+            <a:schemeClr val="accent1"/>
+          </a:effectRef>
+          <a:fontRef idx="minor">
+            <a:schemeClr val="tx1"/>
+          </a:fontRef>
+        </p:style>
+      </p:cxnSp>
+      <p:cxnSp>
+        <p:nvCxnSpPr>
+          <p:cNvPr id="128" name="Straight Connector 127"/>
+          <p:cNvCxnSpPr>
+            <a:stCxn id="40" idx="6"/>
+            <a:endCxn id="47" idx="2"/>
+          </p:cNvCxnSpPr>
+          <p:nvPr/>
+        </p:nvCxnSpPr>
+        <p:spPr>
+          <a:xfrm flipV="1">
+            <a:off x="5046131" y="3930378"/>
+            <a:ext cx="786606" cy="16934"/>
+          </a:xfrm>
+          <a:prstGeom prst="line">
+            <a:avLst/>
+          </a:prstGeom>
+        </p:spPr>
+        <p:style>
+          <a:lnRef idx="1">
+            <a:schemeClr val="accent1"/>
+          </a:lnRef>
+          <a:fillRef idx="0">
+            <a:schemeClr val="accent1"/>
+          </a:fillRef>
+          <a:effectRef idx="0">
+            <a:schemeClr val="accent1"/>
+          </a:effectRef>
+          <a:fontRef idx="minor">
+            <a:schemeClr val="tx1"/>
+          </a:fontRef>
+        </p:style>
+      </p:cxnSp>
+      <p:cxnSp>
+        <p:nvCxnSpPr>
+          <p:cNvPr id="129" name="Straight Connector 128"/>
+          <p:cNvCxnSpPr>
+            <a:stCxn id="40" idx="6"/>
+            <a:endCxn id="43" idx="2"/>
+          </p:cNvCxnSpPr>
+          <p:nvPr/>
+        </p:nvCxnSpPr>
+        <p:spPr>
+          <a:xfrm flipV="1">
+            <a:off x="5046131" y="3152514"/>
+            <a:ext cx="769674" cy="794798"/>
+          </a:xfrm>
+          <a:prstGeom prst="line">
+            <a:avLst/>
+          </a:prstGeom>
+        </p:spPr>
+        <p:style>
+          <a:lnRef idx="1">
+            <a:schemeClr val="accent1"/>
+          </a:lnRef>
+          <a:fillRef idx="0">
+            <a:schemeClr val="accent1"/>
+          </a:fillRef>
+          <a:effectRef idx="0">
+            <a:schemeClr val="accent1"/>
+          </a:effectRef>
+          <a:fontRef idx="minor">
+            <a:schemeClr val="tx1"/>
+          </a:fontRef>
+        </p:style>
+      </p:cxnSp>
+      <p:cxnSp>
+        <p:nvCxnSpPr>
+          <p:cNvPr id="150" name="Straight Connector 149"/>
+          <p:cNvCxnSpPr>
+            <a:stCxn id="39" idx="6"/>
+            <a:endCxn id="44" idx="2"/>
+          </p:cNvCxnSpPr>
+          <p:nvPr/>
+        </p:nvCxnSpPr>
+        <p:spPr>
+          <a:xfrm>
+            <a:off x="5046131" y="1921935"/>
+            <a:ext cx="769674" cy="575733"/>
+          </a:xfrm>
+          <a:prstGeom prst="line">
+            <a:avLst/>
+          </a:prstGeom>
+        </p:spPr>
+        <p:style>
+          <a:lnRef idx="1">
+            <a:schemeClr val="accent1"/>
+          </a:lnRef>
+          <a:fillRef idx="0">
+            <a:schemeClr val="accent1"/>
+          </a:fillRef>
+          <a:effectRef idx="0">
+            <a:schemeClr val="accent1"/>
+          </a:effectRef>
+          <a:fontRef idx="minor">
+            <a:schemeClr val="tx1"/>
+          </a:fontRef>
+        </p:style>
+      </p:cxnSp>
+      <p:cxnSp>
+        <p:nvCxnSpPr>
+          <p:cNvPr id="153" name="Straight Connector 152"/>
+          <p:cNvCxnSpPr>
+            <a:stCxn id="39" idx="6"/>
+            <a:endCxn id="43" idx="2"/>
+          </p:cNvCxnSpPr>
+          <p:nvPr/>
+        </p:nvCxnSpPr>
+        <p:spPr>
+          <a:xfrm>
+            <a:off x="5046131" y="1921935"/>
+            <a:ext cx="769674" cy="1230579"/>
+          </a:xfrm>
+          <a:prstGeom prst="line">
+            <a:avLst/>
+          </a:prstGeom>
+        </p:spPr>
+        <p:style>
+          <a:lnRef idx="1">
+            <a:schemeClr val="accent1"/>
+          </a:lnRef>
+          <a:fillRef idx="0">
+            <a:schemeClr val="accent1"/>
+          </a:fillRef>
+          <a:effectRef idx="0">
+            <a:schemeClr val="accent1"/>
+          </a:effectRef>
+          <a:fontRef idx="minor">
+            <a:schemeClr val="tx1"/>
+          </a:fontRef>
+        </p:style>
+      </p:cxnSp>
+      <p:cxnSp>
+        <p:nvCxnSpPr>
+          <p:cNvPr id="156" name="Straight Connector 155"/>
+          <p:cNvCxnSpPr>
+            <a:stCxn id="67" idx="6"/>
+            <a:endCxn id="37" idx="2"/>
+          </p:cNvCxnSpPr>
+          <p:nvPr/>
+        </p:nvCxnSpPr>
+        <p:spPr>
+          <a:xfrm>
+            <a:off x="8263457" y="1876428"/>
+            <a:ext cx="698094" cy="854994"/>
+          </a:xfrm>
+          <a:prstGeom prst="line">
+            <a:avLst/>
+          </a:prstGeom>
+        </p:spPr>
+        <p:style>
+          <a:lnRef idx="1">
+            <a:schemeClr val="accent1"/>
+          </a:lnRef>
+          <a:fillRef idx="0">
+            <a:schemeClr val="accent1"/>
+          </a:fillRef>
+          <a:effectRef idx="0">
+            <a:schemeClr val="accent1"/>
+          </a:effectRef>
+          <a:fontRef idx="minor">
+            <a:schemeClr val="tx1"/>
+          </a:fontRef>
+        </p:style>
+      </p:cxnSp>
+      <p:cxnSp>
+        <p:nvCxnSpPr>
+          <p:cNvPr id="157" name="Straight Connector 156"/>
+          <p:cNvCxnSpPr>
+            <a:stCxn id="39" idx="6"/>
+            <a:endCxn id="47" idx="2"/>
+          </p:cNvCxnSpPr>
+          <p:nvPr/>
+        </p:nvCxnSpPr>
+        <p:spPr>
+          <a:xfrm>
+            <a:off x="5046131" y="1921935"/>
+            <a:ext cx="786606" cy="2008443"/>
+          </a:xfrm>
+          <a:prstGeom prst="line">
+            <a:avLst/>
+          </a:prstGeom>
+        </p:spPr>
+        <p:style>
+          <a:lnRef idx="1">
+            <a:schemeClr val="accent1"/>
+          </a:lnRef>
+          <a:fillRef idx="0">
+            <a:schemeClr val="accent1"/>
+          </a:fillRef>
+          <a:effectRef idx="0">
+            <a:schemeClr val="accent1"/>
+          </a:effectRef>
+          <a:fontRef idx="minor">
+            <a:schemeClr val="tx1"/>
+          </a:fontRef>
+        </p:style>
+      </p:cxnSp>
+      <p:cxnSp>
+        <p:nvCxnSpPr>
+          <p:cNvPr id="162" name="Straight Connector 161"/>
+          <p:cNvCxnSpPr>
+            <a:stCxn id="65" idx="6"/>
+            <a:endCxn id="37" idx="2"/>
+          </p:cNvCxnSpPr>
+          <p:nvPr/>
+        </p:nvCxnSpPr>
+        <p:spPr>
+          <a:xfrm>
+            <a:off x="8246525" y="2469095"/>
+            <a:ext cx="715026" cy="262327"/>
+          </a:xfrm>
+          <a:prstGeom prst="line">
+            <a:avLst/>
+          </a:prstGeom>
+        </p:spPr>
+        <p:style>
+          <a:lnRef idx="1">
+            <a:schemeClr val="accent1"/>
+          </a:lnRef>
+          <a:fillRef idx="0">
+            <a:schemeClr val="accent1"/>
+          </a:fillRef>
+          <a:effectRef idx="0">
+            <a:schemeClr val="accent1"/>
+          </a:effectRef>
+          <a:fontRef idx="minor">
+            <a:schemeClr val="tx1"/>
+          </a:fontRef>
+        </p:style>
+      </p:cxnSp>
+      <p:cxnSp>
+        <p:nvCxnSpPr>
+          <p:cNvPr id="164" name="Straight Connector 163"/>
+          <p:cNvCxnSpPr>
+            <a:stCxn id="65" idx="6"/>
+            <a:endCxn id="38" idx="2"/>
+          </p:cNvCxnSpPr>
+          <p:nvPr/>
+        </p:nvCxnSpPr>
+        <p:spPr>
+          <a:xfrm>
+            <a:off x="8246525" y="2469095"/>
+            <a:ext cx="681563" cy="1042253"/>
+          </a:xfrm>
+          <a:prstGeom prst="line">
+            <a:avLst/>
+          </a:prstGeom>
+        </p:spPr>
+        <p:style>
+          <a:lnRef idx="1">
+            <a:schemeClr val="accent1"/>
+          </a:lnRef>
+          <a:fillRef idx="0">
+            <a:schemeClr val="accent1"/>
+          </a:fillRef>
+          <a:effectRef idx="0">
+            <a:schemeClr val="accent1"/>
+          </a:effectRef>
+          <a:fontRef idx="minor">
+            <a:schemeClr val="tx1"/>
+          </a:fontRef>
+        </p:style>
+      </p:cxnSp>
+      <p:cxnSp>
+        <p:nvCxnSpPr>
+          <p:cNvPr id="165" name="Straight Connector 164"/>
+          <p:cNvCxnSpPr>
+            <a:stCxn id="64" idx="6"/>
+            <a:endCxn id="37" idx="2"/>
+          </p:cNvCxnSpPr>
+          <p:nvPr/>
+        </p:nvCxnSpPr>
+        <p:spPr>
+          <a:xfrm flipV="1">
+            <a:off x="8246525" y="2731422"/>
+            <a:ext cx="715026" cy="392519"/>
+          </a:xfrm>
+          <a:prstGeom prst="line">
+            <a:avLst/>
+          </a:prstGeom>
+        </p:spPr>
+        <p:style>
+          <a:lnRef idx="1">
+            <a:schemeClr val="accent1"/>
+          </a:lnRef>
+          <a:fillRef idx="0">
+            <a:schemeClr val="accent1"/>
+          </a:fillRef>
+          <a:effectRef idx="0">
+            <a:schemeClr val="accent1"/>
+          </a:effectRef>
+          <a:fontRef idx="minor">
+            <a:schemeClr val="tx1"/>
+          </a:fontRef>
+        </p:style>
+      </p:cxnSp>
+      <p:cxnSp>
+        <p:nvCxnSpPr>
+          <p:cNvPr id="167" name="Straight Connector 166"/>
+          <p:cNvCxnSpPr>
+            <a:stCxn id="64" idx="6"/>
+            <a:endCxn id="38" idx="2"/>
+          </p:cNvCxnSpPr>
+          <p:nvPr/>
+        </p:nvCxnSpPr>
+        <p:spPr>
+          <a:xfrm>
+            <a:off x="8246525" y="3123941"/>
+            <a:ext cx="681563" cy="387407"/>
+          </a:xfrm>
+          <a:prstGeom prst="line">
+            <a:avLst/>
+          </a:prstGeom>
+        </p:spPr>
+        <p:style>
+          <a:lnRef idx="1">
+            <a:schemeClr val="accent1"/>
+          </a:lnRef>
+          <a:fillRef idx="0">
+            <a:schemeClr val="accent1"/>
+          </a:fillRef>
+          <a:effectRef idx="0">
+            <a:schemeClr val="accent1"/>
+          </a:effectRef>
+          <a:fontRef idx="minor">
+            <a:schemeClr val="tx1"/>
+          </a:fontRef>
+        </p:style>
+      </p:cxnSp>
+      <p:cxnSp>
+        <p:nvCxnSpPr>
+          <p:cNvPr id="168" name="Straight Connector 167"/>
+          <p:cNvCxnSpPr>
+            <a:stCxn id="68" idx="6"/>
+            <a:endCxn id="37" idx="2"/>
+          </p:cNvCxnSpPr>
+          <p:nvPr/>
+        </p:nvCxnSpPr>
+        <p:spPr>
+          <a:xfrm flipV="1">
+            <a:off x="8263457" y="2731422"/>
+            <a:ext cx="698094" cy="1170383"/>
+          </a:xfrm>
+          <a:prstGeom prst="line">
+            <a:avLst/>
+          </a:prstGeom>
+        </p:spPr>
+        <p:style>
+          <a:lnRef idx="1">
+            <a:schemeClr val="accent1"/>
+          </a:lnRef>
+          <a:fillRef idx="0">
+            <a:schemeClr val="accent1"/>
+          </a:fillRef>
+          <a:effectRef idx="0">
+            <a:schemeClr val="accent1"/>
+          </a:effectRef>
+          <a:fontRef idx="minor">
+            <a:schemeClr val="tx1"/>
+          </a:fontRef>
+        </p:style>
+      </p:cxnSp>
+      <p:cxnSp>
+        <p:nvCxnSpPr>
+          <p:cNvPr id="169" name="Straight Connector 168"/>
+          <p:cNvCxnSpPr>
+            <a:stCxn id="68" idx="6"/>
+            <a:endCxn id="38" idx="2"/>
+          </p:cNvCxnSpPr>
+          <p:nvPr/>
+        </p:nvCxnSpPr>
+        <p:spPr>
+          <a:xfrm flipV="1">
+            <a:off x="8263457" y="3511348"/>
+            <a:ext cx="664631" cy="390457"/>
+          </a:xfrm>
+          <a:prstGeom prst="line">
+            <a:avLst/>
+          </a:prstGeom>
+        </p:spPr>
+        <p:style>
+          <a:lnRef idx="1">
+            <a:schemeClr val="accent1"/>
+          </a:lnRef>
+          <a:fillRef idx="0">
+            <a:schemeClr val="accent1"/>
+          </a:fillRef>
+          <a:effectRef idx="0">
+            <a:schemeClr val="accent1"/>
+          </a:effectRef>
+          <a:fontRef idx="minor">
+            <a:schemeClr val="tx1"/>
+          </a:fontRef>
+        </p:style>
+      </p:cxnSp>
+      <p:cxnSp>
+        <p:nvCxnSpPr>
+          <p:cNvPr id="173" name="Straight Connector 172"/>
+          <p:cNvCxnSpPr>
+            <a:stCxn id="67" idx="6"/>
+            <a:endCxn id="38" idx="2"/>
+          </p:cNvCxnSpPr>
+          <p:nvPr/>
+        </p:nvCxnSpPr>
+        <p:spPr>
+          <a:xfrm>
+            <a:off x="8263457" y="1876428"/>
+            <a:ext cx="664631" cy="1634920"/>
+          </a:xfrm>
+          <a:prstGeom prst="line">
+            <a:avLst/>
+          </a:prstGeom>
+        </p:spPr>
+        <p:style>
+          <a:lnRef idx="1">
+            <a:schemeClr val="accent1"/>
+          </a:lnRef>
+          <a:fillRef idx="0">
+            <a:schemeClr val="accent1"/>
+          </a:fillRef>
+          <a:effectRef idx="0">
+            <a:schemeClr val="accent1"/>
+          </a:effectRef>
+          <a:fontRef idx="minor">
+            <a:schemeClr val="tx1"/>
+          </a:fontRef>
+        </p:style>
+      </p:cxnSp>
+      <p:sp>
+        <p:nvSpPr>
+          <p:cNvPr id="90" name="Oval 89"/>
+          <p:cNvSpPr/>
+          <p:nvPr/>
+        </p:nvSpPr>
+        <p:spPr>
+          <a:xfrm>
+            <a:off x="6796888" y="2953011"/>
+            <a:ext cx="432590" cy="389469"/>
+          </a:xfrm>
+          <a:prstGeom prst="ellipse">
+            <a:avLst/>
+          </a:prstGeom>
+          <a:noFill/>
+        </p:spPr>
+        <p:style>
+          <a:lnRef idx="2">
+            <a:schemeClr val="accent1">
+              <a:shade val="50000"/>
+            </a:schemeClr>
+          </a:lnRef>
+          <a:fillRef idx="1">
+            <a:schemeClr val="accent1"/>
+          </a:fillRef>
+          <a:effectRef idx="0">
+            <a:schemeClr val="accent1"/>
+          </a:effectRef>
+          <a:fontRef idx="minor">
+            <a:schemeClr val="lt1"/>
+          </a:fontRef>
+        </p:style>
+        <p:txBody>
+          <a:bodyPr rtlCol="0" anchor="ctr"/>
+          <a:lstStyle/>
+          <a:p>
+            <a:pPr algn="ctr"/>
+            <a:endParaRPr lang="en-US"/>
+          </a:p>
+        </p:txBody>
+      </p:sp>
+      <p:sp>
+        <p:nvSpPr>
+          <p:cNvPr id="91" name="Oval 90"/>
+          <p:cNvSpPr/>
+          <p:nvPr/>
+        </p:nvSpPr>
+        <p:spPr>
+          <a:xfrm>
+            <a:off x="6796888" y="2298165"/>
+            <a:ext cx="432590" cy="389469"/>
+          </a:xfrm>
+          <a:prstGeom prst="ellipse">
+            <a:avLst/>
+          </a:prstGeom>
+          <a:noFill/>
+        </p:spPr>
+        <p:style>
+          <a:lnRef idx="2">
+            <a:schemeClr val="accent1">
+              <a:shade val="50000"/>
+            </a:schemeClr>
+          </a:lnRef>
+          <a:fillRef idx="1">
+            <a:schemeClr val="accent1"/>
+          </a:fillRef>
+          <a:effectRef idx="0">
+            <a:schemeClr val="accent1"/>
+          </a:effectRef>
+          <a:fontRef idx="minor">
+            <a:schemeClr val="lt1"/>
+          </a:fontRef>
+        </p:style>
+        <p:txBody>
+          <a:bodyPr rtlCol="0" anchor="ctr"/>
+          <a:lstStyle/>
+          <a:p>
+            <a:pPr algn="ctr"/>
+            <a:endParaRPr lang="en-US"/>
+          </a:p>
+        </p:txBody>
+      </p:sp>
+      <p:sp>
+        <p:nvSpPr>
+          <p:cNvPr id="92" name="Oval 91"/>
+          <p:cNvSpPr/>
+          <p:nvPr/>
+        </p:nvSpPr>
+        <p:spPr>
+          <a:xfrm>
+            <a:off x="6813820" y="1705498"/>
+            <a:ext cx="432590" cy="389469"/>
+          </a:xfrm>
+          <a:prstGeom prst="ellipse">
+            <a:avLst/>
+          </a:prstGeom>
+          <a:noFill/>
+        </p:spPr>
+        <p:style>
+          <a:lnRef idx="2">
+            <a:schemeClr val="accent1">
+              <a:shade val="50000"/>
+            </a:schemeClr>
+          </a:lnRef>
+          <a:fillRef idx="1">
+            <a:schemeClr val="accent1"/>
+          </a:fillRef>
+          <a:effectRef idx="0">
+            <a:schemeClr val="accent1"/>
+          </a:effectRef>
+          <a:fontRef idx="minor">
+            <a:schemeClr val="lt1"/>
+          </a:fontRef>
+        </p:style>
+        <p:txBody>
+          <a:bodyPr rtlCol="0" anchor="ctr"/>
+          <a:lstStyle/>
+          <a:p>
+            <a:pPr algn="ctr"/>
+            <a:endParaRPr lang="en-US"/>
+          </a:p>
+        </p:txBody>
+      </p:sp>
+      <p:sp>
+        <p:nvSpPr>
+          <p:cNvPr id="94" name="Oval 93"/>
+          <p:cNvSpPr/>
+          <p:nvPr/>
+        </p:nvSpPr>
+        <p:spPr>
+          <a:xfrm>
+            <a:off x="6813820" y="3730875"/>
+            <a:ext cx="432590" cy="389469"/>
+          </a:xfrm>
+          <a:prstGeom prst="ellipse">
+            <a:avLst/>
+          </a:prstGeom>
+          <a:noFill/>
+        </p:spPr>
+        <p:style>
+          <a:lnRef idx="2">
+            <a:schemeClr val="accent1">
+              <a:shade val="50000"/>
+            </a:schemeClr>
+          </a:lnRef>
+          <a:fillRef idx="1">
+            <a:schemeClr val="accent1"/>
+          </a:fillRef>
+          <a:effectRef idx="0">
+            <a:schemeClr val="accent1"/>
+          </a:effectRef>
+          <a:fontRef idx="minor">
+            <a:schemeClr val="lt1"/>
+          </a:fontRef>
+        </p:style>
+        <p:txBody>
+          <a:bodyPr rtlCol="0" anchor="ctr"/>
+          <a:lstStyle/>
+          <a:p>
+            <a:pPr algn="ctr"/>
+            <a:endParaRPr lang="en-US"/>
+          </a:p>
+        </p:txBody>
+      </p:sp>
+      <p:cxnSp>
+        <p:nvCxnSpPr>
+          <p:cNvPr id="96" name="Straight Connector 95"/>
+          <p:cNvCxnSpPr>
+            <a:stCxn id="44" idx="6"/>
+            <a:endCxn id="91" idx="2"/>
+          </p:cNvCxnSpPr>
+          <p:nvPr/>
+        </p:nvCxnSpPr>
+        <p:spPr>
+          <a:xfrm flipV="1">
+            <a:off x="6248395" y="2492900"/>
+            <a:ext cx="548493" cy="4768"/>
+          </a:xfrm>
+          <a:prstGeom prst="line">
+            <a:avLst/>
+          </a:prstGeom>
+        </p:spPr>
+        <p:style>
+          <a:lnRef idx="1">
+            <a:schemeClr val="accent1"/>
+          </a:lnRef>
+          <a:fillRef idx="0">
+            <a:schemeClr val="accent1"/>
+          </a:fillRef>
+          <a:effectRef idx="0">
+            <a:schemeClr val="accent1"/>
+          </a:effectRef>
+          <a:fontRef idx="minor">
+            <a:schemeClr val="tx1"/>
+          </a:fontRef>
+        </p:style>
+      </p:cxnSp>
+      <p:cxnSp>
+        <p:nvCxnSpPr>
+          <p:cNvPr id="97" name="Straight Connector 96"/>
+          <p:cNvCxnSpPr>
+            <a:stCxn id="44" idx="6"/>
+            <a:endCxn id="90" idx="2"/>
+          </p:cNvCxnSpPr>
+          <p:nvPr/>
+        </p:nvCxnSpPr>
+        <p:spPr>
+          <a:xfrm>
+            <a:off x="6248395" y="2497668"/>
+            <a:ext cx="548493" cy="650078"/>
+          </a:xfrm>
+          <a:prstGeom prst="line">
+            <a:avLst/>
+          </a:prstGeom>
+        </p:spPr>
+        <p:style>
+          <a:lnRef idx="1">
+            <a:schemeClr val="accent1"/>
+          </a:lnRef>
+          <a:fillRef idx="0">
+            <a:schemeClr val="accent1"/>
+          </a:fillRef>
+          <a:effectRef idx="0">
+            <a:schemeClr val="accent1"/>
+          </a:effectRef>
+          <a:fontRef idx="minor">
+            <a:schemeClr val="tx1"/>
+          </a:fontRef>
+        </p:style>
+      </p:cxnSp>
+      <p:cxnSp>
+        <p:nvCxnSpPr>
+          <p:cNvPr id="102" name="Straight Connector 101"/>
+          <p:cNvCxnSpPr>
+            <a:stCxn id="44" idx="6"/>
+            <a:endCxn id="94" idx="2"/>
+          </p:cNvCxnSpPr>
+          <p:nvPr/>
+        </p:nvCxnSpPr>
+        <p:spPr>
+          <a:xfrm>
+            <a:off x="6248395" y="2497668"/>
+            <a:ext cx="565425" cy="1427942"/>
+          </a:xfrm>
+          <a:prstGeom prst="line">
+            <a:avLst/>
+          </a:prstGeom>
+        </p:spPr>
+        <p:style>
+          <a:lnRef idx="1">
+            <a:schemeClr val="accent1"/>
+          </a:lnRef>
+          <a:fillRef idx="0">
+            <a:schemeClr val="accent1"/>
+          </a:fillRef>
+          <a:effectRef idx="0">
+            <a:schemeClr val="accent1"/>
+          </a:effectRef>
+          <a:fontRef idx="minor">
+            <a:schemeClr val="tx1"/>
+          </a:fontRef>
+        </p:style>
+      </p:cxnSp>
+      <p:cxnSp>
+        <p:nvCxnSpPr>
+          <p:cNvPr id="103" name="Straight Connector 102"/>
+          <p:cNvCxnSpPr>
+            <a:stCxn id="43" idx="6"/>
+            <a:endCxn id="91" idx="2"/>
+          </p:cNvCxnSpPr>
+          <p:nvPr/>
+        </p:nvCxnSpPr>
+        <p:spPr>
+          <a:xfrm flipV="1">
+            <a:off x="6248395" y="2492900"/>
+            <a:ext cx="548493" cy="659614"/>
+          </a:xfrm>
+          <a:prstGeom prst="line">
+            <a:avLst/>
+          </a:prstGeom>
+        </p:spPr>
+        <p:style>
+          <a:lnRef idx="1">
+            <a:schemeClr val="accent1"/>
+          </a:lnRef>
+          <a:fillRef idx="0">
+            <a:schemeClr val="accent1"/>
+          </a:fillRef>
+          <a:effectRef idx="0">
+            <a:schemeClr val="accent1"/>
+          </a:effectRef>
+          <a:fontRef idx="minor">
+            <a:schemeClr val="tx1"/>
+          </a:fontRef>
+        </p:style>
+      </p:cxnSp>
+      <p:cxnSp>
+        <p:nvCxnSpPr>
+          <p:cNvPr id="104" name="Straight Connector 103"/>
+          <p:cNvCxnSpPr>
+            <a:stCxn id="43" idx="6"/>
+            <a:endCxn id="90" idx="2"/>
+          </p:cNvCxnSpPr>
+          <p:nvPr/>
+        </p:nvCxnSpPr>
+        <p:spPr>
+          <a:xfrm flipV="1">
+            <a:off x="6248395" y="3147746"/>
+            <a:ext cx="548493" cy="4768"/>
+          </a:xfrm>
+          <a:prstGeom prst="line">
+            <a:avLst/>
+          </a:prstGeom>
+        </p:spPr>
+        <p:style>
+          <a:lnRef idx="1">
+            <a:schemeClr val="accent1"/>
+          </a:lnRef>
+          <a:fillRef idx="0">
+            <a:schemeClr val="accent1"/>
+          </a:fillRef>
+          <a:effectRef idx="0">
+            <a:schemeClr val="accent1"/>
+          </a:effectRef>
+          <a:fontRef idx="minor">
+            <a:schemeClr val="tx1"/>
+          </a:fontRef>
+        </p:style>
+      </p:cxnSp>
+      <p:cxnSp>
+        <p:nvCxnSpPr>
+          <p:cNvPr id="105" name="Straight Connector 104"/>
+          <p:cNvCxnSpPr>
+            <a:stCxn id="43" idx="6"/>
+            <a:endCxn id="94" idx="2"/>
+          </p:cNvCxnSpPr>
+          <p:nvPr/>
+        </p:nvCxnSpPr>
+        <p:spPr>
+          <a:xfrm>
+            <a:off x="6248395" y="3152514"/>
+            <a:ext cx="565425" cy="773096"/>
+          </a:xfrm>
+          <a:prstGeom prst="line">
+            <a:avLst/>
+          </a:prstGeom>
+        </p:spPr>
+        <p:style>
+          <a:lnRef idx="1">
+            <a:schemeClr val="accent1"/>
+          </a:lnRef>
+          <a:fillRef idx="0">
+            <a:schemeClr val="accent1"/>
+          </a:fillRef>
+          <a:effectRef idx="0">
+            <a:schemeClr val="accent1"/>
+          </a:effectRef>
+          <a:fontRef idx="minor">
+            <a:schemeClr val="tx1"/>
+          </a:fontRef>
+        </p:style>
+      </p:cxnSp>
+      <p:cxnSp>
+        <p:nvCxnSpPr>
+          <p:cNvPr id="106" name="Straight Connector 105"/>
+          <p:cNvCxnSpPr>
+            <a:stCxn id="47" idx="6"/>
+            <a:endCxn id="91" idx="2"/>
+          </p:cNvCxnSpPr>
+          <p:nvPr/>
+        </p:nvCxnSpPr>
+        <p:spPr>
+          <a:xfrm flipV="1">
+            <a:off x="6265327" y="2492900"/>
+            <a:ext cx="531561" cy="1437478"/>
+          </a:xfrm>
+          <a:prstGeom prst="line">
+            <a:avLst/>
+          </a:prstGeom>
+        </p:spPr>
+        <p:style>
+          <a:lnRef idx="1">
+            <a:schemeClr val="accent1"/>
+          </a:lnRef>
+          <a:fillRef idx="0">
+            <a:schemeClr val="accent1"/>
+          </a:fillRef>
+          <a:effectRef idx="0">
+            <a:schemeClr val="accent1"/>
+          </a:effectRef>
+          <a:fontRef idx="minor">
+            <a:schemeClr val="tx1"/>
+          </a:fontRef>
+        </p:style>
+      </p:cxnSp>
+      <p:cxnSp>
+        <p:nvCxnSpPr>
+          <p:cNvPr id="107" name="Straight Connector 106"/>
+          <p:cNvCxnSpPr>
+            <a:stCxn id="47" idx="6"/>
+            <a:endCxn id="94" idx="2"/>
+          </p:cNvCxnSpPr>
+          <p:nvPr/>
+        </p:nvCxnSpPr>
+        <p:spPr>
+          <a:xfrm flipV="1">
+            <a:off x="6265327" y="3925610"/>
+            <a:ext cx="548493" cy="4768"/>
+          </a:xfrm>
+          <a:prstGeom prst="line">
+            <a:avLst/>
+          </a:prstGeom>
+        </p:spPr>
+        <p:style>
+          <a:lnRef idx="1">
+            <a:schemeClr val="accent1"/>
+          </a:lnRef>
+          <a:fillRef idx="0">
+            <a:schemeClr val="accent1"/>
+          </a:fillRef>
+          <a:effectRef idx="0">
+            <a:schemeClr val="accent1"/>
+          </a:effectRef>
+          <a:fontRef idx="minor">
+            <a:schemeClr val="tx1"/>
+          </a:fontRef>
+        </p:style>
+      </p:cxnSp>
+      <p:cxnSp>
+        <p:nvCxnSpPr>
+          <p:cNvPr id="108" name="Straight Connector 107"/>
+          <p:cNvCxnSpPr>
+            <a:stCxn id="47" idx="6"/>
+            <a:endCxn id="90" idx="2"/>
+          </p:cNvCxnSpPr>
+          <p:nvPr/>
+        </p:nvCxnSpPr>
+        <p:spPr>
+          <a:xfrm flipV="1">
+            <a:off x="6265327" y="3147746"/>
+            <a:ext cx="531561" cy="782632"/>
+          </a:xfrm>
+          <a:prstGeom prst="line">
+            <a:avLst/>
+          </a:prstGeom>
+        </p:spPr>
+        <p:style>
+          <a:lnRef idx="1">
+            <a:schemeClr val="accent1"/>
+          </a:lnRef>
+          <a:fillRef idx="0">
+            <a:schemeClr val="accent1"/>
+          </a:fillRef>
+          <a:effectRef idx="0">
+            <a:schemeClr val="accent1"/>
+          </a:effectRef>
+          <a:fontRef idx="minor">
+            <a:schemeClr val="tx1"/>
+          </a:fontRef>
+        </p:style>
+      </p:cxnSp>
+      <p:cxnSp>
+        <p:nvCxnSpPr>
+          <p:cNvPr id="109" name="Straight Connector 108"/>
+          <p:cNvCxnSpPr>
+            <a:stCxn id="46" idx="6"/>
+            <a:endCxn id="91" idx="2"/>
+          </p:cNvCxnSpPr>
+          <p:nvPr/>
+        </p:nvCxnSpPr>
+        <p:spPr>
+          <a:xfrm>
+            <a:off x="6265327" y="1905001"/>
+            <a:ext cx="531561" cy="587899"/>
+          </a:xfrm>
+          <a:prstGeom prst="line">
+            <a:avLst/>
+          </a:prstGeom>
+        </p:spPr>
+        <p:style>
+          <a:lnRef idx="1">
+            <a:schemeClr val="accent1"/>
+          </a:lnRef>
+          <a:fillRef idx="0">
+            <a:schemeClr val="accent1"/>
+          </a:fillRef>
+          <a:effectRef idx="0">
+            <a:schemeClr val="accent1"/>
+          </a:effectRef>
+          <a:fontRef idx="minor">
+            <a:schemeClr val="tx1"/>
+          </a:fontRef>
+        </p:style>
+      </p:cxnSp>
+      <p:cxnSp>
+        <p:nvCxnSpPr>
+          <p:cNvPr id="110" name="Straight Connector 109"/>
+          <p:cNvCxnSpPr>
+            <a:stCxn id="46" idx="6"/>
+            <a:endCxn id="90" idx="2"/>
+          </p:cNvCxnSpPr>
+          <p:nvPr/>
+        </p:nvCxnSpPr>
+        <p:spPr>
+          <a:xfrm>
+            <a:off x="6265327" y="1905001"/>
+            <a:ext cx="531561" cy="1242745"/>
+          </a:xfrm>
+          <a:prstGeom prst="line">
+            <a:avLst/>
+          </a:prstGeom>
+        </p:spPr>
+        <p:style>
+          <a:lnRef idx="1">
+            <a:schemeClr val="accent1"/>
+          </a:lnRef>
+          <a:fillRef idx="0">
+            <a:schemeClr val="accent1"/>
+          </a:fillRef>
+          <a:effectRef idx="0">
+            <a:schemeClr val="accent1"/>
+          </a:effectRef>
+          <a:fontRef idx="minor">
+            <a:schemeClr val="tx1"/>
+          </a:fontRef>
+        </p:style>
+      </p:cxnSp>
+      <p:cxnSp>
+        <p:nvCxnSpPr>
+          <p:cNvPr id="111" name="Straight Connector 110"/>
+          <p:cNvCxnSpPr>
+            <a:stCxn id="46" idx="6"/>
+            <a:endCxn id="94" idx="2"/>
+          </p:cNvCxnSpPr>
+          <p:nvPr/>
+        </p:nvCxnSpPr>
+        <p:spPr>
+          <a:xfrm>
+            <a:off x="6265327" y="1905001"/>
+            <a:ext cx="548493" cy="2020609"/>
+          </a:xfrm>
+          <a:prstGeom prst="line">
+            <a:avLst/>
+          </a:prstGeom>
+        </p:spPr>
+        <p:style>
+          <a:lnRef idx="1">
+            <a:schemeClr val="accent1"/>
+          </a:lnRef>
+          <a:fillRef idx="0">
+            <a:schemeClr val="accent1"/>
+          </a:fillRef>
+          <a:effectRef idx="0">
+            <a:schemeClr val="accent1"/>
+          </a:effectRef>
+          <a:fontRef idx="minor">
+            <a:schemeClr val="tx1"/>
+          </a:fontRef>
+        </p:style>
+      </p:cxnSp>
+      <p:cxnSp>
+        <p:nvCxnSpPr>
+          <p:cNvPr id="112" name="Straight Connector 111"/>
+          <p:cNvCxnSpPr>
+            <a:stCxn id="91" idx="6"/>
+            <a:endCxn id="65" idx="2"/>
+          </p:cNvCxnSpPr>
+          <p:nvPr/>
+        </p:nvCxnSpPr>
+        <p:spPr>
+          <a:xfrm flipV="1">
+            <a:off x="7229478" y="2469095"/>
+            <a:ext cx="584457" cy="23805"/>
+          </a:xfrm>
+          <a:prstGeom prst="line">
+            <a:avLst/>
+          </a:prstGeom>
+        </p:spPr>
+        <p:style>
+          <a:lnRef idx="1">
+            <a:schemeClr val="accent1"/>
+          </a:lnRef>
+          <a:fillRef idx="0">
+            <a:schemeClr val="accent1"/>
+          </a:fillRef>
+          <a:effectRef idx="0">
+            <a:schemeClr val="accent1"/>
+          </a:effectRef>
+          <a:fontRef idx="minor">
+            <a:schemeClr val="tx1"/>
+          </a:fontRef>
+        </p:style>
+      </p:cxnSp>
+      <p:cxnSp>
+        <p:nvCxnSpPr>
+          <p:cNvPr id="113" name="Straight Connector 112"/>
+          <p:cNvCxnSpPr>
+            <a:stCxn id="91" idx="6"/>
+            <a:endCxn id="64" idx="2"/>
+          </p:cNvCxnSpPr>
+          <p:nvPr/>
+        </p:nvCxnSpPr>
+        <p:spPr>
+          <a:xfrm>
+            <a:off x="7229478" y="2492900"/>
+            <a:ext cx="584457" cy="631041"/>
+          </a:xfrm>
+          <a:prstGeom prst="line">
+            <a:avLst/>
+          </a:prstGeom>
+        </p:spPr>
+        <p:style>
+          <a:lnRef idx="1">
+            <a:schemeClr val="accent1"/>
+          </a:lnRef>
+          <a:fillRef idx="0">
+            <a:schemeClr val="accent1"/>
+          </a:fillRef>
+          <a:effectRef idx="0">
+            <a:schemeClr val="accent1"/>
+          </a:effectRef>
+          <a:fontRef idx="minor">
+            <a:schemeClr val="tx1"/>
+          </a:fontRef>
+        </p:style>
+      </p:cxnSp>
+      <p:cxnSp>
+        <p:nvCxnSpPr>
+          <p:cNvPr id="114" name="Straight Connector 113"/>
+          <p:cNvCxnSpPr>
+            <a:stCxn id="91" idx="6"/>
+            <a:endCxn id="68" idx="2"/>
+          </p:cNvCxnSpPr>
+          <p:nvPr/>
+        </p:nvCxnSpPr>
+        <p:spPr>
+          <a:xfrm>
+            <a:off x="7229478" y="2492900"/>
+            <a:ext cx="601389" cy="1408905"/>
+          </a:xfrm>
+          <a:prstGeom prst="line">
+            <a:avLst/>
+          </a:prstGeom>
+        </p:spPr>
+        <p:style>
+          <a:lnRef idx="1">
+            <a:schemeClr val="accent1"/>
+          </a:lnRef>
+          <a:fillRef idx="0">
+            <a:schemeClr val="accent1"/>
+          </a:fillRef>
+          <a:effectRef idx="0">
+            <a:schemeClr val="accent1"/>
+          </a:effectRef>
+          <a:fontRef idx="minor">
+            <a:schemeClr val="tx1"/>
+          </a:fontRef>
+        </p:style>
+      </p:cxnSp>
+      <p:cxnSp>
+        <p:nvCxnSpPr>
+          <p:cNvPr id="115" name="Straight Connector 114"/>
+          <p:cNvCxnSpPr>
+            <a:stCxn id="90" idx="6"/>
+            <a:endCxn id="65" idx="2"/>
+          </p:cNvCxnSpPr>
+          <p:nvPr/>
+        </p:nvCxnSpPr>
+        <p:spPr>
+          <a:xfrm flipV="1">
+            <a:off x="7229478" y="2469095"/>
+            <a:ext cx="584457" cy="678651"/>
+          </a:xfrm>
+          <a:prstGeom prst="line">
+            <a:avLst/>
+          </a:prstGeom>
+        </p:spPr>
+        <p:style>
+          <a:lnRef idx="1">
+            <a:schemeClr val="accent1"/>
+          </a:lnRef>
+          <a:fillRef idx="0">
+            <a:schemeClr val="accent1"/>
+          </a:fillRef>
+          <a:effectRef idx="0">
+            <a:schemeClr val="accent1"/>
+          </a:effectRef>
+          <a:fontRef idx="minor">
+            <a:schemeClr val="tx1"/>
+          </a:fontRef>
+        </p:style>
+      </p:cxnSp>
+      <p:cxnSp>
+        <p:nvCxnSpPr>
+          <p:cNvPr id="116" name="Straight Connector 115"/>
+          <p:cNvCxnSpPr>
+            <a:stCxn id="90" idx="6"/>
+            <a:endCxn id="64" idx="2"/>
+          </p:cNvCxnSpPr>
+          <p:nvPr/>
+        </p:nvCxnSpPr>
+        <p:spPr>
+          <a:xfrm flipV="1">
+            <a:off x="7229478" y="3123941"/>
+            <a:ext cx="584457" cy="23805"/>
+          </a:xfrm>
+          <a:prstGeom prst="line">
+            <a:avLst/>
+          </a:prstGeom>
+        </p:spPr>
+        <p:style>
+          <a:lnRef idx="1">
+            <a:schemeClr val="accent1"/>
+          </a:lnRef>
+          <a:fillRef idx="0">
+            <a:schemeClr val="accent1"/>
+          </a:fillRef>
+          <a:effectRef idx="0">
+            <a:schemeClr val="accent1"/>
+          </a:effectRef>
+          <a:fontRef idx="minor">
+            <a:schemeClr val="tx1"/>
+          </a:fontRef>
+        </p:style>
+      </p:cxnSp>
+      <p:cxnSp>
+        <p:nvCxnSpPr>
+          <p:cNvPr id="117" name="Straight Connector 116"/>
+          <p:cNvCxnSpPr>
+            <a:stCxn id="90" idx="6"/>
+            <a:endCxn id="68" idx="2"/>
+          </p:cNvCxnSpPr>
+          <p:nvPr/>
+        </p:nvCxnSpPr>
+        <p:spPr>
+          <a:xfrm>
+            <a:off x="7229478" y="3147746"/>
+            <a:ext cx="601389" cy="754059"/>
+          </a:xfrm>
+          <a:prstGeom prst="line">
+            <a:avLst/>
+          </a:prstGeom>
+        </p:spPr>
+        <p:style>
+          <a:lnRef idx="1">
+            <a:schemeClr val="accent1"/>
+          </a:lnRef>
+          <a:fillRef idx="0">
+            <a:schemeClr val="accent1"/>
+          </a:fillRef>
+          <a:effectRef idx="0">
+            <a:schemeClr val="accent1"/>
+          </a:effectRef>
+          <a:fontRef idx="minor">
+            <a:schemeClr val="tx1"/>
+          </a:fontRef>
+        </p:style>
+      </p:cxnSp>
+      <p:cxnSp>
+        <p:nvCxnSpPr>
+          <p:cNvPr id="118" name="Straight Connector 117"/>
+          <p:cNvCxnSpPr>
+            <a:stCxn id="94" idx="6"/>
+            <a:endCxn id="65" idx="2"/>
+          </p:cNvCxnSpPr>
+          <p:nvPr/>
+        </p:nvCxnSpPr>
+        <p:spPr>
+          <a:xfrm flipV="1">
+            <a:off x="7246410" y="2469095"/>
+            <a:ext cx="567525" cy="1456515"/>
+          </a:xfrm>
+          <a:prstGeom prst="line">
+            <a:avLst/>
+          </a:prstGeom>
+        </p:spPr>
+        <p:style>
+          <a:lnRef idx="1">
+            <a:schemeClr val="accent1"/>
+          </a:lnRef>
+          <a:fillRef idx="0">
+            <a:schemeClr val="accent1"/>
+          </a:fillRef>
+          <a:effectRef idx="0">
+            <a:schemeClr val="accent1"/>
+          </a:effectRef>
+          <a:fontRef idx="minor">
+            <a:schemeClr val="tx1"/>
+          </a:fontRef>
+        </p:style>
+      </p:cxnSp>
+      <p:cxnSp>
+        <p:nvCxnSpPr>
+          <p:cNvPr id="119" name="Straight Connector 118"/>
+          <p:cNvCxnSpPr>
+            <a:stCxn id="94" idx="6"/>
+            <a:endCxn id="68" idx="2"/>
+          </p:cNvCxnSpPr>
+          <p:nvPr/>
+        </p:nvCxnSpPr>
+        <p:spPr>
+          <a:xfrm flipV="1">
+            <a:off x="7246410" y="3901805"/>
+            <a:ext cx="584457" cy="23805"/>
+          </a:xfrm>
+          <a:prstGeom prst="line">
+            <a:avLst/>
+          </a:prstGeom>
+        </p:spPr>
+        <p:style>
+          <a:lnRef idx="1">
+            <a:schemeClr val="accent1"/>
+          </a:lnRef>
+          <a:fillRef idx="0">
+            <a:schemeClr val="accent1"/>
+          </a:fillRef>
+          <a:effectRef idx="0">
+            <a:schemeClr val="accent1"/>
+          </a:effectRef>
+          <a:fontRef idx="minor">
+            <a:schemeClr val="tx1"/>
+          </a:fontRef>
+        </p:style>
+      </p:cxnSp>
+      <p:cxnSp>
+        <p:nvCxnSpPr>
+          <p:cNvPr id="120" name="Straight Connector 119"/>
+          <p:cNvCxnSpPr>
+            <a:stCxn id="94" idx="6"/>
+            <a:endCxn id="64" idx="2"/>
+          </p:cNvCxnSpPr>
+          <p:nvPr/>
+        </p:nvCxnSpPr>
+        <p:spPr>
+          <a:xfrm flipV="1">
+            <a:off x="7246410" y="3123941"/>
+            <a:ext cx="567525" cy="801669"/>
+          </a:xfrm>
+          <a:prstGeom prst="line">
+            <a:avLst/>
+          </a:prstGeom>
+        </p:spPr>
+        <p:style>
+          <a:lnRef idx="1">
+            <a:schemeClr val="accent1"/>
+          </a:lnRef>
+          <a:fillRef idx="0">
+            <a:schemeClr val="accent1"/>
+          </a:fillRef>
+          <a:effectRef idx="0">
+            <a:schemeClr val="accent1"/>
+          </a:effectRef>
+          <a:fontRef idx="minor">
+            <a:schemeClr val="tx1"/>
+          </a:fontRef>
+        </p:style>
+      </p:cxnSp>
+      <p:cxnSp>
+        <p:nvCxnSpPr>
+          <p:cNvPr id="130" name="Straight Connector 129"/>
+          <p:cNvCxnSpPr>
+            <a:stCxn id="92" idx="6"/>
+            <a:endCxn id="65" idx="2"/>
+          </p:cNvCxnSpPr>
+          <p:nvPr/>
+        </p:nvCxnSpPr>
+        <p:spPr>
+          <a:xfrm>
+            <a:off x="7246410" y="1900233"/>
+            <a:ext cx="567525" cy="568862"/>
+          </a:xfrm>
+          <a:prstGeom prst="line">
+            <a:avLst/>
+          </a:prstGeom>
+        </p:spPr>
+        <p:style>
+          <a:lnRef idx="1">
+            <a:schemeClr val="accent1"/>
+          </a:lnRef>
+          <a:fillRef idx="0">
+            <a:schemeClr val="accent1"/>
+          </a:fillRef>
+          <a:effectRef idx="0">
+            <a:schemeClr val="accent1"/>
+          </a:effectRef>
+          <a:fontRef idx="minor">
+            <a:schemeClr val="tx1"/>
+          </a:fontRef>
+        </p:style>
+      </p:cxnSp>
+      <p:cxnSp>
+        <p:nvCxnSpPr>
+          <p:cNvPr id="131" name="Straight Connector 130"/>
+          <p:cNvCxnSpPr>
+            <a:stCxn id="92" idx="6"/>
+            <a:endCxn id="64" idx="2"/>
+          </p:cNvCxnSpPr>
+          <p:nvPr/>
+        </p:nvCxnSpPr>
+        <p:spPr>
+          <a:xfrm>
+            <a:off x="7246410" y="1900233"/>
+            <a:ext cx="567525" cy="1223708"/>
+          </a:xfrm>
+          <a:prstGeom prst="line">
+            <a:avLst/>
+          </a:prstGeom>
+        </p:spPr>
+        <p:style>
+          <a:lnRef idx="1">
+            <a:schemeClr val="accent1"/>
+          </a:lnRef>
+          <a:fillRef idx="0">
+            <a:schemeClr val="accent1"/>
+          </a:fillRef>
+          <a:effectRef idx="0">
+            <a:schemeClr val="accent1"/>
+          </a:effectRef>
+          <a:fontRef idx="minor">
+            <a:schemeClr val="tx1"/>
+          </a:fontRef>
+        </p:style>
+      </p:cxnSp>
+      <p:cxnSp>
+        <p:nvCxnSpPr>
+          <p:cNvPr id="132" name="Straight Connector 131"/>
+          <p:cNvCxnSpPr>
+            <a:stCxn id="92" idx="6"/>
+            <a:endCxn id="68" idx="2"/>
+          </p:cNvCxnSpPr>
+          <p:nvPr/>
+        </p:nvCxnSpPr>
+        <p:spPr>
+          <a:xfrm>
+            <a:off x="7246410" y="1900233"/>
+            <a:ext cx="584457" cy="2001572"/>
+          </a:xfrm>
+          <a:prstGeom prst="line">
+            <a:avLst/>
+          </a:prstGeom>
+        </p:spPr>
+        <p:style>
+          <a:lnRef idx="1">
+            <a:schemeClr val="accent1"/>
+          </a:lnRef>
+          <a:fillRef idx="0">
+            <a:schemeClr val="accent1"/>
+          </a:fillRef>
+          <a:effectRef idx="0">
+            <a:schemeClr val="accent1"/>
+          </a:effectRef>
+          <a:fontRef idx="minor">
+            <a:schemeClr val="tx1"/>
+          </a:fontRef>
+        </p:style>
+      </p:cxnSp>
+      <p:sp>
+        <p:nvSpPr>
+          <p:cNvPr id="84" name="TextBox 83"/>
+          <p:cNvSpPr txBox="1"/>
+          <p:nvPr/>
+        </p:nvSpPr>
+        <p:spPr>
+          <a:xfrm>
+            <a:off x="8743769" y="2516962"/>
+            <a:ext cx="840295" cy="369332"/>
+          </a:xfrm>
+          <a:prstGeom prst="rect">
+            <a:avLst/>
+          </a:prstGeom>
+          <a:noFill/>
+        </p:spPr>
+        <p:txBody>
+          <a:bodyPr wrap="none" rtlCol="0">
+            <a:spAutoFit/>
+          </a:bodyPr>
+          <a:lstStyle/>
+          <a:p>
+            <a:r>
+              <a:rPr lang="en-US" dirty="0" smtClean="0"/>
+              <a:t>Animal</a:t>
+            </a:r>
+            <a:endParaRPr lang="en-US" dirty="0"/>
+          </a:p>
+        </p:txBody>
+      </p:sp>
+      <p:sp>
+        <p:nvSpPr>
+          <p:cNvPr id="86" name="TextBox 85"/>
+          <p:cNvSpPr txBox="1"/>
+          <p:nvPr/>
+        </p:nvSpPr>
+        <p:spPr>
+          <a:xfrm>
+            <a:off x="8809653" y="3284864"/>
+            <a:ext cx="663515" cy="369332"/>
+          </a:xfrm>
+          <a:prstGeom prst="rect">
+            <a:avLst/>
+          </a:prstGeom>
+          <a:noFill/>
+        </p:spPr>
+        <p:txBody>
+          <a:bodyPr wrap="none" rtlCol="0">
+            <a:spAutoFit/>
+          </a:bodyPr>
+          <a:lstStyle/>
+          <a:p>
+            <a:r>
+              <a:rPr lang="en-US" dirty="0" smtClean="0"/>
+              <a:t>Plant</a:t>
+            </a:r>
+            <a:endParaRPr lang="en-US" dirty="0"/>
+          </a:p>
+        </p:txBody>
+      </p:sp>
+    </p:spTree>
+    <p:extLst>
+      <p:ext uri="{BB962C8B-B14F-4D97-AF65-F5344CB8AC3E}">
+        <p14:creationId xmlns:p14="http://schemas.microsoft.com/office/powerpoint/2010/main" val="1518384572"/>
+      </p:ext>
+    </p:extLst>
+  </p:cSld>
+  <p:clrMapOvr>
+    <a:masterClrMapping/>
+  </p:clrMapOvr>
+  <p:timing>
+    <p:tnLst>
+      <p:par>
+        <p:cTn id="1" dur="indefinite" restart="never" nodeType="tmRoot"/>
+      </p:par>
+    </p:tnLst>
+  </p:timing>
+</p:sld>
+</file>
+
+<file path=ppt/slides/slide5.xml><?xml version="1.0" encoding="utf-8"?>
+<p:sld xmlns:a="http://schemas.openxmlformats.org/drawingml/2006/main" xmlns:r="http://schemas.openxmlformats.org/officeDocument/2006/relationships" xmlns:p="http://schemas.openxmlformats.org/presentationml/2006/main">
+  <p:cSld>
+    <p:spTree>
+      <p:nvGrpSpPr>
+        <p:cNvPr id="1" name=""/>
+        <p:cNvGrpSpPr/>
+        <p:nvPr/>
+      </p:nvGrpSpPr>
+      <p:grpSpPr>
+        <a:xfrm>
+          <a:off x="0" y="0"/>
+          <a:ext cx="0" cy="0"/>
+          <a:chOff x="0" y="0"/>
+          <a:chExt cx="0" cy="0"/>
+        </a:xfrm>
+      </p:grpSpPr>
+      <p:sp>
+        <p:nvSpPr>
+          <p:cNvPr id="14" name="Oval 13"/>
+          <p:cNvSpPr/>
+          <p:nvPr/>
+        </p:nvSpPr>
+        <p:spPr>
+          <a:xfrm>
+            <a:off x="3241943" y="2974710"/>
+            <a:ext cx="432590" cy="389469"/>
+          </a:xfrm>
+          <a:prstGeom prst="ellipse">
+            <a:avLst/>
+          </a:prstGeom>
+          <a:noFill/>
+        </p:spPr>
+        <p:style>
+          <a:lnRef idx="2">
+            <a:schemeClr val="accent1">
+              <a:shade val="50000"/>
+            </a:schemeClr>
+          </a:lnRef>
+          <a:fillRef idx="1">
+            <a:schemeClr val="accent1"/>
+          </a:fillRef>
+          <a:effectRef idx="0">
+            <a:schemeClr val="accent1"/>
+          </a:effectRef>
+          <a:fontRef idx="minor">
+            <a:schemeClr val="lt1"/>
+          </a:fontRef>
+        </p:style>
+        <p:txBody>
+          <a:bodyPr rtlCol="0" anchor="ctr"/>
+          <a:lstStyle/>
+          <a:p>
+            <a:pPr algn="ctr"/>
+            <a:endParaRPr lang="en-US"/>
+          </a:p>
+        </p:txBody>
+      </p:sp>
+      <p:sp>
+        <p:nvSpPr>
+          <p:cNvPr id="29" name="Oval 28"/>
+          <p:cNvSpPr/>
+          <p:nvPr/>
+        </p:nvSpPr>
+        <p:spPr>
+          <a:xfrm>
+            <a:off x="3241943" y="2319864"/>
+            <a:ext cx="432590" cy="389469"/>
+          </a:xfrm>
+          <a:prstGeom prst="ellipse">
+            <a:avLst/>
+          </a:prstGeom>
+          <a:noFill/>
+        </p:spPr>
+        <p:style>
+          <a:lnRef idx="2">
+            <a:schemeClr val="accent1">
+              <a:shade val="50000"/>
+            </a:schemeClr>
+          </a:lnRef>
+          <a:fillRef idx="1">
+            <a:schemeClr val="accent1"/>
+          </a:fillRef>
+          <a:effectRef idx="0">
+            <a:schemeClr val="accent1"/>
+          </a:effectRef>
+          <a:fontRef idx="minor">
+            <a:schemeClr val="lt1"/>
+          </a:fontRef>
+        </p:style>
+        <p:txBody>
+          <a:bodyPr rtlCol="0" anchor="ctr"/>
+          <a:lstStyle/>
+          <a:p>
+            <a:pPr algn="ctr"/>
+            <a:endParaRPr lang="en-US"/>
+          </a:p>
+        </p:txBody>
+      </p:sp>
+      <p:sp>
+        <p:nvSpPr>
+          <p:cNvPr id="30" name="Oval 29"/>
+          <p:cNvSpPr/>
+          <p:nvPr/>
+        </p:nvSpPr>
+        <p:spPr>
+          <a:xfrm>
+            <a:off x="3241943" y="3718705"/>
+            <a:ext cx="432590" cy="389469"/>
+          </a:xfrm>
+          <a:prstGeom prst="ellipse">
+            <a:avLst/>
+          </a:prstGeom>
+          <a:noFill/>
+        </p:spPr>
+        <p:style>
+          <a:lnRef idx="2">
+            <a:schemeClr val="accent1">
+              <a:shade val="50000"/>
+            </a:schemeClr>
+          </a:lnRef>
+          <a:fillRef idx="1">
+            <a:schemeClr val="accent1"/>
+          </a:fillRef>
+          <a:effectRef idx="0">
+            <a:schemeClr val="accent1"/>
+          </a:effectRef>
+          <a:fontRef idx="minor">
+            <a:schemeClr val="lt1"/>
+          </a:fontRef>
+        </p:style>
+        <p:txBody>
+          <a:bodyPr rtlCol="0" anchor="ctr"/>
+          <a:lstStyle/>
+          <a:p>
+            <a:pPr algn="ctr"/>
+            <a:endParaRPr lang="en-US"/>
+          </a:p>
+        </p:txBody>
+      </p:sp>
+      <p:sp>
+        <p:nvSpPr>
+          <p:cNvPr id="33" name="Oval 32"/>
+          <p:cNvSpPr/>
+          <p:nvPr/>
+        </p:nvSpPr>
+        <p:spPr>
+          <a:xfrm>
+            <a:off x="4596609" y="2974713"/>
+            <a:ext cx="432590" cy="389469"/>
+          </a:xfrm>
+          <a:prstGeom prst="ellipse">
+            <a:avLst/>
+          </a:prstGeom>
+          <a:noFill/>
+        </p:spPr>
+        <p:style>
+          <a:lnRef idx="2">
+            <a:schemeClr val="accent1">
+              <a:shade val="50000"/>
+            </a:schemeClr>
+          </a:lnRef>
+          <a:fillRef idx="1">
+            <a:schemeClr val="accent1"/>
+          </a:fillRef>
+          <a:effectRef idx="0">
+            <a:schemeClr val="accent1"/>
+          </a:effectRef>
+          <a:fontRef idx="minor">
+            <a:schemeClr val="lt1"/>
+          </a:fontRef>
+        </p:style>
+        <p:txBody>
+          <a:bodyPr rtlCol="0" anchor="ctr"/>
+          <a:lstStyle/>
+          <a:p>
+            <a:pPr algn="ctr"/>
+            <a:endParaRPr lang="en-US"/>
+          </a:p>
+        </p:txBody>
+      </p:sp>
+      <p:sp>
+        <p:nvSpPr>
+          <p:cNvPr id="34" name="Oval 33"/>
+          <p:cNvSpPr/>
+          <p:nvPr/>
+        </p:nvSpPr>
+        <p:spPr>
+          <a:xfrm>
+            <a:off x="4596609" y="2319867"/>
+            <a:ext cx="432590" cy="389469"/>
+          </a:xfrm>
+          <a:prstGeom prst="ellipse">
+            <a:avLst/>
+          </a:prstGeom>
+          <a:noFill/>
+        </p:spPr>
+        <p:style>
+          <a:lnRef idx="2">
+            <a:schemeClr val="accent1">
+              <a:shade val="50000"/>
+            </a:schemeClr>
+          </a:lnRef>
+          <a:fillRef idx="1">
+            <a:schemeClr val="accent1"/>
+          </a:fillRef>
+          <a:effectRef idx="0">
+            <a:schemeClr val="accent1"/>
+          </a:effectRef>
+          <a:fontRef idx="minor">
+            <a:schemeClr val="lt1"/>
+          </a:fontRef>
+        </p:style>
+        <p:txBody>
+          <a:bodyPr rtlCol="0" anchor="ctr"/>
+          <a:lstStyle/>
+          <a:p>
+            <a:pPr algn="ctr"/>
+            <a:endParaRPr lang="en-US"/>
+          </a:p>
+        </p:txBody>
+      </p:sp>
+      <p:sp>
+        <p:nvSpPr>
+          <p:cNvPr id="37" name="Oval 36"/>
+          <p:cNvSpPr/>
+          <p:nvPr/>
+        </p:nvSpPr>
+        <p:spPr>
+          <a:xfrm>
+            <a:off x="8961551" y="2536687"/>
+            <a:ext cx="432590" cy="389469"/>
+          </a:xfrm>
+          <a:prstGeom prst="ellipse">
+            <a:avLst/>
+          </a:prstGeom>
+          <a:noFill/>
+        </p:spPr>
+        <p:style>
+          <a:lnRef idx="2">
+            <a:schemeClr val="accent1">
+              <a:shade val="50000"/>
+            </a:schemeClr>
+          </a:lnRef>
+          <a:fillRef idx="1">
+            <a:schemeClr val="accent1"/>
+          </a:fillRef>
+          <a:effectRef idx="0">
+            <a:schemeClr val="accent1"/>
+          </a:effectRef>
+          <a:fontRef idx="minor">
+            <a:schemeClr val="lt1"/>
+          </a:fontRef>
+        </p:style>
+        <p:txBody>
+          <a:bodyPr rtlCol="0" anchor="ctr"/>
+          <a:lstStyle/>
+          <a:p>
+            <a:pPr algn="ctr"/>
+            <a:endParaRPr lang="en-US"/>
+          </a:p>
+        </p:txBody>
+      </p:sp>
+      <p:sp>
+        <p:nvSpPr>
+          <p:cNvPr id="38" name="Oval 37"/>
+          <p:cNvSpPr/>
+          <p:nvPr/>
+        </p:nvSpPr>
+        <p:spPr>
+          <a:xfrm>
+            <a:off x="8928088" y="3316613"/>
+            <a:ext cx="432590" cy="389469"/>
+          </a:xfrm>
+          <a:prstGeom prst="ellipse">
+            <a:avLst/>
+          </a:prstGeom>
+          <a:noFill/>
+        </p:spPr>
+        <p:style>
+          <a:lnRef idx="2">
+            <a:schemeClr val="accent1">
+              <a:shade val="50000"/>
+            </a:schemeClr>
+          </a:lnRef>
+          <a:fillRef idx="1">
+            <a:schemeClr val="accent1"/>
+          </a:fillRef>
+          <a:effectRef idx="0">
+            <a:schemeClr val="accent1"/>
+          </a:effectRef>
+          <a:fontRef idx="minor">
+            <a:schemeClr val="lt1"/>
+          </a:fontRef>
+        </p:style>
+        <p:txBody>
+          <a:bodyPr rtlCol="0" anchor="ctr"/>
+          <a:lstStyle/>
+          <a:p>
+            <a:pPr algn="ctr"/>
+            <a:endParaRPr lang="en-US"/>
+          </a:p>
+        </p:txBody>
+      </p:sp>
+      <p:sp>
+        <p:nvSpPr>
+          <p:cNvPr id="39" name="Oval 38"/>
+          <p:cNvSpPr/>
+          <p:nvPr/>
+        </p:nvSpPr>
+        <p:spPr>
+          <a:xfrm>
+            <a:off x="4613541" y="1727200"/>
+            <a:ext cx="432590" cy="389469"/>
+          </a:xfrm>
+          <a:prstGeom prst="ellipse">
+            <a:avLst/>
+          </a:prstGeom>
+          <a:noFill/>
+        </p:spPr>
+        <p:style>
+          <a:lnRef idx="2">
+            <a:schemeClr val="accent1">
+              <a:shade val="50000"/>
+            </a:schemeClr>
+          </a:lnRef>
+          <a:fillRef idx="1">
+            <a:schemeClr val="accent1"/>
+          </a:fillRef>
+          <a:effectRef idx="0">
+            <a:schemeClr val="accent1"/>
+          </a:effectRef>
+          <a:fontRef idx="minor">
+            <a:schemeClr val="lt1"/>
+          </a:fontRef>
+        </p:style>
+        <p:txBody>
+          <a:bodyPr rtlCol="0" anchor="ctr"/>
+          <a:lstStyle/>
+          <a:p>
+            <a:pPr algn="ctr"/>
+            <a:endParaRPr lang="en-US"/>
+          </a:p>
+        </p:txBody>
+      </p:sp>
+      <p:sp>
+        <p:nvSpPr>
+          <p:cNvPr id="40" name="Oval 39"/>
+          <p:cNvSpPr/>
+          <p:nvPr/>
+        </p:nvSpPr>
+        <p:spPr>
+          <a:xfrm>
+            <a:off x="4613541" y="3752577"/>
+            <a:ext cx="432590" cy="389469"/>
+          </a:xfrm>
+          <a:prstGeom prst="ellipse">
+            <a:avLst/>
+          </a:prstGeom>
+          <a:noFill/>
+        </p:spPr>
+        <p:style>
+          <a:lnRef idx="2">
+            <a:schemeClr val="accent1">
+              <a:shade val="50000"/>
+            </a:schemeClr>
+          </a:lnRef>
+          <a:fillRef idx="1">
+            <a:schemeClr val="accent1"/>
+          </a:fillRef>
+          <a:effectRef idx="0">
+            <a:schemeClr val="accent1"/>
+          </a:effectRef>
+          <a:fontRef idx="minor">
+            <a:schemeClr val="lt1"/>
+          </a:fontRef>
+        </p:style>
+        <p:txBody>
+          <a:bodyPr rtlCol="0" anchor="ctr"/>
+          <a:lstStyle/>
+          <a:p>
+            <a:pPr algn="ctr"/>
+            <a:endParaRPr lang="en-US"/>
+          </a:p>
+        </p:txBody>
+      </p:sp>
+      <p:sp>
+        <p:nvSpPr>
+          <p:cNvPr id="43" name="Oval 42"/>
+          <p:cNvSpPr/>
+          <p:nvPr/>
+        </p:nvSpPr>
+        <p:spPr>
+          <a:xfrm>
+            <a:off x="5815805" y="2957779"/>
+            <a:ext cx="432590" cy="389469"/>
+          </a:xfrm>
+          <a:prstGeom prst="ellipse">
+            <a:avLst/>
+          </a:prstGeom>
+          <a:noFill/>
+        </p:spPr>
+        <p:style>
+          <a:lnRef idx="2">
+            <a:schemeClr val="accent1">
+              <a:shade val="50000"/>
+            </a:schemeClr>
+          </a:lnRef>
+          <a:fillRef idx="1">
+            <a:schemeClr val="accent1"/>
+          </a:fillRef>
+          <a:effectRef idx="0">
+            <a:schemeClr val="accent1"/>
+          </a:effectRef>
+          <a:fontRef idx="minor">
+            <a:schemeClr val="lt1"/>
+          </a:fontRef>
+        </p:style>
+        <p:txBody>
+          <a:bodyPr rtlCol="0" anchor="ctr"/>
+          <a:lstStyle/>
+          <a:p>
+            <a:pPr algn="ctr"/>
+            <a:endParaRPr lang="en-US"/>
+          </a:p>
+        </p:txBody>
+      </p:sp>
+      <p:sp>
+        <p:nvSpPr>
+          <p:cNvPr id="44" name="Oval 43"/>
+          <p:cNvSpPr/>
+          <p:nvPr/>
+        </p:nvSpPr>
+        <p:spPr>
+          <a:xfrm>
+            <a:off x="5815805" y="2302933"/>
+            <a:ext cx="432590" cy="389469"/>
+          </a:xfrm>
+          <a:prstGeom prst="ellipse">
+            <a:avLst/>
+          </a:prstGeom>
+          <a:noFill/>
+        </p:spPr>
+        <p:style>
+          <a:lnRef idx="2">
+            <a:schemeClr val="accent1">
+              <a:shade val="50000"/>
+            </a:schemeClr>
+          </a:lnRef>
+          <a:fillRef idx="1">
+            <a:schemeClr val="accent1"/>
+          </a:fillRef>
+          <a:effectRef idx="0">
+            <a:schemeClr val="accent1"/>
+          </a:effectRef>
+          <a:fontRef idx="minor">
+            <a:schemeClr val="lt1"/>
+          </a:fontRef>
+        </p:style>
+        <p:txBody>
+          <a:bodyPr rtlCol="0" anchor="ctr"/>
+          <a:lstStyle/>
+          <a:p>
+            <a:pPr algn="ctr"/>
+            <a:endParaRPr lang="en-US"/>
+          </a:p>
+        </p:txBody>
+      </p:sp>
+      <p:sp>
+        <p:nvSpPr>
+          <p:cNvPr id="46" name="Oval 45"/>
+          <p:cNvSpPr/>
+          <p:nvPr/>
+        </p:nvSpPr>
+        <p:spPr>
+          <a:xfrm>
+            <a:off x="5832737" y="1710266"/>
+            <a:ext cx="432590" cy="389469"/>
+          </a:xfrm>
+          <a:prstGeom prst="ellipse">
+            <a:avLst/>
+          </a:prstGeom>
+          <a:noFill/>
+        </p:spPr>
+        <p:style>
+          <a:lnRef idx="2">
+            <a:schemeClr val="accent1">
+              <a:shade val="50000"/>
+            </a:schemeClr>
+          </a:lnRef>
+          <a:fillRef idx="1">
+            <a:schemeClr val="accent1"/>
+          </a:fillRef>
+          <a:effectRef idx="0">
+            <a:schemeClr val="accent1"/>
+          </a:effectRef>
+          <a:fontRef idx="minor">
+            <a:schemeClr val="lt1"/>
+          </a:fontRef>
+        </p:style>
+        <p:txBody>
+          <a:bodyPr rtlCol="0" anchor="ctr"/>
+          <a:lstStyle/>
+          <a:p>
+            <a:pPr algn="ctr"/>
+            <a:endParaRPr lang="en-US"/>
+          </a:p>
+        </p:txBody>
+      </p:sp>
+      <p:sp>
+        <p:nvSpPr>
+          <p:cNvPr id="47" name="Oval 46"/>
+          <p:cNvSpPr/>
+          <p:nvPr/>
+        </p:nvSpPr>
+        <p:spPr>
+          <a:xfrm>
+            <a:off x="5832737" y="3735643"/>
+            <a:ext cx="432590" cy="389469"/>
+          </a:xfrm>
+          <a:prstGeom prst="ellipse">
+            <a:avLst/>
+          </a:prstGeom>
+          <a:noFill/>
+        </p:spPr>
+        <p:style>
+          <a:lnRef idx="2">
+            <a:schemeClr val="accent1">
+              <a:shade val="50000"/>
+            </a:schemeClr>
+          </a:lnRef>
+          <a:fillRef idx="1">
+            <a:schemeClr val="accent1"/>
+          </a:fillRef>
+          <a:effectRef idx="0">
+            <a:schemeClr val="accent1"/>
+          </a:effectRef>
+          <a:fontRef idx="minor">
+            <a:schemeClr val="lt1"/>
+          </a:fontRef>
+        </p:style>
+        <p:txBody>
+          <a:bodyPr rtlCol="0" anchor="ctr"/>
+          <a:lstStyle/>
+          <a:p>
+            <a:pPr algn="ctr"/>
+            <a:endParaRPr lang="en-US"/>
+          </a:p>
+        </p:txBody>
+      </p:sp>
+      <p:sp>
+        <p:nvSpPr>
+          <p:cNvPr id="50" name="Rectangle 49"/>
+          <p:cNvSpPr/>
+          <p:nvPr/>
+        </p:nvSpPr>
+        <p:spPr>
+          <a:xfrm>
+            <a:off x="2998985" y="1075765"/>
+            <a:ext cx="1302082" cy="3346333"/>
+          </a:xfrm>
+          <a:prstGeom prst="rect">
+            <a:avLst/>
+          </a:prstGeom>
+          <a:noFill/>
+        </p:spPr>
+        <p:style>
+          <a:lnRef idx="2">
+            <a:schemeClr val="accent1">
+              <a:shade val="50000"/>
+            </a:schemeClr>
+          </a:lnRef>
+          <a:fillRef idx="1">
+            <a:schemeClr val="accent1"/>
+          </a:fillRef>
+          <a:effectRef idx="0">
+            <a:schemeClr val="accent1"/>
+          </a:effectRef>
+          <a:fontRef idx="minor">
+            <a:schemeClr val="lt1"/>
+          </a:fontRef>
+        </p:style>
+        <p:txBody>
+          <a:bodyPr rtlCol="0" anchor="ctr"/>
+          <a:lstStyle/>
+          <a:p>
+            <a:pPr algn="ctr"/>
+            <a:endParaRPr lang="en-US"/>
+          </a:p>
+        </p:txBody>
+      </p:sp>
+      <p:sp>
+        <p:nvSpPr>
+          <p:cNvPr id="51" name="TextBox 50"/>
+          <p:cNvSpPr txBox="1"/>
+          <p:nvPr/>
+        </p:nvSpPr>
+        <p:spPr>
+          <a:xfrm>
+            <a:off x="3150719" y="1120312"/>
+            <a:ext cx="737702" cy="646331"/>
+          </a:xfrm>
+          <a:prstGeom prst="rect">
+            <a:avLst/>
+          </a:prstGeom>
+          <a:noFill/>
+        </p:spPr>
+        <p:txBody>
+          <a:bodyPr wrap="none" rtlCol="0">
+            <a:spAutoFit/>
+          </a:bodyPr>
+          <a:lstStyle/>
+          <a:p>
+            <a:r>
+              <a:rPr lang="en-US" dirty="0" smtClean="0"/>
+              <a:t>Input </a:t>
+            </a:r>
+          </a:p>
+          <a:p>
+            <a:r>
+              <a:rPr lang="en-US" dirty="0" smtClean="0"/>
+              <a:t>Layer</a:t>
+            </a:r>
+            <a:endParaRPr lang="en-US" dirty="0"/>
+          </a:p>
+        </p:txBody>
+      </p:sp>
+      <p:sp>
+        <p:nvSpPr>
+          <p:cNvPr id="64" name="Oval 63"/>
+          <p:cNvSpPr/>
+          <p:nvPr/>
+        </p:nvSpPr>
+        <p:spPr>
+          <a:xfrm>
+            <a:off x="7813935" y="2929206"/>
+            <a:ext cx="432590" cy="389469"/>
+          </a:xfrm>
+          <a:prstGeom prst="ellipse">
+            <a:avLst/>
+          </a:prstGeom>
+          <a:noFill/>
+        </p:spPr>
+        <p:style>
+          <a:lnRef idx="2">
+            <a:schemeClr val="accent1">
+              <a:shade val="50000"/>
+            </a:schemeClr>
+          </a:lnRef>
+          <a:fillRef idx="1">
+            <a:schemeClr val="accent1"/>
+          </a:fillRef>
+          <a:effectRef idx="0">
+            <a:schemeClr val="accent1"/>
+          </a:effectRef>
+          <a:fontRef idx="minor">
+            <a:schemeClr val="lt1"/>
+          </a:fontRef>
+        </p:style>
+        <p:txBody>
+          <a:bodyPr rtlCol="0" anchor="ctr"/>
+          <a:lstStyle/>
+          <a:p>
+            <a:pPr algn="ctr"/>
+            <a:endParaRPr lang="en-US"/>
+          </a:p>
+        </p:txBody>
+      </p:sp>
+      <p:sp>
+        <p:nvSpPr>
+          <p:cNvPr id="65" name="Oval 64"/>
+          <p:cNvSpPr/>
+          <p:nvPr/>
+        </p:nvSpPr>
+        <p:spPr>
+          <a:xfrm>
+            <a:off x="7813935" y="2274360"/>
+            <a:ext cx="432590" cy="389469"/>
+          </a:xfrm>
+          <a:prstGeom prst="ellipse">
+            <a:avLst/>
+          </a:prstGeom>
+          <a:noFill/>
+        </p:spPr>
+        <p:style>
+          <a:lnRef idx="2">
+            <a:schemeClr val="accent1">
+              <a:shade val="50000"/>
+            </a:schemeClr>
+          </a:lnRef>
+          <a:fillRef idx="1">
+            <a:schemeClr val="accent1"/>
+          </a:fillRef>
+          <a:effectRef idx="0">
+            <a:schemeClr val="accent1"/>
+          </a:effectRef>
+          <a:fontRef idx="minor">
+            <a:schemeClr val="lt1"/>
+          </a:fontRef>
+        </p:style>
+        <p:txBody>
+          <a:bodyPr rtlCol="0" anchor="ctr"/>
+          <a:lstStyle/>
+          <a:p>
+            <a:pPr algn="ctr"/>
+            <a:endParaRPr lang="en-US"/>
+          </a:p>
+        </p:txBody>
+      </p:sp>
+      <p:sp>
+        <p:nvSpPr>
+          <p:cNvPr id="67" name="Oval 66"/>
+          <p:cNvSpPr/>
+          <p:nvPr/>
+        </p:nvSpPr>
+        <p:spPr>
+          <a:xfrm>
+            <a:off x="7830867" y="1681693"/>
+            <a:ext cx="432590" cy="389469"/>
+          </a:xfrm>
+          <a:prstGeom prst="ellipse">
+            <a:avLst/>
+          </a:prstGeom>
+          <a:noFill/>
+        </p:spPr>
+        <p:style>
+          <a:lnRef idx="2">
+            <a:schemeClr val="accent1">
+              <a:shade val="50000"/>
+            </a:schemeClr>
+          </a:lnRef>
+          <a:fillRef idx="1">
+            <a:schemeClr val="accent1"/>
+          </a:fillRef>
+          <a:effectRef idx="0">
+            <a:schemeClr val="accent1"/>
+          </a:effectRef>
+          <a:fontRef idx="minor">
+            <a:schemeClr val="lt1"/>
+          </a:fontRef>
+        </p:style>
+        <p:txBody>
+          <a:bodyPr rtlCol="0" anchor="ctr"/>
+          <a:lstStyle/>
+          <a:p>
+            <a:pPr algn="ctr"/>
+            <a:endParaRPr lang="en-US"/>
+          </a:p>
+        </p:txBody>
+      </p:sp>
+      <p:sp>
+        <p:nvSpPr>
+          <p:cNvPr id="68" name="Oval 67"/>
+          <p:cNvSpPr/>
+          <p:nvPr/>
+        </p:nvSpPr>
+        <p:spPr>
+          <a:xfrm>
+            <a:off x="7830867" y="3707070"/>
+            <a:ext cx="432590" cy="389469"/>
+          </a:xfrm>
+          <a:prstGeom prst="ellipse">
+            <a:avLst/>
+          </a:prstGeom>
+          <a:noFill/>
+        </p:spPr>
+        <p:style>
+          <a:lnRef idx="2">
+            <a:schemeClr val="accent1">
+              <a:shade val="50000"/>
+            </a:schemeClr>
+          </a:lnRef>
+          <a:fillRef idx="1">
+            <a:schemeClr val="accent1"/>
+          </a:fillRef>
+          <a:effectRef idx="0">
+            <a:schemeClr val="accent1"/>
+          </a:effectRef>
+          <a:fontRef idx="minor">
+            <a:schemeClr val="lt1"/>
+          </a:fontRef>
+        </p:style>
+        <p:txBody>
+          <a:bodyPr rtlCol="0" anchor="ctr"/>
+          <a:lstStyle/>
+          <a:p>
+            <a:pPr algn="ctr"/>
+            <a:endParaRPr lang="en-US"/>
+          </a:p>
+        </p:txBody>
+      </p:sp>
+      <p:sp>
+        <p:nvSpPr>
+          <p:cNvPr id="80" name="Rectangle 79"/>
+          <p:cNvSpPr/>
+          <p:nvPr/>
+        </p:nvSpPr>
+        <p:spPr>
+          <a:xfrm>
+            <a:off x="4487335" y="1075765"/>
+            <a:ext cx="4013197" cy="3346333"/>
+          </a:xfrm>
+          <a:prstGeom prst="rect">
+            <a:avLst/>
+          </a:prstGeom>
+          <a:noFill/>
+        </p:spPr>
+        <p:style>
+          <a:lnRef idx="2">
+            <a:schemeClr val="accent1">
+              <a:shade val="50000"/>
+            </a:schemeClr>
+          </a:lnRef>
+          <a:fillRef idx="1">
+            <a:schemeClr val="accent1"/>
+          </a:fillRef>
+          <a:effectRef idx="0">
+            <a:schemeClr val="accent1"/>
+          </a:effectRef>
+          <a:fontRef idx="minor">
+            <a:schemeClr val="lt1"/>
+          </a:fontRef>
+        </p:style>
+        <p:txBody>
+          <a:bodyPr rtlCol="0" anchor="ctr"/>
+          <a:lstStyle/>
+          <a:p>
+            <a:pPr algn="ctr"/>
+            <a:endParaRPr lang="en-US"/>
+          </a:p>
+        </p:txBody>
+      </p:sp>
+      <p:sp>
+        <p:nvSpPr>
+          <p:cNvPr id="81" name="Rectangle 80"/>
+          <p:cNvSpPr/>
+          <p:nvPr/>
+        </p:nvSpPr>
+        <p:spPr>
+          <a:xfrm>
+            <a:off x="8635998" y="1075766"/>
+            <a:ext cx="1070133" cy="3346332"/>
+          </a:xfrm>
+          <a:prstGeom prst="rect">
+            <a:avLst/>
+          </a:prstGeom>
+          <a:noFill/>
+        </p:spPr>
+        <p:style>
+          <a:lnRef idx="2">
+            <a:schemeClr val="accent1">
+              <a:shade val="50000"/>
+            </a:schemeClr>
+          </a:lnRef>
+          <a:fillRef idx="1">
+            <a:schemeClr val="accent1"/>
+          </a:fillRef>
+          <a:effectRef idx="0">
+            <a:schemeClr val="accent1"/>
+          </a:effectRef>
+          <a:fontRef idx="minor">
+            <a:schemeClr val="lt1"/>
+          </a:fontRef>
+        </p:style>
+        <p:txBody>
+          <a:bodyPr rtlCol="0" anchor="ctr"/>
+          <a:lstStyle/>
+          <a:p>
+            <a:pPr algn="ctr"/>
+            <a:endParaRPr lang="en-US"/>
+          </a:p>
+        </p:txBody>
+      </p:sp>
+      <p:sp>
+        <p:nvSpPr>
+          <p:cNvPr id="82" name="TextBox 81"/>
+          <p:cNvSpPr txBox="1"/>
+          <p:nvPr/>
+        </p:nvSpPr>
+        <p:spPr>
+          <a:xfrm>
+            <a:off x="5486045" y="1135351"/>
+            <a:ext cx="1416863" cy="369332"/>
+          </a:xfrm>
+          <a:prstGeom prst="rect">
+            <a:avLst/>
+          </a:prstGeom>
+          <a:noFill/>
+        </p:spPr>
+        <p:txBody>
+          <a:bodyPr wrap="none" rtlCol="0">
+            <a:spAutoFit/>
+          </a:bodyPr>
+          <a:lstStyle/>
+          <a:p>
+            <a:r>
+              <a:rPr lang="en-US" dirty="0" smtClean="0"/>
+              <a:t>Hidden Layer</a:t>
+            </a:r>
+            <a:endParaRPr lang="en-US" dirty="0"/>
+          </a:p>
+        </p:txBody>
+      </p:sp>
+      <p:sp>
+        <p:nvSpPr>
+          <p:cNvPr id="83" name="TextBox 82"/>
+          <p:cNvSpPr txBox="1"/>
+          <p:nvPr/>
+        </p:nvSpPr>
+        <p:spPr>
+          <a:xfrm>
+            <a:off x="8686800" y="1169469"/>
+            <a:ext cx="909223" cy="646331"/>
+          </a:xfrm>
+          <a:prstGeom prst="rect">
+            <a:avLst/>
+          </a:prstGeom>
+          <a:noFill/>
+        </p:spPr>
+        <p:txBody>
+          <a:bodyPr wrap="none" rtlCol="0">
+            <a:spAutoFit/>
+          </a:bodyPr>
+          <a:lstStyle/>
+          <a:p>
+            <a:r>
+              <a:rPr lang="en-US" dirty="0" smtClean="0"/>
+              <a:t>Output </a:t>
+            </a:r>
+          </a:p>
+          <a:p>
+            <a:r>
+              <a:rPr lang="en-US" dirty="0" smtClean="0"/>
+              <a:t>Layer</a:t>
+            </a:r>
+            <a:endParaRPr lang="en-US" dirty="0"/>
+          </a:p>
+        </p:txBody>
+      </p:sp>
+      <p:cxnSp>
+        <p:nvCxnSpPr>
+          <p:cNvPr id="85" name="Straight Connector 84"/>
+          <p:cNvCxnSpPr>
+            <a:stCxn id="29" idx="6"/>
+            <a:endCxn id="34" idx="2"/>
+          </p:cNvCxnSpPr>
+          <p:nvPr/>
+        </p:nvCxnSpPr>
+        <p:spPr>
+          <a:xfrm>
+            <a:off x="3674533" y="2514599"/>
+            <a:ext cx="922076" cy="3"/>
+          </a:xfrm>
+          <a:prstGeom prst="line">
+            <a:avLst/>
+          </a:prstGeom>
+        </p:spPr>
+        <p:style>
+          <a:lnRef idx="1">
+            <a:schemeClr val="accent1"/>
+          </a:lnRef>
+          <a:fillRef idx="0">
+            <a:schemeClr val="accent1"/>
+          </a:fillRef>
+          <a:effectRef idx="0">
+            <a:schemeClr val="accent1"/>
+          </a:effectRef>
+          <a:fontRef idx="minor">
+            <a:schemeClr val="tx1"/>
+          </a:fontRef>
+        </p:style>
+      </p:cxnSp>
+      <p:cxnSp>
+        <p:nvCxnSpPr>
+          <p:cNvPr id="87" name="Straight Connector 86"/>
+          <p:cNvCxnSpPr>
+            <a:stCxn id="29" idx="6"/>
+            <a:endCxn id="33" idx="2"/>
+          </p:cNvCxnSpPr>
+          <p:nvPr/>
+        </p:nvCxnSpPr>
+        <p:spPr>
+          <a:xfrm>
+            <a:off x="3674533" y="2514599"/>
+            <a:ext cx="922076" cy="654849"/>
+          </a:xfrm>
+          <a:prstGeom prst="line">
+            <a:avLst/>
+          </a:prstGeom>
+        </p:spPr>
+        <p:style>
+          <a:lnRef idx="1">
+            <a:schemeClr val="accent1"/>
+          </a:lnRef>
+          <a:fillRef idx="0">
+            <a:schemeClr val="accent1"/>
+          </a:fillRef>
+          <a:effectRef idx="0">
+            <a:schemeClr val="accent1"/>
+          </a:effectRef>
+          <a:fontRef idx="minor">
+            <a:schemeClr val="tx1"/>
+          </a:fontRef>
+        </p:style>
+      </p:cxnSp>
+      <p:cxnSp>
+        <p:nvCxnSpPr>
+          <p:cNvPr id="89" name="Straight Connector 88"/>
+          <p:cNvCxnSpPr>
+            <a:stCxn id="29" idx="6"/>
+            <a:endCxn id="40" idx="2"/>
+          </p:cNvCxnSpPr>
+          <p:nvPr/>
+        </p:nvCxnSpPr>
+        <p:spPr>
+          <a:xfrm>
+            <a:off x="3674533" y="2514599"/>
+            <a:ext cx="939008" cy="1432713"/>
+          </a:xfrm>
+          <a:prstGeom prst="line">
+            <a:avLst/>
+          </a:prstGeom>
+        </p:spPr>
+        <p:style>
+          <a:lnRef idx="1">
+            <a:schemeClr val="accent1"/>
+          </a:lnRef>
+          <a:fillRef idx="0">
+            <a:schemeClr val="accent1"/>
+          </a:fillRef>
+          <a:effectRef idx="0">
+            <a:schemeClr val="accent1"/>
+          </a:effectRef>
+          <a:fontRef idx="minor">
+            <a:schemeClr val="tx1"/>
+          </a:fontRef>
+        </p:style>
+      </p:cxnSp>
+      <p:cxnSp>
+        <p:nvCxnSpPr>
+          <p:cNvPr id="93" name="Straight Connector 92"/>
+          <p:cNvCxnSpPr>
+            <a:stCxn id="14" idx="6"/>
+            <a:endCxn id="34" idx="2"/>
+          </p:cNvCxnSpPr>
+          <p:nvPr/>
+        </p:nvCxnSpPr>
+        <p:spPr>
+          <a:xfrm flipV="1">
+            <a:off x="3674533" y="2514602"/>
+            <a:ext cx="922076" cy="654843"/>
+          </a:xfrm>
+          <a:prstGeom prst="line">
+            <a:avLst/>
+          </a:prstGeom>
+        </p:spPr>
+        <p:style>
+          <a:lnRef idx="1">
+            <a:schemeClr val="accent1"/>
+          </a:lnRef>
+          <a:fillRef idx="0">
+            <a:schemeClr val="accent1"/>
+          </a:fillRef>
+          <a:effectRef idx="0">
+            <a:schemeClr val="accent1"/>
+          </a:effectRef>
+          <a:fontRef idx="minor">
+            <a:schemeClr val="tx1"/>
+          </a:fontRef>
+        </p:style>
+      </p:cxnSp>
+      <p:cxnSp>
+        <p:nvCxnSpPr>
+          <p:cNvPr id="95" name="Straight Connector 94"/>
+          <p:cNvCxnSpPr>
+            <a:stCxn id="14" idx="6"/>
+            <a:endCxn id="33" idx="2"/>
+          </p:cNvCxnSpPr>
+          <p:nvPr/>
+        </p:nvCxnSpPr>
+        <p:spPr>
+          <a:xfrm>
+            <a:off x="3674533" y="3169445"/>
+            <a:ext cx="922076" cy="3"/>
+          </a:xfrm>
+          <a:prstGeom prst="line">
+            <a:avLst/>
+          </a:prstGeom>
+        </p:spPr>
+        <p:style>
+          <a:lnRef idx="1">
+            <a:schemeClr val="accent1"/>
+          </a:lnRef>
+          <a:fillRef idx="0">
+            <a:schemeClr val="accent1"/>
+          </a:fillRef>
+          <a:effectRef idx="0">
+            <a:schemeClr val="accent1"/>
+          </a:effectRef>
+          <a:fontRef idx="minor">
+            <a:schemeClr val="tx1"/>
+          </a:fontRef>
+        </p:style>
+      </p:cxnSp>
+      <p:cxnSp>
+        <p:nvCxnSpPr>
+          <p:cNvPr id="98" name="Straight Connector 97"/>
+          <p:cNvCxnSpPr>
+            <a:stCxn id="14" idx="6"/>
+            <a:endCxn id="40" idx="2"/>
+          </p:cNvCxnSpPr>
+          <p:nvPr/>
+        </p:nvCxnSpPr>
+        <p:spPr>
+          <a:xfrm>
+            <a:off x="3674533" y="3169445"/>
+            <a:ext cx="939008" cy="777867"/>
+          </a:xfrm>
+          <a:prstGeom prst="line">
+            <a:avLst/>
+          </a:prstGeom>
+        </p:spPr>
+        <p:style>
+          <a:lnRef idx="1">
+            <a:schemeClr val="accent1"/>
+          </a:lnRef>
+          <a:fillRef idx="0">
+            <a:schemeClr val="accent1"/>
+          </a:fillRef>
+          <a:effectRef idx="0">
+            <a:schemeClr val="accent1"/>
+          </a:effectRef>
+          <a:fontRef idx="minor">
+            <a:schemeClr val="tx1"/>
+          </a:fontRef>
+        </p:style>
+      </p:cxnSp>
+      <p:cxnSp>
+        <p:nvCxnSpPr>
+          <p:cNvPr id="99" name="Straight Connector 98"/>
+          <p:cNvCxnSpPr>
+            <a:stCxn id="30" idx="6"/>
+            <a:endCxn id="34" idx="2"/>
+          </p:cNvCxnSpPr>
+          <p:nvPr/>
+        </p:nvCxnSpPr>
+        <p:spPr>
+          <a:xfrm flipV="1">
+            <a:off x="3674533" y="2514602"/>
+            <a:ext cx="922076" cy="1398838"/>
+          </a:xfrm>
+          <a:prstGeom prst="line">
+            <a:avLst/>
+          </a:prstGeom>
+        </p:spPr>
+        <p:style>
+          <a:lnRef idx="1">
+            <a:schemeClr val="accent1"/>
+          </a:lnRef>
+          <a:fillRef idx="0">
+            <a:schemeClr val="accent1"/>
+          </a:fillRef>
+          <a:effectRef idx="0">
+            <a:schemeClr val="accent1"/>
+          </a:effectRef>
+          <a:fontRef idx="minor">
+            <a:schemeClr val="tx1"/>
+          </a:fontRef>
+        </p:style>
+      </p:cxnSp>
+      <p:cxnSp>
+        <p:nvCxnSpPr>
+          <p:cNvPr id="100" name="Straight Connector 99"/>
+          <p:cNvCxnSpPr>
+            <a:stCxn id="30" idx="6"/>
+            <a:endCxn id="40" idx="2"/>
+          </p:cNvCxnSpPr>
+          <p:nvPr/>
+        </p:nvCxnSpPr>
+        <p:spPr>
+          <a:xfrm>
+            <a:off x="3674533" y="3913440"/>
+            <a:ext cx="939008" cy="33872"/>
+          </a:xfrm>
+          <a:prstGeom prst="line">
+            <a:avLst/>
+          </a:prstGeom>
+        </p:spPr>
+        <p:style>
+          <a:lnRef idx="1">
+            <a:schemeClr val="accent1"/>
+          </a:lnRef>
+          <a:fillRef idx="0">
+            <a:schemeClr val="accent1"/>
+          </a:fillRef>
+          <a:effectRef idx="0">
+            <a:schemeClr val="accent1"/>
+          </a:effectRef>
+          <a:fontRef idx="minor">
+            <a:schemeClr val="tx1"/>
+          </a:fontRef>
+        </p:style>
+      </p:cxnSp>
+      <p:cxnSp>
+        <p:nvCxnSpPr>
+          <p:cNvPr id="101" name="Straight Connector 100"/>
+          <p:cNvCxnSpPr>
+            <a:stCxn id="30" idx="6"/>
+            <a:endCxn id="33" idx="2"/>
+          </p:cNvCxnSpPr>
+          <p:nvPr/>
+        </p:nvCxnSpPr>
+        <p:spPr>
+          <a:xfrm flipV="1">
+            <a:off x="3674533" y="3169448"/>
+            <a:ext cx="922076" cy="743992"/>
+          </a:xfrm>
+          <a:prstGeom prst="line">
+            <a:avLst/>
+          </a:prstGeom>
+        </p:spPr>
+        <p:style>
+          <a:lnRef idx="1">
+            <a:schemeClr val="accent1"/>
+          </a:lnRef>
+          <a:fillRef idx="0">
+            <a:schemeClr val="accent1"/>
+          </a:fillRef>
+          <a:effectRef idx="0">
+            <a:schemeClr val="accent1"/>
+          </a:effectRef>
+          <a:fontRef idx="minor">
+            <a:schemeClr val="tx1"/>
+          </a:fontRef>
+        </p:style>
+      </p:cxnSp>
+      <p:cxnSp>
+        <p:nvCxnSpPr>
+          <p:cNvPr id="121" name="Straight Connector 120"/>
+          <p:cNvCxnSpPr>
+            <a:stCxn id="34" idx="6"/>
+            <a:endCxn id="44" idx="2"/>
+          </p:cNvCxnSpPr>
+          <p:nvPr/>
+        </p:nvCxnSpPr>
+        <p:spPr>
+          <a:xfrm flipV="1">
+            <a:off x="5029199" y="2497668"/>
+            <a:ext cx="786606" cy="16934"/>
+          </a:xfrm>
+          <a:prstGeom prst="line">
+            <a:avLst/>
+          </a:prstGeom>
+        </p:spPr>
+        <p:style>
+          <a:lnRef idx="1">
+            <a:schemeClr val="accent1"/>
+          </a:lnRef>
+          <a:fillRef idx="0">
+            <a:schemeClr val="accent1"/>
+          </a:fillRef>
+          <a:effectRef idx="0">
+            <a:schemeClr val="accent1"/>
+          </a:effectRef>
+          <a:fontRef idx="minor">
+            <a:schemeClr val="tx1"/>
+          </a:fontRef>
+        </p:style>
+      </p:cxnSp>
+      <p:cxnSp>
+        <p:nvCxnSpPr>
+          <p:cNvPr id="122" name="Straight Connector 121"/>
+          <p:cNvCxnSpPr>
+            <a:stCxn id="34" idx="6"/>
+            <a:endCxn id="43" idx="2"/>
+          </p:cNvCxnSpPr>
+          <p:nvPr/>
+        </p:nvCxnSpPr>
+        <p:spPr>
+          <a:xfrm>
+            <a:off x="5029199" y="2514602"/>
+            <a:ext cx="786606" cy="637912"/>
+          </a:xfrm>
+          <a:prstGeom prst="line">
+            <a:avLst/>
+          </a:prstGeom>
+        </p:spPr>
+        <p:style>
+          <a:lnRef idx="1">
+            <a:schemeClr val="accent1"/>
+          </a:lnRef>
+          <a:fillRef idx="0">
+            <a:schemeClr val="accent1"/>
+          </a:fillRef>
+          <a:effectRef idx="0">
+            <a:schemeClr val="accent1"/>
+          </a:effectRef>
+          <a:fontRef idx="minor">
+            <a:schemeClr val="tx1"/>
+          </a:fontRef>
+        </p:style>
+      </p:cxnSp>
+      <p:cxnSp>
+        <p:nvCxnSpPr>
+          <p:cNvPr id="123" name="Straight Connector 122"/>
+          <p:cNvCxnSpPr>
+            <a:stCxn id="34" idx="6"/>
+            <a:endCxn id="47" idx="2"/>
+          </p:cNvCxnSpPr>
+          <p:nvPr/>
+        </p:nvCxnSpPr>
+        <p:spPr>
+          <a:xfrm>
+            <a:off x="5029199" y="2514602"/>
+            <a:ext cx="803538" cy="1415776"/>
+          </a:xfrm>
+          <a:prstGeom prst="line">
+            <a:avLst/>
+          </a:prstGeom>
+        </p:spPr>
+        <p:style>
+          <a:lnRef idx="1">
+            <a:schemeClr val="accent1"/>
+          </a:lnRef>
+          <a:fillRef idx="0">
+            <a:schemeClr val="accent1"/>
+          </a:fillRef>
+          <a:effectRef idx="0">
+            <a:schemeClr val="accent1"/>
+          </a:effectRef>
+          <a:fontRef idx="minor">
+            <a:schemeClr val="tx1"/>
+          </a:fontRef>
+        </p:style>
+      </p:cxnSp>
+      <p:cxnSp>
+        <p:nvCxnSpPr>
+          <p:cNvPr id="124" name="Straight Connector 123"/>
+          <p:cNvCxnSpPr>
+            <a:stCxn id="33" idx="6"/>
+            <a:endCxn id="44" idx="2"/>
+          </p:cNvCxnSpPr>
+          <p:nvPr/>
+        </p:nvCxnSpPr>
+        <p:spPr>
+          <a:xfrm flipV="1">
+            <a:off x="5029199" y="2497668"/>
+            <a:ext cx="786606" cy="671780"/>
+          </a:xfrm>
+          <a:prstGeom prst="line">
+            <a:avLst/>
+          </a:prstGeom>
+        </p:spPr>
+        <p:style>
+          <a:lnRef idx="1">
+            <a:schemeClr val="accent1"/>
+          </a:lnRef>
+          <a:fillRef idx="0">
+            <a:schemeClr val="accent1"/>
+          </a:fillRef>
+          <a:effectRef idx="0">
+            <a:schemeClr val="accent1"/>
+          </a:effectRef>
+          <a:fontRef idx="minor">
+            <a:schemeClr val="tx1"/>
+          </a:fontRef>
+        </p:style>
+      </p:cxnSp>
+      <p:cxnSp>
+        <p:nvCxnSpPr>
+          <p:cNvPr id="125" name="Straight Connector 124"/>
+          <p:cNvCxnSpPr>
+            <a:stCxn id="33" idx="6"/>
+            <a:endCxn id="43" idx="2"/>
+          </p:cNvCxnSpPr>
+          <p:nvPr/>
+        </p:nvCxnSpPr>
+        <p:spPr>
+          <a:xfrm flipV="1">
+            <a:off x="5029199" y="3152514"/>
+            <a:ext cx="786606" cy="16934"/>
+          </a:xfrm>
+          <a:prstGeom prst="line">
+            <a:avLst/>
+          </a:prstGeom>
+        </p:spPr>
+        <p:style>
+          <a:lnRef idx="1">
+            <a:schemeClr val="accent1"/>
+          </a:lnRef>
+          <a:fillRef idx="0">
+            <a:schemeClr val="accent1"/>
+          </a:fillRef>
+          <a:effectRef idx="0">
+            <a:schemeClr val="accent1"/>
+          </a:effectRef>
+          <a:fontRef idx="minor">
+            <a:schemeClr val="tx1"/>
+          </a:fontRef>
+        </p:style>
+      </p:cxnSp>
+      <p:cxnSp>
+        <p:nvCxnSpPr>
+          <p:cNvPr id="126" name="Straight Connector 125"/>
+          <p:cNvCxnSpPr>
+            <a:stCxn id="33" idx="6"/>
+            <a:endCxn id="47" idx="2"/>
+          </p:cNvCxnSpPr>
+          <p:nvPr/>
+        </p:nvCxnSpPr>
+        <p:spPr>
+          <a:xfrm>
+            <a:off x="5029199" y="3169448"/>
+            <a:ext cx="803538" cy="760930"/>
+          </a:xfrm>
+          <a:prstGeom prst="line">
+            <a:avLst/>
+          </a:prstGeom>
+        </p:spPr>
+        <p:style>
+          <a:lnRef idx="1">
+            <a:schemeClr val="accent1"/>
+          </a:lnRef>
+          <a:fillRef idx="0">
+            <a:schemeClr val="accent1"/>
+          </a:fillRef>
+          <a:effectRef idx="0">
+            <a:schemeClr val="accent1"/>
+          </a:effectRef>
+          <a:fontRef idx="minor">
+            <a:schemeClr val="tx1"/>
+          </a:fontRef>
+        </p:style>
+      </p:cxnSp>
+      <p:cxnSp>
+        <p:nvCxnSpPr>
+          <p:cNvPr id="127" name="Straight Connector 126"/>
+          <p:cNvCxnSpPr>
+            <a:stCxn id="40" idx="6"/>
+            <a:endCxn id="44" idx="2"/>
+          </p:cNvCxnSpPr>
+          <p:nvPr/>
+        </p:nvCxnSpPr>
+        <p:spPr>
+          <a:xfrm flipV="1">
+            <a:off x="5046131" y="2497668"/>
+            <a:ext cx="769674" cy="1449644"/>
+          </a:xfrm>
+          <a:prstGeom prst="line">
+            <a:avLst/>
+          </a:prstGeom>
+        </p:spPr>
+        <p:style>
+          <a:lnRef idx="1">
+            <a:schemeClr val="accent1"/>
+          </a:lnRef>
+          <a:fillRef idx="0">
+            <a:schemeClr val="accent1"/>
+          </a:fillRef>
+          <a:effectRef idx="0">
+            <a:schemeClr val="accent1"/>
+          </a:effectRef>
+          <a:fontRef idx="minor">
+            <a:schemeClr val="tx1"/>
+          </a:fontRef>
+        </p:style>
+      </p:cxnSp>
+      <p:cxnSp>
+        <p:nvCxnSpPr>
+          <p:cNvPr id="128" name="Straight Connector 127"/>
+          <p:cNvCxnSpPr>
+            <a:stCxn id="40" idx="6"/>
+            <a:endCxn id="47" idx="2"/>
+          </p:cNvCxnSpPr>
+          <p:nvPr/>
+        </p:nvCxnSpPr>
+        <p:spPr>
+          <a:xfrm flipV="1">
+            <a:off x="5046131" y="3930378"/>
+            <a:ext cx="786606" cy="16934"/>
+          </a:xfrm>
+          <a:prstGeom prst="line">
+            <a:avLst/>
+          </a:prstGeom>
+        </p:spPr>
+        <p:style>
+          <a:lnRef idx="1">
+            <a:schemeClr val="accent1"/>
+          </a:lnRef>
+          <a:fillRef idx="0">
+            <a:schemeClr val="accent1"/>
+          </a:fillRef>
+          <a:effectRef idx="0">
+            <a:schemeClr val="accent1"/>
+          </a:effectRef>
+          <a:fontRef idx="minor">
+            <a:schemeClr val="tx1"/>
+          </a:fontRef>
+        </p:style>
+      </p:cxnSp>
+      <p:cxnSp>
+        <p:nvCxnSpPr>
+          <p:cNvPr id="129" name="Straight Connector 128"/>
+          <p:cNvCxnSpPr>
+            <a:stCxn id="40" idx="6"/>
+            <a:endCxn id="43" idx="2"/>
+          </p:cNvCxnSpPr>
+          <p:nvPr/>
+        </p:nvCxnSpPr>
+        <p:spPr>
+          <a:xfrm flipV="1">
+            <a:off x="5046131" y="3152514"/>
+            <a:ext cx="769674" cy="794798"/>
+          </a:xfrm>
+          <a:prstGeom prst="line">
+            <a:avLst/>
+          </a:prstGeom>
+        </p:spPr>
+        <p:style>
+          <a:lnRef idx="1">
+            <a:schemeClr val="accent1"/>
+          </a:lnRef>
+          <a:fillRef idx="0">
+            <a:schemeClr val="accent1"/>
+          </a:fillRef>
+          <a:effectRef idx="0">
+            <a:schemeClr val="accent1"/>
+          </a:effectRef>
+          <a:fontRef idx="minor">
+            <a:schemeClr val="tx1"/>
+          </a:fontRef>
+        </p:style>
+      </p:cxnSp>
+      <p:cxnSp>
+        <p:nvCxnSpPr>
+          <p:cNvPr id="150" name="Straight Connector 149"/>
+          <p:cNvCxnSpPr>
+            <a:stCxn id="39" idx="6"/>
+            <a:endCxn id="44" idx="2"/>
+          </p:cNvCxnSpPr>
+          <p:nvPr/>
+        </p:nvCxnSpPr>
+        <p:spPr>
+          <a:xfrm>
+            <a:off x="5046131" y="1921935"/>
+            <a:ext cx="769674" cy="575733"/>
+          </a:xfrm>
+          <a:prstGeom prst="line">
+            <a:avLst/>
+          </a:prstGeom>
+        </p:spPr>
+        <p:style>
+          <a:lnRef idx="1">
+            <a:schemeClr val="accent1"/>
+          </a:lnRef>
+          <a:fillRef idx="0">
+            <a:schemeClr val="accent1"/>
+          </a:fillRef>
+          <a:effectRef idx="0">
+            <a:schemeClr val="accent1"/>
+          </a:effectRef>
+          <a:fontRef idx="minor">
+            <a:schemeClr val="tx1"/>
+          </a:fontRef>
+        </p:style>
+      </p:cxnSp>
+      <p:cxnSp>
+        <p:nvCxnSpPr>
+          <p:cNvPr id="153" name="Straight Connector 152"/>
+          <p:cNvCxnSpPr>
+            <a:stCxn id="39" idx="6"/>
+            <a:endCxn id="43" idx="2"/>
+          </p:cNvCxnSpPr>
+          <p:nvPr/>
+        </p:nvCxnSpPr>
+        <p:spPr>
+          <a:xfrm>
+            <a:off x="5046131" y="1921935"/>
+            <a:ext cx="769674" cy="1230579"/>
+          </a:xfrm>
+          <a:prstGeom prst="line">
+            <a:avLst/>
+          </a:prstGeom>
+        </p:spPr>
+        <p:style>
+          <a:lnRef idx="1">
+            <a:schemeClr val="accent1"/>
+          </a:lnRef>
+          <a:fillRef idx="0">
+            <a:schemeClr val="accent1"/>
+          </a:fillRef>
+          <a:effectRef idx="0">
+            <a:schemeClr val="accent1"/>
+          </a:effectRef>
+          <a:fontRef idx="minor">
+            <a:schemeClr val="tx1"/>
+          </a:fontRef>
+        </p:style>
+      </p:cxnSp>
+      <p:cxnSp>
+        <p:nvCxnSpPr>
+          <p:cNvPr id="156" name="Straight Connector 155"/>
+          <p:cNvCxnSpPr>
+            <a:stCxn id="67" idx="6"/>
+            <a:endCxn id="37" idx="2"/>
+          </p:cNvCxnSpPr>
+          <p:nvPr/>
+        </p:nvCxnSpPr>
+        <p:spPr>
+          <a:xfrm>
+            <a:off x="8263457" y="1876428"/>
+            <a:ext cx="698094" cy="854994"/>
+          </a:xfrm>
+          <a:prstGeom prst="line">
+            <a:avLst/>
+          </a:prstGeom>
+        </p:spPr>
+        <p:style>
+          <a:lnRef idx="1">
+            <a:schemeClr val="accent1"/>
+          </a:lnRef>
+          <a:fillRef idx="0">
+            <a:schemeClr val="accent1"/>
+          </a:fillRef>
+          <a:effectRef idx="0">
+            <a:schemeClr val="accent1"/>
+          </a:effectRef>
+          <a:fontRef idx="minor">
+            <a:schemeClr val="tx1"/>
+          </a:fontRef>
+        </p:style>
+      </p:cxnSp>
+      <p:cxnSp>
+        <p:nvCxnSpPr>
+          <p:cNvPr id="157" name="Straight Connector 156"/>
+          <p:cNvCxnSpPr>
+            <a:stCxn id="39" idx="6"/>
+            <a:endCxn id="47" idx="2"/>
+          </p:cNvCxnSpPr>
+          <p:nvPr/>
+        </p:nvCxnSpPr>
+        <p:spPr>
+          <a:xfrm>
+            <a:off x="5046131" y="1921935"/>
+            <a:ext cx="786606" cy="2008443"/>
+          </a:xfrm>
+          <a:prstGeom prst="line">
+            <a:avLst/>
+          </a:prstGeom>
+        </p:spPr>
+        <p:style>
+          <a:lnRef idx="1">
+            <a:schemeClr val="accent1"/>
+          </a:lnRef>
+          <a:fillRef idx="0">
+            <a:schemeClr val="accent1"/>
+          </a:fillRef>
+          <a:effectRef idx="0">
+            <a:schemeClr val="accent1"/>
+          </a:effectRef>
+          <a:fontRef idx="minor">
+            <a:schemeClr val="tx1"/>
+          </a:fontRef>
+        </p:style>
+      </p:cxnSp>
+      <p:cxnSp>
+        <p:nvCxnSpPr>
+          <p:cNvPr id="162" name="Straight Connector 161"/>
+          <p:cNvCxnSpPr>
+            <a:stCxn id="65" idx="6"/>
+            <a:endCxn id="37" idx="2"/>
+          </p:cNvCxnSpPr>
+          <p:nvPr/>
+        </p:nvCxnSpPr>
+        <p:spPr>
+          <a:xfrm>
+            <a:off x="8246525" y="2469095"/>
+            <a:ext cx="715026" cy="262327"/>
+          </a:xfrm>
+          <a:prstGeom prst="line">
+            <a:avLst/>
+          </a:prstGeom>
+        </p:spPr>
+        <p:style>
+          <a:lnRef idx="1">
+            <a:schemeClr val="accent1"/>
+          </a:lnRef>
+          <a:fillRef idx="0">
+            <a:schemeClr val="accent1"/>
+          </a:fillRef>
+          <a:effectRef idx="0">
+            <a:schemeClr val="accent1"/>
+          </a:effectRef>
+          <a:fontRef idx="minor">
+            <a:schemeClr val="tx1"/>
+          </a:fontRef>
+        </p:style>
+      </p:cxnSp>
+      <p:cxnSp>
+        <p:nvCxnSpPr>
+          <p:cNvPr id="164" name="Straight Connector 163"/>
+          <p:cNvCxnSpPr>
+            <a:stCxn id="65" idx="6"/>
+            <a:endCxn id="38" idx="2"/>
+          </p:cNvCxnSpPr>
+          <p:nvPr/>
+        </p:nvCxnSpPr>
+        <p:spPr>
+          <a:xfrm>
+            <a:off x="8246525" y="2469095"/>
+            <a:ext cx="681563" cy="1042253"/>
+          </a:xfrm>
+          <a:prstGeom prst="line">
+            <a:avLst/>
+          </a:prstGeom>
+        </p:spPr>
+        <p:style>
+          <a:lnRef idx="1">
+            <a:schemeClr val="accent1"/>
+          </a:lnRef>
+          <a:fillRef idx="0">
+            <a:schemeClr val="accent1"/>
+          </a:fillRef>
+          <a:effectRef idx="0">
+            <a:schemeClr val="accent1"/>
+          </a:effectRef>
+          <a:fontRef idx="minor">
+            <a:schemeClr val="tx1"/>
+          </a:fontRef>
+        </p:style>
+      </p:cxnSp>
+      <p:cxnSp>
+        <p:nvCxnSpPr>
+          <p:cNvPr id="165" name="Straight Connector 164"/>
+          <p:cNvCxnSpPr>
+            <a:stCxn id="64" idx="6"/>
+            <a:endCxn id="37" idx="2"/>
+          </p:cNvCxnSpPr>
+          <p:nvPr/>
+        </p:nvCxnSpPr>
+        <p:spPr>
+          <a:xfrm flipV="1">
+            <a:off x="8246525" y="2731422"/>
+            <a:ext cx="715026" cy="392519"/>
+          </a:xfrm>
+          <a:prstGeom prst="line">
+            <a:avLst/>
+          </a:prstGeom>
+        </p:spPr>
+        <p:style>
+          <a:lnRef idx="1">
+            <a:schemeClr val="accent1"/>
+          </a:lnRef>
+          <a:fillRef idx="0">
+            <a:schemeClr val="accent1"/>
+          </a:fillRef>
+          <a:effectRef idx="0">
+            <a:schemeClr val="accent1"/>
+          </a:effectRef>
+          <a:fontRef idx="minor">
+            <a:schemeClr val="tx1"/>
+          </a:fontRef>
+        </p:style>
+      </p:cxnSp>
+      <p:cxnSp>
+        <p:nvCxnSpPr>
+          <p:cNvPr id="167" name="Straight Connector 166"/>
+          <p:cNvCxnSpPr>
+            <a:stCxn id="64" idx="6"/>
+            <a:endCxn id="38" idx="2"/>
+          </p:cNvCxnSpPr>
+          <p:nvPr/>
+        </p:nvCxnSpPr>
+        <p:spPr>
+          <a:xfrm>
+            <a:off x="8246525" y="3123941"/>
+            <a:ext cx="681563" cy="387407"/>
+          </a:xfrm>
+          <a:prstGeom prst="line">
+            <a:avLst/>
+          </a:prstGeom>
+        </p:spPr>
+        <p:style>
+          <a:lnRef idx="1">
+            <a:schemeClr val="accent1"/>
+          </a:lnRef>
+          <a:fillRef idx="0">
+            <a:schemeClr val="accent1"/>
+          </a:fillRef>
+          <a:effectRef idx="0">
+            <a:schemeClr val="accent1"/>
+          </a:effectRef>
+          <a:fontRef idx="minor">
+            <a:schemeClr val="tx1"/>
+          </a:fontRef>
+        </p:style>
+      </p:cxnSp>
+      <p:cxnSp>
+        <p:nvCxnSpPr>
+          <p:cNvPr id="168" name="Straight Connector 167"/>
+          <p:cNvCxnSpPr>
+            <a:stCxn id="68" idx="6"/>
+            <a:endCxn id="37" idx="2"/>
+          </p:cNvCxnSpPr>
+          <p:nvPr/>
+        </p:nvCxnSpPr>
+        <p:spPr>
+          <a:xfrm flipV="1">
+            <a:off x="8263457" y="2731422"/>
+            <a:ext cx="698094" cy="1170383"/>
+          </a:xfrm>
+          <a:prstGeom prst="line">
+            <a:avLst/>
+          </a:prstGeom>
+        </p:spPr>
+        <p:style>
+          <a:lnRef idx="1">
+            <a:schemeClr val="accent1"/>
+          </a:lnRef>
+          <a:fillRef idx="0">
+            <a:schemeClr val="accent1"/>
+          </a:fillRef>
+          <a:effectRef idx="0">
+            <a:schemeClr val="accent1"/>
+          </a:effectRef>
+          <a:fontRef idx="minor">
+            <a:schemeClr val="tx1"/>
+          </a:fontRef>
+        </p:style>
+      </p:cxnSp>
+      <p:cxnSp>
+        <p:nvCxnSpPr>
+          <p:cNvPr id="169" name="Straight Connector 168"/>
+          <p:cNvCxnSpPr>
+            <a:stCxn id="68" idx="6"/>
+            <a:endCxn id="38" idx="2"/>
+          </p:cNvCxnSpPr>
+          <p:nvPr/>
+        </p:nvCxnSpPr>
+        <p:spPr>
+          <a:xfrm flipV="1">
+            <a:off x="8263457" y="3511348"/>
+            <a:ext cx="664631" cy="390457"/>
+          </a:xfrm>
+          <a:prstGeom prst="line">
+            <a:avLst/>
+          </a:prstGeom>
+        </p:spPr>
+        <p:style>
+          <a:lnRef idx="1">
+            <a:schemeClr val="accent1"/>
+          </a:lnRef>
+          <a:fillRef idx="0">
+            <a:schemeClr val="accent1"/>
+          </a:fillRef>
+          <a:effectRef idx="0">
+            <a:schemeClr val="accent1"/>
+          </a:effectRef>
+          <a:fontRef idx="minor">
+            <a:schemeClr val="tx1"/>
+          </a:fontRef>
+        </p:style>
+      </p:cxnSp>
+      <p:cxnSp>
+        <p:nvCxnSpPr>
+          <p:cNvPr id="173" name="Straight Connector 172"/>
+          <p:cNvCxnSpPr>
+            <a:stCxn id="67" idx="6"/>
+            <a:endCxn id="38" idx="2"/>
+          </p:cNvCxnSpPr>
+          <p:nvPr/>
+        </p:nvCxnSpPr>
+        <p:spPr>
+          <a:xfrm>
+            <a:off x="8263457" y="1876428"/>
+            <a:ext cx="664631" cy="1634920"/>
+          </a:xfrm>
+          <a:prstGeom prst="line">
+            <a:avLst/>
+          </a:prstGeom>
+        </p:spPr>
+        <p:style>
+          <a:lnRef idx="1">
+            <a:schemeClr val="accent1"/>
+          </a:lnRef>
+          <a:fillRef idx="0">
+            <a:schemeClr val="accent1"/>
+          </a:fillRef>
+          <a:effectRef idx="0">
+            <a:schemeClr val="accent1"/>
+          </a:effectRef>
+          <a:fontRef idx="minor">
+            <a:schemeClr val="tx1"/>
+          </a:fontRef>
+        </p:style>
+      </p:cxnSp>
+      <p:sp>
+        <p:nvSpPr>
+          <p:cNvPr id="90" name="Oval 89"/>
+          <p:cNvSpPr/>
+          <p:nvPr/>
+        </p:nvSpPr>
+        <p:spPr>
+          <a:xfrm>
+            <a:off x="6796888" y="2953011"/>
+            <a:ext cx="432590" cy="389469"/>
+          </a:xfrm>
+          <a:prstGeom prst="ellipse">
+            <a:avLst/>
+          </a:prstGeom>
+          <a:noFill/>
+        </p:spPr>
+        <p:style>
+          <a:lnRef idx="2">
+            <a:schemeClr val="accent1">
+              <a:shade val="50000"/>
+            </a:schemeClr>
+          </a:lnRef>
+          <a:fillRef idx="1">
+            <a:schemeClr val="accent1"/>
+          </a:fillRef>
+          <a:effectRef idx="0">
+            <a:schemeClr val="accent1"/>
+          </a:effectRef>
+          <a:fontRef idx="minor">
+            <a:schemeClr val="lt1"/>
+          </a:fontRef>
+        </p:style>
+        <p:txBody>
+          <a:bodyPr rtlCol="0" anchor="ctr"/>
+          <a:lstStyle/>
+          <a:p>
+            <a:pPr algn="ctr"/>
+            <a:endParaRPr lang="en-US"/>
+          </a:p>
+        </p:txBody>
+      </p:sp>
+      <p:sp>
+        <p:nvSpPr>
+          <p:cNvPr id="91" name="Oval 90"/>
+          <p:cNvSpPr/>
+          <p:nvPr/>
+        </p:nvSpPr>
+        <p:spPr>
+          <a:xfrm>
+            <a:off x="6796888" y="2298165"/>
+            <a:ext cx="432590" cy="389469"/>
+          </a:xfrm>
+          <a:prstGeom prst="ellipse">
+            <a:avLst/>
+          </a:prstGeom>
+          <a:noFill/>
+        </p:spPr>
+        <p:style>
+          <a:lnRef idx="2">
+            <a:schemeClr val="accent1">
+              <a:shade val="50000"/>
+            </a:schemeClr>
+          </a:lnRef>
+          <a:fillRef idx="1">
+            <a:schemeClr val="accent1"/>
+          </a:fillRef>
+          <a:effectRef idx="0">
+            <a:schemeClr val="accent1"/>
+          </a:effectRef>
+          <a:fontRef idx="minor">
+            <a:schemeClr val="lt1"/>
+          </a:fontRef>
+        </p:style>
+        <p:txBody>
+          <a:bodyPr rtlCol="0" anchor="ctr"/>
+          <a:lstStyle/>
+          <a:p>
+            <a:pPr algn="ctr"/>
+            <a:endParaRPr lang="en-US"/>
+          </a:p>
+        </p:txBody>
+      </p:sp>
+      <p:sp>
+        <p:nvSpPr>
+          <p:cNvPr id="92" name="Oval 91"/>
+          <p:cNvSpPr/>
+          <p:nvPr/>
+        </p:nvSpPr>
+        <p:spPr>
+          <a:xfrm>
+            <a:off x="6813820" y="1705498"/>
+            <a:ext cx="432590" cy="389469"/>
+          </a:xfrm>
+          <a:prstGeom prst="ellipse">
+            <a:avLst/>
+          </a:prstGeom>
+          <a:noFill/>
+        </p:spPr>
+        <p:style>
+          <a:lnRef idx="2">
+            <a:schemeClr val="accent1">
+              <a:shade val="50000"/>
+            </a:schemeClr>
+          </a:lnRef>
+          <a:fillRef idx="1">
+            <a:schemeClr val="accent1"/>
+          </a:fillRef>
+          <a:effectRef idx="0">
+            <a:schemeClr val="accent1"/>
+          </a:effectRef>
+          <a:fontRef idx="minor">
+            <a:schemeClr val="lt1"/>
+          </a:fontRef>
+        </p:style>
+        <p:txBody>
+          <a:bodyPr rtlCol="0" anchor="ctr"/>
+          <a:lstStyle/>
+          <a:p>
+            <a:pPr algn="ctr"/>
+            <a:endParaRPr lang="en-US"/>
+          </a:p>
+        </p:txBody>
+      </p:sp>
+      <p:sp>
+        <p:nvSpPr>
+          <p:cNvPr id="94" name="Oval 93"/>
+          <p:cNvSpPr/>
+          <p:nvPr/>
+        </p:nvSpPr>
+        <p:spPr>
+          <a:xfrm>
+            <a:off x="6813820" y="3730875"/>
+            <a:ext cx="432590" cy="389469"/>
+          </a:xfrm>
+          <a:prstGeom prst="ellipse">
+            <a:avLst/>
+          </a:prstGeom>
+          <a:noFill/>
+        </p:spPr>
+        <p:style>
+          <a:lnRef idx="2">
+            <a:schemeClr val="accent1">
+              <a:shade val="50000"/>
+            </a:schemeClr>
+          </a:lnRef>
+          <a:fillRef idx="1">
+            <a:schemeClr val="accent1"/>
+          </a:fillRef>
+          <a:effectRef idx="0">
+            <a:schemeClr val="accent1"/>
+          </a:effectRef>
+          <a:fontRef idx="minor">
+            <a:schemeClr val="lt1"/>
+          </a:fontRef>
+        </p:style>
+        <p:txBody>
+          <a:bodyPr rtlCol="0" anchor="ctr"/>
+          <a:lstStyle/>
+          <a:p>
+            <a:pPr algn="ctr"/>
+            <a:endParaRPr lang="en-US"/>
+          </a:p>
+        </p:txBody>
+      </p:sp>
+      <p:cxnSp>
+        <p:nvCxnSpPr>
+          <p:cNvPr id="96" name="Straight Connector 95"/>
+          <p:cNvCxnSpPr>
+            <a:stCxn id="44" idx="6"/>
+            <a:endCxn id="91" idx="2"/>
+          </p:cNvCxnSpPr>
+          <p:nvPr/>
+        </p:nvCxnSpPr>
+        <p:spPr>
+          <a:xfrm flipV="1">
+            <a:off x="6248395" y="2492900"/>
+            <a:ext cx="548493" cy="4768"/>
+          </a:xfrm>
+          <a:prstGeom prst="line">
+            <a:avLst/>
+          </a:prstGeom>
+        </p:spPr>
+        <p:style>
+          <a:lnRef idx="1">
+            <a:schemeClr val="accent1"/>
+          </a:lnRef>
+          <a:fillRef idx="0">
+            <a:schemeClr val="accent1"/>
+          </a:fillRef>
+          <a:effectRef idx="0">
+            <a:schemeClr val="accent1"/>
+          </a:effectRef>
+          <a:fontRef idx="minor">
+            <a:schemeClr val="tx1"/>
+          </a:fontRef>
+        </p:style>
+      </p:cxnSp>
+      <p:cxnSp>
+        <p:nvCxnSpPr>
+          <p:cNvPr id="97" name="Straight Connector 96"/>
+          <p:cNvCxnSpPr>
+            <a:stCxn id="44" idx="6"/>
+            <a:endCxn id="90" idx="2"/>
+          </p:cNvCxnSpPr>
+          <p:nvPr/>
+        </p:nvCxnSpPr>
+        <p:spPr>
+          <a:xfrm>
+            <a:off x="6248395" y="2497668"/>
+            <a:ext cx="548493" cy="650078"/>
+          </a:xfrm>
+          <a:prstGeom prst="line">
+            <a:avLst/>
+          </a:prstGeom>
+        </p:spPr>
+        <p:style>
+          <a:lnRef idx="1">
+            <a:schemeClr val="accent1"/>
+          </a:lnRef>
+          <a:fillRef idx="0">
+            <a:schemeClr val="accent1"/>
+          </a:fillRef>
+          <a:effectRef idx="0">
+            <a:schemeClr val="accent1"/>
+          </a:effectRef>
+          <a:fontRef idx="minor">
+            <a:schemeClr val="tx1"/>
+          </a:fontRef>
+        </p:style>
+      </p:cxnSp>
+      <p:cxnSp>
+        <p:nvCxnSpPr>
+          <p:cNvPr id="102" name="Straight Connector 101"/>
+          <p:cNvCxnSpPr>
+            <a:stCxn id="44" idx="6"/>
+            <a:endCxn id="94" idx="2"/>
+          </p:cNvCxnSpPr>
+          <p:nvPr/>
+        </p:nvCxnSpPr>
+        <p:spPr>
+          <a:xfrm>
+            <a:off x="6248395" y="2497668"/>
+            <a:ext cx="565425" cy="1427942"/>
+          </a:xfrm>
+          <a:prstGeom prst="line">
+            <a:avLst/>
+          </a:prstGeom>
+        </p:spPr>
+        <p:style>
+          <a:lnRef idx="1">
+            <a:schemeClr val="accent1"/>
+          </a:lnRef>
+          <a:fillRef idx="0">
+            <a:schemeClr val="accent1"/>
+          </a:fillRef>
+          <a:effectRef idx="0">
+            <a:schemeClr val="accent1"/>
+          </a:effectRef>
+          <a:fontRef idx="minor">
+            <a:schemeClr val="tx1"/>
+          </a:fontRef>
+        </p:style>
+      </p:cxnSp>
+      <p:cxnSp>
+        <p:nvCxnSpPr>
+          <p:cNvPr id="103" name="Straight Connector 102"/>
+          <p:cNvCxnSpPr>
+            <a:stCxn id="43" idx="6"/>
+            <a:endCxn id="91" idx="2"/>
+          </p:cNvCxnSpPr>
+          <p:nvPr/>
+        </p:nvCxnSpPr>
+        <p:spPr>
+          <a:xfrm flipV="1">
+            <a:off x="6248395" y="2492900"/>
+            <a:ext cx="548493" cy="659614"/>
+          </a:xfrm>
+          <a:prstGeom prst="line">
+            <a:avLst/>
+          </a:prstGeom>
+        </p:spPr>
+        <p:style>
+          <a:lnRef idx="1">
+            <a:schemeClr val="accent1"/>
+          </a:lnRef>
+          <a:fillRef idx="0">
+            <a:schemeClr val="accent1"/>
+          </a:fillRef>
+          <a:effectRef idx="0">
+            <a:schemeClr val="accent1"/>
+          </a:effectRef>
+          <a:fontRef idx="minor">
+            <a:schemeClr val="tx1"/>
+          </a:fontRef>
+        </p:style>
+      </p:cxnSp>
+      <p:cxnSp>
+        <p:nvCxnSpPr>
+          <p:cNvPr id="104" name="Straight Connector 103"/>
+          <p:cNvCxnSpPr>
+            <a:stCxn id="43" idx="6"/>
+            <a:endCxn id="90" idx="2"/>
+          </p:cNvCxnSpPr>
+          <p:nvPr/>
+        </p:nvCxnSpPr>
+        <p:spPr>
+          <a:xfrm flipV="1">
+            <a:off x="6248395" y="3147746"/>
+            <a:ext cx="548493" cy="4768"/>
+          </a:xfrm>
+          <a:prstGeom prst="line">
+            <a:avLst/>
+          </a:prstGeom>
+        </p:spPr>
+        <p:style>
+          <a:lnRef idx="1">
+            <a:schemeClr val="accent1"/>
+          </a:lnRef>
+          <a:fillRef idx="0">
+            <a:schemeClr val="accent1"/>
+          </a:fillRef>
+          <a:effectRef idx="0">
+            <a:schemeClr val="accent1"/>
+          </a:effectRef>
+          <a:fontRef idx="minor">
+            <a:schemeClr val="tx1"/>
+          </a:fontRef>
+        </p:style>
+      </p:cxnSp>
+      <p:cxnSp>
+        <p:nvCxnSpPr>
+          <p:cNvPr id="105" name="Straight Connector 104"/>
+          <p:cNvCxnSpPr>
+            <a:stCxn id="43" idx="6"/>
+            <a:endCxn id="94" idx="2"/>
+          </p:cNvCxnSpPr>
+          <p:nvPr/>
+        </p:nvCxnSpPr>
+        <p:spPr>
+          <a:xfrm>
+            <a:off x="6248395" y="3152514"/>
+            <a:ext cx="565425" cy="773096"/>
+          </a:xfrm>
+          <a:prstGeom prst="line">
+            <a:avLst/>
+          </a:prstGeom>
+        </p:spPr>
+        <p:style>
+          <a:lnRef idx="1">
+            <a:schemeClr val="accent1"/>
+          </a:lnRef>
+          <a:fillRef idx="0">
+            <a:schemeClr val="accent1"/>
+          </a:fillRef>
+          <a:effectRef idx="0">
+            <a:schemeClr val="accent1"/>
+          </a:effectRef>
+          <a:fontRef idx="minor">
+            <a:schemeClr val="tx1"/>
+          </a:fontRef>
+        </p:style>
+      </p:cxnSp>
+      <p:cxnSp>
+        <p:nvCxnSpPr>
+          <p:cNvPr id="106" name="Straight Connector 105"/>
+          <p:cNvCxnSpPr>
+            <a:stCxn id="47" idx="6"/>
+            <a:endCxn id="91" idx="2"/>
+          </p:cNvCxnSpPr>
+          <p:nvPr/>
+        </p:nvCxnSpPr>
+        <p:spPr>
+          <a:xfrm flipV="1">
+            <a:off x="6265327" y="2492900"/>
+            <a:ext cx="531561" cy="1437478"/>
+          </a:xfrm>
+          <a:prstGeom prst="line">
+            <a:avLst/>
+          </a:prstGeom>
+        </p:spPr>
+        <p:style>
+          <a:lnRef idx="1">
+            <a:schemeClr val="accent1"/>
+          </a:lnRef>
+          <a:fillRef idx="0">
+            <a:schemeClr val="accent1"/>
+          </a:fillRef>
+          <a:effectRef idx="0">
+            <a:schemeClr val="accent1"/>
+          </a:effectRef>
+          <a:fontRef idx="minor">
+            <a:schemeClr val="tx1"/>
+          </a:fontRef>
+        </p:style>
+      </p:cxnSp>
+      <p:cxnSp>
+        <p:nvCxnSpPr>
+          <p:cNvPr id="107" name="Straight Connector 106"/>
+          <p:cNvCxnSpPr>
+            <a:stCxn id="47" idx="6"/>
+            <a:endCxn id="94" idx="2"/>
+          </p:cNvCxnSpPr>
+          <p:nvPr/>
+        </p:nvCxnSpPr>
+        <p:spPr>
+          <a:xfrm flipV="1">
+            <a:off x="6265327" y="3925610"/>
+            <a:ext cx="548493" cy="4768"/>
+          </a:xfrm>
+          <a:prstGeom prst="line">
+            <a:avLst/>
+          </a:prstGeom>
+        </p:spPr>
+        <p:style>
+          <a:lnRef idx="1">
+            <a:schemeClr val="accent1"/>
+          </a:lnRef>
+          <a:fillRef idx="0">
+            <a:schemeClr val="accent1"/>
+          </a:fillRef>
+          <a:effectRef idx="0">
+            <a:schemeClr val="accent1"/>
+          </a:effectRef>
+          <a:fontRef idx="minor">
+            <a:schemeClr val="tx1"/>
+          </a:fontRef>
+        </p:style>
+      </p:cxnSp>
+      <p:cxnSp>
+        <p:nvCxnSpPr>
+          <p:cNvPr id="108" name="Straight Connector 107"/>
+          <p:cNvCxnSpPr>
+            <a:stCxn id="47" idx="6"/>
+            <a:endCxn id="90" idx="2"/>
+          </p:cNvCxnSpPr>
+          <p:nvPr/>
+        </p:nvCxnSpPr>
+        <p:spPr>
+          <a:xfrm flipV="1">
+            <a:off x="6265327" y="3147746"/>
+            <a:ext cx="531561" cy="782632"/>
+          </a:xfrm>
+          <a:prstGeom prst="line">
+            <a:avLst/>
+          </a:prstGeom>
+        </p:spPr>
+        <p:style>
+          <a:lnRef idx="1">
+            <a:schemeClr val="accent1"/>
+          </a:lnRef>
+          <a:fillRef idx="0">
+            <a:schemeClr val="accent1"/>
+          </a:fillRef>
+          <a:effectRef idx="0">
+            <a:schemeClr val="accent1"/>
+          </a:effectRef>
+          <a:fontRef idx="minor">
+            <a:schemeClr val="tx1"/>
+          </a:fontRef>
+        </p:style>
+      </p:cxnSp>
+      <p:cxnSp>
+        <p:nvCxnSpPr>
+          <p:cNvPr id="109" name="Straight Connector 108"/>
+          <p:cNvCxnSpPr>
+            <a:stCxn id="46" idx="6"/>
+            <a:endCxn id="91" idx="2"/>
+          </p:cNvCxnSpPr>
+          <p:nvPr/>
+        </p:nvCxnSpPr>
+        <p:spPr>
+          <a:xfrm>
+            <a:off x="6265327" y="1905001"/>
+            <a:ext cx="531561" cy="587899"/>
+          </a:xfrm>
+          <a:prstGeom prst="line">
+            <a:avLst/>
+          </a:prstGeom>
+        </p:spPr>
+        <p:style>
+          <a:lnRef idx="1">
+            <a:schemeClr val="accent1"/>
+          </a:lnRef>
+          <a:fillRef idx="0">
+            <a:schemeClr val="accent1"/>
+          </a:fillRef>
+          <a:effectRef idx="0">
+            <a:schemeClr val="accent1"/>
+          </a:effectRef>
+          <a:fontRef idx="minor">
+            <a:schemeClr val="tx1"/>
+          </a:fontRef>
+        </p:style>
+      </p:cxnSp>
+      <p:cxnSp>
+        <p:nvCxnSpPr>
+          <p:cNvPr id="110" name="Straight Connector 109"/>
+          <p:cNvCxnSpPr>
+            <a:stCxn id="46" idx="6"/>
+            <a:endCxn id="90" idx="2"/>
+          </p:cNvCxnSpPr>
+          <p:nvPr/>
+        </p:nvCxnSpPr>
+        <p:spPr>
+          <a:xfrm>
+            <a:off x="6265327" y="1905001"/>
+            <a:ext cx="531561" cy="1242745"/>
+          </a:xfrm>
+          <a:prstGeom prst="line">
+            <a:avLst/>
+          </a:prstGeom>
+        </p:spPr>
+        <p:style>
+          <a:lnRef idx="1">
+            <a:schemeClr val="accent1"/>
+          </a:lnRef>
+          <a:fillRef idx="0">
+            <a:schemeClr val="accent1"/>
+          </a:fillRef>
+          <a:effectRef idx="0">
+            <a:schemeClr val="accent1"/>
+          </a:effectRef>
+          <a:fontRef idx="minor">
+            <a:schemeClr val="tx1"/>
+          </a:fontRef>
+        </p:style>
+      </p:cxnSp>
+      <p:cxnSp>
+        <p:nvCxnSpPr>
+          <p:cNvPr id="111" name="Straight Connector 110"/>
+          <p:cNvCxnSpPr>
+            <a:stCxn id="46" idx="6"/>
+            <a:endCxn id="94" idx="2"/>
+          </p:cNvCxnSpPr>
+          <p:nvPr/>
+        </p:nvCxnSpPr>
+        <p:spPr>
+          <a:xfrm>
+            <a:off x="6265327" y="1905001"/>
+            <a:ext cx="548493" cy="2020609"/>
+          </a:xfrm>
+          <a:prstGeom prst="line">
+            <a:avLst/>
+          </a:prstGeom>
+        </p:spPr>
+        <p:style>
+          <a:lnRef idx="1">
+            <a:schemeClr val="accent1"/>
+          </a:lnRef>
+          <a:fillRef idx="0">
+            <a:schemeClr val="accent1"/>
+          </a:fillRef>
+          <a:effectRef idx="0">
+            <a:schemeClr val="accent1"/>
+          </a:effectRef>
+          <a:fontRef idx="minor">
+            <a:schemeClr val="tx1"/>
+          </a:fontRef>
+        </p:style>
+      </p:cxnSp>
+      <p:cxnSp>
+        <p:nvCxnSpPr>
+          <p:cNvPr id="112" name="Straight Connector 111"/>
+          <p:cNvCxnSpPr>
+            <a:stCxn id="91" idx="6"/>
+            <a:endCxn id="65" idx="2"/>
+          </p:cNvCxnSpPr>
+          <p:nvPr/>
+        </p:nvCxnSpPr>
+        <p:spPr>
+          <a:xfrm flipV="1">
+            <a:off x="7229478" y="2469095"/>
+            <a:ext cx="584457" cy="23805"/>
+          </a:xfrm>
+          <a:prstGeom prst="line">
+            <a:avLst/>
+          </a:prstGeom>
+        </p:spPr>
+        <p:style>
+          <a:lnRef idx="1">
+            <a:schemeClr val="accent1"/>
+          </a:lnRef>
+          <a:fillRef idx="0">
+            <a:schemeClr val="accent1"/>
+          </a:fillRef>
+          <a:effectRef idx="0">
+            <a:schemeClr val="accent1"/>
+          </a:effectRef>
+          <a:fontRef idx="minor">
+            <a:schemeClr val="tx1"/>
+          </a:fontRef>
+        </p:style>
+      </p:cxnSp>
+      <p:cxnSp>
+        <p:nvCxnSpPr>
+          <p:cNvPr id="113" name="Straight Connector 112"/>
+          <p:cNvCxnSpPr>
+            <a:stCxn id="91" idx="6"/>
+            <a:endCxn id="64" idx="2"/>
+          </p:cNvCxnSpPr>
+          <p:nvPr/>
+        </p:nvCxnSpPr>
+        <p:spPr>
+          <a:xfrm>
+            <a:off x="7229478" y="2492900"/>
+            <a:ext cx="584457" cy="631041"/>
+          </a:xfrm>
+          <a:prstGeom prst="line">
+            <a:avLst/>
+          </a:prstGeom>
+        </p:spPr>
+        <p:style>
+          <a:lnRef idx="1">
+            <a:schemeClr val="accent1"/>
+          </a:lnRef>
+          <a:fillRef idx="0">
+            <a:schemeClr val="accent1"/>
+          </a:fillRef>
+          <a:effectRef idx="0">
+            <a:schemeClr val="accent1"/>
+          </a:effectRef>
+          <a:fontRef idx="minor">
+            <a:schemeClr val="tx1"/>
+          </a:fontRef>
+        </p:style>
+      </p:cxnSp>
+      <p:cxnSp>
+        <p:nvCxnSpPr>
+          <p:cNvPr id="114" name="Straight Connector 113"/>
+          <p:cNvCxnSpPr>
+            <a:stCxn id="91" idx="6"/>
+            <a:endCxn id="68" idx="2"/>
+          </p:cNvCxnSpPr>
+          <p:nvPr/>
+        </p:nvCxnSpPr>
+        <p:spPr>
+          <a:xfrm>
+            <a:off x="7229478" y="2492900"/>
+            <a:ext cx="601389" cy="1408905"/>
+          </a:xfrm>
+          <a:prstGeom prst="line">
+            <a:avLst/>
+          </a:prstGeom>
+        </p:spPr>
+        <p:style>
+          <a:lnRef idx="1">
+            <a:schemeClr val="accent1"/>
+          </a:lnRef>
+          <a:fillRef idx="0">
+            <a:schemeClr val="accent1"/>
+          </a:fillRef>
+          <a:effectRef idx="0">
+            <a:schemeClr val="accent1"/>
+          </a:effectRef>
+          <a:fontRef idx="minor">
+            <a:schemeClr val="tx1"/>
+          </a:fontRef>
+        </p:style>
+      </p:cxnSp>
+      <p:cxnSp>
+        <p:nvCxnSpPr>
+          <p:cNvPr id="115" name="Straight Connector 114"/>
+          <p:cNvCxnSpPr>
+            <a:stCxn id="90" idx="6"/>
+            <a:endCxn id="65" idx="2"/>
+          </p:cNvCxnSpPr>
+          <p:nvPr/>
+        </p:nvCxnSpPr>
+        <p:spPr>
+          <a:xfrm flipV="1">
+            <a:off x="7229478" y="2469095"/>
+            <a:ext cx="584457" cy="678651"/>
+          </a:xfrm>
+          <a:prstGeom prst="line">
+            <a:avLst/>
+          </a:prstGeom>
+        </p:spPr>
+        <p:style>
+          <a:lnRef idx="1">
+            <a:schemeClr val="accent1"/>
+          </a:lnRef>
+          <a:fillRef idx="0">
+            <a:schemeClr val="accent1"/>
+          </a:fillRef>
+          <a:effectRef idx="0">
+            <a:schemeClr val="accent1"/>
+          </a:effectRef>
+          <a:fontRef idx="minor">
+            <a:schemeClr val="tx1"/>
+          </a:fontRef>
+        </p:style>
+      </p:cxnSp>
+      <p:cxnSp>
+        <p:nvCxnSpPr>
+          <p:cNvPr id="116" name="Straight Connector 115"/>
+          <p:cNvCxnSpPr>
+            <a:stCxn id="90" idx="6"/>
+            <a:endCxn id="64" idx="2"/>
+          </p:cNvCxnSpPr>
+          <p:nvPr/>
+        </p:nvCxnSpPr>
+        <p:spPr>
+          <a:xfrm flipV="1">
+            <a:off x="7229478" y="3123941"/>
+            <a:ext cx="584457" cy="23805"/>
+          </a:xfrm>
+          <a:prstGeom prst="line">
+            <a:avLst/>
+          </a:prstGeom>
+        </p:spPr>
+        <p:style>
+          <a:lnRef idx="1">
+            <a:schemeClr val="accent1"/>
+          </a:lnRef>
+          <a:fillRef idx="0">
+            <a:schemeClr val="accent1"/>
+          </a:fillRef>
+          <a:effectRef idx="0">
+            <a:schemeClr val="accent1"/>
+          </a:effectRef>
+          <a:fontRef idx="minor">
+            <a:schemeClr val="tx1"/>
+          </a:fontRef>
+        </p:style>
+      </p:cxnSp>
+      <p:cxnSp>
+        <p:nvCxnSpPr>
+          <p:cNvPr id="117" name="Straight Connector 116"/>
+          <p:cNvCxnSpPr>
+            <a:stCxn id="90" idx="6"/>
+            <a:endCxn id="68" idx="2"/>
+          </p:cNvCxnSpPr>
+          <p:nvPr/>
+        </p:nvCxnSpPr>
+        <p:spPr>
+          <a:xfrm>
+            <a:off x="7229478" y="3147746"/>
+            <a:ext cx="601389" cy="754059"/>
+          </a:xfrm>
+          <a:prstGeom prst="line">
+            <a:avLst/>
+          </a:prstGeom>
+        </p:spPr>
+        <p:style>
+          <a:lnRef idx="1">
+            <a:schemeClr val="accent1"/>
+          </a:lnRef>
+          <a:fillRef idx="0">
+            <a:schemeClr val="accent1"/>
+          </a:fillRef>
+          <a:effectRef idx="0">
+            <a:schemeClr val="accent1"/>
+          </a:effectRef>
+          <a:fontRef idx="minor">
+            <a:schemeClr val="tx1"/>
+          </a:fontRef>
+        </p:style>
+      </p:cxnSp>
+      <p:cxnSp>
+        <p:nvCxnSpPr>
+          <p:cNvPr id="118" name="Straight Connector 117"/>
+          <p:cNvCxnSpPr>
+            <a:stCxn id="94" idx="6"/>
+            <a:endCxn id="65" idx="2"/>
+          </p:cNvCxnSpPr>
+          <p:nvPr/>
+        </p:nvCxnSpPr>
+        <p:spPr>
+          <a:xfrm flipV="1">
+            <a:off x="7246410" y="2469095"/>
+            <a:ext cx="567525" cy="1456515"/>
+          </a:xfrm>
+          <a:prstGeom prst="line">
+            <a:avLst/>
+          </a:prstGeom>
+        </p:spPr>
+        <p:style>
+          <a:lnRef idx="1">
+            <a:schemeClr val="accent1"/>
+          </a:lnRef>
+          <a:fillRef idx="0">
+            <a:schemeClr val="accent1"/>
+          </a:fillRef>
+          <a:effectRef idx="0">
+            <a:schemeClr val="accent1"/>
+          </a:effectRef>
+          <a:fontRef idx="minor">
+            <a:schemeClr val="tx1"/>
+          </a:fontRef>
+        </p:style>
+      </p:cxnSp>
+      <p:cxnSp>
+        <p:nvCxnSpPr>
+          <p:cNvPr id="119" name="Straight Connector 118"/>
+          <p:cNvCxnSpPr>
+            <a:stCxn id="94" idx="6"/>
+            <a:endCxn id="68" idx="2"/>
+          </p:cNvCxnSpPr>
+          <p:nvPr/>
+        </p:nvCxnSpPr>
+        <p:spPr>
+          <a:xfrm flipV="1">
+            <a:off x="7246410" y="3901805"/>
+            <a:ext cx="584457" cy="23805"/>
+          </a:xfrm>
+          <a:prstGeom prst="line">
+            <a:avLst/>
+          </a:prstGeom>
+        </p:spPr>
+        <p:style>
+          <a:lnRef idx="1">
+            <a:schemeClr val="accent1"/>
+          </a:lnRef>
+          <a:fillRef idx="0">
+            <a:schemeClr val="accent1"/>
+          </a:fillRef>
+          <a:effectRef idx="0">
+            <a:schemeClr val="accent1"/>
+          </a:effectRef>
+          <a:fontRef idx="minor">
+            <a:schemeClr val="tx1"/>
+          </a:fontRef>
+        </p:style>
+      </p:cxnSp>
+      <p:cxnSp>
+        <p:nvCxnSpPr>
+          <p:cNvPr id="120" name="Straight Connector 119"/>
+          <p:cNvCxnSpPr>
+            <a:stCxn id="94" idx="6"/>
+            <a:endCxn id="64" idx="2"/>
+          </p:cNvCxnSpPr>
+          <p:nvPr/>
+        </p:nvCxnSpPr>
+        <p:spPr>
+          <a:xfrm flipV="1">
+            <a:off x="7246410" y="3123941"/>
+            <a:ext cx="567525" cy="801669"/>
+          </a:xfrm>
+          <a:prstGeom prst="line">
+            <a:avLst/>
+          </a:prstGeom>
+        </p:spPr>
+        <p:style>
+          <a:lnRef idx="1">
+            <a:schemeClr val="accent1"/>
+          </a:lnRef>
+          <a:fillRef idx="0">
+            <a:schemeClr val="accent1"/>
+          </a:fillRef>
+          <a:effectRef idx="0">
+            <a:schemeClr val="accent1"/>
+          </a:effectRef>
+          <a:fontRef idx="minor">
+            <a:schemeClr val="tx1"/>
+          </a:fontRef>
+        </p:style>
+      </p:cxnSp>
+      <p:cxnSp>
+        <p:nvCxnSpPr>
+          <p:cNvPr id="130" name="Straight Connector 129"/>
+          <p:cNvCxnSpPr>
+            <a:stCxn id="92" idx="6"/>
+            <a:endCxn id="65" idx="2"/>
+          </p:cNvCxnSpPr>
+          <p:nvPr/>
+        </p:nvCxnSpPr>
+        <p:spPr>
+          <a:xfrm>
+            <a:off x="7246410" y="1900233"/>
+            <a:ext cx="567525" cy="568862"/>
+          </a:xfrm>
+          <a:prstGeom prst="line">
+            <a:avLst/>
+          </a:prstGeom>
+        </p:spPr>
+        <p:style>
+          <a:lnRef idx="1">
+            <a:schemeClr val="accent1"/>
+          </a:lnRef>
+          <a:fillRef idx="0">
+            <a:schemeClr val="accent1"/>
+          </a:fillRef>
+          <a:effectRef idx="0">
+            <a:schemeClr val="accent1"/>
+          </a:effectRef>
+          <a:fontRef idx="minor">
+            <a:schemeClr val="tx1"/>
+          </a:fontRef>
+        </p:style>
+      </p:cxnSp>
+      <p:cxnSp>
+        <p:nvCxnSpPr>
+          <p:cNvPr id="131" name="Straight Connector 130"/>
+          <p:cNvCxnSpPr>
+            <a:stCxn id="92" idx="6"/>
+            <a:endCxn id="64" idx="2"/>
+          </p:cNvCxnSpPr>
+          <p:nvPr/>
+        </p:nvCxnSpPr>
+        <p:spPr>
+          <a:xfrm>
+            <a:off x="7246410" y="1900233"/>
+            <a:ext cx="567525" cy="1223708"/>
+          </a:xfrm>
+          <a:prstGeom prst="line">
+            <a:avLst/>
+          </a:prstGeom>
+        </p:spPr>
+        <p:style>
+          <a:lnRef idx="1">
+            <a:schemeClr val="accent1"/>
+          </a:lnRef>
+          <a:fillRef idx="0">
+            <a:schemeClr val="accent1"/>
+          </a:fillRef>
+          <a:effectRef idx="0">
+            <a:schemeClr val="accent1"/>
+          </a:effectRef>
+          <a:fontRef idx="minor">
+            <a:schemeClr val="tx1"/>
+          </a:fontRef>
+        </p:style>
+      </p:cxnSp>
+      <p:cxnSp>
+        <p:nvCxnSpPr>
+          <p:cNvPr id="132" name="Straight Connector 131"/>
+          <p:cNvCxnSpPr>
+            <a:stCxn id="92" idx="6"/>
+            <a:endCxn id="68" idx="2"/>
+          </p:cNvCxnSpPr>
+          <p:nvPr/>
+        </p:nvCxnSpPr>
+        <p:spPr>
+          <a:xfrm>
+            <a:off x="7246410" y="1900233"/>
+            <a:ext cx="584457" cy="2001572"/>
+          </a:xfrm>
+          <a:prstGeom prst="line">
+            <a:avLst/>
+          </a:prstGeom>
+        </p:spPr>
+        <p:style>
+          <a:lnRef idx="1">
+            <a:schemeClr val="accent1"/>
+          </a:lnRef>
+          <a:fillRef idx="0">
+            <a:schemeClr val="accent1"/>
+          </a:fillRef>
+          <a:effectRef idx="0">
+            <a:schemeClr val="accent1"/>
+          </a:effectRef>
+          <a:fontRef idx="minor">
+            <a:schemeClr val="tx1"/>
+          </a:fontRef>
+        </p:style>
+      </p:cxnSp>
+      <p:sp>
+        <p:nvSpPr>
+          <p:cNvPr id="84" name="TextBox 83"/>
+          <p:cNvSpPr txBox="1"/>
+          <p:nvPr/>
+        </p:nvSpPr>
+        <p:spPr>
+          <a:xfrm>
+            <a:off x="8743769" y="2516962"/>
+            <a:ext cx="840295" cy="369332"/>
+          </a:xfrm>
+          <a:prstGeom prst="rect">
+            <a:avLst/>
+          </a:prstGeom>
+          <a:noFill/>
+        </p:spPr>
+        <p:txBody>
+          <a:bodyPr wrap="none" rtlCol="0">
+            <a:spAutoFit/>
+          </a:bodyPr>
+          <a:lstStyle/>
+          <a:p>
+            <a:r>
+              <a:rPr lang="en-US" dirty="0" smtClean="0"/>
+              <a:t>Animal</a:t>
+            </a:r>
+            <a:endParaRPr lang="en-US" dirty="0"/>
+          </a:p>
+        </p:txBody>
+      </p:sp>
+      <p:sp>
+        <p:nvSpPr>
+          <p:cNvPr id="86" name="TextBox 85"/>
+          <p:cNvSpPr txBox="1"/>
+          <p:nvPr/>
+        </p:nvSpPr>
+        <p:spPr>
+          <a:xfrm>
+            <a:off x="8809653" y="3284864"/>
+            <a:ext cx="663515" cy="369332"/>
+          </a:xfrm>
+          <a:prstGeom prst="rect">
+            <a:avLst/>
+          </a:prstGeom>
+          <a:noFill/>
+        </p:spPr>
+        <p:txBody>
+          <a:bodyPr wrap="none" rtlCol="0">
+            <a:spAutoFit/>
+          </a:bodyPr>
+          <a:lstStyle/>
+          <a:p>
+            <a:r>
+              <a:rPr lang="en-US" dirty="0" smtClean="0"/>
+              <a:t>Plant</a:t>
+            </a:r>
+            <a:endParaRPr lang="en-US" dirty="0"/>
+          </a:p>
+        </p:txBody>
+      </p:sp>
+      <p:sp>
+        <p:nvSpPr>
+          <p:cNvPr id="88" name="TextBox 87"/>
+          <p:cNvSpPr txBox="1"/>
+          <p:nvPr/>
+        </p:nvSpPr>
+        <p:spPr>
+          <a:xfrm>
+            <a:off x="7694796" y="2255389"/>
+            <a:ext cx="676788" cy="369332"/>
+          </a:xfrm>
+          <a:prstGeom prst="rect">
+            <a:avLst/>
+          </a:prstGeom>
+          <a:noFill/>
+        </p:spPr>
+        <p:txBody>
+          <a:bodyPr wrap="none" rtlCol="0">
+            <a:spAutoFit/>
+          </a:bodyPr>
+          <a:lstStyle/>
+          <a:p>
+            <a:r>
+              <a:rPr lang="en-US" dirty="0" smtClean="0"/>
+              <a:t>Head</a:t>
+            </a:r>
+            <a:endParaRPr lang="en-US" dirty="0"/>
+          </a:p>
+        </p:txBody>
+      </p:sp>
+      <p:sp>
+        <p:nvSpPr>
+          <p:cNvPr id="133" name="TextBox 132"/>
+          <p:cNvSpPr txBox="1"/>
+          <p:nvPr/>
+        </p:nvSpPr>
+        <p:spPr>
+          <a:xfrm>
+            <a:off x="7740888" y="2904529"/>
+            <a:ext cx="577850" cy="369332"/>
+          </a:xfrm>
+          <a:prstGeom prst="rect">
+            <a:avLst/>
+          </a:prstGeom>
+          <a:noFill/>
+        </p:spPr>
+        <p:txBody>
+          <a:bodyPr wrap="none" rtlCol="0">
+            <a:spAutoFit/>
+          </a:bodyPr>
+          <a:lstStyle/>
+          <a:p>
+            <a:r>
+              <a:rPr lang="en-US" dirty="0" smtClean="0"/>
+              <a:t>Leaf</a:t>
+            </a:r>
+            <a:endParaRPr lang="en-US" dirty="0"/>
+          </a:p>
+        </p:txBody>
+      </p:sp>
+      <p:sp>
+        <p:nvSpPr>
+          <p:cNvPr id="134" name="TextBox 133"/>
+          <p:cNvSpPr txBox="1"/>
+          <p:nvPr/>
+        </p:nvSpPr>
+        <p:spPr>
+          <a:xfrm>
+            <a:off x="6736154" y="3723883"/>
+            <a:ext cx="572593" cy="369332"/>
+          </a:xfrm>
+          <a:prstGeom prst="rect">
+            <a:avLst/>
+          </a:prstGeom>
+          <a:noFill/>
+        </p:spPr>
+        <p:txBody>
+          <a:bodyPr wrap="none" rtlCol="0">
+            <a:spAutoFit/>
+          </a:bodyPr>
+          <a:lstStyle/>
+          <a:p>
+            <a:r>
+              <a:rPr lang="en-US" dirty="0" smtClean="0"/>
+              <a:t>Hair</a:t>
+            </a:r>
+            <a:endParaRPr lang="en-US" dirty="0"/>
+          </a:p>
+        </p:txBody>
+      </p:sp>
+      <p:sp>
+        <p:nvSpPr>
+          <p:cNvPr id="135" name="TextBox 134"/>
+          <p:cNvSpPr txBox="1"/>
+          <p:nvPr/>
+        </p:nvSpPr>
+        <p:spPr>
+          <a:xfrm>
+            <a:off x="6587563" y="2221487"/>
+            <a:ext cx="862737" cy="369332"/>
+          </a:xfrm>
+          <a:prstGeom prst="rect">
+            <a:avLst/>
+          </a:prstGeom>
+          <a:noFill/>
+        </p:spPr>
+        <p:txBody>
+          <a:bodyPr wrap="none" rtlCol="0">
+            <a:spAutoFit/>
+          </a:bodyPr>
+          <a:lstStyle/>
+          <a:p>
+            <a:r>
+              <a:rPr lang="en-US" dirty="0" smtClean="0"/>
+              <a:t>Lamina</a:t>
+            </a:r>
+            <a:endParaRPr lang="en-US" dirty="0"/>
+          </a:p>
+        </p:txBody>
+      </p:sp>
+      <p:sp>
+        <p:nvSpPr>
+          <p:cNvPr id="136" name="TextBox 135"/>
+          <p:cNvSpPr txBox="1"/>
+          <p:nvPr/>
+        </p:nvSpPr>
+        <p:spPr>
+          <a:xfrm>
+            <a:off x="6632860" y="2939359"/>
+            <a:ext cx="824265" cy="369332"/>
+          </a:xfrm>
+          <a:prstGeom prst="rect">
+            <a:avLst/>
+          </a:prstGeom>
+          <a:noFill/>
+        </p:spPr>
+        <p:txBody>
+          <a:bodyPr wrap="none" rtlCol="0">
+            <a:spAutoFit/>
+          </a:bodyPr>
+          <a:lstStyle/>
+          <a:p>
+            <a:r>
+              <a:rPr lang="en-US" smtClean="0"/>
+              <a:t>Mouth</a:t>
+            </a:r>
+            <a:endParaRPr lang="en-US" dirty="0"/>
+          </a:p>
+        </p:txBody>
+      </p:sp>
+      <p:sp>
+        <p:nvSpPr>
+          <p:cNvPr id="137" name="TextBox 136"/>
+          <p:cNvSpPr txBox="1"/>
+          <p:nvPr/>
+        </p:nvSpPr>
+        <p:spPr>
+          <a:xfrm>
+            <a:off x="5670603" y="2297951"/>
+            <a:ext cx="718979" cy="369332"/>
+          </a:xfrm>
+          <a:prstGeom prst="rect">
+            <a:avLst/>
+          </a:prstGeom>
+          <a:noFill/>
+        </p:spPr>
+        <p:txBody>
+          <a:bodyPr wrap="none" rtlCol="0">
+            <a:spAutoFit/>
+          </a:bodyPr>
+          <a:lstStyle/>
+          <a:p>
+            <a:r>
+              <a:rPr lang="en-US" dirty="0" smtClean="0"/>
+              <a:t>Tooth</a:t>
+            </a:r>
+            <a:endParaRPr lang="en-US" dirty="0"/>
+          </a:p>
+        </p:txBody>
+      </p:sp>
+    </p:spTree>
+    <p:extLst>
+      <p:ext uri="{BB962C8B-B14F-4D97-AF65-F5344CB8AC3E}">
+        <p14:creationId xmlns:p14="http://schemas.microsoft.com/office/powerpoint/2010/main" val="370896043"/>
       </p:ext>
     </p:extLst>
   </p:cSld>
